--- a/JavaLecture/LectureFile/java 4강 반복문.pptx
+++ b/JavaLecture/LectureFile/java 4강 반복문.pptx
@@ -5,50 +5,52 @@
     <p:sldMasterId id="2147483648" r:id="rId1"/>
   </p:sldMasterIdLst>
   <p:notesMasterIdLst>
-    <p:notesMasterId r:id="rId43"/>
+    <p:notesMasterId r:id="rId45"/>
   </p:notesMasterIdLst>
   <p:sldIdLst>
     <p:sldId id="257" r:id="rId2"/>
     <p:sldId id="258" r:id="rId3"/>
     <p:sldId id="509" r:id="rId4"/>
-    <p:sldId id="510" r:id="rId5"/>
-    <p:sldId id="511" r:id="rId6"/>
-    <p:sldId id="512" r:id="rId7"/>
-    <p:sldId id="259" r:id="rId8"/>
-    <p:sldId id="437" r:id="rId9"/>
-    <p:sldId id="465" r:id="rId10"/>
-    <p:sldId id="484" r:id="rId11"/>
-    <p:sldId id="485" r:id="rId12"/>
-    <p:sldId id="486" r:id="rId13"/>
-    <p:sldId id="494" r:id="rId14"/>
-    <p:sldId id="488" r:id="rId15"/>
-    <p:sldId id="487" r:id="rId16"/>
-    <p:sldId id="502" r:id="rId17"/>
-    <p:sldId id="501" r:id="rId18"/>
-    <p:sldId id="489" r:id="rId19"/>
-    <p:sldId id="503" r:id="rId20"/>
-    <p:sldId id="281" r:id="rId21"/>
-    <p:sldId id="490" r:id="rId22"/>
-    <p:sldId id="491" r:id="rId23"/>
-    <p:sldId id="492" r:id="rId24"/>
-    <p:sldId id="493" r:id="rId25"/>
-    <p:sldId id="495" r:id="rId26"/>
-    <p:sldId id="496" r:id="rId27"/>
-    <p:sldId id="505" r:id="rId28"/>
-    <p:sldId id="504" r:id="rId29"/>
-    <p:sldId id="374" r:id="rId30"/>
-    <p:sldId id="497" r:id="rId31"/>
-    <p:sldId id="499" r:id="rId32"/>
-    <p:sldId id="500" r:id="rId33"/>
-    <p:sldId id="498" r:id="rId34"/>
-    <p:sldId id="506" r:id="rId35"/>
-    <p:sldId id="514" r:id="rId36"/>
-    <p:sldId id="513" r:id="rId37"/>
-    <p:sldId id="385" r:id="rId38"/>
-    <p:sldId id="482" r:id="rId39"/>
-    <p:sldId id="507" r:id="rId40"/>
-    <p:sldId id="508" r:id="rId41"/>
-    <p:sldId id="275" r:id="rId42"/>
+    <p:sldId id="516" r:id="rId5"/>
+    <p:sldId id="510" r:id="rId6"/>
+    <p:sldId id="515" r:id="rId7"/>
+    <p:sldId id="511" r:id="rId8"/>
+    <p:sldId id="512" r:id="rId9"/>
+    <p:sldId id="259" r:id="rId10"/>
+    <p:sldId id="437" r:id="rId11"/>
+    <p:sldId id="465" r:id="rId12"/>
+    <p:sldId id="484" r:id="rId13"/>
+    <p:sldId id="485" r:id="rId14"/>
+    <p:sldId id="486" r:id="rId15"/>
+    <p:sldId id="494" r:id="rId16"/>
+    <p:sldId id="488" r:id="rId17"/>
+    <p:sldId id="487" r:id="rId18"/>
+    <p:sldId id="502" r:id="rId19"/>
+    <p:sldId id="501" r:id="rId20"/>
+    <p:sldId id="489" r:id="rId21"/>
+    <p:sldId id="503" r:id="rId22"/>
+    <p:sldId id="281" r:id="rId23"/>
+    <p:sldId id="490" r:id="rId24"/>
+    <p:sldId id="491" r:id="rId25"/>
+    <p:sldId id="492" r:id="rId26"/>
+    <p:sldId id="493" r:id="rId27"/>
+    <p:sldId id="495" r:id="rId28"/>
+    <p:sldId id="496" r:id="rId29"/>
+    <p:sldId id="505" r:id="rId30"/>
+    <p:sldId id="504" r:id="rId31"/>
+    <p:sldId id="374" r:id="rId32"/>
+    <p:sldId id="497" r:id="rId33"/>
+    <p:sldId id="499" r:id="rId34"/>
+    <p:sldId id="500" r:id="rId35"/>
+    <p:sldId id="498" r:id="rId36"/>
+    <p:sldId id="506" r:id="rId37"/>
+    <p:sldId id="514" r:id="rId38"/>
+    <p:sldId id="513" r:id="rId39"/>
+    <p:sldId id="385" r:id="rId40"/>
+    <p:sldId id="482" r:id="rId41"/>
+    <p:sldId id="507" r:id="rId42"/>
+    <p:sldId id="508" r:id="rId43"/>
+    <p:sldId id="275" r:id="rId44"/>
   </p:sldIdLst>
   <p:sldSz cx="18288000" cy="10287000"/>
   <p:notesSz cx="7104063" cy="10234613"/>
@@ -248,7 +250,7 @@
           <a:p>
             <a:fld id="{D79F2C30-10E1-4C46-91DC-BBDB9629E720}" type="datetimeFigureOut">
               <a:rPr lang="ko-KR" altLang="en-US" smtClean="0"/>
-              <a:t>2023-04-07</a:t>
+              <a:t>2023-10-07 Saturday</a:t>
             </a:fld>
             <a:endParaRPr lang="ko-KR" altLang="en-US"/>
           </a:p>
@@ -583,7 +585,7 @@
           <a:p>
             <a:fld id="{50FC2DCF-6074-47D8-9A40-8DDAA9ED0A57}" type="slidenum">
               <a:rPr lang="ko-KR" altLang="en-US" smtClean="0"/>
-              <a:t>13</a:t>
+              <a:t>15</a:t>
             </a:fld>
             <a:endParaRPr lang="ko-KR" altLang="en-US"/>
           </a:p>
@@ -667,7 +669,7 @@
           <a:p>
             <a:fld id="{50FC2DCF-6074-47D8-9A40-8DDAA9ED0A57}" type="slidenum">
               <a:rPr lang="ko-KR" altLang="en-US" smtClean="0"/>
-              <a:t>38</a:t>
+              <a:t>40</a:t>
             </a:fld>
             <a:endParaRPr lang="ko-KR" altLang="en-US"/>
           </a:p>
@@ -879,7 +881,7 @@
           <a:p>
             <a:fld id="{F8166F1F-CE9B-4651-A6AA-CD717754106B}" type="datetimeFigureOut">
               <a:rPr lang="en-US" smtClean="0"/>
-              <a:t>4/7/2023</a:t>
+              <a:t>10/7/2023</a:t>
             </a:fld>
             <a:endParaRPr lang="en-US"/>
           </a:p>
@@ -948,13 +950,6 @@
   <p:clrMapOvr>
     <a:masterClrMapping/>
   </p:clrMapOvr>
-  <p:timing>
-    <p:tnLst>
-      <p:par>
-        <p:cTn id="1" dur="indefinite" restart="never" nodeType="tmRoot"/>
-      </p:par>
-    </p:tnLst>
-  </p:timing>
 </p:sldLayout>
 </file>
 
@@ -1089,7 +1084,7 @@
           <a:p>
             <a:fld id="{A76116CE-C4A3-4A05-B2D7-7C2E9A889C0F}" type="datetimeFigureOut">
               <a:rPr lang="en-US" smtClean="0"/>
-              <a:t>4/7/2023</a:t>
+              <a:t>10/7/2023</a:t>
             </a:fld>
             <a:endParaRPr lang="en-US"/>
           </a:p>
@@ -1292,7 +1287,7 @@
           <a:p>
             <a:fld id="{A76116CE-C4A3-4A05-B2D7-7C2E9A889C0F}" type="datetimeFigureOut">
               <a:rPr lang="en-US" smtClean="0"/>
-              <a:t>4/7/2023</a:t>
+              <a:t>10/7/2023</a:t>
             </a:fld>
             <a:endParaRPr lang="en-US"/>
           </a:p>
@@ -1497,7 +1492,7 @@
           <a:p>
             <a:fld id="{A76116CE-C4A3-4A05-B2D7-7C2E9A889C0F}" type="datetimeFigureOut">
               <a:rPr lang="en-US" smtClean="0"/>
-              <a:t>4/7/2023</a:t>
+              <a:t>10/7/2023</a:t>
             </a:fld>
             <a:endParaRPr lang="en-US"/>
           </a:p>
@@ -1767,7 +1762,7 @@
           <a:p>
             <a:fld id="{A76116CE-C4A3-4A05-B2D7-7C2E9A889C0F}" type="datetimeFigureOut">
               <a:rPr lang="en-US" smtClean="0"/>
-              <a:t>4/7/2023</a:t>
+              <a:t>10/7/2023</a:t>
             </a:fld>
             <a:endParaRPr lang="en-US"/>
           </a:p>
@@ -2085,7 +2080,7 @@
           <a:p>
             <a:fld id="{A76116CE-C4A3-4A05-B2D7-7C2E9A889C0F}" type="datetimeFigureOut">
               <a:rPr lang="en-US" smtClean="0"/>
-              <a:t>4/7/2023</a:t>
+              <a:t>10/7/2023</a:t>
             </a:fld>
             <a:endParaRPr lang="en-US"/>
           </a:p>
@@ -2543,7 +2538,7 @@
           <a:p>
             <a:fld id="{A76116CE-C4A3-4A05-B2D7-7C2E9A889C0F}" type="datetimeFigureOut">
               <a:rPr lang="en-US" smtClean="0"/>
-              <a:t>4/7/2023</a:t>
+              <a:t>10/7/2023</a:t>
             </a:fld>
             <a:endParaRPr lang="en-US"/>
           </a:p>
@@ -2687,7 +2682,7 @@
           <a:p>
             <a:fld id="{A76116CE-C4A3-4A05-B2D7-7C2E9A889C0F}" type="datetimeFigureOut">
               <a:rPr lang="en-US" smtClean="0"/>
-              <a:t>4/7/2023</a:t>
+              <a:t>10/7/2023</a:t>
             </a:fld>
             <a:endParaRPr lang="en-US"/>
           </a:p>
@@ -2801,7 +2796,7 @@
           <a:p>
             <a:fld id="{A76116CE-C4A3-4A05-B2D7-7C2E9A889C0F}" type="datetimeFigureOut">
               <a:rPr lang="en-US" smtClean="0"/>
-              <a:t>4/7/2023</a:t>
+              <a:t>10/7/2023</a:t>
             </a:fld>
             <a:endParaRPr lang="en-US"/>
           </a:p>
@@ -3104,7 +3099,7 @@
           <a:p>
             <a:fld id="{A76116CE-C4A3-4A05-B2D7-7C2E9A889C0F}" type="datetimeFigureOut">
               <a:rPr lang="en-US" smtClean="0"/>
-              <a:t>4/7/2023</a:t>
+              <a:t>10/7/2023</a:t>
             </a:fld>
             <a:endParaRPr lang="en-US"/>
           </a:p>
@@ -3384,7 +3379,7 @@
           <a:p>
             <a:fld id="{A76116CE-C4A3-4A05-B2D7-7C2E9A889C0F}" type="datetimeFigureOut">
               <a:rPr lang="en-US" smtClean="0"/>
-              <a:t>4/7/2023</a:t>
+              <a:t>10/7/2023</a:t>
             </a:fld>
             <a:endParaRPr lang="en-US"/>
           </a:p>
@@ -3501,7 +3496,7 @@
           <a:lstStyle/>
           <a:p>
             <a:r>
-              <a:rPr lang="en-US" altLang="ko-KR" sz="2800" smtClean="0">
+              <a:rPr lang="en-US" altLang="ko-KR" sz="2800">
                 <a:solidFill>
                   <a:srgbClr val="4C50BC">
                     <a:alpha val="20000"/>
@@ -3547,7 +3542,7 @@
           <a:lstStyle/>
           <a:p>
             <a:r>
-              <a:rPr lang="en-US" altLang="ko-KR" sz="2800" smtClean="0">
+              <a:rPr lang="en-US" altLang="ko-KR" sz="2800">
                 <a:solidFill>
                   <a:srgbClr val="4C50BC">
                     <a:alpha val="20000"/>
@@ -3586,13 +3581,6 @@
     <p:sldLayoutId id="2147483658" r:id="rId10"/>
     <p:sldLayoutId id="2147483659" r:id="rId11"/>
   </p:sldLayoutIdLst>
-  <p:timing>
-    <p:tnLst>
-      <p:par>
-        <p:cTn id="1" dur="indefinite" restart="never" nodeType="tmRoot"/>
-      </p:par>
-    </p:tnLst>
-  </p:timing>
   <p:txStyles>
     <p:titleStyle>
       <a:lvl1pPr algn="ctr" defTabSz="914400" rtl="0" eaLnBrk="1" latinLnBrk="0" hangingPunct="1">
@@ -4149,7 +4137,7 @@
           <p:cNvPr id="2" name="TextBox 1">
             <a:extLst>
               <a:ext uri="{FF2B5EF4-FFF2-40B4-BE49-F238E27FC236}">
-                <a16:creationId xmlns="" xmlns:a16="http://schemas.microsoft.com/office/drawing/2014/main" id="{E9A453A8-9968-67AB-7B4A-83EEB4662AA6}"/>
+                <a16:creationId xmlns:a16="http://schemas.microsoft.com/office/drawing/2014/main" id="{E9A453A8-9968-67AB-7B4A-83EEB4662AA6}"/>
               </a:ext>
             </a:extLst>
           </p:cNvPr>
@@ -4197,7 +4185,7 @@
           <p:cNvPr id="4" name="TextBox 3">
             <a:extLst>
               <a:ext uri="{FF2B5EF4-FFF2-40B4-BE49-F238E27FC236}">
-                <a16:creationId xmlns="" xmlns:a16="http://schemas.microsoft.com/office/drawing/2014/main" id="{F4B7A35A-8AAC-4622-64BC-CAD1472D4115}"/>
+                <a16:creationId xmlns:a16="http://schemas.microsoft.com/office/drawing/2014/main" id="{F4B7A35A-8AAC-4622-64BC-CAD1472D4115}"/>
               </a:ext>
             </a:extLst>
           </p:cNvPr>
@@ -4269,7 +4257,7 @@
           <p:cNvPr id="7" name="TextBox 6">
             <a:extLst>
               <a:ext uri="{FF2B5EF4-FFF2-40B4-BE49-F238E27FC236}">
-                <a16:creationId xmlns="" xmlns:a16="http://schemas.microsoft.com/office/drawing/2014/main" id="{3ACE900A-D779-4343-6623-8588B376F0A1}"/>
+                <a16:creationId xmlns:a16="http://schemas.microsoft.com/office/drawing/2014/main" id="{3ACE900A-D779-4343-6623-8588B376F0A1}"/>
               </a:ext>
             </a:extLst>
           </p:cNvPr>
@@ -4308,13 +4296,6 @@
   <p:clrMapOvr>
     <a:masterClrMapping/>
   </p:clrMapOvr>
-  <p:timing>
-    <p:tnLst>
-      <p:par>
-        <p:cTn id="1" dur="indefinite" restart="never" nodeType="tmRoot"/>
-      </p:par>
-    </p:tnLst>
-  </p:timing>
 </p:sld>
 </file>
 
@@ -4337,10 +4318,235 @@
       </p:grpSpPr>
       <p:sp>
         <p:nvSpPr>
-          <p:cNvPr id="4" name="TextBox 3">
+          <p:cNvPr id="15" name="다이아몬드 14"/>
+          <p:cNvSpPr/>
+          <p:nvPr/>
+        </p:nvSpPr>
+        <p:spPr>
+          <a:xfrm>
+            <a:off x="8513989" y="1943100"/>
+            <a:ext cx="1828800" cy="2057400"/>
+          </a:xfrm>
+          <a:prstGeom prst="diamond">
+            <a:avLst/>
+          </a:prstGeom>
+          <a:noFill/>
+          <a:ln>
+            <a:solidFill>
+              <a:srgbClr val="4C50BC"/>
+            </a:solidFill>
+          </a:ln>
+        </p:spPr>
+        <p:style>
+          <a:lnRef idx="2">
+            <a:schemeClr val="accent1">
+              <a:shade val="50000"/>
+            </a:schemeClr>
+          </a:lnRef>
+          <a:fillRef idx="1">
+            <a:schemeClr val="accent1"/>
+          </a:fillRef>
+          <a:effectRef idx="0">
+            <a:schemeClr val="accent1"/>
+          </a:effectRef>
+          <a:fontRef idx="minor">
+            <a:schemeClr val="lt1"/>
+          </a:fontRef>
+        </p:style>
+        <p:txBody>
+          <a:bodyPr rtlCol="0" anchor="ctr"/>
+          <a:lstStyle/>
+          <a:p>
+            <a:pPr algn="ctr"/>
+            <a:endParaRPr lang="ko-KR" altLang="en-US"/>
+          </a:p>
+        </p:txBody>
+      </p:sp>
+      <p:cxnSp>
+        <p:nvCxnSpPr>
+          <p:cNvPr id="18" name="꺾인 연결선 17"/>
+          <p:cNvCxnSpPr/>
+          <p:nvPr/>
+        </p:nvCxnSpPr>
+        <p:spPr>
+          <a:xfrm rot="5400000">
+            <a:off x="5567393" y="4194518"/>
+            <a:ext cx="4124180" cy="1736188"/>
+          </a:xfrm>
+          <a:prstGeom prst="bentConnector3">
+            <a:avLst>
+              <a:gd name="adj1" fmla="val -824"/>
+            </a:avLst>
+          </a:prstGeom>
+          <a:ln>
+            <a:tailEnd type="triangle"/>
+          </a:ln>
+        </p:spPr>
+        <p:style>
+          <a:lnRef idx="3">
+            <a:schemeClr val="accent4"/>
+          </a:lnRef>
+          <a:fillRef idx="0">
+            <a:schemeClr val="accent4"/>
+          </a:fillRef>
+          <a:effectRef idx="2">
+            <a:schemeClr val="accent4"/>
+          </a:effectRef>
+          <a:fontRef idx="minor">
+            <a:schemeClr val="tx1"/>
+          </a:fontRef>
+        </p:style>
+      </p:cxnSp>
+      <p:grpSp>
+        <p:nvGrpSpPr>
+          <p:cNvPr id="21" name="그룹 1021">
             <a:extLst>
               <a:ext uri="{FF2B5EF4-FFF2-40B4-BE49-F238E27FC236}">
-                <a16:creationId xmlns="" xmlns:a16="http://schemas.microsoft.com/office/drawing/2014/main" id="{689B06B0-68AB-C307-0EBB-9D1982E424B0}"/>
+                <a16:creationId xmlns:a16="http://schemas.microsoft.com/office/drawing/2014/main" id="{DAE466EB-8914-A47B-444E-4C193B0D877A}"/>
+              </a:ext>
+            </a:extLst>
+          </p:cNvPr>
+          <p:cNvGrpSpPr/>
+          <p:nvPr/>
+        </p:nvGrpSpPr>
+        <p:grpSpPr>
+          <a:xfrm>
+            <a:off x="5161189" y="7277100"/>
+            <a:ext cx="3393622" cy="1114286"/>
+            <a:chOff x="7446046" y="4828571"/>
+            <a:chExt cx="3393622" cy="1114286"/>
+          </a:xfrm>
+        </p:grpSpPr>
+        <p:pic>
+          <p:nvPicPr>
+            <p:cNvPr id="23" name="Object 71">
+              <a:extLst>
+                <a:ext uri="{FF2B5EF4-FFF2-40B4-BE49-F238E27FC236}">
+                  <a16:creationId xmlns:a16="http://schemas.microsoft.com/office/drawing/2014/main" id="{44802802-8C0A-9B02-4940-D16EEB7C206A}"/>
+                </a:ext>
+              </a:extLst>
+            </p:cNvPr>
+            <p:cNvPicPr>
+              <a:picLocks noChangeAspect="1"/>
+            </p:cNvPicPr>
+            <p:nvPr/>
+          </p:nvPicPr>
+          <p:blipFill>
+            <a:blip r:embed="rId2" cstate="print"/>
+            <a:stretch>
+              <a:fillRect/>
+            </a:stretch>
+          </p:blipFill>
+          <p:spPr>
+            <a:xfrm>
+              <a:off x="7446046" y="4828571"/>
+              <a:ext cx="3393622" cy="1114286"/>
+            </a:xfrm>
+            <a:prstGeom prst="rect">
+              <a:avLst/>
+            </a:prstGeom>
+          </p:spPr>
+        </p:pic>
+      </p:grpSp>
+      <p:grpSp>
+        <p:nvGrpSpPr>
+          <p:cNvPr id="24" name="그룹 1021">
+            <a:extLst>
+              <a:ext uri="{FF2B5EF4-FFF2-40B4-BE49-F238E27FC236}">
+                <a16:creationId xmlns:a16="http://schemas.microsoft.com/office/drawing/2014/main" id="{DAE466EB-8914-A47B-444E-4C193B0D877A}"/>
+              </a:ext>
+            </a:extLst>
+          </p:cNvPr>
+          <p:cNvGrpSpPr/>
+          <p:nvPr/>
+        </p:nvGrpSpPr>
+        <p:grpSpPr>
+          <a:xfrm>
+            <a:off x="7731578" y="5052647"/>
+            <a:ext cx="3393622" cy="1114286"/>
+            <a:chOff x="7446046" y="4828571"/>
+            <a:chExt cx="3393622" cy="1114286"/>
+          </a:xfrm>
+        </p:grpSpPr>
+        <p:pic>
+          <p:nvPicPr>
+            <p:cNvPr id="25" name="Object 71">
+              <a:extLst>
+                <a:ext uri="{FF2B5EF4-FFF2-40B4-BE49-F238E27FC236}">
+                  <a16:creationId xmlns:a16="http://schemas.microsoft.com/office/drawing/2014/main" id="{44802802-8C0A-9B02-4940-D16EEB7C206A}"/>
+                </a:ext>
+              </a:extLst>
+            </p:cNvPr>
+            <p:cNvPicPr>
+              <a:picLocks noChangeAspect="1"/>
+            </p:cNvPicPr>
+            <p:nvPr/>
+          </p:nvPicPr>
+          <p:blipFill>
+            <a:blip r:embed="rId2" cstate="print"/>
+            <a:stretch>
+              <a:fillRect/>
+            </a:stretch>
+          </p:blipFill>
+          <p:spPr>
+            <a:xfrm>
+              <a:off x="7446046" y="4828571"/>
+              <a:ext cx="3393622" cy="1114286"/>
+            </a:xfrm>
+            <a:prstGeom prst="rect">
+              <a:avLst/>
+            </a:prstGeom>
+          </p:spPr>
+        </p:pic>
+      </p:grpSp>
+      <p:cxnSp>
+        <p:nvCxnSpPr>
+          <p:cNvPr id="26" name="직선 화살표 연결선 25">
+            <a:extLst>
+              <a:ext uri="{FF2B5EF4-FFF2-40B4-BE49-F238E27FC236}">
+                <a16:creationId xmlns:a16="http://schemas.microsoft.com/office/drawing/2014/main" id="{0628D70E-4BD6-EF88-6059-DB86364B2320}"/>
+              </a:ext>
+            </a:extLst>
+          </p:cNvPr>
+          <p:cNvCxnSpPr>
+            <a:cxnSpLocks/>
+            <a:endCxn id="25" idx="0"/>
+          </p:cNvCxnSpPr>
+          <p:nvPr/>
+        </p:nvCxnSpPr>
+        <p:spPr>
+          <a:xfrm>
+            <a:off x="9399875" y="4045047"/>
+            <a:ext cx="28514" cy="1007600"/>
+          </a:xfrm>
+          <a:prstGeom prst="straightConnector1">
+            <a:avLst/>
+          </a:prstGeom>
+          <a:ln w="38100">
+            <a:tailEnd type="triangle"/>
+          </a:ln>
+        </p:spPr>
+        <p:style>
+          <a:lnRef idx="1">
+            <a:schemeClr val="accent2"/>
+          </a:lnRef>
+          <a:fillRef idx="0">
+            <a:schemeClr val="accent2"/>
+          </a:fillRef>
+          <a:effectRef idx="0">
+            <a:schemeClr val="accent2"/>
+          </a:effectRef>
+          <a:fontRef idx="minor">
+            <a:schemeClr val="tx1"/>
+          </a:fontRef>
+        </p:style>
+      </p:cxnSp>
+      <p:sp>
+        <p:nvSpPr>
+          <p:cNvPr id="27" name="TextBox 26">
+            <a:extLst>
+              <a:ext uri="{FF2B5EF4-FFF2-40B4-BE49-F238E27FC236}">
+                <a16:creationId xmlns:a16="http://schemas.microsoft.com/office/drawing/2014/main" id="{72769C28-9BB6-DE9C-7B6F-264B77B8DD0E}"/>
               </a:ext>
             </a:extLst>
           </p:cNvPr>
@@ -4349,8 +4555,49 @@
         </p:nvSpPr>
         <p:spPr>
           <a:xfrm>
-            <a:off x="1371600" y="497131"/>
-            <a:ext cx="4267200" cy="830997"/>
+            <a:off x="8742945" y="2769689"/>
+            <a:ext cx="1415772" cy="461665"/>
+          </a:xfrm>
+          <a:prstGeom prst="rect">
+            <a:avLst/>
+          </a:prstGeom>
+          <a:noFill/>
+        </p:spPr>
+        <p:txBody>
+          <a:bodyPr wrap="none" rtlCol="0">
+            <a:spAutoFit/>
+          </a:bodyPr>
+          <a:lstStyle/>
+          <a:p>
+            <a:r>
+              <a:rPr lang="ko-KR" altLang="en-US" sz="2400" dirty="0">
+                <a:solidFill>
+                  <a:srgbClr val="4D4848"/>
+                </a:solidFill>
+                <a:latin typeface="G마켓 산스 Medium" panose="02000000000000000000" pitchFamily="50" charset="-127"/>
+                <a:ea typeface="G마켓 산스 Medium" panose="02000000000000000000" pitchFamily="50" charset="-127"/>
+              </a:rPr>
+              <a:t>배고프다</a:t>
+            </a:r>
+          </a:p>
+        </p:txBody>
+      </p:sp>
+      <p:sp>
+        <p:nvSpPr>
+          <p:cNvPr id="28" name="TextBox 27">
+            <a:extLst>
+              <a:ext uri="{FF2B5EF4-FFF2-40B4-BE49-F238E27FC236}">
+                <a16:creationId xmlns:a16="http://schemas.microsoft.com/office/drawing/2014/main" id="{270932A0-5477-2529-2641-C73A825AFD61}"/>
+              </a:ext>
+            </a:extLst>
+          </p:cNvPr>
+          <p:cNvSpPr txBox="1"/>
+          <p:nvPr/>
+        </p:nvSpPr>
+        <p:spPr>
+          <a:xfrm>
+            <a:off x="4627789" y="4283206"/>
+            <a:ext cx="2040988" cy="769441"/>
           </a:xfrm>
           <a:prstGeom prst="rect">
             <a:avLst/>
@@ -4364,6 +4611,228 @@
           <a:lstStyle/>
           <a:p>
             <a:r>
+              <a:rPr lang="ko-KR" altLang="en-US" sz="4400" dirty="0" err="1">
+                <a:solidFill>
+                  <a:srgbClr val="4C50BC"/>
+                </a:solidFill>
+                <a:latin typeface="G마켓 산스 Medium" panose="02000000000000000000" pitchFamily="50" charset="-127"/>
+                <a:ea typeface="G마켓 산스 Medium" panose="02000000000000000000" pitchFamily="50" charset="-127"/>
+              </a:rPr>
+              <a:t>아니오</a:t>
+            </a:r>
+            <a:endParaRPr lang="en-US" altLang="ko-KR" sz="4400" dirty="0">
+              <a:solidFill>
+                <a:srgbClr val="4C50BC"/>
+              </a:solidFill>
+              <a:latin typeface="G마켓 산스 Medium" panose="02000000000000000000" pitchFamily="50" charset="-127"/>
+              <a:ea typeface="G마켓 산스 Medium" panose="02000000000000000000" pitchFamily="50" charset="-127"/>
+            </a:endParaRPr>
+          </a:p>
+        </p:txBody>
+      </p:sp>
+      <p:sp>
+        <p:nvSpPr>
+          <p:cNvPr id="29" name="TextBox 28">
+            <a:extLst>
+              <a:ext uri="{FF2B5EF4-FFF2-40B4-BE49-F238E27FC236}">
+                <a16:creationId xmlns:a16="http://schemas.microsoft.com/office/drawing/2014/main" id="{270932A0-5477-2529-2641-C73A825AFD61}"/>
+              </a:ext>
+            </a:extLst>
+          </p:cNvPr>
+          <p:cNvSpPr txBox="1"/>
+          <p:nvPr/>
+        </p:nvSpPr>
+        <p:spPr>
+          <a:xfrm>
+            <a:off x="9809389" y="4190504"/>
+            <a:ext cx="1066800" cy="769441"/>
+          </a:xfrm>
+          <a:prstGeom prst="rect">
+            <a:avLst/>
+          </a:prstGeom>
+          <a:noFill/>
+        </p:spPr>
+        <p:txBody>
+          <a:bodyPr wrap="square" rtlCol="0">
+            <a:spAutoFit/>
+          </a:bodyPr>
+          <a:lstStyle/>
+          <a:p>
+            <a:r>
+              <a:rPr lang="ko-KR" altLang="en-US" sz="4400">
+                <a:solidFill>
+                  <a:srgbClr val="4C50BC"/>
+                </a:solidFill>
+                <a:latin typeface="G마켓 산스 Medium" panose="02000000000000000000" pitchFamily="50" charset="-127"/>
+                <a:ea typeface="G마켓 산스 Medium" panose="02000000000000000000" pitchFamily="50" charset="-127"/>
+              </a:rPr>
+              <a:t>예</a:t>
+            </a:r>
+            <a:endParaRPr lang="en-US" altLang="ko-KR" sz="4400" dirty="0">
+              <a:solidFill>
+                <a:srgbClr val="4C50BC"/>
+              </a:solidFill>
+              <a:latin typeface="G마켓 산스 Medium" panose="02000000000000000000" pitchFamily="50" charset="-127"/>
+              <a:ea typeface="G마켓 산스 Medium" panose="02000000000000000000" pitchFamily="50" charset="-127"/>
+            </a:endParaRPr>
+          </a:p>
+        </p:txBody>
+      </p:sp>
+      <p:sp>
+        <p:nvSpPr>
+          <p:cNvPr id="30" name="TextBox 29">
+            <a:extLst>
+              <a:ext uri="{FF2B5EF4-FFF2-40B4-BE49-F238E27FC236}">
+                <a16:creationId xmlns:a16="http://schemas.microsoft.com/office/drawing/2014/main" id="{72769C28-9BB6-DE9C-7B6F-264B77B8DD0E}"/>
+              </a:ext>
+            </a:extLst>
+          </p:cNvPr>
+          <p:cNvSpPr txBox="1"/>
+          <p:nvPr/>
+        </p:nvSpPr>
+        <p:spPr>
+          <a:xfrm>
+            <a:off x="8590189" y="5378957"/>
+            <a:ext cx="1899879" cy="461665"/>
+          </a:xfrm>
+          <a:prstGeom prst="rect">
+            <a:avLst/>
+          </a:prstGeom>
+          <a:noFill/>
+        </p:spPr>
+        <p:txBody>
+          <a:bodyPr wrap="none" rtlCol="0">
+            <a:spAutoFit/>
+          </a:bodyPr>
+          <a:lstStyle/>
+          <a:p>
+            <a:r>
+              <a:rPr lang="ko-KR" altLang="en-US" sz="2400" dirty="0">
+                <a:solidFill>
+                  <a:srgbClr val="4D4848"/>
+                </a:solidFill>
+                <a:latin typeface="G마켓 산스 Medium" panose="02000000000000000000" pitchFamily="50" charset="-127"/>
+                <a:ea typeface="G마켓 산스 Medium" panose="02000000000000000000" pitchFamily="50" charset="-127"/>
+              </a:rPr>
+              <a:t>밥을 먹는다</a:t>
+            </a:r>
+            <a:r>
+              <a:rPr lang="en-US" altLang="ko-KR" sz="2400" dirty="0">
+                <a:solidFill>
+                  <a:srgbClr val="4D4848"/>
+                </a:solidFill>
+                <a:latin typeface="G마켓 산스 Medium" panose="02000000000000000000" pitchFamily="50" charset="-127"/>
+                <a:ea typeface="G마켓 산스 Medium" panose="02000000000000000000" pitchFamily="50" charset="-127"/>
+              </a:rPr>
+              <a:t>.</a:t>
+            </a:r>
+            <a:endParaRPr lang="ko-KR" altLang="en-US" sz="2400" dirty="0">
+              <a:solidFill>
+                <a:srgbClr val="4D4848"/>
+              </a:solidFill>
+              <a:latin typeface="G마켓 산스 Medium" panose="02000000000000000000" pitchFamily="50" charset="-127"/>
+              <a:ea typeface="G마켓 산스 Medium" panose="02000000000000000000" pitchFamily="50" charset="-127"/>
+            </a:endParaRPr>
+          </a:p>
+        </p:txBody>
+      </p:sp>
+      <p:sp>
+        <p:nvSpPr>
+          <p:cNvPr id="31" name="TextBox 30">
+            <a:extLst>
+              <a:ext uri="{FF2B5EF4-FFF2-40B4-BE49-F238E27FC236}">
+                <a16:creationId xmlns:a16="http://schemas.microsoft.com/office/drawing/2014/main" id="{72769C28-9BB6-DE9C-7B6F-264B77B8DD0E}"/>
+              </a:ext>
+            </a:extLst>
+          </p:cNvPr>
+          <p:cNvSpPr txBox="1"/>
+          <p:nvPr/>
+        </p:nvSpPr>
+        <p:spPr>
+          <a:xfrm>
+            <a:off x="5887811" y="7603410"/>
+            <a:ext cx="1899879" cy="461665"/>
+          </a:xfrm>
+          <a:prstGeom prst="rect">
+            <a:avLst/>
+          </a:prstGeom>
+          <a:noFill/>
+        </p:spPr>
+        <p:txBody>
+          <a:bodyPr wrap="none" rtlCol="0">
+            <a:spAutoFit/>
+          </a:bodyPr>
+          <a:lstStyle/>
+          <a:p>
+            <a:r>
+              <a:rPr lang="ko-KR" altLang="en-US" sz="2400" dirty="0">
+                <a:solidFill>
+                  <a:srgbClr val="4D4848"/>
+                </a:solidFill>
+                <a:latin typeface="G마켓 산스 Medium" panose="02000000000000000000" pitchFamily="50" charset="-127"/>
+                <a:ea typeface="G마켓 산스 Medium" panose="02000000000000000000" pitchFamily="50" charset="-127"/>
+              </a:rPr>
+              <a:t>그만 먹는다</a:t>
+            </a:r>
+            <a:r>
+              <a:rPr lang="en-US" altLang="ko-KR" sz="2400" dirty="0">
+                <a:solidFill>
+                  <a:srgbClr val="4D4848"/>
+                </a:solidFill>
+                <a:latin typeface="G마켓 산스 Medium" panose="02000000000000000000" pitchFamily="50" charset="-127"/>
+                <a:ea typeface="G마켓 산스 Medium" panose="02000000000000000000" pitchFamily="50" charset="-127"/>
+              </a:rPr>
+              <a:t>.</a:t>
+            </a:r>
+            <a:endParaRPr lang="ko-KR" altLang="en-US" sz="2400" dirty="0">
+              <a:solidFill>
+                <a:srgbClr val="4D4848"/>
+              </a:solidFill>
+              <a:latin typeface="G마켓 산스 Medium" panose="02000000000000000000" pitchFamily="50" charset="-127"/>
+              <a:ea typeface="G마켓 산스 Medium" panose="02000000000000000000" pitchFamily="50" charset="-127"/>
+            </a:endParaRPr>
+          </a:p>
+        </p:txBody>
+      </p:sp>
+      <p:sp>
+        <p:nvSpPr>
+          <p:cNvPr id="32" name="TextBox 31">
+            <a:extLst>
+              <a:ext uri="{FF2B5EF4-FFF2-40B4-BE49-F238E27FC236}">
+                <a16:creationId xmlns:a16="http://schemas.microsoft.com/office/drawing/2014/main" id="{5ADC00B6-990A-40DC-3CEA-505258F5E8DA}"/>
+              </a:ext>
+            </a:extLst>
+          </p:cNvPr>
+          <p:cNvSpPr txBox="1"/>
+          <p:nvPr/>
+        </p:nvSpPr>
+        <p:spPr>
+          <a:xfrm>
+            <a:off x="1371600" y="497131"/>
+            <a:ext cx="14020800" cy="830997"/>
+          </a:xfrm>
+          <a:prstGeom prst="rect">
+            <a:avLst/>
+          </a:prstGeom>
+          <a:noFill/>
+        </p:spPr>
+        <p:txBody>
+          <a:bodyPr wrap="square" rtlCol="0">
+            <a:spAutoFit/>
+          </a:bodyPr>
+          <a:lstStyle/>
+          <a:p>
+            <a:r>
+              <a:rPr lang="ko-KR" altLang="en-US" sz="4800" dirty="0">
+                <a:solidFill>
+                  <a:srgbClr val="4C50BC"/>
+                </a:solidFill>
+                <a:latin typeface="G마켓 산스 Medium" panose="02000000000000000000" pitchFamily="50" charset="-127"/>
+                <a:ea typeface="G마켓 산스 Medium" panose="02000000000000000000" pitchFamily="50" charset="-127"/>
+              </a:rPr>
+              <a:t>조건식이 참</a:t>
+            </a:r>
+            <a:r>
               <a:rPr lang="en-US" altLang="ko-KR" sz="4800" dirty="0">
                 <a:solidFill>
                   <a:srgbClr val="4C50BC"/>
@@ -4371,7 +4840,7 @@
                 <a:latin typeface="G마켓 산스 Medium" panose="02000000000000000000" pitchFamily="50" charset="-127"/>
                 <a:ea typeface="G마켓 산스 Medium" panose="02000000000000000000" pitchFamily="50" charset="-127"/>
               </a:rPr>
-              <a:t>For</a:t>
+              <a:t>(true)</a:t>
             </a:r>
             <a:r>
               <a:rPr lang="ko-KR" altLang="en-US" sz="4800" dirty="0">
@@ -4381,7 +4850,7 @@
                 <a:latin typeface="G마켓 산스 Medium" panose="02000000000000000000" pitchFamily="50" charset="-127"/>
                 <a:ea typeface="G마켓 산스 Medium" panose="02000000000000000000" pitchFamily="50" charset="-127"/>
               </a:rPr>
-              <a:t>문 초기화</a:t>
+              <a:t>이면 계속 반복하여 실행한다</a:t>
             </a:r>
             <a:endParaRPr lang="en-US" altLang="ko-KR" sz="4800" dirty="0">
               <a:solidFill>
@@ -4393,12 +4862,383 @@
           </a:p>
         </p:txBody>
       </p:sp>
+      <p:cxnSp>
+        <p:nvCxnSpPr>
+          <p:cNvPr id="2" name="직선 화살표 연결선 1">
+            <a:extLst>
+              <a:ext uri="{FF2B5EF4-FFF2-40B4-BE49-F238E27FC236}">
+                <a16:creationId xmlns:a16="http://schemas.microsoft.com/office/drawing/2014/main" id="{0C773C2D-7952-42B1-1C14-32B6F531BA11}"/>
+              </a:ext>
+            </a:extLst>
+          </p:cNvPr>
+          <p:cNvCxnSpPr>
+            <a:cxnSpLocks/>
+          </p:cNvCxnSpPr>
+          <p:nvPr/>
+        </p:nvCxnSpPr>
+        <p:spPr>
+          <a:xfrm>
+            <a:off x="11161486" y="5589832"/>
+            <a:ext cx="1563914" cy="19957"/>
+          </a:xfrm>
+          <a:prstGeom prst="straightConnector1">
+            <a:avLst/>
+          </a:prstGeom>
+          <a:ln w="38100">
+            <a:tailEnd type="triangle"/>
+          </a:ln>
+        </p:spPr>
+        <p:style>
+          <a:lnRef idx="1">
+            <a:schemeClr val="accent2"/>
+          </a:lnRef>
+          <a:fillRef idx="0">
+            <a:schemeClr val="accent2"/>
+          </a:fillRef>
+          <a:effectRef idx="0">
+            <a:schemeClr val="accent2"/>
+          </a:effectRef>
+          <a:fontRef idx="minor">
+            <a:schemeClr val="tx1"/>
+          </a:fontRef>
+        </p:style>
+      </p:cxnSp>
+      <p:grpSp>
+        <p:nvGrpSpPr>
+          <p:cNvPr id="4" name="그룹 1021">
+            <a:extLst>
+              <a:ext uri="{FF2B5EF4-FFF2-40B4-BE49-F238E27FC236}">
+                <a16:creationId xmlns:a16="http://schemas.microsoft.com/office/drawing/2014/main" id="{00BB86B9-E92A-B85A-95D5-5FC9D2623525}"/>
+              </a:ext>
+            </a:extLst>
+          </p:cNvPr>
+          <p:cNvGrpSpPr/>
+          <p:nvPr/>
+        </p:nvGrpSpPr>
+        <p:grpSpPr>
+          <a:xfrm>
+            <a:off x="12776201" y="5054285"/>
+            <a:ext cx="3393622" cy="1114286"/>
+            <a:chOff x="7446046" y="4828571"/>
+            <a:chExt cx="3393622" cy="1114286"/>
+          </a:xfrm>
+        </p:grpSpPr>
+        <p:pic>
+          <p:nvPicPr>
+            <p:cNvPr id="5" name="Object 71">
+              <a:extLst>
+                <a:ext uri="{FF2B5EF4-FFF2-40B4-BE49-F238E27FC236}">
+                  <a16:creationId xmlns:a16="http://schemas.microsoft.com/office/drawing/2014/main" id="{4D9C2CFC-171E-587A-9A19-D40FBD4D4638}"/>
+                </a:ext>
+              </a:extLst>
+            </p:cNvPr>
+            <p:cNvPicPr>
+              <a:picLocks noChangeAspect="1"/>
+            </p:cNvPicPr>
+            <p:nvPr/>
+          </p:nvPicPr>
+          <p:blipFill>
+            <a:blip r:embed="rId2" cstate="print"/>
+            <a:stretch>
+              <a:fillRect/>
+            </a:stretch>
+          </p:blipFill>
+          <p:spPr>
+            <a:xfrm>
+              <a:off x="7446046" y="4828571"/>
+              <a:ext cx="3393622" cy="1114286"/>
+            </a:xfrm>
+            <a:prstGeom prst="rect">
+              <a:avLst/>
+            </a:prstGeom>
+          </p:spPr>
+        </p:pic>
+      </p:grpSp>
+      <p:sp>
+        <p:nvSpPr>
+          <p:cNvPr id="6" name="TextBox 5">
+            <a:extLst>
+              <a:ext uri="{FF2B5EF4-FFF2-40B4-BE49-F238E27FC236}">
+                <a16:creationId xmlns:a16="http://schemas.microsoft.com/office/drawing/2014/main" id="{60BB95F0-D042-F4F0-93C1-BBBDEDE0CCEB}"/>
+              </a:ext>
+            </a:extLst>
+          </p:cNvPr>
+          <p:cNvSpPr txBox="1"/>
+          <p:nvPr/>
+        </p:nvSpPr>
+        <p:spPr>
+          <a:xfrm>
+            <a:off x="13634812" y="5380595"/>
+            <a:ext cx="1832553" cy="461665"/>
+          </a:xfrm>
+          <a:prstGeom prst="rect">
+            <a:avLst/>
+          </a:prstGeom>
+          <a:noFill/>
+        </p:spPr>
+        <p:txBody>
+          <a:bodyPr wrap="none" rtlCol="0">
+            <a:spAutoFit/>
+          </a:bodyPr>
+          <a:lstStyle/>
+          <a:p>
+            <a:r>
+              <a:rPr lang="ko-KR" altLang="en-US" sz="2400" dirty="0">
+                <a:solidFill>
+                  <a:srgbClr val="4D4848"/>
+                </a:solidFill>
+                <a:latin typeface="G마켓 산스 Medium" panose="02000000000000000000" pitchFamily="50" charset="-127"/>
+                <a:ea typeface="G마켓 산스 Medium" panose="02000000000000000000" pitchFamily="50" charset="-127"/>
+              </a:rPr>
+              <a:t>포만감 증가</a:t>
+            </a:r>
+          </a:p>
+        </p:txBody>
+      </p:sp>
+      <p:cxnSp>
+        <p:nvCxnSpPr>
+          <p:cNvPr id="7" name="직선 화살표 연결선 6">
+            <a:extLst>
+              <a:ext uri="{FF2B5EF4-FFF2-40B4-BE49-F238E27FC236}">
+                <a16:creationId xmlns:a16="http://schemas.microsoft.com/office/drawing/2014/main" id="{B4C4A633-0DE2-72B6-C4B7-AAAB1DCA58F4}"/>
+              </a:ext>
+            </a:extLst>
+          </p:cNvPr>
+          <p:cNvCxnSpPr>
+            <a:cxnSpLocks/>
+            <a:endCxn id="15" idx="3"/>
+          </p:cNvCxnSpPr>
+          <p:nvPr/>
+        </p:nvCxnSpPr>
+        <p:spPr>
+          <a:xfrm flipH="1" flipV="1">
+            <a:off x="10342789" y="2971800"/>
+            <a:ext cx="3906611" cy="2037567"/>
+          </a:xfrm>
+          <a:prstGeom prst="straightConnector1">
+            <a:avLst/>
+          </a:prstGeom>
+          <a:ln w="38100">
+            <a:tailEnd type="triangle"/>
+          </a:ln>
+        </p:spPr>
+        <p:style>
+          <a:lnRef idx="1">
+            <a:schemeClr val="accent2"/>
+          </a:lnRef>
+          <a:fillRef idx="0">
+            <a:schemeClr val="accent2"/>
+          </a:fillRef>
+          <a:effectRef idx="0">
+            <a:schemeClr val="accent2"/>
+          </a:effectRef>
+          <a:fontRef idx="minor">
+            <a:schemeClr val="tx1"/>
+          </a:fontRef>
+        </p:style>
+      </p:cxnSp>
+    </p:spTree>
+    <p:extLst>
+      <p:ext uri="{BB962C8B-B14F-4D97-AF65-F5344CB8AC3E}">
+        <p14:creationId xmlns:p14="http://schemas.microsoft.com/office/powerpoint/2010/main" val="1470857155"/>
+      </p:ext>
+    </p:extLst>
+  </p:cSld>
+  <p:clrMapOvr>
+    <a:masterClrMapping/>
+  </p:clrMapOvr>
+</p:sld>
+</file>
+
+<file path=ppt/slides/slide11.xml><?xml version="1.0" encoding="utf-8"?>
+<p:sld xmlns:a="http://schemas.openxmlformats.org/drawingml/2006/main" xmlns:r="http://schemas.openxmlformats.org/officeDocument/2006/relationships" xmlns:p="http://schemas.openxmlformats.org/presentationml/2006/main">
+  <p:cSld>
+    <p:spTree>
+      <p:nvGrpSpPr>
+        <p:cNvPr id="1" name=""/>
+        <p:cNvGrpSpPr/>
+        <p:nvPr/>
+      </p:nvGrpSpPr>
+      <p:grpSpPr>
+        <a:xfrm>
+          <a:off x="0" y="0"/>
+          <a:ext cx="0" cy="0"/>
+          <a:chOff x="0" y="0"/>
+          <a:chExt cx="0" cy="0"/>
+        </a:xfrm>
+      </p:grpSpPr>
+      <p:sp>
+        <p:nvSpPr>
+          <p:cNvPr id="6" name="TextBox 5">
+            <a:extLst>
+              <a:ext uri="{FF2B5EF4-FFF2-40B4-BE49-F238E27FC236}">
+                <a16:creationId xmlns:a16="http://schemas.microsoft.com/office/drawing/2014/main" id="{5ADC00B6-990A-40DC-3CEA-505258F5E8DA}"/>
+              </a:ext>
+            </a:extLst>
+          </p:cNvPr>
+          <p:cNvSpPr txBox="1"/>
+          <p:nvPr/>
+        </p:nvSpPr>
+        <p:spPr>
+          <a:xfrm>
+            <a:off x="1371600" y="497131"/>
+            <a:ext cx="1752600" cy="830997"/>
+          </a:xfrm>
+          <a:prstGeom prst="rect">
+            <a:avLst/>
+          </a:prstGeom>
+          <a:noFill/>
+        </p:spPr>
+        <p:txBody>
+          <a:bodyPr wrap="square" rtlCol="0">
+            <a:spAutoFit/>
+          </a:bodyPr>
+          <a:lstStyle/>
+          <a:p>
+            <a:r>
+              <a:rPr lang="en-US" altLang="ko-KR" sz="4800" dirty="0">
+                <a:solidFill>
+                  <a:srgbClr val="4C50BC"/>
+                </a:solidFill>
+                <a:latin typeface="G마켓 산스 Medium" panose="02000000000000000000" pitchFamily="50" charset="-127"/>
+                <a:ea typeface="G마켓 산스 Medium" panose="02000000000000000000" pitchFamily="50" charset="-127"/>
+              </a:rPr>
+              <a:t>for</a:t>
+            </a:r>
+            <a:r>
+              <a:rPr lang="ko-KR" altLang="en-US" sz="4800" dirty="0">
+                <a:solidFill>
+                  <a:srgbClr val="4C50BC"/>
+                </a:solidFill>
+                <a:latin typeface="G마켓 산스 Medium" panose="02000000000000000000" pitchFamily="50" charset="-127"/>
+                <a:ea typeface="G마켓 산스 Medium" panose="02000000000000000000" pitchFamily="50" charset="-127"/>
+              </a:rPr>
+              <a:t>문</a:t>
+            </a:r>
+            <a:endParaRPr lang="en-US" altLang="ko-KR" sz="4800" dirty="0">
+              <a:solidFill>
+                <a:srgbClr val="4C50BC"/>
+              </a:solidFill>
+              <a:latin typeface="G마켓 산스 Medium" panose="02000000000000000000" pitchFamily="50" charset="-127"/>
+              <a:ea typeface="G마켓 산스 Medium" panose="02000000000000000000" pitchFamily="50" charset="-127"/>
+            </a:endParaRPr>
+          </a:p>
+        </p:txBody>
+      </p:sp>
+      <p:sp>
+        <p:nvSpPr>
+          <p:cNvPr id="8" name="TextBox 7">
+            <a:extLst>
+              <a:ext uri="{FF2B5EF4-FFF2-40B4-BE49-F238E27FC236}">
+                <a16:creationId xmlns:a16="http://schemas.microsoft.com/office/drawing/2014/main" id="{5ADC00B6-990A-40DC-3CEA-505258F5E8DA}"/>
+              </a:ext>
+            </a:extLst>
+          </p:cNvPr>
+          <p:cNvSpPr txBox="1"/>
+          <p:nvPr/>
+        </p:nvSpPr>
+        <p:spPr>
+          <a:xfrm>
+            <a:off x="2781300" y="8115300"/>
+            <a:ext cx="12233728" cy="830997"/>
+          </a:xfrm>
+          <a:prstGeom prst="rect">
+            <a:avLst/>
+          </a:prstGeom>
+          <a:noFill/>
+        </p:spPr>
+        <p:txBody>
+          <a:bodyPr wrap="square" rtlCol="0">
+            <a:spAutoFit/>
+          </a:bodyPr>
+          <a:lstStyle/>
+          <a:p>
+            <a:r>
+              <a:rPr lang="ko-KR" altLang="en-US" sz="4800" dirty="0">
+                <a:solidFill>
+                  <a:srgbClr val="4C50BC"/>
+                </a:solidFill>
+                <a:latin typeface="G마켓 산스 Medium" panose="02000000000000000000" pitchFamily="50" charset="-127"/>
+                <a:ea typeface="G마켓 산스 Medium" panose="02000000000000000000" pitchFamily="50" charset="-127"/>
+              </a:rPr>
+              <a:t>초기화 </a:t>
+            </a:r>
+            <a:r>
+              <a:rPr lang="en-US" altLang="ko-KR" sz="4800" dirty="0">
+                <a:solidFill>
+                  <a:srgbClr val="4C50BC"/>
+                </a:solidFill>
+                <a:latin typeface="G마켓 산스 Medium" panose="02000000000000000000" pitchFamily="50" charset="-127"/>
+                <a:ea typeface="G마켓 산스 Medium" panose="02000000000000000000" pitchFamily="50" charset="-127"/>
+              </a:rPr>
+              <a:t>-&gt; </a:t>
+            </a:r>
+            <a:r>
+              <a:rPr lang="ko-KR" altLang="en-US" sz="4800" dirty="0">
+                <a:solidFill>
+                  <a:srgbClr val="4C50BC"/>
+                </a:solidFill>
+                <a:latin typeface="G마켓 산스 Medium" panose="02000000000000000000" pitchFamily="50" charset="-127"/>
+                <a:ea typeface="G마켓 산스 Medium" panose="02000000000000000000" pitchFamily="50" charset="-127"/>
+              </a:rPr>
+              <a:t>조건식 </a:t>
+            </a:r>
+            <a:r>
+              <a:rPr lang="en-US" altLang="ko-KR" sz="4800" dirty="0">
+                <a:solidFill>
+                  <a:srgbClr val="4C50BC"/>
+                </a:solidFill>
+                <a:latin typeface="G마켓 산스 Medium" panose="02000000000000000000" pitchFamily="50" charset="-127"/>
+                <a:ea typeface="G마켓 산스 Medium" panose="02000000000000000000" pitchFamily="50" charset="-127"/>
+              </a:rPr>
+              <a:t>-&gt; for</a:t>
+            </a:r>
+            <a:r>
+              <a:rPr lang="ko-KR" altLang="en-US" sz="4800" dirty="0">
+                <a:solidFill>
+                  <a:srgbClr val="4C50BC"/>
+                </a:solidFill>
+                <a:latin typeface="G마켓 산스 Medium" panose="02000000000000000000" pitchFamily="50" charset="-127"/>
+                <a:ea typeface="G마켓 산스 Medium" panose="02000000000000000000" pitchFamily="50" charset="-127"/>
+              </a:rPr>
+              <a:t>문 실행 </a:t>
+            </a:r>
+            <a:r>
+              <a:rPr lang="en-US" altLang="ko-KR" sz="4800" dirty="0">
+                <a:solidFill>
+                  <a:srgbClr val="4C50BC"/>
+                </a:solidFill>
+                <a:latin typeface="G마켓 산스 Medium" panose="02000000000000000000" pitchFamily="50" charset="-127"/>
+                <a:ea typeface="G마켓 산스 Medium" panose="02000000000000000000" pitchFamily="50" charset="-127"/>
+              </a:rPr>
+              <a:t>-&gt; </a:t>
+            </a:r>
+            <a:r>
+              <a:rPr lang="ko-KR" altLang="en-US" sz="4800" dirty="0" err="1">
+                <a:solidFill>
+                  <a:srgbClr val="4C50BC"/>
+                </a:solidFill>
+                <a:latin typeface="G마켓 산스 Medium" panose="02000000000000000000" pitchFamily="50" charset="-127"/>
+                <a:ea typeface="G마켓 산스 Medium" panose="02000000000000000000" pitchFamily="50" charset="-127"/>
+              </a:rPr>
+              <a:t>증감식</a:t>
+            </a:r>
+            <a:endParaRPr lang="en-US" altLang="ko-KR" sz="4800" dirty="0">
+              <a:solidFill>
+                <a:srgbClr val="4C50BC"/>
+              </a:solidFill>
+              <a:latin typeface="G마켓 산스 Medium" panose="02000000000000000000" pitchFamily="50" charset="-127"/>
+              <a:ea typeface="G마켓 산스 Medium" panose="02000000000000000000" pitchFamily="50" charset="-127"/>
+            </a:endParaRPr>
+          </a:p>
+        </p:txBody>
+      </p:sp>
       <p:pic>
         <p:nvPicPr>
-          <p:cNvPr id="6" name="그림 5">
+          <p:cNvPr id="3" name="그림 2">
             <a:extLst>
               <a:ext uri="{FF2B5EF4-FFF2-40B4-BE49-F238E27FC236}">
-                <a16:creationId xmlns="" xmlns:a16="http://schemas.microsoft.com/office/drawing/2014/main" id="{47DB1BEC-83BD-9A81-8F2A-CD1BD70AE5E7}"/>
+                <a16:creationId xmlns:a16="http://schemas.microsoft.com/office/drawing/2014/main" id="{F5B18E58-C822-3D4A-DC6C-337B77A00346}"/>
               </a:ext>
             </a:extLst>
           </p:cNvPr>
@@ -4415,6 +5255,687 @@
         </p:blipFill>
         <p:spPr>
           <a:xfrm>
+            <a:off x="1600200" y="2448205"/>
+            <a:ext cx="10840917" cy="2743200"/>
+          </a:xfrm>
+          <a:prstGeom prst="rect">
+            <a:avLst/>
+          </a:prstGeom>
+        </p:spPr>
+      </p:pic>
+      <p:cxnSp>
+        <p:nvCxnSpPr>
+          <p:cNvPr id="5" name="직선 화살표 연결선 4">
+            <a:extLst>
+              <a:ext uri="{FF2B5EF4-FFF2-40B4-BE49-F238E27FC236}">
+                <a16:creationId xmlns:a16="http://schemas.microsoft.com/office/drawing/2014/main" id="{1531DCE9-8979-540C-770F-532EA63DD581}"/>
+              </a:ext>
+            </a:extLst>
+          </p:cNvPr>
+          <p:cNvCxnSpPr>
+            <a:cxnSpLocks/>
+          </p:cNvCxnSpPr>
+          <p:nvPr/>
+        </p:nvCxnSpPr>
+        <p:spPr>
+          <a:xfrm flipH="1">
+            <a:off x="1905000" y="3445328"/>
+            <a:ext cx="1752600" cy="2185162"/>
+          </a:xfrm>
+          <a:prstGeom prst="straightConnector1">
+            <a:avLst/>
+          </a:prstGeom>
+          <a:ln w="38100">
+            <a:tailEnd type="triangle"/>
+          </a:ln>
+        </p:spPr>
+        <p:style>
+          <a:lnRef idx="1">
+            <a:schemeClr val="accent2"/>
+          </a:lnRef>
+          <a:fillRef idx="0">
+            <a:schemeClr val="accent2"/>
+          </a:fillRef>
+          <a:effectRef idx="0">
+            <a:schemeClr val="accent2"/>
+          </a:effectRef>
+          <a:fontRef idx="minor">
+            <a:schemeClr val="tx1"/>
+          </a:fontRef>
+        </p:style>
+      </p:cxnSp>
+      <p:sp>
+        <p:nvSpPr>
+          <p:cNvPr id="11" name="TextBox 10">
+            <a:extLst>
+              <a:ext uri="{FF2B5EF4-FFF2-40B4-BE49-F238E27FC236}">
+                <a16:creationId xmlns:a16="http://schemas.microsoft.com/office/drawing/2014/main" id="{270C665C-AE90-6805-E0D6-1535A7AD09AB}"/>
+              </a:ext>
+            </a:extLst>
+          </p:cNvPr>
+          <p:cNvSpPr txBox="1"/>
+          <p:nvPr/>
+        </p:nvSpPr>
+        <p:spPr>
+          <a:xfrm>
+            <a:off x="228601" y="5788262"/>
+            <a:ext cx="3429000" cy="954107"/>
+          </a:xfrm>
+          <a:prstGeom prst="rect">
+            <a:avLst/>
+          </a:prstGeom>
+          <a:noFill/>
+        </p:spPr>
+        <p:txBody>
+          <a:bodyPr wrap="square" rtlCol="0">
+            <a:spAutoFit/>
+          </a:bodyPr>
+          <a:lstStyle/>
+          <a:p>
+            <a:r>
+              <a:rPr lang="ko-KR" altLang="en-US" sz="2800" dirty="0">
+                <a:solidFill>
+                  <a:srgbClr val="FF0000"/>
+                </a:solidFill>
+                <a:latin typeface="G마켓 산스 Medium" panose="02000000000000000000" pitchFamily="50" charset="-127"/>
+                <a:ea typeface="G마켓 산스 Medium" panose="02000000000000000000" pitchFamily="50" charset="-127"/>
+              </a:rPr>
+              <a:t>변수 선언 및 초기화</a:t>
+            </a:r>
+            <a:endParaRPr lang="en-US" altLang="ko-KR" sz="2800" dirty="0">
+              <a:solidFill>
+                <a:srgbClr val="FF0000"/>
+              </a:solidFill>
+              <a:latin typeface="G마켓 산스 Medium" panose="02000000000000000000" pitchFamily="50" charset="-127"/>
+              <a:ea typeface="G마켓 산스 Medium" panose="02000000000000000000" pitchFamily="50" charset="-127"/>
+            </a:endParaRPr>
+          </a:p>
+          <a:p>
+            <a:r>
+              <a:rPr lang="en-US" altLang="ko-KR" sz="2800" dirty="0">
+                <a:solidFill>
+                  <a:srgbClr val="FF0000"/>
+                </a:solidFill>
+                <a:latin typeface="G마켓 산스 Medium" panose="02000000000000000000" pitchFamily="50" charset="-127"/>
+                <a:ea typeface="G마켓 산스 Medium" panose="02000000000000000000" pitchFamily="50" charset="-127"/>
+              </a:rPr>
+              <a:t>(</a:t>
+            </a:r>
+            <a:r>
+              <a:rPr lang="ko-KR" altLang="en-US" sz="2800" dirty="0">
+                <a:solidFill>
+                  <a:srgbClr val="FF0000"/>
+                </a:solidFill>
+                <a:latin typeface="G마켓 산스 Medium" panose="02000000000000000000" pitchFamily="50" charset="-127"/>
+                <a:ea typeface="G마켓 산스 Medium" panose="02000000000000000000" pitchFamily="50" charset="-127"/>
+              </a:rPr>
+              <a:t>최초 한번 실행</a:t>
+            </a:r>
+            <a:r>
+              <a:rPr lang="en-US" altLang="ko-KR" sz="2800" dirty="0">
+                <a:solidFill>
+                  <a:srgbClr val="FF0000"/>
+                </a:solidFill>
+                <a:latin typeface="G마켓 산스 Medium" panose="02000000000000000000" pitchFamily="50" charset="-127"/>
+                <a:ea typeface="G마켓 산스 Medium" panose="02000000000000000000" pitchFamily="50" charset="-127"/>
+              </a:rPr>
+              <a:t>)</a:t>
+            </a:r>
+          </a:p>
+        </p:txBody>
+      </p:sp>
+      <p:cxnSp>
+        <p:nvCxnSpPr>
+          <p:cNvPr id="15" name="직선 연결선 14">
+            <a:extLst>
+              <a:ext uri="{FF2B5EF4-FFF2-40B4-BE49-F238E27FC236}">
+                <a16:creationId xmlns:a16="http://schemas.microsoft.com/office/drawing/2014/main" id="{E40D645D-B358-1557-2F13-A243670FCA7A}"/>
+              </a:ext>
+            </a:extLst>
+          </p:cNvPr>
+          <p:cNvCxnSpPr/>
+          <p:nvPr/>
+        </p:nvCxnSpPr>
+        <p:spPr>
+          <a:xfrm>
+            <a:off x="3124200" y="3425371"/>
+            <a:ext cx="1981200" cy="0"/>
+          </a:xfrm>
+          <a:prstGeom prst="line">
+            <a:avLst/>
+          </a:prstGeom>
+          <a:ln>
+            <a:solidFill>
+              <a:srgbClr val="FF0000"/>
+            </a:solidFill>
+          </a:ln>
+        </p:spPr>
+        <p:style>
+          <a:lnRef idx="3">
+            <a:schemeClr val="accent2"/>
+          </a:lnRef>
+          <a:fillRef idx="0">
+            <a:schemeClr val="accent2"/>
+          </a:fillRef>
+          <a:effectRef idx="2">
+            <a:schemeClr val="accent2"/>
+          </a:effectRef>
+          <a:fontRef idx="minor">
+            <a:schemeClr val="tx1"/>
+          </a:fontRef>
+        </p:style>
+      </p:cxnSp>
+      <p:cxnSp>
+        <p:nvCxnSpPr>
+          <p:cNvPr id="16" name="직선 연결선 15">
+            <a:extLst>
+              <a:ext uri="{FF2B5EF4-FFF2-40B4-BE49-F238E27FC236}">
+                <a16:creationId xmlns:a16="http://schemas.microsoft.com/office/drawing/2014/main" id="{EBB73448-1B66-9555-EE66-45A1A58DB64F}"/>
+              </a:ext>
+            </a:extLst>
+          </p:cNvPr>
+          <p:cNvCxnSpPr>
+            <a:cxnSpLocks/>
+          </p:cNvCxnSpPr>
+          <p:nvPr/>
+        </p:nvCxnSpPr>
+        <p:spPr>
+          <a:xfrm>
+            <a:off x="5791200" y="3425371"/>
+            <a:ext cx="1066800" cy="0"/>
+          </a:xfrm>
+          <a:prstGeom prst="line">
+            <a:avLst/>
+          </a:prstGeom>
+          <a:ln>
+            <a:solidFill>
+              <a:srgbClr val="FF0000"/>
+            </a:solidFill>
+          </a:ln>
+        </p:spPr>
+        <p:style>
+          <a:lnRef idx="3">
+            <a:schemeClr val="accent2"/>
+          </a:lnRef>
+          <a:fillRef idx="0">
+            <a:schemeClr val="accent2"/>
+          </a:fillRef>
+          <a:effectRef idx="2">
+            <a:schemeClr val="accent2"/>
+          </a:effectRef>
+          <a:fontRef idx="minor">
+            <a:schemeClr val="tx1"/>
+          </a:fontRef>
+        </p:style>
+      </p:cxnSp>
+      <p:cxnSp>
+        <p:nvCxnSpPr>
+          <p:cNvPr id="18" name="직선 연결선 17">
+            <a:extLst>
+              <a:ext uri="{FF2B5EF4-FFF2-40B4-BE49-F238E27FC236}">
+                <a16:creationId xmlns:a16="http://schemas.microsoft.com/office/drawing/2014/main" id="{35AAEC27-482D-AAA0-269F-59162F0A70BA}"/>
+              </a:ext>
+            </a:extLst>
+          </p:cNvPr>
+          <p:cNvCxnSpPr>
+            <a:cxnSpLocks/>
+          </p:cNvCxnSpPr>
+          <p:nvPr/>
+        </p:nvCxnSpPr>
+        <p:spPr>
+          <a:xfrm>
+            <a:off x="7131397" y="3425371"/>
+            <a:ext cx="717203" cy="0"/>
+          </a:xfrm>
+          <a:prstGeom prst="line">
+            <a:avLst/>
+          </a:prstGeom>
+          <a:ln>
+            <a:solidFill>
+              <a:srgbClr val="FF0000"/>
+            </a:solidFill>
+          </a:ln>
+        </p:spPr>
+        <p:style>
+          <a:lnRef idx="3">
+            <a:schemeClr val="accent2"/>
+          </a:lnRef>
+          <a:fillRef idx="0">
+            <a:schemeClr val="accent2"/>
+          </a:fillRef>
+          <a:effectRef idx="2">
+            <a:schemeClr val="accent2"/>
+          </a:effectRef>
+          <a:fontRef idx="minor">
+            <a:schemeClr val="tx1"/>
+          </a:fontRef>
+        </p:style>
+      </p:cxnSp>
+      <p:cxnSp>
+        <p:nvCxnSpPr>
+          <p:cNvPr id="22" name="직선 화살표 연결선 21">
+            <a:extLst>
+              <a:ext uri="{FF2B5EF4-FFF2-40B4-BE49-F238E27FC236}">
+                <a16:creationId xmlns:a16="http://schemas.microsoft.com/office/drawing/2014/main" id="{88D55703-962D-4B5F-B944-2FA5E6FFAAA6}"/>
+              </a:ext>
+            </a:extLst>
+          </p:cNvPr>
+          <p:cNvCxnSpPr>
+            <a:cxnSpLocks/>
+          </p:cNvCxnSpPr>
+          <p:nvPr/>
+        </p:nvCxnSpPr>
+        <p:spPr>
+          <a:xfrm flipH="1">
+            <a:off x="6172200" y="3624774"/>
+            <a:ext cx="152400" cy="1985270"/>
+          </a:xfrm>
+          <a:prstGeom prst="straightConnector1">
+            <a:avLst/>
+          </a:prstGeom>
+          <a:ln w="38100">
+            <a:tailEnd type="triangle"/>
+          </a:ln>
+        </p:spPr>
+        <p:style>
+          <a:lnRef idx="1">
+            <a:schemeClr val="accent2"/>
+          </a:lnRef>
+          <a:fillRef idx="0">
+            <a:schemeClr val="accent2"/>
+          </a:fillRef>
+          <a:effectRef idx="0">
+            <a:schemeClr val="accent2"/>
+          </a:effectRef>
+          <a:fontRef idx="minor">
+            <a:schemeClr val="tx1"/>
+          </a:fontRef>
+        </p:style>
+      </p:cxnSp>
+      <p:sp>
+        <p:nvSpPr>
+          <p:cNvPr id="23" name="TextBox 22">
+            <a:extLst>
+              <a:ext uri="{FF2B5EF4-FFF2-40B4-BE49-F238E27FC236}">
+                <a16:creationId xmlns:a16="http://schemas.microsoft.com/office/drawing/2014/main" id="{B01C68AF-C22F-AE31-1BE0-52007B872250}"/>
+              </a:ext>
+            </a:extLst>
+          </p:cNvPr>
+          <p:cNvSpPr txBox="1"/>
+          <p:nvPr/>
+        </p:nvSpPr>
+        <p:spPr>
+          <a:xfrm>
+            <a:off x="4610100" y="5809446"/>
+            <a:ext cx="2857500" cy="954107"/>
+          </a:xfrm>
+          <a:prstGeom prst="rect">
+            <a:avLst/>
+          </a:prstGeom>
+          <a:noFill/>
+        </p:spPr>
+        <p:txBody>
+          <a:bodyPr wrap="square" rtlCol="0">
+            <a:spAutoFit/>
+          </a:bodyPr>
+          <a:lstStyle/>
+          <a:p>
+            <a:r>
+              <a:rPr lang="ko-KR" altLang="en-US" sz="2800" dirty="0">
+                <a:solidFill>
+                  <a:srgbClr val="FF0000"/>
+                </a:solidFill>
+                <a:latin typeface="G마켓 산스 Medium" panose="02000000000000000000" pitchFamily="50" charset="-127"/>
+                <a:ea typeface="G마켓 산스 Medium" panose="02000000000000000000" pitchFamily="50" charset="-127"/>
+              </a:rPr>
+              <a:t>조건식</a:t>
+            </a:r>
+            <a:r>
+              <a:rPr lang="en-US" altLang="ko-KR" sz="2800" dirty="0">
+                <a:solidFill>
+                  <a:srgbClr val="FF0000"/>
+                </a:solidFill>
+                <a:latin typeface="G마켓 산스 Medium" panose="02000000000000000000" pitchFamily="50" charset="-127"/>
+                <a:ea typeface="G마켓 산스 Medium" panose="02000000000000000000" pitchFamily="50" charset="-127"/>
+              </a:rPr>
+              <a:t>(true</a:t>
+            </a:r>
+            <a:r>
+              <a:rPr lang="ko-KR" altLang="en-US" sz="2800" dirty="0">
+                <a:solidFill>
+                  <a:srgbClr val="FF0000"/>
+                </a:solidFill>
+                <a:latin typeface="G마켓 산스 Medium" panose="02000000000000000000" pitchFamily="50" charset="-127"/>
+                <a:ea typeface="G마켓 산스 Medium" panose="02000000000000000000" pitchFamily="50" charset="-127"/>
+              </a:rPr>
+              <a:t>이면 실행한다</a:t>
+            </a:r>
+            <a:r>
+              <a:rPr lang="en-US" altLang="ko-KR" sz="2800" dirty="0">
+                <a:solidFill>
+                  <a:srgbClr val="FF0000"/>
+                </a:solidFill>
+                <a:latin typeface="G마켓 산스 Medium" panose="02000000000000000000" pitchFamily="50" charset="-127"/>
+                <a:ea typeface="G마켓 산스 Medium" panose="02000000000000000000" pitchFamily="50" charset="-127"/>
+              </a:rPr>
+              <a:t>.)</a:t>
+            </a:r>
+          </a:p>
+        </p:txBody>
+      </p:sp>
+      <p:cxnSp>
+        <p:nvCxnSpPr>
+          <p:cNvPr id="26" name="직선 화살표 연결선 25">
+            <a:extLst>
+              <a:ext uri="{FF2B5EF4-FFF2-40B4-BE49-F238E27FC236}">
+                <a16:creationId xmlns:a16="http://schemas.microsoft.com/office/drawing/2014/main" id="{E3E3BE3C-1B41-2CD2-E50A-5C5AD79D9AAF}"/>
+              </a:ext>
+            </a:extLst>
+          </p:cNvPr>
+          <p:cNvCxnSpPr>
+            <a:cxnSpLocks/>
+          </p:cNvCxnSpPr>
+          <p:nvPr/>
+        </p:nvCxnSpPr>
+        <p:spPr>
+          <a:xfrm>
+            <a:off x="7566198" y="3468881"/>
+            <a:ext cx="1120602" cy="2161609"/>
+          </a:xfrm>
+          <a:prstGeom prst="straightConnector1">
+            <a:avLst/>
+          </a:prstGeom>
+          <a:ln w="38100">
+            <a:tailEnd type="triangle"/>
+          </a:ln>
+        </p:spPr>
+        <p:style>
+          <a:lnRef idx="1">
+            <a:schemeClr val="accent2"/>
+          </a:lnRef>
+          <a:fillRef idx="0">
+            <a:schemeClr val="accent2"/>
+          </a:fillRef>
+          <a:effectRef idx="0">
+            <a:schemeClr val="accent2"/>
+          </a:effectRef>
+          <a:fontRef idx="minor">
+            <a:schemeClr val="tx1"/>
+          </a:fontRef>
+        </p:style>
+      </p:cxnSp>
+      <p:sp>
+        <p:nvSpPr>
+          <p:cNvPr id="28" name="TextBox 27">
+            <a:extLst>
+              <a:ext uri="{FF2B5EF4-FFF2-40B4-BE49-F238E27FC236}">
+                <a16:creationId xmlns:a16="http://schemas.microsoft.com/office/drawing/2014/main" id="{0AED7062-9061-7061-FAA1-5143175174F0}"/>
+              </a:ext>
+            </a:extLst>
+          </p:cNvPr>
+          <p:cNvSpPr txBox="1"/>
+          <p:nvPr/>
+        </p:nvSpPr>
+        <p:spPr>
+          <a:xfrm>
+            <a:off x="8153400" y="5788261"/>
+            <a:ext cx="8305800" cy="523220"/>
+          </a:xfrm>
+          <a:prstGeom prst="rect">
+            <a:avLst/>
+          </a:prstGeom>
+          <a:noFill/>
+        </p:spPr>
+        <p:txBody>
+          <a:bodyPr wrap="square" rtlCol="0">
+            <a:spAutoFit/>
+          </a:bodyPr>
+          <a:lstStyle/>
+          <a:p>
+            <a:r>
+              <a:rPr lang="en-US" altLang="ko-KR" sz="2800" dirty="0">
+                <a:solidFill>
+                  <a:srgbClr val="FF0000"/>
+                </a:solidFill>
+                <a:latin typeface="G마켓 산스 Medium" panose="02000000000000000000" pitchFamily="50" charset="-127"/>
+                <a:ea typeface="G마켓 산스 Medium" panose="02000000000000000000" pitchFamily="50" charset="-127"/>
+              </a:rPr>
+              <a:t>For</a:t>
+            </a:r>
+            <a:r>
+              <a:rPr lang="ko-KR" altLang="en-US" sz="2800" dirty="0">
+                <a:solidFill>
+                  <a:srgbClr val="FF0000"/>
+                </a:solidFill>
+                <a:latin typeface="G마켓 산스 Medium" panose="02000000000000000000" pitchFamily="50" charset="-127"/>
+                <a:ea typeface="G마켓 산스 Medium" panose="02000000000000000000" pitchFamily="50" charset="-127"/>
+              </a:rPr>
+              <a:t>문의 코드를 모두 실행하면 마지막에 실행된다</a:t>
+            </a:r>
+            <a:r>
+              <a:rPr lang="en-US" altLang="ko-KR" sz="2800" dirty="0">
+                <a:solidFill>
+                  <a:srgbClr val="FF0000"/>
+                </a:solidFill>
+                <a:latin typeface="G마켓 산스 Medium" panose="02000000000000000000" pitchFamily="50" charset="-127"/>
+                <a:ea typeface="G마켓 산스 Medium" panose="02000000000000000000" pitchFamily="50" charset="-127"/>
+              </a:rPr>
+              <a:t>.</a:t>
+            </a:r>
+          </a:p>
+        </p:txBody>
+      </p:sp>
+      <p:sp>
+        <p:nvSpPr>
+          <p:cNvPr id="30" name="TextBox 29">
+            <a:extLst>
+              <a:ext uri="{FF2B5EF4-FFF2-40B4-BE49-F238E27FC236}">
+                <a16:creationId xmlns:a16="http://schemas.microsoft.com/office/drawing/2014/main" id="{642BD45E-F7C7-02E1-DAD2-9488C8690BE0}"/>
+              </a:ext>
+            </a:extLst>
+          </p:cNvPr>
+          <p:cNvSpPr txBox="1"/>
+          <p:nvPr/>
+        </p:nvSpPr>
+        <p:spPr>
+          <a:xfrm>
+            <a:off x="1966686" y="1601569"/>
+            <a:ext cx="6186714" cy="646331"/>
+          </a:xfrm>
+          <a:prstGeom prst="rect">
+            <a:avLst/>
+          </a:prstGeom>
+          <a:noFill/>
+        </p:spPr>
+        <p:txBody>
+          <a:bodyPr wrap="square" rtlCol="0">
+            <a:spAutoFit/>
+          </a:bodyPr>
+          <a:lstStyle/>
+          <a:p>
+            <a:r>
+              <a:rPr lang="en-US" altLang="ko-KR" sz="3600" dirty="0">
+                <a:solidFill>
+                  <a:srgbClr val="4C50BC"/>
+                </a:solidFill>
+                <a:latin typeface="G마켓 산스 Medium" panose="02000000000000000000" pitchFamily="50" charset="-127"/>
+                <a:ea typeface="G마켓 산스 Medium" panose="02000000000000000000" pitchFamily="50" charset="-127"/>
+              </a:rPr>
+              <a:t>For(</a:t>
+            </a:r>
+            <a:r>
+              <a:rPr lang="ko-KR" altLang="en-US" sz="3600" dirty="0">
+                <a:solidFill>
+                  <a:srgbClr val="4C50BC"/>
+                </a:solidFill>
+                <a:latin typeface="G마켓 산스 Medium" panose="02000000000000000000" pitchFamily="50" charset="-127"/>
+                <a:ea typeface="G마켓 산스 Medium" panose="02000000000000000000" pitchFamily="50" charset="-127"/>
+              </a:rPr>
+              <a:t>초기화 </a:t>
+            </a:r>
+            <a:r>
+              <a:rPr lang="en-US" altLang="ko-KR" sz="3600" dirty="0">
+                <a:solidFill>
+                  <a:srgbClr val="4C50BC"/>
+                </a:solidFill>
+                <a:latin typeface="G마켓 산스 Medium" panose="02000000000000000000" pitchFamily="50" charset="-127"/>
+                <a:ea typeface="G마켓 산스 Medium" panose="02000000000000000000" pitchFamily="50" charset="-127"/>
+              </a:rPr>
+              <a:t>; </a:t>
+            </a:r>
+            <a:r>
+              <a:rPr lang="ko-KR" altLang="en-US" sz="3600" dirty="0">
+                <a:solidFill>
+                  <a:srgbClr val="4C50BC"/>
+                </a:solidFill>
+                <a:latin typeface="G마켓 산스 Medium" panose="02000000000000000000" pitchFamily="50" charset="-127"/>
+                <a:ea typeface="G마켓 산스 Medium" panose="02000000000000000000" pitchFamily="50" charset="-127"/>
+              </a:rPr>
+              <a:t>조건식</a:t>
+            </a:r>
+            <a:r>
+              <a:rPr lang="en-US" altLang="ko-KR" sz="3600" dirty="0">
+                <a:solidFill>
+                  <a:srgbClr val="4C50BC"/>
+                </a:solidFill>
+                <a:latin typeface="G마켓 산스 Medium" panose="02000000000000000000" pitchFamily="50" charset="-127"/>
+                <a:ea typeface="G마켓 산스 Medium" panose="02000000000000000000" pitchFamily="50" charset="-127"/>
+              </a:rPr>
+              <a:t>;</a:t>
+            </a:r>
+            <a:r>
+              <a:rPr lang="ko-KR" altLang="en-US" sz="3600" dirty="0" err="1">
+                <a:solidFill>
+                  <a:srgbClr val="4C50BC"/>
+                </a:solidFill>
+                <a:latin typeface="G마켓 산스 Medium" panose="02000000000000000000" pitchFamily="50" charset="-127"/>
+                <a:ea typeface="G마켓 산스 Medium" panose="02000000000000000000" pitchFamily="50" charset="-127"/>
+              </a:rPr>
+              <a:t>증감식</a:t>
+            </a:r>
+            <a:r>
+              <a:rPr lang="en-US" altLang="ko-KR" sz="3600" dirty="0">
+                <a:solidFill>
+                  <a:srgbClr val="4C50BC"/>
+                </a:solidFill>
+                <a:latin typeface="G마켓 산스 Medium" panose="02000000000000000000" pitchFamily="50" charset="-127"/>
+                <a:ea typeface="G마켓 산스 Medium" panose="02000000000000000000" pitchFamily="50" charset="-127"/>
+              </a:rPr>
+              <a:t>)</a:t>
+            </a:r>
+          </a:p>
+        </p:txBody>
+      </p:sp>
+    </p:spTree>
+    <p:extLst>
+      <p:ext uri="{BB962C8B-B14F-4D97-AF65-F5344CB8AC3E}">
+        <p14:creationId xmlns:p14="http://schemas.microsoft.com/office/powerpoint/2010/main" val="3609099598"/>
+      </p:ext>
+    </p:extLst>
+  </p:cSld>
+  <p:clrMapOvr>
+    <a:masterClrMapping/>
+  </p:clrMapOvr>
+</p:sld>
+</file>
+
+<file path=ppt/slides/slide12.xml><?xml version="1.0" encoding="utf-8"?>
+<p:sld xmlns:a="http://schemas.openxmlformats.org/drawingml/2006/main" xmlns:r="http://schemas.openxmlformats.org/officeDocument/2006/relationships" xmlns:p="http://schemas.openxmlformats.org/presentationml/2006/main">
+  <p:cSld>
+    <p:spTree>
+      <p:nvGrpSpPr>
+        <p:cNvPr id="1" name=""/>
+        <p:cNvGrpSpPr/>
+        <p:nvPr/>
+      </p:nvGrpSpPr>
+      <p:grpSpPr>
+        <a:xfrm>
+          <a:off x="0" y="0"/>
+          <a:ext cx="0" cy="0"/>
+          <a:chOff x="0" y="0"/>
+          <a:chExt cx="0" cy="0"/>
+        </a:xfrm>
+      </p:grpSpPr>
+      <p:sp>
+        <p:nvSpPr>
+          <p:cNvPr id="4" name="TextBox 3">
+            <a:extLst>
+              <a:ext uri="{FF2B5EF4-FFF2-40B4-BE49-F238E27FC236}">
+                <a16:creationId xmlns:a16="http://schemas.microsoft.com/office/drawing/2014/main" id="{689B06B0-68AB-C307-0EBB-9D1982E424B0}"/>
+              </a:ext>
+            </a:extLst>
+          </p:cNvPr>
+          <p:cNvSpPr txBox="1"/>
+          <p:nvPr/>
+        </p:nvSpPr>
+        <p:spPr>
+          <a:xfrm>
+            <a:off x="1371600" y="497131"/>
+            <a:ext cx="4267200" cy="830997"/>
+          </a:xfrm>
+          <a:prstGeom prst="rect">
+            <a:avLst/>
+          </a:prstGeom>
+          <a:noFill/>
+        </p:spPr>
+        <p:txBody>
+          <a:bodyPr wrap="square" rtlCol="0">
+            <a:spAutoFit/>
+          </a:bodyPr>
+          <a:lstStyle/>
+          <a:p>
+            <a:r>
+              <a:rPr lang="en-US" altLang="ko-KR" sz="4800" dirty="0">
+                <a:solidFill>
+                  <a:srgbClr val="4C50BC"/>
+                </a:solidFill>
+                <a:latin typeface="G마켓 산스 Medium" panose="02000000000000000000" pitchFamily="50" charset="-127"/>
+                <a:ea typeface="G마켓 산스 Medium" panose="02000000000000000000" pitchFamily="50" charset="-127"/>
+              </a:rPr>
+              <a:t>For</a:t>
+            </a:r>
+            <a:r>
+              <a:rPr lang="ko-KR" altLang="en-US" sz="4800" dirty="0">
+                <a:solidFill>
+                  <a:srgbClr val="4C50BC"/>
+                </a:solidFill>
+                <a:latin typeface="G마켓 산스 Medium" panose="02000000000000000000" pitchFamily="50" charset="-127"/>
+                <a:ea typeface="G마켓 산스 Medium" panose="02000000000000000000" pitchFamily="50" charset="-127"/>
+              </a:rPr>
+              <a:t>문 초기화</a:t>
+            </a:r>
+            <a:endParaRPr lang="en-US" altLang="ko-KR" sz="4800" dirty="0">
+              <a:solidFill>
+                <a:srgbClr val="4C50BC"/>
+              </a:solidFill>
+              <a:latin typeface="G마켓 산스 Medium" panose="02000000000000000000" pitchFamily="50" charset="-127"/>
+              <a:ea typeface="G마켓 산스 Medium" panose="02000000000000000000" pitchFamily="50" charset="-127"/>
+            </a:endParaRPr>
+          </a:p>
+        </p:txBody>
+      </p:sp>
+      <p:pic>
+        <p:nvPicPr>
+          <p:cNvPr id="6" name="그림 5">
+            <a:extLst>
+              <a:ext uri="{FF2B5EF4-FFF2-40B4-BE49-F238E27FC236}">
+                <a16:creationId xmlns:a16="http://schemas.microsoft.com/office/drawing/2014/main" id="{47DB1BEC-83BD-9A81-8F2A-CD1BD70AE5E7}"/>
+              </a:ext>
+            </a:extLst>
+          </p:cNvPr>
+          <p:cNvPicPr>
+            <a:picLocks noChangeAspect="1"/>
+          </p:cNvPicPr>
+          <p:nvPr/>
+        </p:nvPicPr>
+        <p:blipFill>
+          <a:blip r:embed="rId2"/>
+          <a:stretch>
+            <a:fillRect/>
+          </a:stretch>
+        </p:blipFill>
+        <p:spPr>
+          <a:xfrm>
             <a:off x="1375229" y="1638301"/>
             <a:ext cx="4492171" cy="1589762"/>
           </a:xfrm>
@@ -4428,7 +5949,7 @@
           <p:cNvPr id="7" name="직선 화살표 연결선 6">
             <a:extLst>
               <a:ext uri="{FF2B5EF4-FFF2-40B4-BE49-F238E27FC236}">
-                <a16:creationId xmlns="" xmlns:a16="http://schemas.microsoft.com/office/drawing/2014/main" id="{0C626B88-28F7-8151-7B62-0A3D010F91C0}"/>
+                <a16:creationId xmlns:a16="http://schemas.microsoft.com/office/drawing/2014/main" id="{0C626B88-28F7-8151-7B62-0A3D010F91C0}"/>
               </a:ext>
             </a:extLst>
           </p:cNvPr>
@@ -4469,7 +5990,7 @@
           <p:cNvPr id="8" name="직사각형 7">
             <a:extLst>
               <a:ext uri="{FF2B5EF4-FFF2-40B4-BE49-F238E27FC236}">
-                <a16:creationId xmlns="" xmlns:a16="http://schemas.microsoft.com/office/drawing/2014/main" id="{49C2E4F5-8682-2767-5D78-3379E2DFD4F9}"/>
+                <a16:creationId xmlns:a16="http://schemas.microsoft.com/office/drawing/2014/main" id="{49C2E4F5-8682-2767-5D78-3379E2DFD4F9}"/>
               </a:ext>
             </a:extLst>
           </p:cNvPr>
@@ -4521,7 +6042,7 @@
           <p:cNvPr id="10" name="TextBox 9">
             <a:extLst>
               <a:ext uri="{FF2B5EF4-FFF2-40B4-BE49-F238E27FC236}">
-                <a16:creationId xmlns="" xmlns:a16="http://schemas.microsoft.com/office/drawing/2014/main" id="{D75F4B4F-8FD1-6095-2821-D9CC57CE2BC6}"/>
+                <a16:creationId xmlns:a16="http://schemas.microsoft.com/office/drawing/2014/main" id="{D75F4B4F-8FD1-6095-2821-D9CC57CE2BC6}"/>
               </a:ext>
             </a:extLst>
           </p:cNvPr>
@@ -4578,7 +6099,7 @@
           <p:cNvPr id="12" name="그림 11">
             <a:extLst>
               <a:ext uri="{FF2B5EF4-FFF2-40B4-BE49-F238E27FC236}">
-                <a16:creationId xmlns="" xmlns:a16="http://schemas.microsoft.com/office/drawing/2014/main" id="{71FBC67B-133A-2045-477F-F50EA945D0CC}"/>
+                <a16:creationId xmlns:a16="http://schemas.microsoft.com/office/drawing/2014/main" id="{71FBC67B-133A-2045-477F-F50EA945D0CC}"/>
               </a:ext>
             </a:extLst>
           </p:cNvPr>
@@ -4608,7 +6129,7 @@
           <p:cNvPr id="13" name="직선 화살표 연결선 12">
             <a:extLst>
               <a:ext uri="{FF2B5EF4-FFF2-40B4-BE49-F238E27FC236}">
-                <a16:creationId xmlns="" xmlns:a16="http://schemas.microsoft.com/office/drawing/2014/main" id="{FAB6EF14-5D7D-333B-73B0-35022C8DDEC1}"/>
+                <a16:creationId xmlns:a16="http://schemas.microsoft.com/office/drawing/2014/main" id="{FAB6EF14-5D7D-333B-73B0-35022C8DDEC1}"/>
               </a:ext>
             </a:extLst>
           </p:cNvPr>
@@ -4649,7 +6170,7 @@
           <p:cNvPr id="14" name="직사각형 13">
             <a:extLst>
               <a:ext uri="{FF2B5EF4-FFF2-40B4-BE49-F238E27FC236}">
-                <a16:creationId xmlns="" xmlns:a16="http://schemas.microsoft.com/office/drawing/2014/main" id="{101993EF-383B-D715-EF0A-CDE4AC7AB0AF}"/>
+                <a16:creationId xmlns:a16="http://schemas.microsoft.com/office/drawing/2014/main" id="{101993EF-383B-D715-EF0A-CDE4AC7AB0AF}"/>
               </a:ext>
             </a:extLst>
           </p:cNvPr>
@@ -4701,7 +6222,7 @@
           <p:cNvPr id="15" name="TextBox 14">
             <a:extLst>
               <a:ext uri="{FF2B5EF4-FFF2-40B4-BE49-F238E27FC236}">
-                <a16:creationId xmlns="" xmlns:a16="http://schemas.microsoft.com/office/drawing/2014/main" id="{64D6DA13-99A3-812E-B62A-51BDD25B6BD2}"/>
+                <a16:creationId xmlns:a16="http://schemas.microsoft.com/office/drawing/2014/main" id="{64D6DA13-99A3-812E-B62A-51BDD25B6BD2}"/>
               </a:ext>
             </a:extLst>
           </p:cNvPr>
@@ -4847,7 +6368,7 @@
           <p:cNvPr id="18" name="그림 17">
             <a:extLst>
               <a:ext uri="{FF2B5EF4-FFF2-40B4-BE49-F238E27FC236}">
-                <a16:creationId xmlns="" xmlns:a16="http://schemas.microsoft.com/office/drawing/2014/main" id="{00DE21ED-57B3-A7D1-8BA3-1885ED016D2B}"/>
+                <a16:creationId xmlns:a16="http://schemas.microsoft.com/office/drawing/2014/main" id="{00DE21ED-57B3-A7D1-8BA3-1885ED016D2B}"/>
               </a:ext>
             </a:extLst>
           </p:cNvPr>
@@ -4877,7 +6398,7 @@
           <p:cNvPr id="19" name="직선 화살표 연결선 18">
             <a:extLst>
               <a:ext uri="{FF2B5EF4-FFF2-40B4-BE49-F238E27FC236}">
-                <a16:creationId xmlns="" xmlns:a16="http://schemas.microsoft.com/office/drawing/2014/main" id="{A1268EA5-0368-4462-246D-144CDB05B23F}"/>
+                <a16:creationId xmlns:a16="http://schemas.microsoft.com/office/drawing/2014/main" id="{A1268EA5-0368-4462-246D-144CDB05B23F}"/>
               </a:ext>
             </a:extLst>
           </p:cNvPr>
@@ -4918,7 +6439,7 @@
           <p:cNvPr id="20" name="직사각형 19">
             <a:extLst>
               <a:ext uri="{FF2B5EF4-FFF2-40B4-BE49-F238E27FC236}">
-                <a16:creationId xmlns="" xmlns:a16="http://schemas.microsoft.com/office/drawing/2014/main" id="{3CE952E5-50B3-EB4C-0A71-D498B14619AB}"/>
+                <a16:creationId xmlns:a16="http://schemas.microsoft.com/office/drawing/2014/main" id="{3CE952E5-50B3-EB4C-0A71-D498B14619AB}"/>
               </a:ext>
             </a:extLst>
           </p:cNvPr>
@@ -4970,7 +6491,7 @@
           <p:cNvPr id="21" name="TextBox 20">
             <a:extLst>
               <a:ext uri="{FF2B5EF4-FFF2-40B4-BE49-F238E27FC236}">
-                <a16:creationId xmlns="" xmlns:a16="http://schemas.microsoft.com/office/drawing/2014/main" id="{10D2964D-13AA-4BA9-8147-C4D7FFA4E524}"/>
+                <a16:creationId xmlns:a16="http://schemas.microsoft.com/office/drawing/2014/main" id="{10D2964D-13AA-4BA9-8147-C4D7FFA4E524}"/>
               </a:ext>
             </a:extLst>
           </p:cNvPr>
@@ -5037,7 +6558,7 @@
           <p:cNvPr id="23" name="그림 22">
             <a:extLst>
               <a:ext uri="{FF2B5EF4-FFF2-40B4-BE49-F238E27FC236}">
-                <a16:creationId xmlns="" xmlns:a16="http://schemas.microsoft.com/office/drawing/2014/main" id="{2AB563CE-C606-E4F4-F345-DDD7E0A58CA8}"/>
+                <a16:creationId xmlns:a16="http://schemas.microsoft.com/office/drawing/2014/main" id="{2AB563CE-C606-E4F4-F345-DDD7E0A58CA8}"/>
               </a:ext>
             </a:extLst>
           </p:cNvPr>
@@ -5067,7 +6588,7 @@
           <p:cNvPr id="24" name="직사각형 23">
             <a:extLst>
               <a:ext uri="{FF2B5EF4-FFF2-40B4-BE49-F238E27FC236}">
-                <a16:creationId xmlns="" xmlns:a16="http://schemas.microsoft.com/office/drawing/2014/main" id="{C3078241-A31B-7809-4097-6CD7A51122E4}"/>
+                <a16:creationId xmlns:a16="http://schemas.microsoft.com/office/drawing/2014/main" id="{C3078241-A31B-7809-4097-6CD7A51122E4}"/>
               </a:ext>
             </a:extLst>
           </p:cNvPr>
@@ -5119,7 +6640,7 @@
           <p:cNvPr id="25" name="직선 화살표 연결선 24">
             <a:extLst>
               <a:ext uri="{FF2B5EF4-FFF2-40B4-BE49-F238E27FC236}">
-                <a16:creationId xmlns="" xmlns:a16="http://schemas.microsoft.com/office/drawing/2014/main" id="{EE84BD74-6BF6-8540-9210-C3EB82E1CBD1}"/>
+                <a16:creationId xmlns:a16="http://schemas.microsoft.com/office/drawing/2014/main" id="{EE84BD74-6BF6-8540-9210-C3EB82E1CBD1}"/>
               </a:ext>
             </a:extLst>
           </p:cNvPr>
@@ -5160,7 +6681,7 @@
           <p:cNvPr id="26" name="TextBox 25">
             <a:extLst>
               <a:ext uri="{FF2B5EF4-FFF2-40B4-BE49-F238E27FC236}">
-                <a16:creationId xmlns="" xmlns:a16="http://schemas.microsoft.com/office/drawing/2014/main" id="{5DE653FC-7C92-87DA-DB20-513FB91F9C29}"/>
+                <a16:creationId xmlns:a16="http://schemas.microsoft.com/office/drawing/2014/main" id="{5DE653FC-7C92-87DA-DB20-513FB91F9C29}"/>
               </a:ext>
             </a:extLst>
           </p:cNvPr>
@@ -5330,7 +6851,7 @@
 </p:sld>
 </file>
 
-<file path=ppt/slides/slide11.xml><?xml version="1.0" encoding="utf-8"?>
+<file path=ppt/slides/slide13.xml><?xml version="1.0" encoding="utf-8"?>
 <p:sld xmlns:a="http://schemas.openxmlformats.org/drawingml/2006/main" xmlns:r="http://schemas.openxmlformats.org/officeDocument/2006/relationships" xmlns:p="http://schemas.openxmlformats.org/presentationml/2006/main">
   <p:cSld>
     <p:spTree>
@@ -5352,7 +6873,7 @@
           <p:cNvPr id="4" name="TextBox 3">
             <a:extLst>
               <a:ext uri="{FF2B5EF4-FFF2-40B4-BE49-F238E27FC236}">
-                <a16:creationId xmlns="" xmlns:a16="http://schemas.microsoft.com/office/drawing/2014/main" id="{74F623B1-3799-BFD3-69BC-FE06246EB13A}"/>
+                <a16:creationId xmlns:a16="http://schemas.microsoft.com/office/drawing/2014/main" id="{74F623B1-3799-BFD3-69BC-FE06246EB13A}"/>
               </a:ext>
             </a:extLst>
           </p:cNvPr>
@@ -5410,7 +6931,7 @@
           <p:cNvPr id="6" name="그림 5">
             <a:extLst>
               <a:ext uri="{FF2B5EF4-FFF2-40B4-BE49-F238E27FC236}">
-                <a16:creationId xmlns="" xmlns:a16="http://schemas.microsoft.com/office/drawing/2014/main" id="{2859CED2-6E50-1BAA-3A3C-47C036E9E60B}"/>
+                <a16:creationId xmlns:a16="http://schemas.microsoft.com/office/drawing/2014/main" id="{2859CED2-6E50-1BAA-3A3C-47C036E9E60B}"/>
               </a:ext>
             </a:extLst>
           </p:cNvPr>
@@ -5440,7 +6961,7 @@
           <p:cNvPr id="9" name="직선 화살표 연결선 8">
             <a:extLst>
               <a:ext uri="{FF2B5EF4-FFF2-40B4-BE49-F238E27FC236}">
-                <a16:creationId xmlns="" xmlns:a16="http://schemas.microsoft.com/office/drawing/2014/main" id="{0A517102-1A7B-32D6-8B5E-7A602CF28BB4}"/>
+                <a16:creationId xmlns:a16="http://schemas.microsoft.com/office/drawing/2014/main" id="{0A517102-1A7B-32D6-8B5E-7A602CF28BB4}"/>
               </a:ext>
             </a:extLst>
           </p:cNvPr>
@@ -5481,7 +7002,7 @@
           <p:cNvPr id="10" name="직사각형 9">
             <a:extLst>
               <a:ext uri="{FF2B5EF4-FFF2-40B4-BE49-F238E27FC236}">
-                <a16:creationId xmlns="" xmlns:a16="http://schemas.microsoft.com/office/drawing/2014/main" id="{FB68496F-8E91-B36B-A8CC-3A1A4D38F45F}"/>
+                <a16:creationId xmlns:a16="http://schemas.microsoft.com/office/drawing/2014/main" id="{FB68496F-8E91-B36B-A8CC-3A1A4D38F45F}"/>
               </a:ext>
             </a:extLst>
           </p:cNvPr>
@@ -5533,7 +7054,7 @@
           <p:cNvPr id="11" name="TextBox 10">
             <a:extLst>
               <a:ext uri="{FF2B5EF4-FFF2-40B4-BE49-F238E27FC236}">
-                <a16:creationId xmlns="" xmlns:a16="http://schemas.microsoft.com/office/drawing/2014/main" id="{9B6AB948-57E9-D33B-D848-3E89213C4BC0}"/>
+                <a16:creationId xmlns:a16="http://schemas.microsoft.com/office/drawing/2014/main" id="{9B6AB948-57E9-D33B-D848-3E89213C4BC0}"/>
               </a:ext>
             </a:extLst>
           </p:cNvPr>
@@ -5642,7 +7163,7 @@
           <p:cNvPr id="14" name="그림 13">
             <a:extLst>
               <a:ext uri="{FF2B5EF4-FFF2-40B4-BE49-F238E27FC236}">
-                <a16:creationId xmlns="" xmlns:a16="http://schemas.microsoft.com/office/drawing/2014/main" id="{B3BFF180-C4C5-4F68-024B-8D0BD9CD80A0}"/>
+                <a16:creationId xmlns:a16="http://schemas.microsoft.com/office/drawing/2014/main" id="{B3BFF180-C4C5-4F68-024B-8D0BD9CD80A0}"/>
               </a:ext>
             </a:extLst>
           </p:cNvPr>
@@ -5672,7 +7193,7 @@
           <p:cNvPr id="15" name="직선 화살표 연결선 14">
             <a:extLst>
               <a:ext uri="{FF2B5EF4-FFF2-40B4-BE49-F238E27FC236}">
-                <a16:creationId xmlns="" xmlns:a16="http://schemas.microsoft.com/office/drawing/2014/main" id="{9758FD75-DB03-FDB7-C01E-990F959B0FAE}"/>
+                <a16:creationId xmlns:a16="http://schemas.microsoft.com/office/drawing/2014/main" id="{9758FD75-DB03-FDB7-C01E-990F959B0FAE}"/>
               </a:ext>
             </a:extLst>
           </p:cNvPr>
@@ -5713,7 +7234,7 @@
           <p:cNvPr id="16" name="직사각형 15">
             <a:extLst>
               <a:ext uri="{FF2B5EF4-FFF2-40B4-BE49-F238E27FC236}">
-                <a16:creationId xmlns="" xmlns:a16="http://schemas.microsoft.com/office/drawing/2014/main" id="{92D792A0-FDE7-8AB9-B54C-2C0BF71FB3E8}"/>
+                <a16:creationId xmlns:a16="http://schemas.microsoft.com/office/drawing/2014/main" id="{92D792A0-FDE7-8AB9-B54C-2C0BF71FB3E8}"/>
               </a:ext>
             </a:extLst>
           </p:cNvPr>
@@ -5765,7 +7286,7 @@
           <p:cNvPr id="17" name="TextBox 16">
             <a:extLst>
               <a:ext uri="{FF2B5EF4-FFF2-40B4-BE49-F238E27FC236}">
-                <a16:creationId xmlns="" xmlns:a16="http://schemas.microsoft.com/office/drawing/2014/main" id="{210B69DC-4AF4-C38B-EEB0-7D8F8D0F4EA5}"/>
+                <a16:creationId xmlns:a16="http://schemas.microsoft.com/office/drawing/2014/main" id="{210B69DC-4AF4-C38B-EEB0-7D8F8D0F4EA5}"/>
               </a:ext>
             </a:extLst>
           </p:cNvPr>
@@ -5858,7 +7379,7 @@
           <p:cNvPr id="19" name="그림 18">
             <a:extLst>
               <a:ext uri="{FF2B5EF4-FFF2-40B4-BE49-F238E27FC236}">
-                <a16:creationId xmlns="" xmlns:a16="http://schemas.microsoft.com/office/drawing/2014/main" id="{E723CE96-C6A4-1D96-576C-F088644208A2}"/>
+                <a16:creationId xmlns:a16="http://schemas.microsoft.com/office/drawing/2014/main" id="{E723CE96-C6A4-1D96-576C-F088644208A2}"/>
               </a:ext>
             </a:extLst>
           </p:cNvPr>
@@ -5888,7 +7409,7 @@
           <p:cNvPr id="20" name="직선 화살표 연결선 19">
             <a:extLst>
               <a:ext uri="{FF2B5EF4-FFF2-40B4-BE49-F238E27FC236}">
-                <a16:creationId xmlns="" xmlns:a16="http://schemas.microsoft.com/office/drawing/2014/main" id="{FC547289-CBE4-8017-DC97-5EEC8635BE87}"/>
+                <a16:creationId xmlns:a16="http://schemas.microsoft.com/office/drawing/2014/main" id="{FC547289-CBE4-8017-DC97-5EEC8635BE87}"/>
               </a:ext>
             </a:extLst>
           </p:cNvPr>
@@ -5929,7 +7450,7 @@
           <p:cNvPr id="21" name="TextBox 20">
             <a:extLst>
               <a:ext uri="{FF2B5EF4-FFF2-40B4-BE49-F238E27FC236}">
-                <a16:creationId xmlns="" xmlns:a16="http://schemas.microsoft.com/office/drawing/2014/main" id="{1207E87C-0459-BCE8-BFCC-964AA68220DA}"/>
+                <a16:creationId xmlns:a16="http://schemas.microsoft.com/office/drawing/2014/main" id="{1207E87C-0459-BCE8-BFCC-964AA68220DA}"/>
               </a:ext>
             </a:extLst>
           </p:cNvPr>
@@ -6036,7 +7557,7 @@
           <p:cNvPr id="18" name="직선 화살표 연결선 17">
             <a:extLst>
               <a:ext uri="{FF2B5EF4-FFF2-40B4-BE49-F238E27FC236}">
-                <a16:creationId xmlns="" xmlns:a16="http://schemas.microsoft.com/office/drawing/2014/main" id="{FC547289-CBE4-8017-DC97-5EEC8635BE87}"/>
+                <a16:creationId xmlns:a16="http://schemas.microsoft.com/office/drawing/2014/main" id="{FC547289-CBE4-8017-DC97-5EEC8635BE87}"/>
               </a:ext>
             </a:extLst>
           </p:cNvPr>
@@ -6077,7 +7598,7 @@
           <p:cNvPr id="22" name="TextBox 21">
             <a:extLst>
               <a:ext uri="{FF2B5EF4-FFF2-40B4-BE49-F238E27FC236}">
-                <a16:creationId xmlns="" xmlns:a16="http://schemas.microsoft.com/office/drawing/2014/main" id="{1207E87C-0459-BCE8-BFCC-964AA68220DA}"/>
+                <a16:creationId xmlns:a16="http://schemas.microsoft.com/office/drawing/2014/main" id="{1207E87C-0459-BCE8-BFCC-964AA68220DA}"/>
               </a:ext>
             </a:extLst>
           </p:cNvPr>
@@ -6160,7 +7681,7 @@
           <p:cNvPr id="23" name="직사각형 22">
             <a:extLst>
               <a:ext uri="{FF2B5EF4-FFF2-40B4-BE49-F238E27FC236}">
-                <a16:creationId xmlns="" xmlns:a16="http://schemas.microsoft.com/office/drawing/2014/main" id="{92D792A0-FDE7-8AB9-B54C-2C0BF71FB3E8}"/>
+                <a16:creationId xmlns:a16="http://schemas.microsoft.com/office/drawing/2014/main" id="{92D792A0-FDE7-8AB9-B54C-2C0BF71FB3E8}"/>
               </a:ext>
             </a:extLst>
           </p:cNvPr>
@@ -6236,7 +7757,7 @@
           <p:cNvPr id="24" name="직선 화살표 연결선 23">
             <a:extLst>
               <a:ext uri="{FF2B5EF4-FFF2-40B4-BE49-F238E27FC236}">
-                <a16:creationId xmlns="" xmlns:a16="http://schemas.microsoft.com/office/drawing/2014/main" id="{FC547289-CBE4-8017-DC97-5EEC8635BE87}"/>
+                <a16:creationId xmlns:a16="http://schemas.microsoft.com/office/drawing/2014/main" id="{FC547289-CBE4-8017-DC97-5EEC8635BE87}"/>
               </a:ext>
             </a:extLst>
           </p:cNvPr>
@@ -6277,7 +7798,7 @@
           <p:cNvPr id="25" name="TextBox 24">
             <a:extLst>
               <a:ext uri="{FF2B5EF4-FFF2-40B4-BE49-F238E27FC236}">
-                <a16:creationId xmlns="" xmlns:a16="http://schemas.microsoft.com/office/drawing/2014/main" id="{1207E87C-0459-BCE8-BFCC-964AA68220DA}"/>
+                <a16:creationId xmlns:a16="http://schemas.microsoft.com/office/drawing/2014/main" id="{1207E87C-0459-BCE8-BFCC-964AA68220DA}"/>
               </a:ext>
             </a:extLst>
           </p:cNvPr>
@@ -6301,7 +7822,7 @@
           <a:lstStyle/>
           <a:p>
             <a:r>
-              <a:rPr lang="ko-KR" altLang="en-US" sz="4800" smtClean="0">
+              <a:rPr lang="ko-KR" altLang="en-US" sz="4800">
                 <a:solidFill>
                   <a:schemeClr val="tx1">
                     <a:lumMod val="50000"/>
@@ -6314,7 +7835,7 @@
               <a:t>변수가 올수 있다</a:t>
             </a:r>
             <a:r>
-              <a:rPr lang="en-US" altLang="ko-KR" sz="4800" smtClean="0">
+              <a:rPr lang="en-US" altLang="ko-KR" sz="4800">
                 <a:solidFill>
                   <a:schemeClr val="tx1">
                     <a:lumMod val="50000"/>
@@ -6344,7 +7865,7 @@
           <p:cNvPr id="26" name="직사각형 25">
             <a:extLst>
               <a:ext uri="{FF2B5EF4-FFF2-40B4-BE49-F238E27FC236}">
-                <a16:creationId xmlns="" xmlns:a16="http://schemas.microsoft.com/office/drawing/2014/main" id="{92D792A0-FDE7-8AB9-B54C-2C0BF71FB3E8}"/>
+                <a16:creationId xmlns:a16="http://schemas.microsoft.com/office/drawing/2014/main" id="{92D792A0-FDE7-8AB9-B54C-2C0BF71FB3E8}"/>
               </a:ext>
             </a:extLst>
           </p:cNvPr>
@@ -6710,7 +8231,7 @@
 </p:sld>
 </file>
 
-<file path=ppt/slides/slide12.xml><?xml version="1.0" encoding="utf-8"?>
+<file path=ppt/slides/slide14.xml><?xml version="1.0" encoding="utf-8"?>
 <p:sld xmlns:a="http://schemas.openxmlformats.org/drawingml/2006/main" xmlns:r="http://schemas.openxmlformats.org/officeDocument/2006/relationships" xmlns:p="http://schemas.openxmlformats.org/presentationml/2006/main">
   <p:cSld>
     <p:spTree>
@@ -6732,7 +8253,7 @@
           <p:cNvPr id="4" name="TextBox 3">
             <a:extLst>
               <a:ext uri="{FF2B5EF4-FFF2-40B4-BE49-F238E27FC236}">
-                <a16:creationId xmlns="" xmlns:a16="http://schemas.microsoft.com/office/drawing/2014/main" id="{FC45ADBF-CAA8-348D-E57F-358AF9FAC5C1}"/>
+                <a16:creationId xmlns:a16="http://schemas.microsoft.com/office/drawing/2014/main" id="{FC45ADBF-CAA8-348D-E57F-358AF9FAC5C1}"/>
               </a:ext>
             </a:extLst>
           </p:cNvPr>
@@ -6800,7 +8321,7 @@
           <p:cNvPr id="5" name="그림 4">
             <a:extLst>
               <a:ext uri="{FF2B5EF4-FFF2-40B4-BE49-F238E27FC236}">
-                <a16:creationId xmlns="" xmlns:a16="http://schemas.microsoft.com/office/drawing/2014/main" id="{F3D6648B-496B-FC8A-75B1-27D9F63E6256}"/>
+                <a16:creationId xmlns:a16="http://schemas.microsoft.com/office/drawing/2014/main" id="{F3D6648B-496B-FC8A-75B1-27D9F63E6256}"/>
               </a:ext>
             </a:extLst>
           </p:cNvPr>
@@ -6830,7 +8351,7 @@
           <p:cNvPr id="6" name="직선 화살표 연결선 5">
             <a:extLst>
               <a:ext uri="{FF2B5EF4-FFF2-40B4-BE49-F238E27FC236}">
-                <a16:creationId xmlns="" xmlns:a16="http://schemas.microsoft.com/office/drawing/2014/main" id="{BFCC77D2-478B-FE81-F1C3-2D8FB1B2B539}"/>
+                <a16:creationId xmlns:a16="http://schemas.microsoft.com/office/drawing/2014/main" id="{BFCC77D2-478B-FE81-F1C3-2D8FB1B2B539}"/>
               </a:ext>
             </a:extLst>
           </p:cNvPr>
@@ -6871,7 +8392,7 @@
           <p:cNvPr id="7" name="직사각형 6">
             <a:extLst>
               <a:ext uri="{FF2B5EF4-FFF2-40B4-BE49-F238E27FC236}">
-                <a16:creationId xmlns="" xmlns:a16="http://schemas.microsoft.com/office/drawing/2014/main" id="{769A9CD3-BBAA-9398-29F4-6CA0FB117667}"/>
+                <a16:creationId xmlns:a16="http://schemas.microsoft.com/office/drawing/2014/main" id="{769A9CD3-BBAA-9398-29F4-6CA0FB117667}"/>
               </a:ext>
             </a:extLst>
           </p:cNvPr>
@@ -6923,7 +8444,7 @@
           <p:cNvPr id="8" name="TextBox 7">
             <a:extLst>
               <a:ext uri="{FF2B5EF4-FFF2-40B4-BE49-F238E27FC236}">
-                <a16:creationId xmlns="" xmlns:a16="http://schemas.microsoft.com/office/drawing/2014/main" id="{A56A5DDA-8708-D8BE-1148-536DAE867ED1}"/>
+                <a16:creationId xmlns:a16="http://schemas.microsoft.com/office/drawing/2014/main" id="{A56A5DDA-8708-D8BE-1148-536DAE867ED1}"/>
               </a:ext>
             </a:extLst>
           </p:cNvPr>
@@ -7045,7 +8566,7 @@
           <p:cNvPr id="11" name="그림 10">
             <a:extLst>
               <a:ext uri="{FF2B5EF4-FFF2-40B4-BE49-F238E27FC236}">
-                <a16:creationId xmlns="" xmlns:a16="http://schemas.microsoft.com/office/drawing/2014/main" id="{5037AA5F-E822-583D-6081-38FA492341D9}"/>
+                <a16:creationId xmlns:a16="http://schemas.microsoft.com/office/drawing/2014/main" id="{5037AA5F-E822-583D-6081-38FA492341D9}"/>
               </a:ext>
             </a:extLst>
           </p:cNvPr>
@@ -7075,7 +8596,7 @@
           <p:cNvPr id="12" name="직선 화살표 연결선 11">
             <a:extLst>
               <a:ext uri="{FF2B5EF4-FFF2-40B4-BE49-F238E27FC236}">
-                <a16:creationId xmlns="" xmlns:a16="http://schemas.microsoft.com/office/drawing/2014/main" id="{1FFE4224-75E0-E7D7-6120-C4CA05A76D18}"/>
+                <a16:creationId xmlns:a16="http://schemas.microsoft.com/office/drawing/2014/main" id="{1FFE4224-75E0-E7D7-6120-C4CA05A76D18}"/>
               </a:ext>
             </a:extLst>
           </p:cNvPr>
@@ -7116,7 +8637,7 @@
           <p:cNvPr id="13" name="직사각형 12">
             <a:extLst>
               <a:ext uri="{FF2B5EF4-FFF2-40B4-BE49-F238E27FC236}">
-                <a16:creationId xmlns="" xmlns:a16="http://schemas.microsoft.com/office/drawing/2014/main" id="{8C3F0F5A-409B-3EFD-AE4C-D8CEBA1A6095}"/>
+                <a16:creationId xmlns:a16="http://schemas.microsoft.com/office/drawing/2014/main" id="{8C3F0F5A-409B-3EFD-AE4C-D8CEBA1A6095}"/>
               </a:ext>
             </a:extLst>
           </p:cNvPr>
@@ -7168,7 +8689,7 @@
           <p:cNvPr id="14" name="TextBox 13">
             <a:extLst>
               <a:ext uri="{FF2B5EF4-FFF2-40B4-BE49-F238E27FC236}">
-                <a16:creationId xmlns="" xmlns:a16="http://schemas.microsoft.com/office/drawing/2014/main" id="{63EF7F6E-BCF0-FB9F-8345-C8FF376EEBE5}"/>
+                <a16:creationId xmlns:a16="http://schemas.microsoft.com/office/drawing/2014/main" id="{63EF7F6E-BCF0-FB9F-8345-C8FF376EEBE5}"/>
               </a:ext>
             </a:extLst>
           </p:cNvPr>
@@ -7225,7 +8746,7 @@
           <p:cNvPr id="16" name="그림 15">
             <a:extLst>
               <a:ext uri="{FF2B5EF4-FFF2-40B4-BE49-F238E27FC236}">
-                <a16:creationId xmlns="" xmlns:a16="http://schemas.microsoft.com/office/drawing/2014/main" id="{34D78C32-807C-E668-F49D-74DF9DD4778D}"/>
+                <a16:creationId xmlns:a16="http://schemas.microsoft.com/office/drawing/2014/main" id="{34D78C32-807C-E668-F49D-74DF9DD4778D}"/>
               </a:ext>
             </a:extLst>
           </p:cNvPr>
@@ -7255,7 +8776,7 @@
           <p:cNvPr id="17" name="직선 화살표 연결선 16">
             <a:extLst>
               <a:ext uri="{FF2B5EF4-FFF2-40B4-BE49-F238E27FC236}">
-                <a16:creationId xmlns="" xmlns:a16="http://schemas.microsoft.com/office/drawing/2014/main" id="{D2E83BD8-C339-6ABD-321D-FC24F4C49A36}"/>
+                <a16:creationId xmlns:a16="http://schemas.microsoft.com/office/drawing/2014/main" id="{D2E83BD8-C339-6ABD-321D-FC24F4C49A36}"/>
               </a:ext>
             </a:extLst>
           </p:cNvPr>
@@ -7296,7 +8817,7 @@
           <p:cNvPr id="18" name="직사각형 17">
             <a:extLst>
               <a:ext uri="{FF2B5EF4-FFF2-40B4-BE49-F238E27FC236}">
-                <a16:creationId xmlns="" xmlns:a16="http://schemas.microsoft.com/office/drawing/2014/main" id="{9285AF3F-315F-7CD9-280F-A0BC3767EFC8}"/>
+                <a16:creationId xmlns:a16="http://schemas.microsoft.com/office/drawing/2014/main" id="{9285AF3F-315F-7CD9-280F-A0BC3767EFC8}"/>
               </a:ext>
             </a:extLst>
           </p:cNvPr>
@@ -7348,7 +8869,7 @@
           <p:cNvPr id="19" name="TextBox 18">
             <a:extLst>
               <a:ext uri="{FF2B5EF4-FFF2-40B4-BE49-F238E27FC236}">
-                <a16:creationId xmlns="" xmlns:a16="http://schemas.microsoft.com/office/drawing/2014/main" id="{B0233F3D-93AE-D5FC-BD44-132A61029CED}"/>
+                <a16:creationId xmlns:a16="http://schemas.microsoft.com/office/drawing/2014/main" id="{B0233F3D-93AE-D5FC-BD44-132A61029CED}"/>
               </a:ext>
             </a:extLst>
           </p:cNvPr>
@@ -7415,7 +8936,7 @@
           <p:cNvPr id="21" name="그림 20">
             <a:extLst>
               <a:ext uri="{FF2B5EF4-FFF2-40B4-BE49-F238E27FC236}">
-                <a16:creationId xmlns="" xmlns:a16="http://schemas.microsoft.com/office/drawing/2014/main" id="{A90F8540-BF25-9F80-10D1-731438E88BD3}"/>
+                <a16:creationId xmlns:a16="http://schemas.microsoft.com/office/drawing/2014/main" id="{A90F8540-BF25-9F80-10D1-731438E88BD3}"/>
               </a:ext>
             </a:extLst>
           </p:cNvPr>
@@ -7445,7 +8966,7 @@
           <p:cNvPr id="22" name="직선 화살표 연결선 21">
             <a:extLst>
               <a:ext uri="{FF2B5EF4-FFF2-40B4-BE49-F238E27FC236}">
-                <a16:creationId xmlns="" xmlns:a16="http://schemas.microsoft.com/office/drawing/2014/main" id="{F3D0979F-FC76-A99F-1B23-87C99675D57B}"/>
+                <a16:creationId xmlns:a16="http://schemas.microsoft.com/office/drawing/2014/main" id="{F3D0979F-FC76-A99F-1B23-87C99675D57B}"/>
               </a:ext>
             </a:extLst>
           </p:cNvPr>
@@ -7486,7 +9007,7 @@
           <p:cNvPr id="23" name="직사각형 22">
             <a:extLst>
               <a:ext uri="{FF2B5EF4-FFF2-40B4-BE49-F238E27FC236}">
-                <a16:creationId xmlns="" xmlns:a16="http://schemas.microsoft.com/office/drawing/2014/main" id="{320E4E90-7BA9-1446-FCCF-E85BB8B561B7}"/>
+                <a16:creationId xmlns:a16="http://schemas.microsoft.com/office/drawing/2014/main" id="{320E4E90-7BA9-1446-FCCF-E85BB8B561B7}"/>
               </a:ext>
             </a:extLst>
           </p:cNvPr>
@@ -7538,7 +9059,7 @@
           <p:cNvPr id="24" name="TextBox 23">
             <a:extLst>
               <a:ext uri="{FF2B5EF4-FFF2-40B4-BE49-F238E27FC236}">
-                <a16:creationId xmlns="" xmlns:a16="http://schemas.microsoft.com/office/drawing/2014/main" id="{4E3958A6-103B-4EE1-DA27-19AC6985C9C4}"/>
+                <a16:creationId xmlns:a16="http://schemas.microsoft.com/office/drawing/2014/main" id="{4E3958A6-103B-4EE1-DA27-19AC6985C9C4}"/>
               </a:ext>
             </a:extLst>
           </p:cNvPr>
@@ -7697,7 +9218,7 @@
           <p:cNvPr id="20" name="직사각형 19">
             <a:extLst>
               <a:ext uri="{FF2B5EF4-FFF2-40B4-BE49-F238E27FC236}">
-                <a16:creationId xmlns="" xmlns:a16="http://schemas.microsoft.com/office/drawing/2014/main" id="{9285AF3F-315F-7CD9-280F-A0BC3767EFC8}"/>
+                <a16:creationId xmlns:a16="http://schemas.microsoft.com/office/drawing/2014/main" id="{9285AF3F-315F-7CD9-280F-A0BC3767EFC8}"/>
               </a:ext>
             </a:extLst>
           </p:cNvPr>
@@ -7749,7 +9270,7 @@
           <p:cNvPr id="25" name="직선 화살표 연결선 24">
             <a:extLst>
               <a:ext uri="{FF2B5EF4-FFF2-40B4-BE49-F238E27FC236}">
-                <a16:creationId xmlns="" xmlns:a16="http://schemas.microsoft.com/office/drawing/2014/main" id="{F3D0979F-FC76-A99F-1B23-87C99675D57B}"/>
+                <a16:creationId xmlns:a16="http://schemas.microsoft.com/office/drawing/2014/main" id="{F3D0979F-FC76-A99F-1B23-87C99675D57B}"/>
               </a:ext>
             </a:extLst>
           </p:cNvPr>
@@ -7790,7 +9311,7 @@
           <p:cNvPr id="26" name="TextBox 25">
             <a:extLst>
               <a:ext uri="{FF2B5EF4-FFF2-40B4-BE49-F238E27FC236}">
-                <a16:creationId xmlns="" xmlns:a16="http://schemas.microsoft.com/office/drawing/2014/main" id="{4E3958A6-103B-4EE1-DA27-19AC6985C9C4}"/>
+                <a16:creationId xmlns:a16="http://schemas.microsoft.com/office/drawing/2014/main" id="{4E3958A6-103B-4EE1-DA27-19AC6985C9C4}"/>
               </a:ext>
             </a:extLst>
           </p:cNvPr>
@@ -7907,7 +9428,7 @@
           <p:cNvPr id="27" name="직선 화살표 연결선 26">
             <a:extLst>
               <a:ext uri="{FF2B5EF4-FFF2-40B4-BE49-F238E27FC236}">
-                <a16:creationId xmlns="" xmlns:a16="http://schemas.microsoft.com/office/drawing/2014/main" id="{F3D0979F-FC76-A99F-1B23-87C99675D57B}"/>
+                <a16:creationId xmlns:a16="http://schemas.microsoft.com/office/drawing/2014/main" id="{F3D0979F-FC76-A99F-1B23-87C99675D57B}"/>
               </a:ext>
             </a:extLst>
           </p:cNvPr>
@@ -7948,7 +9469,7 @@
           <p:cNvPr id="28" name="TextBox 27">
             <a:extLst>
               <a:ext uri="{FF2B5EF4-FFF2-40B4-BE49-F238E27FC236}">
-                <a16:creationId xmlns="" xmlns:a16="http://schemas.microsoft.com/office/drawing/2014/main" id="{4E3958A6-103B-4EE1-DA27-19AC6985C9C4}"/>
+                <a16:creationId xmlns:a16="http://schemas.microsoft.com/office/drawing/2014/main" id="{4E3958A6-103B-4EE1-DA27-19AC6985C9C4}"/>
               </a:ext>
             </a:extLst>
           </p:cNvPr>
@@ -8274,7 +9795,7 @@
 </p:sld>
 </file>
 
-<file path=ppt/slides/slide13.xml><?xml version="1.0" encoding="utf-8"?>
+<file path=ppt/slides/slide15.xml><?xml version="1.0" encoding="utf-8"?>
 <p:sld xmlns:a="http://schemas.openxmlformats.org/drawingml/2006/main" xmlns:r="http://schemas.openxmlformats.org/officeDocument/2006/relationships" xmlns:p="http://schemas.openxmlformats.org/presentationml/2006/main">
   <p:cSld>
     <p:spTree>
@@ -8296,7 +9817,7 @@
           <p:cNvPr id="4" name="TextBox 3">
             <a:extLst>
               <a:ext uri="{FF2B5EF4-FFF2-40B4-BE49-F238E27FC236}">
-                <a16:creationId xmlns="" xmlns:a16="http://schemas.microsoft.com/office/drawing/2014/main" id="{FC45ADBF-CAA8-348D-E57F-358AF9FAC5C1}"/>
+                <a16:creationId xmlns:a16="http://schemas.microsoft.com/office/drawing/2014/main" id="{FC45ADBF-CAA8-348D-E57F-358AF9FAC5C1}"/>
               </a:ext>
             </a:extLst>
           </p:cNvPr>
@@ -8389,17 +9910,10 @@
   <p:clrMapOvr>
     <a:masterClrMapping/>
   </p:clrMapOvr>
-  <p:timing>
-    <p:tnLst>
-      <p:par>
-        <p:cTn id="1" dur="indefinite" restart="never" nodeType="tmRoot"/>
-      </p:par>
-    </p:tnLst>
-  </p:timing>
 </p:sld>
 </file>
 
-<file path=ppt/slides/slide14.xml><?xml version="1.0" encoding="utf-8"?>
+<file path=ppt/slides/slide16.xml><?xml version="1.0" encoding="utf-8"?>
 <p:sld xmlns:a="http://schemas.openxmlformats.org/drawingml/2006/main" xmlns:r="http://schemas.openxmlformats.org/officeDocument/2006/relationships" xmlns:p="http://schemas.openxmlformats.org/presentationml/2006/main">
   <p:cSld>
     <p:spTree>
@@ -8421,7 +9935,7 @@
           <p:cNvPr id="2" name="TextBox 1">
             <a:extLst>
               <a:ext uri="{FF2B5EF4-FFF2-40B4-BE49-F238E27FC236}">
-                <a16:creationId xmlns="" xmlns:a16="http://schemas.microsoft.com/office/drawing/2014/main" id="{FC45ADBF-CAA8-348D-E57F-358AF9FAC5C1}"/>
+                <a16:creationId xmlns:a16="http://schemas.microsoft.com/office/drawing/2014/main" id="{FC45ADBF-CAA8-348D-E57F-358AF9FAC5C1}"/>
               </a:ext>
             </a:extLst>
           </p:cNvPr>
@@ -8517,7 +10031,7 @@
           <p:cNvPr id="8" name="직선 화살표 연결선 7">
             <a:extLst>
               <a:ext uri="{FF2B5EF4-FFF2-40B4-BE49-F238E27FC236}">
-                <a16:creationId xmlns="" xmlns:a16="http://schemas.microsoft.com/office/drawing/2014/main" id="{299DF5EC-9DF4-5255-06AC-0A7CE4FF58C3}"/>
+                <a16:creationId xmlns:a16="http://schemas.microsoft.com/office/drawing/2014/main" id="{299DF5EC-9DF4-5255-06AC-0A7CE4FF58C3}"/>
               </a:ext>
             </a:extLst>
           </p:cNvPr>
@@ -8558,7 +10072,7 @@
           <p:cNvPr id="9" name="직사각형 8">
             <a:extLst>
               <a:ext uri="{FF2B5EF4-FFF2-40B4-BE49-F238E27FC236}">
-                <a16:creationId xmlns="" xmlns:a16="http://schemas.microsoft.com/office/drawing/2014/main" id="{FFF506F9-840A-0508-4CAF-3AC711D8D5CE}"/>
+                <a16:creationId xmlns:a16="http://schemas.microsoft.com/office/drawing/2014/main" id="{FFF506F9-840A-0508-4CAF-3AC711D8D5CE}"/>
               </a:ext>
             </a:extLst>
           </p:cNvPr>
@@ -8610,7 +10124,7 @@
           <p:cNvPr id="10" name="TextBox 9">
             <a:extLst>
               <a:ext uri="{FF2B5EF4-FFF2-40B4-BE49-F238E27FC236}">
-                <a16:creationId xmlns="" xmlns:a16="http://schemas.microsoft.com/office/drawing/2014/main" id="{C6D113C6-EA5C-788F-0C77-E7CE6EBB865F}"/>
+                <a16:creationId xmlns:a16="http://schemas.microsoft.com/office/drawing/2014/main" id="{C6D113C6-EA5C-788F-0C77-E7CE6EBB865F}"/>
               </a:ext>
             </a:extLst>
           </p:cNvPr>
@@ -8905,7 +10419,7 @@
 </p:sld>
 </file>
 
-<file path=ppt/slides/slide15.xml><?xml version="1.0" encoding="utf-8"?>
+<file path=ppt/slides/slide17.xml><?xml version="1.0" encoding="utf-8"?>
 <p:sld xmlns:a="http://schemas.openxmlformats.org/drawingml/2006/main" xmlns:r="http://schemas.openxmlformats.org/officeDocument/2006/relationships" xmlns:p="http://schemas.openxmlformats.org/presentationml/2006/main">
   <p:cSld>
     <p:spTree>
@@ -8951,7 +10465,7 @@
           <p:cNvPr id="4" name="TextBox 3">
             <a:extLst>
               <a:ext uri="{FF2B5EF4-FFF2-40B4-BE49-F238E27FC236}">
-                <a16:creationId xmlns="" xmlns:a16="http://schemas.microsoft.com/office/drawing/2014/main" id="{FC45ADBF-CAA8-348D-E57F-358AF9FAC5C1}"/>
+                <a16:creationId xmlns:a16="http://schemas.microsoft.com/office/drawing/2014/main" id="{FC45ADBF-CAA8-348D-E57F-358AF9FAC5C1}"/>
               </a:ext>
             </a:extLst>
           </p:cNvPr>
@@ -8975,7 +10489,7 @@
           <a:lstStyle/>
           <a:p>
             <a:r>
-              <a:rPr lang="ko-KR" altLang="en-US" sz="4800" smtClean="0">
+              <a:rPr lang="ko-KR" altLang="en-US" sz="4800">
                 <a:solidFill>
                   <a:srgbClr val="4C50BC"/>
                 </a:solidFill>
@@ -8985,7 +10499,7 @@
               <a:t>실습문제</a:t>
             </a:r>
             <a:r>
-              <a:rPr lang="en-US" altLang="ko-KR" sz="4800" smtClean="0">
+              <a:rPr lang="en-US" altLang="ko-KR" sz="4800">
                 <a:solidFill>
                   <a:srgbClr val="4C50BC"/>
                 </a:solidFill>
@@ -9009,7 +10523,7 @@
           <p:cNvPr id="5" name="TextBox 4">
             <a:extLst>
               <a:ext uri="{FF2B5EF4-FFF2-40B4-BE49-F238E27FC236}">
-                <a16:creationId xmlns="" xmlns:a16="http://schemas.microsoft.com/office/drawing/2014/main" id="{9B6AB948-57E9-D33B-D848-3E89213C4BC0}"/>
+                <a16:creationId xmlns:a16="http://schemas.microsoft.com/office/drawing/2014/main" id="{9B6AB948-57E9-D33B-D848-3E89213C4BC0}"/>
               </a:ext>
             </a:extLst>
           </p:cNvPr>
@@ -9036,7 +10550,7 @@
               <a:buAutoNum type="arabicPeriod"/>
             </a:pPr>
             <a:r>
-              <a:rPr lang="en-US" altLang="ko-KR" sz="3200" smtClean="0">
+              <a:rPr lang="en-US" altLang="ko-KR" sz="3200">
                 <a:solidFill>
                   <a:srgbClr val="4C50BC"/>
                 </a:solidFill>
@@ -9053,19 +10567,9 @@
                 <a:latin typeface="G마켓 산스 Medium" panose="02000000000000000000" pitchFamily="50" charset="-127"/>
                 <a:ea typeface="G마켓 산스 Medium" panose="02000000000000000000" pitchFamily="50" charset="-127"/>
               </a:rPr>
-              <a:t>반복문을 이용하여 </a:t>
-            </a:r>
-            <a:r>
-              <a:rPr lang="ko-KR" altLang="en-US" sz="3200" smtClean="0">
-                <a:solidFill>
-                  <a:srgbClr val="4C50BC"/>
-                </a:solidFill>
-                <a:latin typeface="G마켓 산스 Medium" panose="02000000000000000000" pitchFamily="50" charset="-127"/>
-                <a:ea typeface="G마켓 산스 Medium" panose="02000000000000000000" pitchFamily="50" charset="-127"/>
-              </a:rPr>
-              <a:t>아래와 같이 출력해보자</a:t>
-            </a:r>
-            <a:endParaRPr lang="en-US" altLang="ko-KR" sz="3200" smtClean="0">
+              <a:t>반복문을 이용하여 아래와 같이 출력해보자</a:t>
+            </a:r>
+            <a:endParaRPr lang="en-US" altLang="ko-KR" sz="3200">
               <a:solidFill>
                 <a:srgbClr val="4C50BC"/>
               </a:solidFill>
@@ -9075,7 +10579,7 @@
           </a:p>
           <a:p>
             <a:r>
-              <a:rPr lang="en-US" altLang="ko-KR" sz="3200" smtClean="0">
+              <a:rPr lang="en-US" altLang="ko-KR" sz="3200">
                 <a:solidFill>
                   <a:schemeClr val="tx1">
                     <a:lumMod val="50000"/>
@@ -9088,7 +10592,7 @@
               <a:t>    - System.out.print() </a:t>
             </a:r>
             <a:r>
-              <a:rPr lang="ko-KR" altLang="en-US" sz="3200" smtClean="0">
+              <a:rPr lang="ko-KR" altLang="en-US" sz="3200">
                 <a:solidFill>
                   <a:schemeClr val="tx1">
                     <a:lumMod val="50000"/>
@@ -9101,7 +10605,7 @@
               <a:t>를 사용하면 줄이 넘어가지 않는다</a:t>
             </a:r>
             <a:r>
-              <a:rPr lang="en-US" altLang="ko-KR" sz="3200" smtClean="0">
+              <a:rPr lang="en-US" altLang="ko-KR" sz="3200">
                 <a:solidFill>
                   <a:schemeClr val="tx1">
                     <a:lumMod val="50000"/>
@@ -9116,7 +10620,7 @@
           </a:p>
           <a:p>
             <a:r>
-              <a:rPr lang="en-US" altLang="ko-KR" sz="3200" smtClean="0">
+              <a:rPr lang="en-US" altLang="ko-KR" sz="3200">
                 <a:solidFill>
                   <a:schemeClr val="tx1">
                     <a:lumMod val="50000"/>
@@ -9129,7 +10633,7 @@
               <a:t>    - System.out.println() </a:t>
             </a:r>
             <a:r>
-              <a:rPr lang="ko-KR" altLang="en-US" sz="3200" smtClean="0">
+              <a:rPr lang="ko-KR" altLang="en-US" sz="3200">
                 <a:solidFill>
                   <a:schemeClr val="tx1">
                     <a:lumMod val="50000"/>
@@ -9142,7 +10646,7 @@
               <a:t>을 아무런 값없이 사용하면 그냥 줄이 넘어간다</a:t>
             </a:r>
             <a:r>
-              <a:rPr lang="en-US" altLang="ko-KR" sz="3200" smtClean="0">
+              <a:rPr lang="en-US" altLang="ko-KR" sz="3200">
                 <a:solidFill>
                   <a:schemeClr val="tx1">
                     <a:lumMod val="50000"/>
@@ -9157,7 +10661,7 @@
           </a:p>
           <a:p>
             <a:r>
-              <a:rPr lang="en-US" altLang="ko-KR" sz="3200" smtClean="0">
+              <a:rPr lang="en-US" altLang="ko-KR" sz="3200">
                 <a:solidFill>
                   <a:schemeClr val="tx1">
                     <a:lumMod val="50000"/>
@@ -9170,7 +10674,7 @@
               <a:t>    -  </a:t>
             </a:r>
             <a:r>
-              <a:rPr lang="ko-KR" altLang="en-US" sz="3200" smtClean="0">
+              <a:rPr lang="ko-KR" altLang="en-US" sz="3200">
                 <a:solidFill>
                   <a:schemeClr val="tx1">
                     <a:lumMod val="50000"/>
@@ -9182,7 +10686,7 @@
               </a:rPr>
               <a:t>반복문을 두번 사용해보자</a:t>
             </a:r>
-            <a:endParaRPr lang="en-US" altLang="ko-KR" sz="3200" smtClean="0">
+            <a:endParaRPr lang="en-US" altLang="ko-KR" sz="3200">
               <a:solidFill>
                 <a:schemeClr val="tx1">
                   <a:lumMod val="50000"/>
@@ -9248,7 +10752,7 @@
           <p:cNvPr id="21" name="직선 화살표 연결선 20">
             <a:extLst>
               <a:ext uri="{FF2B5EF4-FFF2-40B4-BE49-F238E27FC236}">
-                <a16:creationId xmlns:a16="http://schemas.microsoft.com/office/drawing/2014/main" xmlns="" id="{299DF5EC-9DF4-5255-06AC-0A7CE4FF58C3}"/>
+                <a16:creationId xmlns:a16="http://schemas.microsoft.com/office/drawing/2014/main" id="{299DF5EC-9DF4-5255-06AC-0A7CE4FF58C3}"/>
               </a:ext>
             </a:extLst>
           </p:cNvPr>
@@ -9313,7 +10817,7 @@
           <p:cNvPr id="29" name="TextBox 28">
             <a:extLst>
               <a:ext uri="{FF2B5EF4-FFF2-40B4-BE49-F238E27FC236}">
-                <a16:creationId xmlns:a16="http://schemas.microsoft.com/office/drawing/2014/main" xmlns="" id="{C6D113C6-EA5C-788F-0C77-E7CE6EBB865F}"/>
+                <a16:creationId xmlns:a16="http://schemas.microsoft.com/office/drawing/2014/main" id="{C6D113C6-EA5C-788F-0C77-E7CE6EBB865F}"/>
               </a:ext>
             </a:extLst>
           </p:cNvPr>
@@ -9337,7 +10841,7 @@
           <a:lstStyle/>
           <a:p>
             <a:r>
-              <a:rPr lang="en-US" altLang="ko-KR" sz="3600" smtClean="0">
+              <a:rPr lang="en-US" altLang="ko-KR" sz="3600">
                 <a:solidFill>
                   <a:srgbClr val="FF0000"/>
                 </a:solidFill>
@@ -9347,7 +10851,7 @@
               <a:t>ln</a:t>
             </a:r>
             <a:r>
-              <a:rPr lang="ko-KR" altLang="en-US" sz="3600" smtClean="0">
+              <a:rPr lang="ko-KR" altLang="en-US" sz="3600">
                 <a:solidFill>
                   <a:srgbClr val="FF0000"/>
                 </a:solidFill>
@@ -9356,7 +10860,7 @@
               </a:rPr>
               <a:t>을 사용하면 줄이 넘어간다</a:t>
             </a:r>
-            <a:endParaRPr lang="en-US" altLang="ko-KR" sz="3600" smtClean="0">
+            <a:endParaRPr lang="en-US" altLang="ko-KR" sz="3600">
               <a:solidFill>
                 <a:srgbClr val="FF0000"/>
               </a:solidFill>
@@ -9366,7 +10870,7 @@
           </a:p>
           <a:p>
             <a:r>
-              <a:rPr lang="ko-KR" altLang="en-US" sz="3600" smtClean="0">
+              <a:rPr lang="ko-KR" altLang="en-US" sz="3600">
                 <a:solidFill>
                   <a:srgbClr val="FF0000"/>
                 </a:solidFill>
@@ -9376,7 +10880,7 @@
               <a:t>값을 안주면 그냥 줄만넘긴다</a:t>
             </a:r>
             <a:r>
-              <a:rPr lang="en-US" altLang="ko-KR" sz="3600" smtClean="0">
+              <a:rPr lang="en-US" altLang="ko-KR" sz="3600">
                 <a:solidFill>
                   <a:srgbClr val="FF0000"/>
                 </a:solidFill>
@@ -9519,7 +11023,7 @@
 </p:sld>
 </file>
 
-<file path=ppt/slides/slide16.xml><?xml version="1.0" encoding="utf-8"?>
+<file path=ppt/slides/slide18.xml><?xml version="1.0" encoding="utf-8"?>
 <p:sld xmlns:a="http://schemas.openxmlformats.org/drawingml/2006/main" xmlns:r="http://schemas.openxmlformats.org/officeDocument/2006/relationships" xmlns:p="http://schemas.openxmlformats.org/presentationml/2006/main">
   <p:cSld>
     <p:spTree>
@@ -9565,7 +11069,7 @@
           <p:cNvPr id="5" name="TextBox 4">
             <a:extLst>
               <a:ext uri="{FF2B5EF4-FFF2-40B4-BE49-F238E27FC236}">
-                <a16:creationId xmlns="" xmlns:a16="http://schemas.microsoft.com/office/drawing/2014/main" id="{9B6AB948-57E9-D33B-D848-3E89213C4BC0}"/>
+                <a16:creationId xmlns:a16="http://schemas.microsoft.com/office/drawing/2014/main" id="{9B6AB948-57E9-D33B-D848-3E89213C4BC0}"/>
               </a:ext>
             </a:extLst>
           </p:cNvPr>
@@ -9806,7 +11310,7 @@
 </p:sld>
 </file>
 
-<file path=ppt/slides/slide17.xml><?xml version="1.0" encoding="utf-8"?>
+<file path=ppt/slides/slide19.xml><?xml version="1.0" encoding="utf-8"?>
 <p:sld xmlns:a="http://schemas.openxmlformats.org/drawingml/2006/main" xmlns:r="http://schemas.openxmlformats.org/officeDocument/2006/relationships" xmlns:p="http://schemas.openxmlformats.org/presentationml/2006/main">
   <p:cSld>
     <p:spTree>
@@ -9828,7 +11332,7 @@
           <p:cNvPr id="4" name="TextBox 3">
             <a:extLst>
               <a:ext uri="{FF2B5EF4-FFF2-40B4-BE49-F238E27FC236}">
-                <a16:creationId xmlns="" xmlns:a16="http://schemas.microsoft.com/office/drawing/2014/main" id="{9B6AB948-57E9-D33B-D848-3E89213C4BC0}"/>
+                <a16:creationId xmlns:a16="http://schemas.microsoft.com/office/drawing/2014/main" id="{9B6AB948-57E9-D33B-D848-3E89213C4BC0}"/>
               </a:ext>
             </a:extLst>
           </p:cNvPr>
@@ -10113,7 +11617,535 @@
 </p:sld>
 </file>
 
-<file path=ppt/slides/slide18.xml><?xml version="1.0" encoding="utf-8"?>
+<file path=ppt/slides/slide2.xml><?xml version="1.0" encoding="utf-8"?>
+<p:sld xmlns:a="http://schemas.openxmlformats.org/drawingml/2006/main" xmlns:r="http://schemas.openxmlformats.org/officeDocument/2006/relationships" xmlns:p="http://schemas.openxmlformats.org/presentationml/2006/main">
+  <p:cSld name="Slide 3">
+    <p:bg>
+      <p:bgPr>
+        <a:solidFill>
+          <a:srgbClr val="FFFFFF"/>
+        </a:solidFill>
+        <a:effectLst/>
+      </p:bgPr>
+    </p:bg>
+    <p:spTree>
+      <p:nvGrpSpPr>
+        <p:cNvPr id="1" name=""/>
+        <p:cNvGrpSpPr/>
+        <p:nvPr/>
+      </p:nvGrpSpPr>
+      <p:grpSpPr>
+        <a:xfrm>
+          <a:off x="0" y="0"/>
+          <a:ext cx="0" cy="0"/>
+          <a:chOff x="0" y="0"/>
+          <a:chExt cx="0" cy="0"/>
+        </a:xfrm>
+      </p:grpSpPr>
+      <p:grpSp>
+        <p:nvGrpSpPr>
+          <p:cNvPr id="1001" name="그룹 1001"/>
+          <p:cNvGrpSpPr/>
+          <p:nvPr/>
+        </p:nvGrpSpPr>
+        <p:grpSpPr>
+          <a:xfrm>
+            <a:off x="16986360" y="2195397"/>
+            <a:ext cx="1432688" cy="191978"/>
+            <a:chOff x="16986360" y="2195397"/>
+            <a:chExt cx="1432688" cy="191978"/>
+          </a:xfrm>
+        </p:grpSpPr>
+        <p:pic>
+          <p:nvPicPr>
+            <p:cNvPr id="3" name="Object 2"/>
+            <p:cNvPicPr>
+              <a:picLocks noChangeAspect="1"/>
+            </p:cNvPicPr>
+            <p:nvPr/>
+          </p:nvPicPr>
+          <p:blipFill>
+            <a:blip r:embed="rId2" cstate="print"/>
+            <a:stretch>
+              <a:fillRect/>
+            </a:stretch>
+          </p:blipFill>
+          <p:spPr>
+            <a:xfrm>
+              <a:off x="16986360" y="2195397"/>
+              <a:ext cx="1432688" cy="191978"/>
+            </a:xfrm>
+            <a:prstGeom prst="rect">
+              <a:avLst/>
+            </a:prstGeom>
+          </p:spPr>
+        </p:pic>
+      </p:grpSp>
+      <p:pic>
+        <p:nvPicPr>
+          <p:cNvPr id="6" name="Object 5"/>
+          <p:cNvPicPr>
+            <a:picLocks noChangeAspect="1"/>
+          </p:cNvPicPr>
+          <p:nvPr/>
+        </p:nvPicPr>
+        <p:blipFill>
+          <a:blip r:embed="rId3" cstate="print"/>
+          <a:stretch>
+            <a:fillRect/>
+          </a:stretch>
+        </p:blipFill>
+        <p:spPr>
+          <a:xfrm>
+            <a:off x="1399461" y="4488270"/>
+            <a:ext cx="1758572" cy="1832228"/>
+          </a:xfrm>
+          <a:prstGeom prst="rect">
+            <a:avLst/>
+          </a:prstGeom>
+        </p:spPr>
+      </p:pic>
+      <p:pic>
+        <p:nvPicPr>
+          <p:cNvPr id="7" name="Object 6"/>
+          <p:cNvPicPr>
+            <a:picLocks noChangeAspect="1"/>
+          </p:cNvPicPr>
+          <p:nvPr/>
+        </p:nvPicPr>
+        <p:blipFill>
+          <a:blip r:embed="rId4" cstate="print"/>
+          <a:stretch>
+            <a:fillRect/>
+          </a:stretch>
+        </p:blipFill>
+        <p:spPr>
+          <a:xfrm>
+            <a:off x="7212477" y="4488270"/>
+            <a:ext cx="1768115" cy="1832228"/>
+          </a:xfrm>
+          <a:prstGeom prst="rect">
+            <a:avLst/>
+          </a:prstGeom>
+        </p:spPr>
+      </p:pic>
+      <p:grpSp>
+        <p:nvGrpSpPr>
+          <p:cNvPr id="1002" name="그룹 1002"/>
+          <p:cNvGrpSpPr/>
+          <p:nvPr/>
+        </p:nvGrpSpPr>
+        <p:grpSpPr>
+          <a:xfrm>
+            <a:off x="14827311" y="6820582"/>
+            <a:ext cx="3911298" cy="3873359"/>
+            <a:chOff x="14827311" y="6820582"/>
+            <a:chExt cx="3911298" cy="3873359"/>
+          </a:xfrm>
+        </p:grpSpPr>
+        <p:pic>
+          <p:nvPicPr>
+            <p:cNvPr id="12" name="Object 11"/>
+            <p:cNvPicPr>
+              <a:picLocks noChangeAspect="1"/>
+            </p:cNvPicPr>
+            <p:nvPr/>
+          </p:nvPicPr>
+          <p:blipFill>
+            <a:blip r:embed="rId5" cstate="print"/>
+            <a:stretch>
+              <a:fillRect/>
+            </a:stretch>
+          </p:blipFill>
+          <p:spPr>
+            <a:xfrm>
+              <a:off x="14827311" y="6820582"/>
+              <a:ext cx="3911298" cy="3873359"/>
+            </a:xfrm>
+            <a:prstGeom prst="rect">
+              <a:avLst/>
+            </a:prstGeom>
+          </p:spPr>
+        </p:pic>
+      </p:grpSp>
+      <p:grpSp>
+        <p:nvGrpSpPr>
+          <p:cNvPr id="1003" name="그룹 1003"/>
+          <p:cNvGrpSpPr/>
+          <p:nvPr/>
+        </p:nvGrpSpPr>
+        <p:grpSpPr>
+          <a:xfrm>
+            <a:off x="-600196" y="-982225"/>
+            <a:ext cx="4279052" cy="4237545"/>
+            <a:chOff x="-600196" y="-982225"/>
+            <a:chExt cx="4279052" cy="4237545"/>
+          </a:xfrm>
+        </p:grpSpPr>
+        <p:pic>
+          <p:nvPicPr>
+            <p:cNvPr id="15" name="Object 14"/>
+            <p:cNvPicPr>
+              <a:picLocks noChangeAspect="1"/>
+            </p:cNvPicPr>
+            <p:nvPr/>
+          </p:nvPicPr>
+          <p:blipFill>
+            <a:blip r:embed="rId6" cstate="print"/>
+            <a:stretch>
+              <a:fillRect/>
+            </a:stretch>
+          </p:blipFill>
+          <p:spPr>
+            <a:xfrm>
+              <a:off x="-600196" y="-982225"/>
+              <a:ext cx="4279052" cy="4237545"/>
+            </a:xfrm>
+            <a:prstGeom prst="rect">
+              <a:avLst/>
+            </a:prstGeom>
+          </p:spPr>
+        </p:pic>
+      </p:grpSp>
+      <p:sp>
+        <p:nvSpPr>
+          <p:cNvPr id="11" name="TextBox 10">
+            <a:extLst>
+              <a:ext uri="{FF2B5EF4-FFF2-40B4-BE49-F238E27FC236}">
+                <a16:creationId xmlns:a16="http://schemas.microsoft.com/office/drawing/2014/main" id="{9F88F580-08BE-88C2-D640-13F0026591CB}"/>
+              </a:ext>
+            </a:extLst>
+          </p:cNvPr>
+          <p:cNvSpPr txBox="1"/>
+          <p:nvPr/>
+        </p:nvSpPr>
+        <p:spPr>
+          <a:xfrm>
+            <a:off x="10515600" y="1530396"/>
+            <a:ext cx="5947526" cy="1200329"/>
+          </a:xfrm>
+          <a:prstGeom prst="rect">
+            <a:avLst/>
+          </a:prstGeom>
+          <a:noFill/>
+        </p:spPr>
+        <p:txBody>
+          <a:bodyPr wrap="none" rtlCol="0">
+            <a:spAutoFit/>
+          </a:bodyPr>
+          <a:lstStyle/>
+          <a:p>
+            <a:r>
+              <a:rPr lang="en-US" altLang="ko-KR" sz="7200" dirty="0">
+                <a:solidFill>
+                  <a:srgbClr val="4C50BC"/>
+                </a:solidFill>
+                <a:latin typeface="G마켓 산스 Bold" panose="02000000000000000000" pitchFamily="50" charset="-127"/>
+                <a:ea typeface="G마켓 산스 Bold" panose="02000000000000000000" pitchFamily="50" charset="-127"/>
+              </a:rPr>
+              <a:t>Part04 </a:t>
+            </a:r>
+            <a:r>
+              <a:rPr lang="ko-KR" altLang="en-US" sz="7200" dirty="0" err="1">
+                <a:solidFill>
+                  <a:srgbClr val="4C50BC"/>
+                </a:solidFill>
+                <a:latin typeface="G마켓 산스 Bold" panose="02000000000000000000" pitchFamily="50" charset="-127"/>
+                <a:ea typeface="G마켓 산스 Bold" panose="02000000000000000000" pitchFamily="50" charset="-127"/>
+              </a:rPr>
+              <a:t>반복문</a:t>
+            </a:r>
+            <a:endParaRPr lang="ko-KR" altLang="en-US" sz="7200" dirty="0">
+              <a:solidFill>
+                <a:srgbClr val="4C50BC"/>
+              </a:solidFill>
+              <a:latin typeface="G마켓 산스 Bold" panose="02000000000000000000" pitchFamily="50" charset="-127"/>
+              <a:ea typeface="G마켓 산스 Bold" panose="02000000000000000000" pitchFamily="50" charset="-127"/>
+            </a:endParaRPr>
+          </a:p>
+        </p:txBody>
+      </p:sp>
+      <p:sp>
+        <p:nvSpPr>
+          <p:cNvPr id="13" name="TextBox 12">
+            <a:extLst>
+              <a:ext uri="{FF2B5EF4-FFF2-40B4-BE49-F238E27FC236}">
+                <a16:creationId xmlns:a16="http://schemas.microsoft.com/office/drawing/2014/main" id="{72769C28-9BB6-DE9C-7B6F-264B77B8DD0E}"/>
+              </a:ext>
+            </a:extLst>
+          </p:cNvPr>
+          <p:cNvSpPr txBox="1"/>
+          <p:nvPr/>
+        </p:nvSpPr>
+        <p:spPr>
+          <a:xfrm>
+            <a:off x="3048000" y="5092125"/>
+            <a:ext cx="705642" cy="584775"/>
+          </a:xfrm>
+          <a:prstGeom prst="rect">
+            <a:avLst/>
+          </a:prstGeom>
+          <a:noFill/>
+        </p:spPr>
+        <p:txBody>
+          <a:bodyPr wrap="none" rtlCol="0">
+            <a:spAutoFit/>
+          </a:bodyPr>
+          <a:lstStyle/>
+          <a:p>
+            <a:r>
+              <a:rPr lang="en-US" altLang="ko-KR" sz="3200" dirty="0">
+                <a:solidFill>
+                  <a:srgbClr val="4D4848"/>
+                </a:solidFill>
+                <a:latin typeface="G마켓 산스 Medium" panose="02000000000000000000" pitchFamily="50" charset="-127"/>
+                <a:ea typeface="G마켓 산스 Medium" panose="02000000000000000000" pitchFamily="50" charset="-127"/>
+              </a:rPr>
+              <a:t>for</a:t>
+            </a:r>
+            <a:endParaRPr lang="ko-KR" altLang="en-US" sz="2400" dirty="0">
+              <a:solidFill>
+                <a:srgbClr val="4D4848"/>
+              </a:solidFill>
+              <a:latin typeface="G마켓 산스 Medium" panose="02000000000000000000" pitchFamily="50" charset="-127"/>
+              <a:ea typeface="G마켓 산스 Medium" panose="02000000000000000000" pitchFamily="50" charset="-127"/>
+            </a:endParaRPr>
+          </a:p>
+        </p:txBody>
+      </p:sp>
+      <p:sp>
+        <p:nvSpPr>
+          <p:cNvPr id="14" name="TextBox 13">
+            <a:extLst>
+              <a:ext uri="{FF2B5EF4-FFF2-40B4-BE49-F238E27FC236}">
+                <a16:creationId xmlns:a16="http://schemas.microsoft.com/office/drawing/2014/main" id="{270FBB6A-01CE-5637-78DA-58F0C974145C}"/>
+              </a:ext>
+            </a:extLst>
+          </p:cNvPr>
+          <p:cNvSpPr txBox="1"/>
+          <p:nvPr/>
+        </p:nvSpPr>
+        <p:spPr>
+          <a:xfrm>
+            <a:off x="9179922" y="5092125"/>
+            <a:ext cx="1146468" cy="584775"/>
+          </a:xfrm>
+          <a:prstGeom prst="rect">
+            <a:avLst/>
+          </a:prstGeom>
+          <a:noFill/>
+        </p:spPr>
+        <p:txBody>
+          <a:bodyPr wrap="none" rtlCol="0">
+            <a:spAutoFit/>
+          </a:bodyPr>
+          <a:lstStyle/>
+          <a:p>
+            <a:r>
+              <a:rPr lang="en-US" altLang="ko-KR" sz="3200" dirty="0">
+                <a:solidFill>
+                  <a:srgbClr val="4D4848"/>
+                </a:solidFill>
+                <a:latin typeface="G마켓 산스 Medium" panose="02000000000000000000" pitchFamily="50" charset="-127"/>
+                <a:ea typeface="G마켓 산스 Medium" panose="02000000000000000000" pitchFamily="50" charset="-127"/>
+              </a:rPr>
+              <a:t>while</a:t>
+            </a:r>
+            <a:endParaRPr lang="ko-KR" altLang="en-US" sz="2400" dirty="0">
+              <a:solidFill>
+                <a:srgbClr val="4D4848"/>
+              </a:solidFill>
+              <a:latin typeface="G마켓 산스 Medium" panose="02000000000000000000" pitchFamily="50" charset="-127"/>
+              <a:ea typeface="G마켓 산스 Medium" panose="02000000000000000000" pitchFamily="50" charset="-127"/>
+            </a:endParaRPr>
+          </a:p>
+        </p:txBody>
+      </p:sp>
+      <p:pic>
+        <p:nvPicPr>
+          <p:cNvPr id="2" name="Object 17">
+            <a:extLst>
+              <a:ext uri="{FF2B5EF4-FFF2-40B4-BE49-F238E27FC236}">
+                <a16:creationId xmlns:a16="http://schemas.microsoft.com/office/drawing/2014/main" id="{140B283D-FE58-FA6F-6F7C-E0F1DBB62A65}"/>
+              </a:ext>
+            </a:extLst>
+          </p:cNvPr>
+          <p:cNvPicPr>
+            <a:picLocks noChangeAspect="1"/>
+          </p:cNvPicPr>
+          <p:nvPr/>
+        </p:nvPicPr>
+        <p:blipFill>
+          <a:blip r:embed="rId7" cstate="print"/>
+          <a:stretch>
+            <a:fillRect/>
+          </a:stretch>
+        </p:blipFill>
+        <p:spPr>
+          <a:xfrm>
+            <a:off x="1399461" y="6684996"/>
+            <a:ext cx="1768115" cy="1832228"/>
+          </a:xfrm>
+          <a:prstGeom prst="rect">
+            <a:avLst/>
+          </a:prstGeom>
+        </p:spPr>
+      </p:pic>
+      <p:sp>
+        <p:nvSpPr>
+          <p:cNvPr id="4" name="TextBox 3">
+            <a:extLst>
+              <a:ext uri="{FF2B5EF4-FFF2-40B4-BE49-F238E27FC236}">
+                <a16:creationId xmlns:a16="http://schemas.microsoft.com/office/drawing/2014/main" id="{2C8D0998-79BC-6FD2-59D9-8052B4A25F65}"/>
+              </a:ext>
+            </a:extLst>
+          </p:cNvPr>
+          <p:cNvSpPr txBox="1"/>
+          <p:nvPr/>
+        </p:nvSpPr>
+        <p:spPr>
+          <a:xfrm>
+            <a:off x="3126859" y="7353300"/>
+            <a:ext cx="4213013" cy="584775"/>
+          </a:xfrm>
+          <a:prstGeom prst="rect">
+            <a:avLst/>
+          </a:prstGeom>
+          <a:noFill/>
+        </p:spPr>
+        <p:txBody>
+          <a:bodyPr wrap="none" rtlCol="0">
+            <a:spAutoFit/>
+          </a:bodyPr>
+          <a:lstStyle/>
+          <a:p>
+            <a:r>
+              <a:rPr lang="en-US" altLang="ko-KR" sz="3200" dirty="0">
+                <a:solidFill>
+                  <a:srgbClr val="4D4848"/>
+                </a:solidFill>
+                <a:latin typeface="G마켓 산스 Medium" panose="02000000000000000000" pitchFamily="50" charset="-127"/>
+                <a:ea typeface="G마켓 산스 Medium" panose="02000000000000000000" pitchFamily="50" charset="-127"/>
+              </a:rPr>
+              <a:t>do while, </a:t>
+            </a:r>
+            <a:r>
+              <a:rPr lang="ko-KR" altLang="en-US" sz="3200" dirty="0">
+                <a:solidFill>
+                  <a:srgbClr val="4D4848"/>
+                </a:solidFill>
+                <a:latin typeface="G마켓 산스 Medium" panose="02000000000000000000" pitchFamily="50" charset="-127"/>
+                <a:ea typeface="G마켓 산스 Medium" panose="02000000000000000000" pitchFamily="50" charset="-127"/>
+              </a:rPr>
+              <a:t>중첩 </a:t>
+            </a:r>
+            <a:r>
+              <a:rPr lang="ko-KR" altLang="en-US" sz="3200" dirty="0" err="1">
+                <a:solidFill>
+                  <a:srgbClr val="4D4848"/>
+                </a:solidFill>
+                <a:latin typeface="G마켓 산스 Medium" panose="02000000000000000000" pitchFamily="50" charset="-127"/>
+                <a:ea typeface="G마켓 산스 Medium" panose="02000000000000000000" pitchFamily="50" charset="-127"/>
+              </a:rPr>
+              <a:t>반복문</a:t>
+            </a:r>
+            <a:endParaRPr lang="ko-KR" altLang="en-US" sz="3200" dirty="0">
+              <a:solidFill>
+                <a:srgbClr val="4D4848"/>
+              </a:solidFill>
+              <a:latin typeface="G마켓 산스 Medium" panose="02000000000000000000" pitchFamily="50" charset="-127"/>
+              <a:ea typeface="G마켓 산스 Medium" panose="02000000000000000000" pitchFamily="50" charset="-127"/>
+            </a:endParaRPr>
+          </a:p>
+        </p:txBody>
+      </p:sp>
+      <p:pic>
+        <p:nvPicPr>
+          <p:cNvPr id="5" name="Object 18">
+            <a:extLst>
+              <a:ext uri="{FF2B5EF4-FFF2-40B4-BE49-F238E27FC236}">
+                <a16:creationId xmlns:a16="http://schemas.microsoft.com/office/drawing/2014/main" id="{3F58EA3E-1018-64D3-FAB2-4F6B9618FA56}"/>
+              </a:ext>
+            </a:extLst>
+          </p:cNvPr>
+          <p:cNvPicPr>
+            <a:picLocks noChangeAspect="1"/>
+          </p:cNvPicPr>
+          <p:nvPr/>
+        </p:nvPicPr>
+        <p:blipFill>
+          <a:blip r:embed="rId8" cstate="print"/>
+          <a:stretch>
+            <a:fillRect/>
+          </a:stretch>
+        </p:blipFill>
+        <p:spPr>
+          <a:xfrm>
+            <a:off x="7212477" y="6684996"/>
+            <a:ext cx="1787181" cy="1832228"/>
+          </a:xfrm>
+          <a:prstGeom prst="rect">
+            <a:avLst/>
+          </a:prstGeom>
+        </p:spPr>
+      </p:pic>
+      <p:sp>
+        <p:nvSpPr>
+          <p:cNvPr id="8" name="TextBox 7">
+            <a:extLst>
+              <a:ext uri="{FF2B5EF4-FFF2-40B4-BE49-F238E27FC236}">
+                <a16:creationId xmlns:a16="http://schemas.microsoft.com/office/drawing/2014/main" id="{681D3F16-7DCF-41AD-F5F1-0558C78C0E4D}"/>
+              </a:ext>
+            </a:extLst>
+          </p:cNvPr>
+          <p:cNvSpPr txBox="1"/>
+          <p:nvPr/>
+        </p:nvSpPr>
+        <p:spPr>
+          <a:xfrm>
+            <a:off x="9144000" y="7353300"/>
+            <a:ext cx="4343400" cy="584775"/>
+          </a:xfrm>
+          <a:prstGeom prst="rect">
+            <a:avLst/>
+          </a:prstGeom>
+          <a:noFill/>
+        </p:spPr>
+        <p:txBody>
+          <a:bodyPr wrap="square" rtlCol="0">
+            <a:spAutoFit/>
+          </a:bodyPr>
+          <a:lstStyle/>
+          <a:p>
+            <a:r>
+              <a:rPr lang="ko-KR" altLang="en-US" sz="3200">
+                <a:solidFill>
+                  <a:srgbClr val="4D4848"/>
+                </a:solidFill>
+                <a:latin typeface="G마켓 산스 Medium" panose="02000000000000000000" pitchFamily="50" charset="-127"/>
+                <a:ea typeface="G마켓 산스 Medium" panose="02000000000000000000" pitchFamily="50" charset="-127"/>
+              </a:rPr>
+              <a:t>실습 문제</a:t>
+            </a:r>
+            <a:endParaRPr lang="ko-KR" altLang="en-US" sz="3200" dirty="0">
+              <a:solidFill>
+                <a:srgbClr val="4D4848"/>
+              </a:solidFill>
+              <a:latin typeface="G마켓 산스 Medium" panose="02000000000000000000" pitchFamily="50" charset="-127"/>
+              <a:ea typeface="G마켓 산스 Medium" panose="02000000000000000000" pitchFamily="50" charset="-127"/>
+            </a:endParaRPr>
+          </a:p>
+        </p:txBody>
+      </p:sp>
+    </p:spTree>
+  </p:cSld>
+  <p:clrMapOvr>
+    <a:masterClrMapping/>
+  </p:clrMapOvr>
+</p:sld>
+</file>
+
+<file path=ppt/slides/slide20.xml><?xml version="1.0" encoding="utf-8"?>
 <p:sld xmlns:a="http://schemas.openxmlformats.org/drawingml/2006/main" xmlns:r="http://schemas.openxmlformats.org/officeDocument/2006/relationships" xmlns:p="http://schemas.openxmlformats.org/presentationml/2006/main">
   <p:cSld>
     <p:spTree>
@@ -10135,7 +12167,7 @@
           <p:cNvPr id="5" name="TextBox 4">
             <a:extLst>
               <a:ext uri="{FF2B5EF4-FFF2-40B4-BE49-F238E27FC236}">
-                <a16:creationId xmlns="" xmlns:a16="http://schemas.microsoft.com/office/drawing/2014/main" id="{A56A5DDA-8708-D8BE-1148-536DAE867ED1}"/>
+                <a16:creationId xmlns:a16="http://schemas.microsoft.com/office/drawing/2014/main" id="{A56A5DDA-8708-D8BE-1148-536DAE867ED1}"/>
               </a:ext>
             </a:extLst>
           </p:cNvPr>
@@ -10159,7 +12191,7 @@
           <a:lstStyle/>
           <a:p>
             <a:r>
-              <a:rPr lang="en-US" altLang="ko-KR" sz="3200" smtClean="0">
+              <a:rPr lang="en-US" altLang="ko-KR" sz="3200">
                 <a:solidFill>
                   <a:srgbClr val="4C50BC"/>
                 </a:solidFill>
@@ -10217,7 +12249,7 @@
           <p:cNvPr id="7" name="TextBox 6">
             <a:extLst>
               <a:ext uri="{FF2B5EF4-FFF2-40B4-BE49-F238E27FC236}">
-                <a16:creationId xmlns="" xmlns:a16="http://schemas.microsoft.com/office/drawing/2014/main" id="{A56A5DDA-8708-D8BE-1148-536DAE867ED1}"/>
+                <a16:creationId xmlns:a16="http://schemas.microsoft.com/office/drawing/2014/main" id="{A56A5DDA-8708-D8BE-1148-536DAE867ED1}"/>
               </a:ext>
             </a:extLst>
           </p:cNvPr>
@@ -10241,7 +12273,7 @@
           <a:lstStyle/>
           <a:p>
             <a:r>
-              <a:rPr lang="en-US" altLang="ko-KR" sz="3200" smtClean="0">
+              <a:rPr lang="en-US" altLang="ko-KR" sz="3200">
                 <a:solidFill>
                   <a:srgbClr val="4C50BC"/>
                 </a:solidFill>
@@ -10577,7 +12609,7 @@
 </p:sld>
 </file>
 
-<file path=ppt/slides/slide19.xml><?xml version="1.0" encoding="utf-8"?>
+<file path=ppt/slides/slide21.xml><?xml version="1.0" encoding="utf-8"?>
 <p:sld xmlns:a="http://schemas.openxmlformats.org/drawingml/2006/main" xmlns:r="http://schemas.openxmlformats.org/officeDocument/2006/relationships" xmlns:p="http://schemas.openxmlformats.org/presentationml/2006/main">
   <p:cSld>
     <p:spTree>
@@ -10623,7 +12655,7 @@
           <p:cNvPr id="5" name="TextBox 4">
             <a:extLst>
               <a:ext uri="{FF2B5EF4-FFF2-40B4-BE49-F238E27FC236}">
-                <a16:creationId xmlns="" xmlns:a16="http://schemas.microsoft.com/office/drawing/2014/main" id="{A56A5DDA-8708-D8BE-1148-536DAE867ED1}"/>
+                <a16:creationId xmlns:a16="http://schemas.microsoft.com/office/drawing/2014/main" id="{A56A5DDA-8708-D8BE-1148-536DAE867ED1}"/>
               </a:ext>
             </a:extLst>
           </p:cNvPr>
@@ -10654,17 +12686,7 @@
                 <a:latin typeface="G마켓 산스 Medium" panose="02000000000000000000" pitchFamily="50" charset="-127"/>
                 <a:ea typeface="G마켓 산스 Medium" panose="02000000000000000000" pitchFamily="50" charset="-127"/>
               </a:rPr>
-              <a:t>6</a:t>
-            </a:r>
-            <a:r>
-              <a:rPr lang="en-US" altLang="ko-KR" sz="3200" smtClean="0">
-                <a:solidFill>
-                  <a:srgbClr val="4C50BC"/>
-                </a:solidFill>
-                <a:latin typeface="G마켓 산스 Medium" panose="02000000000000000000" pitchFamily="50" charset="-127"/>
-                <a:ea typeface="G마켓 산스 Medium" panose="02000000000000000000" pitchFamily="50" charset="-127"/>
-              </a:rPr>
-              <a:t>. </a:t>
+              <a:t>6. </a:t>
             </a:r>
             <a:r>
               <a:rPr lang="ko-KR" altLang="en-US" sz="3200">
@@ -10834,542 +12856,7 @@
 </p:sld>
 </file>
 
-<file path=ppt/slides/slide2.xml><?xml version="1.0" encoding="utf-8"?>
-<p:sld xmlns:a="http://schemas.openxmlformats.org/drawingml/2006/main" xmlns:r="http://schemas.openxmlformats.org/officeDocument/2006/relationships" xmlns:p="http://schemas.openxmlformats.org/presentationml/2006/main">
-  <p:cSld name="Slide 3">
-    <p:bg>
-      <p:bgPr>
-        <a:solidFill>
-          <a:srgbClr val="FFFFFF"/>
-        </a:solidFill>
-        <a:effectLst/>
-      </p:bgPr>
-    </p:bg>
-    <p:spTree>
-      <p:nvGrpSpPr>
-        <p:cNvPr id="1" name=""/>
-        <p:cNvGrpSpPr/>
-        <p:nvPr/>
-      </p:nvGrpSpPr>
-      <p:grpSpPr>
-        <a:xfrm>
-          <a:off x="0" y="0"/>
-          <a:ext cx="0" cy="0"/>
-          <a:chOff x="0" y="0"/>
-          <a:chExt cx="0" cy="0"/>
-        </a:xfrm>
-      </p:grpSpPr>
-      <p:grpSp>
-        <p:nvGrpSpPr>
-          <p:cNvPr id="1001" name="그룹 1001"/>
-          <p:cNvGrpSpPr/>
-          <p:nvPr/>
-        </p:nvGrpSpPr>
-        <p:grpSpPr>
-          <a:xfrm>
-            <a:off x="16986360" y="2195397"/>
-            <a:ext cx="1432688" cy="191978"/>
-            <a:chOff x="16986360" y="2195397"/>
-            <a:chExt cx="1432688" cy="191978"/>
-          </a:xfrm>
-        </p:grpSpPr>
-        <p:pic>
-          <p:nvPicPr>
-            <p:cNvPr id="3" name="Object 2"/>
-            <p:cNvPicPr>
-              <a:picLocks noChangeAspect="1"/>
-            </p:cNvPicPr>
-            <p:nvPr/>
-          </p:nvPicPr>
-          <p:blipFill>
-            <a:blip r:embed="rId2" cstate="print"/>
-            <a:stretch>
-              <a:fillRect/>
-            </a:stretch>
-          </p:blipFill>
-          <p:spPr>
-            <a:xfrm>
-              <a:off x="16986360" y="2195397"/>
-              <a:ext cx="1432688" cy="191978"/>
-            </a:xfrm>
-            <a:prstGeom prst="rect">
-              <a:avLst/>
-            </a:prstGeom>
-          </p:spPr>
-        </p:pic>
-      </p:grpSp>
-      <p:pic>
-        <p:nvPicPr>
-          <p:cNvPr id="6" name="Object 5"/>
-          <p:cNvPicPr>
-            <a:picLocks noChangeAspect="1"/>
-          </p:cNvPicPr>
-          <p:nvPr/>
-        </p:nvPicPr>
-        <p:blipFill>
-          <a:blip r:embed="rId3" cstate="print"/>
-          <a:stretch>
-            <a:fillRect/>
-          </a:stretch>
-        </p:blipFill>
-        <p:spPr>
-          <a:xfrm>
-            <a:off x="1399461" y="4488270"/>
-            <a:ext cx="1758572" cy="1832228"/>
-          </a:xfrm>
-          <a:prstGeom prst="rect">
-            <a:avLst/>
-          </a:prstGeom>
-        </p:spPr>
-      </p:pic>
-      <p:pic>
-        <p:nvPicPr>
-          <p:cNvPr id="7" name="Object 6"/>
-          <p:cNvPicPr>
-            <a:picLocks noChangeAspect="1"/>
-          </p:cNvPicPr>
-          <p:nvPr/>
-        </p:nvPicPr>
-        <p:blipFill>
-          <a:blip r:embed="rId4" cstate="print"/>
-          <a:stretch>
-            <a:fillRect/>
-          </a:stretch>
-        </p:blipFill>
-        <p:spPr>
-          <a:xfrm>
-            <a:off x="7212477" y="4488270"/>
-            <a:ext cx="1768115" cy="1832228"/>
-          </a:xfrm>
-          <a:prstGeom prst="rect">
-            <a:avLst/>
-          </a:prstGeom>
-        </p:spPr>
-      </p:pic>
-      <p:grpSp>
-        <p:nvGrpSpPr>
-          <p:cNvPr id="1002" name="그룹 1002"/>
-          <p:cNvGrpSpPr/>
-          <p:nvPr/>
-        </p:nvGrpSpPr>
-        <p:grpSpPr>
-          <a:xfrm>
-            <a:off x="14827311" y="6820582"/>
-            <a:ext cx="3911298" cy="3873359"/>
-            <a:chOff x="14827311" y="6820582"/>
-            <a:chExt cx="3911298" cy="3873359"/>
-          </a:xfrm>
-        </p:grpSpPr>
-        <p:pic>
-          <p:nvPicPr>
-            <p:cNvPr id="12" name="Object 11"/>
-            <p:cNvPicPr>
-              <a:picLocks noChangeAspect="1"/>
-            </p:cNvPicPr>
-            <p:nvPr/>
-          </p:nvPicPr>
-          <p:blipFill>
-            <a:blip r:embed="rId5" cstate="print"/>
-            <a:stretch>
-              <a:fillRect/>
-            </a:stretch>
-          </p:blipFill>
-          <p:spPr>
-            <a:xfrm>
-              <a:off x="14827311" y="6820582"/>
-              <a:ext cx="3911298" cy="3873359"/>
-            </a:xfrm>
-            <a:prstGeom prst="rect">
-              <a:avLst/>
-            </a:prstGeom>
-          </p:spPr>
-        </p:pic>
-      </p:grpSp>
-      <p:grpSp>
-        <p:nvGrpSpPr>
-          <p:cNvPr id="1003" name="그룹 1003"/>
-          <p:cNvGrpSpPr/>
-          <p:nvPr/>
-        </p:nvGrpSpPr>
-        <p:grpSpPr>
-          <a:xfrm>
-            <a:off x="-600196" y="-982225"/>
-            <a:ext cx="4279052" cy="4237545"/>
-            <a:chOff x="-600196" y="-982225"/>
-            <a:chExt cx="4279052" cy="4237545"/>
-          </a:xfrm>
-        </p:grpSpPr>
-        <p:pic>
-          <p:nvPicPr>
-            <p:cNvPr id="15" name="Object 14"/>
-            <p:cNvPicPr>
-              <a:picLocks noChangeAspect="1"/>
-            </p:cNvPicPr>
-            <p:nvPr/>
-          </p:nvPicPr>
-          <p:blipFill>
-            <a:blip r:embed="rId6" cstate="print"/>
-            <a:stretch>
-              <a:fillRect/>
-            </a:stretch>
-          </p:blipFill>
-          <p:spPr>
-            <a:xfrm>
-              <a:off x="-600196" y="-982225"/>
-              <a:ext cx="4279052" cy="4237545"/>
-            </a:xfrm>
-            <a:prstGeom prst="rect">
-              <a:avLst/>
-            </a:prstGeom>
-          </p:spPr>
-        </p:pic>
-      </p:grpSp>
-      <p:sp>
-        <p:nvSpPr>
-          <p:cNvPr id="11" name="TextBox 10">
-            <a:extLst>
-              <a:ext uri="{FF2B5EF4-FFF2-40B4-BE49-F238E27FC236}">
-                <a16:creationId xmlns="" xmlns:a16="http://schemas.microsoft.com/office/drawing/2014/main" id="{9F88F580-08BE-88C2-D640-13F0026591CB}"/>
-              </a:ext>
-            </a:extLst>
-          </p:cNvPr>
-          <p:cNvSpPr txBox="1"/>
-          <p:nvPr/>
-        </p:nvSpPr>
-        <p:spPr>
-          <a:xfrm>
-            <a:off x="10515600" y="1530396"/>
-            <a:ext cx="5947526" cy="1200329"/>
-          </a:xfrm>
-          <a:prstGeom prst="rect">
-            <a:avLst/>
-          </a:prstGeom>
-          <a:noFill/>
-        </p:spPr>
-        <p:txBody>
-          <a:bodyPr wrap="none" rtlCol="0">
-            <a:spAutoFit/>
-          </a:bodyPr>
-          <a:lstStyle/>
-          <a:p>
-            <a:r>
-              <a:rPr lang="en-US" altLang="ko-KR" sz="7200" dirty="0">
-                <a:solidFill>
-                  <a:srgbClr val="4C50BC"/>
-                </a:solidFill>
-                <a:latin typeface="G마켓 산스 Bold" panose="02000000000000000000" pitchFamily="50" charset="-127"/>
-                <a:ea typeface="G마켓 산스 Bold" panose="02000000000000000000" pitchFamily="50" charset="-127"/>
-              </a:rPr>
-              <a:t>Part04 </a:t>
-            </a:r>
-            <a:r>
-              <a:rPr lang="ko-KR" altLang="en-US" sz="7200" dirty="0" err="1">
-                <a:solidFill>
-                  <a:srgbClr val="4C50BC"/>
-                </a:solidFill>
-                <a:latin typeface="G마켓 산스 Bold" panose="02000000000000000000" pitchFamily="50" charset="-127"/>
-                <a:ea typeface="G마켓 산스 Bold" panose="02000000000000000000" pitchFamily="50" charset="-127"/>
-              </a:rPr>
-              <a:t>반복문</a:t>
-            </a:r>
-            <a:endParaRPr lang="ko-KR" altLang="en-US" sz="7200" dirty="0">
-              <a:solidFill>
-                <a:srgbClr val="4C50BC"/>
-              </a:solidFill>
-              <a:latin typeface="G마켓 산스 Bold" panose="02000000000000000000" pitchFamily="50" charset="-127"/>
-              <a:ea typeface="G마켓 산스 Bold" panose="02000000000000000000" pitchFamily="50" charset="-127"/>
-            </a:endParaRPr>
-          </a:p>
-        </p:txBody>
-      </p:sp>
-      <p:sp>
-        <p:nvSpPr>
-          <p:cNvPr id="13" name="TextBox 12">
-            <a:extLst>
-              <a:ext uri="{FF2B5EF4-FFF2-40B4-BE49-F238E27FC236}">
-                <a16:creationId xmlns="" xmlns:a16="http://schemas.microsoft.com/office/drawing/2014/main" id="{72769C28-9BB6-DE9C-7B6F-264B77B8DD0E}"/>
-              </a:ext>
-            </a:extLst>
-          </p:cNvPr>
-          <p:cNvSpPr txBox="1"/>
-          <p:nvPr/>
-        </p:nvSpPr>
-        <p:spPr>
-          <a:xfrm>
-            <a:off x="3048000" y="5092125"/>
-            <a:ext cx="705642" cy="584775"/>
-          </a:xfrm>
-          <a:prstGeom prst="rect">
-            <a:avLst/>
-          </a:prstGeom>
-          <a:noFill/>
-        </p:spPr>
-        <p:txBody>
-          <a:bodyPr wrap="none" rtlCol="0">
-            <a:spAutoFit/>
-          </a:bodyPr>
-          <a:lstStyle/>
-          <a:p>
-            <a:r>
-              <a:rPr lang="en-US" altLang="ko-KR" sz="3200" dirty="0">
-                <a:solidFill>
-                  <a:srgbClr val="4D4848"/>
-                </a:solidFill>
-                <a:latin typeface="G마켓 산스 Medium" panose="02000000000000000000" pitchFamily="50" charset="-127"/>
-                <a:ea typeface="G마켓 산스 Medium" panose="02000000000000000000" pitchFamily="50" charset="-127"/>
-              </a:rPr>
-              <a:t>for</a:t>
-            </a:r>
-            <a:endParaRPr lang="ko-KR" altLang="en-US" sz="2400" dirty="0">
-              <a:solidFill>
-                <a:srgbClr val="4D4848"/>
-              </a:solidFill>
-              <a:latin typeface="G마켓 산스 Medium" panose="02000000000000000000" pitchFamily="50" charset="-127"/>
-              <a:ea typeface="G마켓 산스 Medium" panose="02000000000000000000" pitchFamily="50" charset="-127"/>
-            </a:endParaRPr>
-          </a:p>
-        </p:txBody>
-      </p:sp>
-      <p:sp>
-        <p:nvSpPr>
-          <p:cNvPr id="14" name="TextBox 13">
-            <a:extLst>
-              <a:ext uri="{FF2B5EF4-FFF2-40B4-BE49-F238E27FC236}">
-                <a16:creationId xmlns="" xmlns:a16="http://schemas.microsoft.com/office/drawing/2014/main" id="{270FBB6A-01CE-5637-78DA-58F0C974145C}"/>
-              </a:ext>
-            </a:extLst>
-          </p:cNvPr>
-          <p:cNvSpPr txBox="1"/>
-          <p:nvPr/>
-        </p:nvSpPr>
-        <p:spPr>
-          <a:xfrm>
-            <a:off x="9179922" y="5092125"/>
-            <a:ext cx="1146468" cy="584775"/>
-          </a:xfrm>
-          <a:prstGeom prst="rect">
-            <a:avLst/>
-          </a:prstGeom>
-          <a:noFill/>
-        </p:spPr>
-        <p:txBody>
-          <a:bodyPr wrap="none" rtlCol="0">
-            <a:spAutoFit/>
-          </a:bodyPr>
-          <a:lstStyle/>
-          <a:p>
-            <a:r>
-              <a:rPr lang="en-US" altLang="ko-KR" sz="3200" dirty="0">
-                <a:solidFill>
-                  <a:srgbClr val="4D4848"/>
-                </a:solidFill>
-                <a:latin typeface="G마켓 산스 Medium" panose="02000000000000000000" pitchFamily="50" charset="-127"/>
-                <a:ea typeface="G마켓 산스 Medium" panose="02000000000000000000" pitchFamily="50" charset="-127"/>
-              </a:rPr>
-              <a:t>while</a:t>
-            </a:r>
-            <a:endParaRPr lang="ko-KR" altLang="en-US" sz="2400" dirty="0">
-              <a:solidFill>
-                <a:srgbClr val="4D4848"/>
-              </a:solidFill>
-              <a:latin typeface="G마켓 산스 Medium" panose="02000000000000000000" pitchFamily="50" charset="-127"/>
-              <a:ea typeface="G마켓 산스 Medium" panose="02000000000000000000" pitchFamily="50" charset="-127"/>
-            </a:endParaRPr>
-          </a:p>
-        </p:txBody>
-      </p:sp>
-      <p:pic>
-        <p:nvPicPr>
-          <p:cNvPr id="2" name="Object 17">
-            <a:extLst>
-              <a:ext uri="{FF2B5EF4-FFF2-40B4-BE49-F238E27FC236}">
-                <a16:creationId xmlns="" xmlns:a16="http://schemas.microsoft.com/office/drawing/2014/main" id="{140B283D-FE58-FA6F-6F7C-E0F1DBB62A65}"/>
-              </a:ext>
-            </a:extLst>
-          </p:cNvPr>
-          <p:cNvPicPr>
-            <a:picLocks noChangeAspect="1"/>
-          </p:cNvPicPr>
-          <p:nvPr/>
-        </p:nvPicPr>
-        <p:blipFill>
-          <a:blip r:embed="rId7" cstate="print"/>
-          <a:stretch>
-            <a:fillRect/>
-          </a:stretch>
-        </p:blipFill>
-        <p:spPr>
-          <a:xfrm>
-            <a:off x="1399461" y="6684996"/>
-            <a:ext cx="1768115" cy="1832228"/>
-          </a:xfrm>
-          <a:prstGeom prst="rect">
-            <a:avLst/>
-          </a:prstGeom>
-        </p:spPr>
-      </p:pic>
-      <p:sp>
-        <p:nvSpPr>
-          <p:cNvPr id="4" name="TextBox 3">
-            <a:extLst>
-              <a:ext uri="{FF2B5EF4-FFF2-40B4-BE49-F238E27FC236}">
-                <a16:creationId xmlns="" xmlns:a16="http://schemas.microsoft.com/office/drawing/2014/main" id="{2C8D0998-79BC-6FD2-59D9-8052B4A25F65}"/>
-              </a:ext>
-            </a:extLst>
-          </p:cNvPr>
-          <p:cNvSpPr txBox="1"/>
-          <p:nvPr/>
-        </p:nvSpPr>
-        <p:spPr>
-          <a:xfrm>
-            <a:off x="3126859" y="7353300"/>
-            <a:ext cx="4213013" cy="584775"/>
-          </a:xfrm>
-          <a:prstGeom prst="rect">
-            <a:avLst/>
-          </a:prstGeom>
-          <a:noFill/>
-        </p:spPr>
-        <p:txBody>
-          <a:bodyPr wrap="none" rtlCol="0">
-            <a:spAutoFit/>
-          </a:bodyPr>
-          <a:lstStyle/>
-          <a:p>
-            <a:r>
-              <a:rPr lang="en-US" altLang="ko-KR" sz="3200" dirty="0">
-                <a:solidFill>
-                  <a:srgbClr val="4D4848"/>
-                </a:solidFill>
-                <a:latin typeface="G마켓 산스 Medium" panose="02000000000000000000" pitchFamily="50" charset="-127"/>
-                <a:ea typeface="G마켓 산스 Medium" panose="02000000000000000000" pitchFamily="50" charset="-127"/>
-              </a:rPr>
-              <a:t>do while, </a:t>
-            </a:r>
-            <a:r>
-              <a:rPr lang="ko-KR" altLang="en-US" sz="3200" dirty="0">
-                <a:solidFill>
-                  <a:srgbClr val="4D4848"/>
-                </a:solidFill>
-                <a:latin typeface="G마켓 산스 Medium" panose="02000000000000000000" pitchFamily="50" charset="-127"/>
-                <a:ea typeface="G마켓 산스 Medium" panose="02000000000000000000" pitchFamily="50" charset="-127"/>
-              </a:rPr>
-              <a:t>중첩 </a:t>
-            </a:r>
-            <a:r>
-              <a:rPr lang="ko-KR" altLang="en-US" sz="3200" dirty="0" err="1">
-                <a:solidFill>
-                  <a:srgbClr val="4D4848"/>
-                </a:solidFill>
-                <a:latin typeface="G마켓 산스 Medium" panose="02000000000000000000" pitchFamily="50" charset="-127"/>
-                <a:ea typeface="G마켓 산스 Medium" panose="02000000000000000000" pitchFamily="50" charset="-127"/>
-              </a:rPr>
-              <a:t>반복문</a:t>
-            </a:r>
-            <a:endParaRPr lang="ko-KR" altLang="en-US" sz="3200" dirty="0">
-              <a:solidFill>
-                <a:srgbClr val="4D4848"/>
-              </a:solidFill>
-              <a:latin typeface="G마켓 산스 Medium" panose="02000000000000000000" pitchFamily="50" charset="-127"/>
-              <a:ea typeface="G마켓 산스 Medium" panose="02000000000000000000" pitchFamily="50" charset="-127"/>
-            </a:endParaRPr>
-          </a:p>
-        </p:txBody>
-      </p:sp>
-      <p:pic>
-        <p:nvPicPr>
-          <p:cNvPr id="5" name="Object 18">
-            <a:extLst>
-              <a:ext uri="{FF2B5EF4-FFF2-40B4-BE49-F238E27FC236}">
-                <a16:creationId xmlns="" xmlns:a16="http://schemas.microsoft.com/office/drawing/2014/main" id="{3F58EA3E-1018-64D3-FAB2-4F6B9618FA56}"/>
-              </a:ext>
-            </a:extLst>
-          </p:cNvPr>
-          <p:cNvPicPr>
-            <a:picLocks noChangeAspect="1"/>
-          </p:cNvPicPr>
-          <p:nvPr/>
-        </p:nvPicPr>
-        <p:blipFill>
-          <a:blip r:embed="rId8" cstate="print"/>
-          <a:stretch>
-            <a:fillRect/>
-          </a:stretch>
-        </p:blipFill>
-        <p:spPr>
-          <a:xfrm>
-            <a:off x="7212477" y="6684996"/>
-            <a:ext cx="1787181" cy="1832228"/>
-          </a:xfrm>
-          <a:prstGeom prst="rect">
-            <a:avLst/>
-          </a:prstGeom>
-        </p:spPr>
-      </p:pic>
-      <p:sp>
-        <p:nvSpPr>
-          <p:cNvPr id="8" name="TextBox 7">
-            <a:extLst>
-              <a:ext uri="{FF2B5EF4-FFF2-40B4-BE49-F238E27FC236}">
-                <a16:creationId xmlns="" xmlns:a16="http://schemas.microsoft.com/office/drawing/2014/main" id="{681D3F16-7DCF-41AD-F5F1-0558C78C0E4D}"/>
-              </a:ext>
-            </a:extLst>
-          </p:cNvPr>
-          <p:cNvSpPr txBox="1"/>
-          <p:nvPr/>
-        </p:nvSpPr>
-        <p:spPr>
-          <a:xfrm>
-            <a:off x="9144000" y="7353300"/>
-            <a:ext cx="4343400" cy="584775"/>
-          </a:xfrm>
-          <a:prstGeom prst="rect">
-            <a:avLst/>
-          </a:prstGeom>
-          <a:noFill/>
-        </p:spPr>
-        <p:txBody>
-          <a:bodyPr wrap="square" rtlCol="0">
-            <a:spAutoFit/>
-          </a:bodyPr>
-          <a:lstStyle/>
-          <a:p>
-            <a:r>
-              <a:rPr lang="ko-KR" altLang="en-US" sz="3200">
-                <a:solidFill>
-                  <a:srgbClr val="4D4848"/>
-                </a:solidFill>
-                <a:latin typeface="G마켓 산스 Medium" panose="02000000000000000000" pitchFamily="50" charset="-127"/>
-                <a:ea typeface="G마켓 산스 Medium" panose="02000000000000000000" pitchFamily="50" charset="-127"/>
-              </a:rPr>
-              <a:t>실습 문제</a:t>
-            </a:r>
-            <a:endParaRPr lang="ko-KR" altLang="en-US" sz="3200" dirty="0">
-              <a:solidFill>
-                <a:srgbClr val="4D4848"/>
-              </a:solidFill>
-              <a:latin typeface="G마켓 산스 Medium" panose="02000000000000000000" pitchFamily="50" charset="-127"/>
-              <a:ea typeface="G마켓 산스 Medium" panose="02000000000000000000" pitchFamily="50" charset="-127"/>
-            </a:endParaRPr>
-          </a:p>
-        </p:txBody>
-      </p:sp>
-    </p:spTree>
-  </p:cSld>
-  <p:clrMapOvr>
-    <a:masterClrMapping/>
-  </p:clrMapOvr>
-  <p:timing>
-    <p:tnLst>
-      <p:par>
-        <p:cTn id="1" dur="indefinite" restart="never" nodeType="tmRoot"/>
-      </p:par>
-    </p:tnLst>
-  </p:timing>
-</p:sld>
-</file>
-
-<file path=ppt/slides/slide20.xml><?xml version="1.0" encoding="utf-8"?>
+<file path=ppt/slides/slide22.xml><?xml version="1.0" encoding="utf-8"?>
 <p:sld xmlns:a="http://schemas.openxmlformats.org/drawingml/2006/main" xmlns:r="http://schemas.openxmlformats.org/officeDocument/2006/relationships" xmlns:p="http://schemas.openxmlformats.org/presentationml/2006/main">
   <p:cSld>
     <p:bg>
@@ -11579,7 +13066,7 @@
           <p:cNvPr id="2" name="TextBox 1">
             <a:extLst>
               <a:ext uri="{FF2B5EF4-FFF2-40B4-BE49-F238E27FC236}">
-                <a16:creationId xmlns="" xmlns:a16="http://schemas.microsoft.com/office/drawing/2014/main" id="{76F36AE5-79B5-0B9F-E510-1C27AAC4B649}"/>
+                <a16:creationId xmlns:a16="http://schemas.microsoft.com/office/drawing/2014/main" id="{76F36AE5-79B5-0B9F-E510-1C27AAC4B649}"/>
               </a:ext>
             </a:extLst>
           </p:cNvPr>
@@ -11632,17 +13119,10 @@
   <p:clrMapOvr>
     <a:masterClrMapping/>
   </p:clrMapOvr>
-  <p:timing>
-    <p:tnLst>
-      <p:par>
-        <p:cTn id="1" dur="indefinite" restart="never" nodeType="tmRoot"/>
-      </p:par>
-    </p:tnLst>
-  </p:timing>
 </p:sld>
 </file>
 
-<file path=ppt/slides/slide21.xml><?xml version="1.0" encoding="utf-8"?>
+<file path=ppt/slides/slide23.xml><?xml version="1.0" encoding="utf-8"?>
 <p:sld xmlns:a="http://schemas.openxmlformats.org/drawingml/2006/main" xmlns:r="http://schemas.openxmlformats.org/officeDocument/2006/relationships" xmlns:p="http://schemas.openxmlformats.org/presentationml/2006/main">
   <p:cSld>
     <p:spTree>
@@ -11664,7 +13144,7 @@
           <p:cNvPr id="4" name="TextBox 3">
             <a:extLst>
               <a:ext uri="{FF2B5EF4-FFF2-40B4-BE49-F238E27FC236}">
-                <a16:creationId xmlns="" xmlns:a16="http://schemas.microsoft.com/office/drawing/2014/main" id="{FC45ADBF-CAA8-348D-E57F-358AF9FAC5C1}"/>
+                <a16:creationId xmlns:a16="http://schemas.microsoft.com/office/drawing/2014/main" id="{FC45ADBF-CAA8-348D-E57F-358AF9FAC5C1}"/>
               </a:ext>
             </a:extLst>
           </p:cNvPr>
@@ -11736,7 +13216,7 @@
           <p:cNvPr id="6" name="직선 화살표 연결선 5">
             <a:extLst>
               <a:ext uri="{FF2B5EF4-FFF2-40B4-BE49-F238E27FC236}">
-                <a16:creationId xmlns="" xmlns:a16="http://schemas.microsoft.com/office/drawing/2014/main" id="{299DF5EC-9DF4-5255-06AC-0A7CE4FF58C3}"/>
+                <a16:creationId xmlns:a16="http://schemas.microsoft.com/office/drawing/2014/main" id="{299DF5EC-9DF4-5255-06AC-0A7CE4FF58C3}"/>
               </a:ext>
             </a:extLst>
           </p:cNvPr>
@@ -11777,7 +13257,7 @@
           <p:cNvPr id="7" name="직사각형 6">
             <a:extLst>
               <a:ext uri="{FF2B5EF4-FFF2-40B4-BE49-F238E27FC236}">
-                <a16:creationId xmlns="" xmlns:a16="http://schemas.microsoft.com/office/drawing/2014/main" id="{FFF506F9-840A-0508-4CAF-3AC711D8D5CE}"/>
+                <a16:creationId xmlns:a16="http://schemas.microsoft.com/office/drawing/2014/main" id="{FFF506F9-840A-0508-4CAF-3AC711D8D5CE}"/>
               </a:ext>
             </a:extLst>
           </p:cNvPr>
@@ -11829,7 +13309,7 @@
           <p:cNvPr id="8" name="TextBox 7">
             <a:extLst>
               <a:ext uri="{FF2B5EF4-FFF2-40B4-BE49-F238E27FC236}">
-                <a16:creationId xmlns="" xmlns:a16="http://schemas.microsoft.com/office/drawing/2014/main" id="{EDC0CEAC-03B0-6CA0-B904-A9724C34AA11}"/>
+                <a16:creationId xmlns:a16="http://schemas.microsoft.com/office/drawing/2014/main" id="{EDC0CEAC-03B0-6CA0-B904-A9724C34AA11}"/>
               </a:ext>
             </a:extLst>
           </p:cNvPr>
@@ -11877,7 +13357,7 @@
           <p:cNvPr id="9" name="직선 화살표 연결선 8">
             <a:extLst>
               <a:ext uri="{FF2B5EF4-FFF2-40B4-BE49-F238E27FC236}">
-                <a16:creationId xmlns="" xmlns:a16="http://schemas.microsoft.com/office/drawing/2014/main" id="{299DF5EC-9DF4-5255-06AC-0A7CE4FF58C3}"/>
+                <a16:creationId xmlns:a16="http://schemas.microsoft.com/office/drawing/2014/main" id="{299DF5EC-9DF4-5255-06AC-0A7CE4FF58C3}"/>
               </a:ext>
             </a:extLst>
           </p:cNvPr>
@@ -11918,7 +13398,7 @@
           <p:cNvPr id="10" name="직사각형 9">
             <a:extLst>
               <a:ext uri="{FF2B5EF4-FFF2-40B4-BE49-F238E27FC236}">
-                <a16:creationId xmlns="" xmlns:a16="http://schemas.microsoft.com/office/drawing/2014/main" id="{FFF506F9-840A-0508-4CAF-3AC711D8D5CE}"/>
+                <a16:creationId xmlns:a16="http://schemas.microsoft.com/office/drawing/2014/main" id="{FFF506F9-840A-0508-4CAF-3AC711D8D5CE}"/>
               </a:ext>
             </a:extLst>
           </p:cNvPr>
@@ -11970,7 +13450,7 @@
           <p:cNvPr id="11" name="TextBox 10">
             <a:extLst>
               <a:ext uri="{FF2B5EF4-FFF2-40B4-BE49-F238E27FC236}">
-                <a16:creationId xmlns="" xmlns:a16="http://schemas.microsoft.com/office/drawing/2014/main" id="{EDC0CEAC-03B0-6CA0-B904-A9724C34AA11}"/>
+                <a16:creationId xmlns:a16="http://schemas.microsoft.com/office/drawing/2014/main" id="{EDC0CEAC-03B0-6CA0-B904-A9724C34AA11}"/>
               </a:ext>
             </a:extLst>
           </p:cNvPr>
@@ -12018,7 +13498,7 @@
           <p:cNvPr id="12" name="직선 화살표 연결선 11">
             <a:extLst>
               <a:ext uri="{FF2B5EF4-FFF2-40B4-BE49-F238E27FC236}">
-                <a16:creationId xmlns="" xmlns:a16="http://schemas.microsoft.com/office/drawing/2014/main" id="{299DF5EC-9DF4-5255-06AC-0A7CE4FF58C3}"/>
+                <a16:creationId xmlns:a16="http://schemas.microsoft.com/office/drawing/2014/main" id="{299DF5EC-9DF4-5255-06AC-0A7CE4FF58C3}"/>
               </a:ext>
             </a:extLst>
           </p:cNvPr>
@@ -12059,7 +13539,7 @@
           <p:cNvPr id="13" name="직사각형 12">
             <a:extLst>
               <a:ext uri="{FF2B5EF4-FFF2-40B4-BE49-F238E27FC236}">
-                <a16:creationId xmlns="" xmlns:a16="http://schemas.microsoft.com/office/drawing/2014/main" id="{FFF506F9-840A-0508-4CAF-3AC711D8D5CE}"/>
+                <a16:creationId xmlns:a16="http://schemas.microsoft.com/office/drawing/2014/main" id="{FFF506F9-840A-0508-4CAF-3AC711D8D5CE}"/>
               </a:ext>
             </a:extLst>
           </p:cNvPr>
@@ -12111,7 +13591,7 @@
           <p:cNvPr id="14" name="TextBox 13">
             <a:extLst>
               <a:ext uri="{FF2B5EF4-FFF2-40B4-BE49-F238E27FC236}">
-                <a16:creationId xmlns="" xmlns:a16="http://schemas.microsoft.com/office/drawing/2014/main" id="{EDC0CEAC-03B0-6CA0-B904-A9724C34AA11}"/>
+                <a16:creationId xmlns:a16="http://schemas.microsoft.com/office/drawing/2014/main" id="{EDC0CEAC-03B0-6CA0-B904-A9724C34AA11}"/>
               </a:ext>
             </a:extLst>
           </p:cNvPr>
@@ -12571,7 +14051,7 @@
 </p:sld>
 </file>
 
-<file path=ppt/slides/slide22.xml><?xml version="1.0" encoding="utf-8"?>
+<file path=ppt/slides/slide24.xml><?xml version="1.0" encoding="utf-8"?>
 <p:sld xmlns:a="http://schemas.openxmlformats.org/drawingml/2006/main" xmlns:r="http://schemas.openxmlformats.org/officeDocument/2006/relationships" xmlns:p="http://schemas.openxmlformats.org/presentationml/2006/main">
   <p:cSld>
     <p:spTree>
@@ -12617,7 +14097,7 @@
           <p:cNvPr id="5" name="직선 화살표 연결선 4">
             <a:extLst>
               <a:ext uri="{FF2B5EF4-FFF2-40B4-BE49-F238E27FC236}">
-                <a16:creationId xmlns="" xmlns:a16="http://schemas.microsoft.com/office/drawing/2014/main" id="{299DF5EC-9DF4-5255-06AC-0A7CE4FF58C3}"/>
+                <a16:creationId xmlns:a16="http://schemas.microsoft.com/office/drawing/2014/main" id="{299DF5EC-9DF4-5255-06AC-0A7CE4FF58C3}"/>
               </a:ext>
             </a:extLst>
           </p:cNvPr>
@@ -12658,7 +14138,7 @@
           <p:cNvPr id="6" name="직사각형 5">
             <a:extLst>
               <a:ext uri="{FF2B5EF4-FFF2-40B4-BE49-F238E27FC236}">
-                <a16:creationId xmlns="" xmlns:a16="http://schemas.microsoft.com/office/drawing/2014/main" id="{FFF506F9-840A-0508-4CAF-3AC711D8D5CE}"/>
+                <a16:creationId xmlns:a16="http://schemas.microsoft.com/office/drawing/2014/main" id="{FFF506F9-840A-0508-4CAF-3AC711D8D5CE}"/>
               </a:ext>
             </a:extLst>
           </p:cNvPr>
@@ -12710,7 +14190,7 @@
           <p:cNvPr id="7" name="TextBox 6">
             <a:extLst>
               <a:ext uri="{FF2B5EF4-FFF2-40B4-BE49-F238E27FC236}">
-                <a16:creationId xmlns="" xmlns:a16="http://schemas.microsoft.com/office/drawing/2014/main" id="{C6D113C6-EA5C-788F-0C77-E7CE6EBB865F}"/>
+                <a16:creationId xmlns:a16="http://schemas.microsoft.com/office/drawing/2014/main" id="{C6D113C6-EA5C-788F-0C77-E7CE6EBB865F}"/>
               </a:ext>
             </a:extLst>
           </p:cNvPr>
@@ -12782,7 +14262,7 @@
           <p:cNvPr id="9" name="직선 화살표 연결선 8">
             <a:extLst>
               <a:ext uri="{FF2B5EF4-FFF2-40B4-BE49-F238E27FC236}">
-                <a16:creationId xmlns="" xmlns:a16="http://schemas.microsoft.com/office/drawing/2014/main" id="{299DF5EC-9DF4-5255-06AC-0A7CE4FF58C3}"/>
+                <a16:creationId xmlns:a16="http://schemas.microsoft.com/office/drawing/2014/main" id="{299DF5EC-9DF4-5255-06AC-0A7CE4FF58C3}"/>
               </a:ext>
             </a:extLst>
           </p:cNvPr>
@@ -12823,7 +14303,7 @@
           <p:cNvPr id="10" name="직사각형 9">
             <a:extLst>
               <a:ext uri="{FF2B5EF4-FFF2-40B4-BE49-F238E27FC236}">
-                <a16:creationId xmlns="" xmlns:a16="http://schemas.microsoft.com/office/drawing/2014/main" id="{FFF506F9-840A-0508-4CAF-3AC711D8D5CE}"/>
+                <a16:creationId xmlns:a16="http://schemas.microsoft.com/office/drawing/2014/main" id="{FFF506F9-840A-0508-4CAF-3AC711D8D5CE}"/>
               </a:ext>
             </a:extLst>
           </p:cNvPr>
@@ -12875,7 +14355,7 @@
           <p:cNvPr id="11" name="TextBox 10">
             <a:extLst>
               <a:ext uri="{FF2B5EF4-FFF2-40B4-BE49-F238E27FC236}">
-                <a16:creationId xmlns="" xmlns:a16="http://schemas.microsoft.com/office/drawing/2014/main" id="{C6D113C6-EA5C-788F-0C77-E7CE6EBB865F}"/>
+                <a16:creationId xmlns:a16="http://schemas.microsoft.com/office/drawing/2014/main" id="{C6D113C6-EA5C-788F-0C77-E7CE6EBB865F}"/>
               </a:ext>
             </a:extLst>
           </p:cNvPr>
@@ -12928,17 +14408,10 @@
   <p:clrMapOvr>
     <a:masterClrMapping/>
   </p:clrMapOvr>
-  <p:timing>
-    <p:tnLst>
-      <p:par>
-        <p:cTn id="1" dur="indefinite" restart="never" nodeType="tmRoot"/>
-      </p:par>
-    </p:tnLst>
-  </p:timing>
 </p:sld>
 </file>
 
-<file path=ppt/slides/slide23.xml><?xml version="1.0" encoding="utf-8"?>
+<file path=ppt/slides/slide25.xml><?xml version="1.0" encoding="utf-8"?>
 <p:sld xmlns:a="http://schemas.openxmlformats.org/drawingml/2006/main" xmlns:r="http://schemas.openxmlformats.org/officeDocument/2006/relationships" xmlns:p="http://schemas.openxmlformats.org/presentationml/2006/main">
   <p:cSld>
     <p:spTree>
@@ -12960,7 +14433,7 @@
           <p:cNvPr id="4" name="TextBox 3">
             <a:extLst>
               <a:ext uri="{FF2B5EF4-FFF2-40B4-BE49-F238E27FC236}">
-                <a16:creationId xmlns="" xmlns:a16="http://schemas.microsoft.com/office/drawing/2014/main" id="{FC45ADBF-CAA8-348D-E57F-358AF9FAC5C1}"/>
+                <a16:creationId xmlns:a16="http://schemas.microsoft.com/office/drawing/2014/main" id="{FC45ADBF-CAA8-348D-E57F-358AF9FAC5C1}"/>
               </a:ext>
             </a:extLst>
           </p:cNvPr>
@@ -13053,17 +14526,10 @@
   <p:clrMapOvr>
     <a:masterClrMapping/>
   </p:clrMapOvr>
-  <p:timing>
-    <p:tnLst>
-      <p:par>
-        <p:cTn id="1" dur="indefinite" restart="never" nodeType="tmRoot"/>
-      </p:par>
-    </p:tnLst>
-  </p:timing>
 </p:sld>
 </file>
 
-<file path=ppt/slides/slide24.xml><?xml version="1.0" encoding="utf-8"?>
+<file path=ppt/slides/slide26.xml><?xml version="1.0" encoding="utf-8"?>
 <p:sld xmlns:a="http://schemas.openxmlformats.org/drawingml/2006/main" xmlns:r="http://schemas.openxmlformats.org/officeDocument/2006/relationships" xmlns:p="http://schemas.openxmlformats.org/presentationml/2006/main">
   <p:cSld>
     <p:spTree>
@@ -13343,7 +14809,7 @@
           <p:cNvPr id="81" name="TextBox 80">
             <a:extLst>
               <a:ext uri="{FF2B5EF4-FFF2-40B4-BE49-F238E27FC236}">
-                <a16:creationId xmlns="" xmlns:a16="http://schemas.microsoft.com/office/drawing/2014/main" id="{FC45ADBF-CAA8-348D-E57F-358AF9FAC5C1}"/>
+                <a16:creationId xmlns:a16="http://schemas.microsoft.com/office/drawing/2014/main" id="{FC45ADBF-CAA8-348D-E57F-358AF9FAC5C1}"/>
               </a:ext>
             </a:extLst>
           </p:cNvPr>
@@ -13391,7 +14857,7 @@
           <p:cNvPr id="82" name="TextBox 81">
             <a:extLst>
               <a:ext uri="{FF2B5EF4-FFF2-40B4-BE49-F238E27FC236}">
-                <a16:creationId xmlns="" xmlns:a16="http://schemas.microsoft.com/office/drawing/2014/main" id="{FC45ADBF-CAA8-348D-E57F-358AF9FAC5C1}"/>
+                <a16:creationId xmlns:a16="http://schemas.microsoft.com/office/drawing/2014/main" id="{FC45ADBF-CAA8-348D-E57F-358AF9FAC5C1}"/>
               </a:ext>
             </a:extLst>
           </p:cNvPr>
@@ -13439,7 +14905,7 @@
           <p:cNvPr id="83" name="TextBox 82">
             <a:extLst>
               <a:ext uri="{FF2B5EF4-FFF2-40B4-BE49-F238E27FC236}">
-                <a16:creationId xmlns="" xmlns:a16="http://schemas.microsoft.com/office/drawing/2014/main" id="{A56A5DDA-8708-D8BE-1148-536DAE867ED1}"/>
+                <a16:creationId xmlns:a16="http://schemas.microsoft.com/office/drawing/2014/main" id="{A56A5DDA-8708-D8BE-1148-536DAE867ED1}"/>
               </a:ext>
             </a:extLst>
           </p:cNvPr>
@@ -13493,7 +14959,7 @@
           <p:cNvPr id="84" name="TextBox 83">
             <a:extLst>
               <a:ext uri="{FF2B5EF4-FFF2-40B4-BE49-F238E27FC236}">
-                <a16:creationId xmlns="" xmlns:a16="http://schemas.microsoft.com/office/drawing/2014/main" id="{A56A5DDA-8708-D8BE-1148-536DAE867ED1}"/>
+                <a16:creationId xmlns:a16="http://schemas.microsoft.com/office/drawing/2014/main" id="{A56A5DDA-8708-D8BE-1148-536DAE867ED1}"/>
               </a:ext>
             </a:extLst>
           </p:cNvPr>
@@ -13600,17 +15066,10 @@
   <p:clrMapOvr>
     <a:masterClrMapping/>
   </p:clrMapOvr>
-  <p:timing>
-    <p:tnLst>
-      <p:par>
-        <p:cTn id="1" dur="indefinite" restart="never" nodeType="tmRoot"/>
-      </p:par>
-    </p:tnLst>
-  </p:timing>
 </p:sld>
 </file>
 
-<file path=ppt/slides/slide25.xml><?xml version="1.0" encoding="utf-8"?>
+<file path=ppt/slides/slide27.xml><?xml version="1.0" encoding="utf-8"?>
 <p:sld xmlns:a="http://schemas.openxmlformats.org/drawingml/2006/main" xmlns:r="http://schemas.openxmlformats.org/officeDocument/2006/relationships" xmlns:p="http://schemas.openxmlformats.org/presentationml/2006/main">
   <p:cSld>
     <p:spTree>
@@ -13656,7 +15115,7 @@
           <p:cNvPr id="5" name="TextBox 4">
             <a:extLst>
               <a:ext uri="{FF2B5EF4-FFF2-40B4-BE49-F238E27FC236}">
-                <a16:creationId xmlns="" xmlns:a16="http://schemas.microsoft.com/office/drawing/2014/main" id="{FC45ADBF-CAA8-348D-E57F-358AF9FAC5C1}"/>
+                <a16:creationId xmlns:a16="http://schemas.microsoft.com/office/drawing/2014/main" id="{FC45ADBF-CAA8-348D-E57F-358AF9FAC5C1}"/>
               </a:ext>
             </a:extLst>
           </p:cNvPr>
@@ -13774,7 +15233,7 @@
           <p:cNvPr id="7" name="직선 화살표 연결선 6">
             <a:extLst>
               <a:ext uri="{FF2B5EF4-FFF2-40B4-BE49-F238E27FC236}">
-                <a16:creationId xmlns="" xmlns:a16="http://schemas.microsoft.com/office/drawing/2014/main" id="{299DF5EC-9DF4-5255-06AC-0A7CE4FF58C3}"/>
+                <a16:creationId xmlns:a16="http://schemas.microsoft.com/office/drawing/2014/main" id="{299DF5EC-9DF4-5255-06AC-0A7CE4FF58C3}"/>
               </a:ext>
             </a:extLst>
           </p:cNvPr>
@@ -13815,7 +15274,7 @@
           <p:cNvPr id="8" name="TextBox 7">
             <a:extLst>
               <a:ext uri="{FF2B5EF4-FFF2-40B4-BE49-F238E27FC236}">
-                <a16:creationId xmlns="" xmlns:a16="http://schemas.microsoft.com/office/drawing/2014/main" id="{C6D113C6-EA5C-788F-0C77-E7CE6EBB865F}"/>
+                <a16:creationId xmlns:a16="http://schemas.microsoft.com/office/drawing/2014/main" id="{C6D113C6-EA5C-788F-0C77-E7CE6EBB865F}"/>
               </a:ext>
             </a:extLst>
           </p:cNvPr>
@@ -14024,7 +15483,7 @@
 </p:sld>
 </file>
 
-<file path=ppt/slides/slide26.xml><?xml version="1.0" encoding="utf-8"?>
+<file path=ppt/slides/slide28.xml><?xml version="1.0" encoding="utf-8"?>
 <p:sld xmlns:a="http://schemas.openxmlformats.org/drawingml/2006/main" xmlns:r="http://schemas.openxmlformats.org/officeDocument/2006/relationships" xmlns:p="http://schemas.openxmlformats.org/presentationml/2006/main">
   <p:cSld>
     <p:spTree>
@@ -14046,7 +15505,7 @@
           <p:cNvPr id="4" name="TextBox 3">
             <a:extLst>
               <a:ext uri="{FF2B5EF4-FFF2-40B4-BE49-F238E27FC236}">
-                <a16:creationId xmlns="" xmlns:a16="http://schemas.microsoft.com/office/drawing/2014/main" id="{FC45ADBF-CAA8-348D-E57F-358AF9FAC5C1}"/>
+                <a16:creationId xmlns:a16="http://schemas.microsoft.com/office/drawing/2014/main" id="{FC45ADBF-CAA8-348D-E57F-358AF9FAC5C1}"/>
               </a:ext>
             </a:extLst>
           </p:cNvPr>
@@ -14104,7 +15563,7 @@
           <p:cNvPr id="7" name="TextBox 6">
             <a:extLst>
               <a:ext uri="{FF2B5EF4-FFF2-40B4-BE49-F238E27FC236}">
-                <a16:creationId xmlns="" xmlns:a16="http://schemas.microsoft.com/office/drawing/2014/main" id="{A56A5DDA-8708-D8BE-1148-536DAE867ED1}"/>
+                <a16:creationId xmlns:a16="http://schemas.microsoft.com/office/drawing/2014/main" id="{A56A5DDA-8708-D8BE-1148-536DAE867ED1}"/>
               </a:ext>
             </a:extLst>
           </p:cNvPr>
@@ -14369,7 +15828,7 @@
 </p:sld>
 </file>
 
-<file path=ppt/slides/slide27.xml><?xml version="1.0" encoding="utf-8"?>
+<file path=ppt/slides/slide29.xml><?xml version="1.0" encoding="utf-8"?>
 <p:sld xmlns:a="http://schemas.openxmlformats.org/drawingml/2006/main" xmlns:r="http://schemas.openxmlformats.org/officeDocument/2006/relationships" xmlns:p="http://schemas.openxmlformats.org/presentationml/2006/main">
   <p:cSld>
     <p:spTree>
@@ -14391,7 +15850,7 @@
           <p:cNvPr id="4" name="TextBox 3">
             <a:extLst>
               <a:ext uri="{FF2B5EF4-FFF2-40B4-BE49-F238E27FC236}">
-                <a16:creationId xmlns="" xmlns:a16="http://schemas.microsoft.com/office/drawing/2014/main" id="{FC45ADBF-CAA8-348D-E57F-358AF9FAC5C1}"/>
+                <a16:creationId xmlns:a16="http://schemas.microsoft.com/office/drawing/2014/main" id="{FC45ADBF-CAA8-348D-E57F-358AF9FAC5C1}"/>
               </a:ext>
             </a:extLst>
           </p:cNvPr>
@@ -14503,7 +15962,7 @@
           <p:cNvPr id="7" name="TextBox 6">
             <a:extLst>
               <a:ext uri="{FF2B5EF4-FFF2-40B4-BE49-F238E27FC236}">
-                <a16:creationId xmlns="" xmlns:a16="http://schemas.microsoft.com/office/drawing/2014/main" id="{A56A5DDA-8708-D8BE-1148-536DAE867ED1}"/>
+                <a16:creationId xmlns:a16="http://schemas.microsoft.com/office/drawing/2014/main" id="{A56A5DDA-8708-D8BE-1148-536DAE867ED1}"/>
               </a:ext>
             </a:extLst>
           </p:cNvPr>
@@ -14710,7 +16169,7 @@
 </p:sld>
 </file>
 
-<file path=ppt/slides/slide28.xml><?xml version="1.0" encoding="utf-8"?>
+<file path=ppt/slides/slide3.xml><?xml version="1.0" encoding="utf-8"?>
 <p:sld xmlns:a="http://schemas.openxmlformats.org/drawingml/2006/main" xmlns:r="http://schemas.openxmlformats.org/officeDocument/2006/relationships" xmlns:p="http://schemas.openxmlformats.org/presentationml/2006/main">
   <p:cSld>
     <p:spTree>
@@ -14732,7 +16191,169 @@
           <p:cNvPr id="4" name="TextBox 3">
             <a:extLst>
               <a:ext uri="{FF2B5EF4-FFF2-40B4-BE49-F238E27FC236}">
-                <a16:creationId xmlns="" xmlns:a16="http://schemas.microsoft.com/office/drawing/2014/main" id="{A56A5DDA-8708-D8BE-1148-536DAE867ED1}"/>
+                <a16:creationId xmlns:a16="http://schemas.microsoft.com/office/drawing/2014/main" id="{5ADC00B6-990A-40DC-3CEA-505258F5E8DA}"/>
+              </a:ext>
+            </a:extLst>
+          </p:cNvPr>
+          <p:cNvSpPr txBox="1"/>
+          <p:nvPr/>
+        </p:nvSpPr>
+        <p:spPr>
+          <a:xfrm>
+            <a:off x="762000" y="419100"/>
+            <a:ext cx="3810000" cy="830997"/>
+          </a:xfrm>
+          <a:prstGeom prst="rect">
+            <a:avLst/>
+          </a:prstGeom>
+          <a:noFill/>
+        </p:spPr>
+        <p:txBody>
+          <a:bodyPr wrap="square" rtlCol="0">
+            <a:spAutoFit/>
+          </a:bodyPr>
+          <a:lstStyle/>
+          <a:p>
+            <a:r>
+              <a:rPr lang="ko-KR" altLang="en-US" sz="4800" dirty="0">
+                <a:solidFill>
+                  <a:srgbClr val="4C50BC"/>
+                </a:solidFill>
+                <a:latin typeface="G마켓 산스 Medium" panose="02000000000000000000" pitchFamily="50" charset="-127"/>
+                <a:ea typeface="G마켓 산스 Medium" panose="02000000000000000000" pitchFamily="50" charset="-127"/>
+              </a:rPr>
+              <a:t>디버그</a:t>
+            </a:r>
+            <a:endParaRPr lang="en-US" altLang="ko-KR" sz="4800" dirty="0">
+              <a:solidFill>
+                <a:srgbClr val="4C50BC"/>
+              </a:solidFill>
+              <a:latin typeface="G마켓 산스 Medium" panose="02000000000000000000" pitchFamily="50" charset="-127"/>
+              <a:ea typeface="G마켓 산스 Medium" panose="02000000000000000000" pitchFamily="50" charset="-127"/>
+            </a:endParaRPr>
+          </a:p>
+        </p:txBody>
+      </p:sp>
+      <p:sp>
+        <p:nvSpPr>
+          <p:cNvPr id="3" name="TextBox 2">
+            <a:extLst>
+              <a:ext uri="{FF2B5EF4-FFF2-40B4-BE49-F238E27FC236}">
+                <a16:creationId xmlns:a16="http://schemas.microsoft.com/office/drawing/2014/main" id="{54FACD37-8D01-16F0-EA29-F70E88EE68F4}"/>
+              </a:ext>
+            </a:extLst>
+          </p:cNvPr>
+          <p:cNvSpPr txBox="1"/>
+          <p:nvPr/>
+        </p:nvSpPr>
+        <p:spPr>
+          <a:xfrm>
+            <a:off x="3316093" y="480655"/>
+            <a:ext cx="12131157" cy="707886"/>
+          </a:xfrm>
+          <a:prstGeom prst="rect">
+            <a:avLst/>
+          </a:prstGeom>
+          <a:noFill/>
+        </p:spPr>
+        <p:txBody>
+          <a:bodyPr wrap="square" rtlCol="0">
+            <a:spAutoFit/>
+          </a:bodyPr>
+          <a:lstStyle/>
+          <a:p>
+            <a:r>
+              <a:rPr lang="ko-KR" altLang="en-US" sz="4000" dirty="0">
+                <a:solidFill>
+                  <a:schemeClr val="tx1">
+                    <a:lumMod val="50000"/>
+                    <a:lumOff val="50000"/>
+                  </a:schemeClr>
+                </a:solidFill>
+                <a:latin typeface="G마켓 산스 Medium" panose="02000000000000000000" pitchFamily="50" charset="-127"/>
+                <a:ea typeface="G마켓 산스 Medium" panose="02000000000000000000" pitchFamily="50" charset="-127"/>
+              </a:rPr>
+              <a:t>프로그램을 한 단계씩 실행하며  실행 상태를 추적</a:t>
+            </a:r>
+            <a:endParaRPr lang="en-US" altLang="ko-KR" sz="4000" dirty="0">
+              <a:solidFill>
+                <a:schemeClr val="tx1">
+                  <a:lumMod val="50000"/>
+                  <a:lumOff val="50000"/>
+                </a:schemeClr>
+              </a:solidFill>
+              <a:latin typeface="G마켓 산스 Medium" panose="02000000000000000000" pitchFamily="50" charset="-127"/>
+              <a:ea typeface="G마켓 산스 Medium" panose="02000000000000000000" pitchFamily="50" charset="-127"/>
+            </a:endParaRPr>
+          </a:p>
+        </p:txBody>
+      </p:sp>
+      <p:pic>
+        <p:nvPicPr>
+          <p:cNvPr id="9" name="그림 8">
+            <a:extLst>
+              <a:ext uri="{FF2B5EF4-FFF2-40B4-BE49-F238E27FC236}">
+                <a16:creationId xmlns:a16="http://schemas.microsoft.com/office/drawing/2014/main" id="{3B256126-507A-0844-B96D-5B09232F89C7}"/>
+              </a:ext>
+            </a:extLst>
+          </p:cNvPr>
+          <p:cNvPicPr>
+            <a:picLocks noChangeAspect="1"/>
+          </p:cNvPicPr>
+          <p:nvPr/>
+        </p:nvPicPr>
+        <p:blipFill>
+          <a:blip r:embed="rId2"/>
+          <a:stretch>
+            <a:fillRect/>
+          </a:stretch>
+        </p:blipFill>
+        <p:spPr>
+          <a:xfrm>
+            <a:off x="972317" y="1562100"/>
+            <a:ext cx="16343365" cy="5486400"/>
+          </a:xfrm>
+          <a:prstGeom prst="rect">
+            <a:avLst/>
+          </a:prstGeom>
+        </p:spPr>
+      </p:pic>
+    </p:spTree>
+    <p:extLst>
+      <p:ext uri="{BB962C8B-B14F-4D97-AF65-F5344CB8AC3E}">
+        <p14:creationId xmlns:p14="http://schemas.microsoft.com/office/powerpoint/2010/main" val="1899311001"/>
+      </p:ext>
+    </p:extLst>
+  </p:cSld>
+  <p:clrMapOvr>
+    <a:masterClrMapping/>
+  </p:clrMapOvr>
+</p:sld>
+</file>
+
+<file path=ppt/slides/slide30.xml><?xml version="1.0" encoding="utf-8"?>
+<p:sld xmlns:a="http://schemas.openxmlformats.org/drawingml/2006/main" xmlns:r="http://schemas.openxmlformats.org/officeDocument/2006/relationships" xmlns:p="http://schemas.openxmlformats.org/presentationml/2006/main">
+  <p:cSld>
+    <p:spTree>
+      <p:nvGrpSpPr>
+        <p:cNvPr id="1" name=""/>
+        <p:cNvGrpSpPr/>
+        <p:nvPr/>
+      </p:nvGrpSpPr>
+      <p:grpSpPr>
+        <a:xfrm>
+          <a:off x="0" y="0"/>
+          <a:ext cx="0" cy="0"/>
+          <a:chOff x="0" y="0"/>
+          <a:chExt cx="0" cy="0"/>
+        </a:xfrm>
+      </p:grpSpPr>
+      <p:sp>
+        <p:nvSpPr>
+          <p:cNvPr id="4" name="TextBox 3">
+            <a:extLst>
+              <a:ext uri="{FF2B5EF4-FFF2-40B4-BE49-F238E27FC236}">
+                <a16:creationId xmlns:a16="http://schemas.microsoft.com/office/drawing/2014/main" id="{A56A5DDA-8708-D8BE-1148-536DAE867ED1}"/>
               </a:ext>
             </a:extLst>
           </p:cNvPr>
@@ -14978,7 +16599,7 @@
 </p:sld>
 </file>
 
-<file path=ppt/slides/slide29.xml><?xml version="1.0" encoding="utf-8"?>
+<file path=ppt/slides/slide31.xml><?xml version="1.0" encoding="utf-8"?>
 <p:sld xmlns:a="http://schemas.openxmlformats.org/drawingml/2006/main" xmlns:r="http://schemas.openxmlformats.org/officeDocument/2006/relationships" xmlns:p="http://schemas.openxmlformats.org/presentationml/2006/main">
   <p:cSld>
     <p:bg>
@@ -15008,7 +16629,7 @@
           <p:cNvPr id="4" name="Object 1">
             <a:extLst>
               <a:ext uri="{FF2B5EF4-FFF2-40B4-BE49-F238E27FC236}">
-                <a16:creationId xmlns="" xmlns:a16="http://schemas.microsoft.com/office/drawing/2014/main" id="{B0329035-BE76-33A8-0F2E-44624FCC1DED}"/>
+                <a16:creationId xmlns:a16="http://schemas.microsoft.com/office/drawing/2014/main" id="{B0329035-BE76-33A8-0F2E-44624FCC1DED}"/>
               </a:ext>
             </a:extLst>
           </p:cNvPr>
@@ -15038,7 +16659,7 @@
           <p:cNvPr id="7" name="그룹 1001">
             <a:extLst>
               <a:ext uri="{FF2B5EF4-FFF2-40B4-BE49-F238E27FC236}">
-                <a16:creationId xmlns="" xmlns:a16="http://schemas.microsoft.com/office/drawing/2014/main" id="{CD24CE9D-AC18-B6CD-F397-7E8E03D6FE26}"/>
+                <a16:creationId xmlns:a16="http://schemas.microsoft.com/office/drawing/2014/main" id="{CD24CE9D-AC18-B6CD-F397-7E8E03D6FE26}"/>
               </a:ext>
             </a:extLst>
           </p:cNvPr>
@@ -15058,7 +16679,7 @@
             <p:cNvPr id="8" name="Object 5">
               <a:extLst>
                 <a:ext uri="{FF2B5EF4-FFF2-40B4-BE49-F238E27FC236}">
-                  <a16:creationId xmlns="" xmlns:a16="http://schemas.microsoft.com/office/drawing/2014/main" id="{0EEF25E8-3BA8-EBAA-6DC2-66D70C3F9F4D}"/>
+                  <a16:creationId xmlns:a16="http://schemas.microsoft.com/office/drawing/2014/main" id="{0EEF25E8-3BA8-EBAA-6DC2-66D70C3F9F4D}"/>
                 </a:ext>
               </a:extLst>
             </p:cNvPr>
@@ -15089,7 +16710,7 @@
           <p:cNvPr id="9" name="그룹 1002">
             <a:extLst>
               <a:ext uri="{FF2B5EF4-FFF2-40B4-BE49-F238E27FC236}">
-                <a16:creationId xmlns="" xmlns:a16="http://schemas.microsoft.com/office/drawing/2014/main" id="{0F281BC9-DE1F-D1FE-E64C-C4640398F00C}"/>
+                <a16:creationId xmlns:a16="http://schemas.microsoft.com/office/drawing/2014/main" id="{0F281BC9-DE1F-D1FE-E64C-C4640398F00C}"/>
               </a:ext>
             </a:extLst>
           </p:cNvPr>
@@ -15109,7 +16730,7 @@
             <p:cNvPr id="10" name="Object 8">
               <a:extLst>
                 <a:ext uri="{FF2B5EF4-FFF2-40B4-BE49-F238E27FC236}">
-                  <a16:creationId xmlns="" xmlns:a16="http://schemas.microsoft.com/office/drawing/2014/main" id="{F669DCEF-04BB-7046-3F7F-5B513213556E}"/>
+                  <a16:creationId xmlns:a16="http://schemas.microsoft.com/office/drawing/2014/main" id="{F669DCEF-04BB-7046-3F7F-5B513213556E}"/>
                 </a:ext>
               </a:extLst>
             </p:cNvPr>
@@ -15140,7 +16761,7 @@
           <p:cNvPr id="11" name="그룹 1003">
             <a:extLst>
               <a:ext uri="{FF2B5EF4-FFF2-40B4-BE49-F238E27FC236}">
-                <a16:creationId xmlns="" xmlns:a16="http://schemas.microsoft.com/office/drawing/2014/main" id="{1F91EEF9-13EA-BB7F-B056-D35E7DB989AC}"/>
+                <a16:creationId xmlns:a16="http://schemas.microsoft.com/office/drawing/2014/main" id="{1F91EEF9-13EA-BB7F-B056-D35E7DB989AC}"/>
               </a:ext>
             </a:extLst>
           </p:cNvPr>
@@ -15160,7 +16781,7 @@
             <p:cNvPr id="12" name="Object 11">
               <a:extLst>
                 <a:ext uri="{FF2B5EF4-FFF2-40B4-BE49-F238E27FC236}">
-                  <a16:creationId xmlns="" xmlns:a16="http://schemas.microsoft.com/office/drawing/2014/main" id="{2CFFB217-AEFB-2C9E-5F86-6EE19510FFC6}"/>
+                  <a16:creationId xmlns:a16="http://schemas.microsoft.com/office/drawing/2014/main" id="{2CFFB217-AEFB-2C9E-5F86-6EE19510FFC6}"/>
                 </a:ext>
               </a:extLst>
             </p:cNvPr>
@@ -15191,7 +16812,7 @@
           <p:cNvPr id="13" name="그룹 1004">
             <a:extLst>
               <a:ext uri="{FF2B5EF4-FFF2-40B4-BE49-F238E27FC236}">
-                <a16:creationId xmlns="" xmlns:a16="http://schemas.microsoft.com/office/drawing/2014/main" id="{123B9C7E-94E8-E7E1-81BE-D59EA0299187}"/>
+                <a16:creationId xmlns:a16="http://schemas.microsoft.com/office/drawing/2014/main" id="{123B9C7E-94E8-E7E1-81BE-D59EA0299187}"/>
               </a:ext>
             </a:extLst>
           </p:cNvPr>
@@ -15211,7 +16832,7 @@
             <p:cNvPr id="14" name="Object 14">
               <a:extLst>
                 <a:ext uri="{FF2B5EF4-FFF2-40B4-BE49-F238E27FC236}">
-                  <a16:creationId xmlns="" xmlns:a16="http://schemas.microsoft.com/office/drawing/2014/main" id="{B6291552-2D89-A79F-7ACD-EA0EF9A4C389}"/>
+                  <a16:creationId xmlns:a16="http://schemas.microsoft.com/office/drawing/2014/main" id="{B6291552-2D89-A79F-7ACD-EA0EF9A4C389}"/>
                 </a:ext>
               </a:extLst>
             </p:cNvPr>
@@ -15242,7 +16863,7 @@
           <p:cNvPr id="15" name="TextBox 14">
             <a:extLst>
               <a:ext uri="{FF2B5EF4-FFF2-40B4-BE49-F238E27FC236}">
-                <a16:creationId xmlns="" xmlns:a16="http://schemas.microsoft.com/office/drawing/2014/main" id="{7D99763A-FC24-23F5-5BA9-D7B042E0F323}"/>
+                <a16:creationId xmlns:a16="http://schemas.microsoft.com/office/drawing/2014/main" id="{7D99763A-FC24-23F5-5BA9-D7B042E0F323}"/>
               </a:ext>
             </a:extLst>
           </p:cNvPr>
@@ -15295,17 +16916,10 @@
   <p:clrMapOvr>
     <a:masterClrMapping/>
   </p:clrMapOvr>
-  <p:timing>
-    <p:tnLst>
-      <p:par>
-        <p:cTn id="1" dur="indefinite" restart="never" nodeType="tmRoot"/>
-      </p:par>
-    </p:tnLst>
-  </p:timing>
 </p:sld>
 </file>
 
-<file path=ppt/slides/slide3.xml><?xml version="1.0" encoding="utf-8"?>
+<file path=ppt/slides/slide32.xml><?xml version="1.0" encoding="utf-8"?>
 <p:sld xmlns:a="http://schemas.openxmlformats.org/drawingml/2006/main" xmlns:r="http://schemas.openxmlformats.org/officeDocument/2006/relationships" xmlns:p="http://schemas.openxmlformats.org/presentationml/2006/main">
   <p:cSld>
     <p:spTree>
@@ -15327,7 +16941,7 @@
           <p:cNvPr id="4" name="TextBox 3">
             <a:extLst>
               <a:ext uri="{FF2B5EF4-FFF2-40B4-BE49-F238E27FC236}">
-                <a16:creationId xmlns="" xmlns:a16="http://schemas.microsoft.com/office/drawing/2014/main" id="{5ADC00B6-990A-40DC-3CEA-505258F5E8DA}"/>
+                <a16:creationId xmlns:a16="http://schemas.microsoft.com/office/drawing/2014/main" id="{FC45ADBF-CAA8-348D-E57F-358AF9FAC5C1}"/>
               </a:ext>
             </a:extLst>
           </p:cNvPr>
@@ -15336,7 +16950,7 @@
         </p:nvSpPr>
         <p:spPr>
           <a:xfrm>
-            <a:off x="762000" y="419100"/>
+            <a:off x="457200" y="497131"/>
             <a:ext cx="3810000" cy="830997"/>
           </a:xfrm>
           <a:prstGeom prst="rect">
@@ -15351,14 +16965,14 @@
           <a:lstStyle/>
           <a:p>
             <a:r>
-              <a:rPr lang="ko-KR" altLang="en-US" sz="4800" smtClean="0">
+              <a:rPr lang="en-US" altLang="ko-KR" sz="4800">
                 <a:solidFill>
                   <a:srgbClr val="4C50BC"/>
                 </a:solidFill>
                 <a:latin typeface="G마켓 산스 Medium" panose="02000000000000000000" pitchFamily="50" charset="-127"/>
                 <a:ea typeface="G마켓 산스 Medium" panose="02000000000000000000" pitchFamily="50" charset="-127"/>
               </a:rPr>
-              <a:t>디버그</a:t>
+              <a:t>do while</a:t>
             </a:r>
             <a:endParaRPr lang="en-US" altLang="ko-KR" sz="4800" dirty="0">
               <a:solidFill>
@@ -15386,8 +17000,8 @@
         </p:blipFill>
         <p:spPr>
           <a:xfrm>
-            <a:off x="4800601" y="2933700"/>
-            <a:ext cx="6019800" cy="3352800"/>
+            <a:off x="1143000" y="1943100"/>
+            <a:ext cx="7530603" cy="4419600"/>
           </a:xfrm>
           <a:prstGeom prst="rect">
             <a:avLst/>
@@ -15399,7 +17013,7 @@
           <p:cNvPr id="6" name="직선 화살표 연결선 5">
             <a:extLst>
               <a:ext uri="{FF2B5EF4-FFF2-40B4-BE49-F238E27FC236}">
-                <a16:creationId xmlns="" xmlns:a16="http://schemas.microsoft.com/office/drawing/2014/main" id="{299DF5EC-9DF4-5255-06AC-0A7CE4FF58C3}"/>
+                <a16:creationId xmlns:a16="http://schemas.microsoft.com/office/drawing/2014/main" id="{299DF5EC-9DF4-5255-06AC-0A7CE4FF58C3}"/>
               </a:ext>
             </a:extLst>
           </p:cNvPr>
@@ -15409,9 +17023,9 @@
           <p:nvPr/>
         </p:nvCxnSpPr>
         <p:spPr>
-          <a:xfrm flipV="1">
-            <a:off x="6858001" y="3238500"/>
-            <a:ext cx="1219200" cy="903103"/>
+          <a:xfrm>
+            <a:off x="7848600" y="4708386"/>
+            <a:ext cx="1219200" cy="0"/>
           </a:xfrm>
           <a:prstGeom prst="straightConnector1">
             <a:avLst/>
@@ -15440,7 +17054,7 @@
           <p:cNvPr id="7" name="직사각형 6">
             <a:extLst>
               <a:ext uri="{FF2B5EF4-FFF2-40B4-BE49-F238E27FC236}">
-                <a16:creationId xmlns="" xmlns:a16="http://schemas.microsoft.com/office/drawing/2014/main" id="{FFF506F9-840A-0508-4CAF-3AC711D8D5CE}"/>
+                <a16:creationId xmlns:a16="http://schemas.microsoft.com/office/drawing/2014/main" id="{FFF506F9-840A-0508-4CAF-3AC711D8D5CE}"/>
               </a:ext>
             </a:extLst>
           </p:cNvPr>
@@ -15449,8 +17063,8 @@
         </p:nvSpPr>
         <p:spPr>
           <a:xfrm>
-            <a:off x="6477001" y="4141603"/>
-            <a:ext cx="762000" cy="457200"/>
+            <a:off x="2438400" y="4392289"/>
+            <a:ext cx="5410200" cy="522611"/>
           </a:xfrm>
           <a:prstGeom prst="rect">
             <a:avLst/>
@@ -15492,7 +17106,7 @@
           <p:cNvPr id="8" name="TextBox 7">
             <a:extLst>
               <a:ext uri="{FF2B5EF4-FFF2-40B4-BE49-F238E27FC236}">
-                <a16:creationId xmlns="" xmlns:a16="http://schemas.microsoft.com/office/drawing/2014/main" id="{C6D113C6-EA5C-788F-0C77-E7CE6EBB865F}"/>
+                <a16:creationId xmlns:a16="http://schemas.microsoft.com/office/drawing/2014/main" id="{C6D113C6-EA5C-788F-0C77-E7CE6EBB865F}"/>
               </a:ext>
             </a:extLst>
           </p:cNvPr>
@@ -15501,8 +17115,8 @@
         </p:nvSpPr>
         <p:spPr>
           <a:xfrm>
-            <a:off x="8095344" y="2721071"/>
-            <a:ext cx="6382657" cy="646331"/>
+            <a:off x="9067800" y="4359414"/>
+            <a:ext cx="6400800" cy="707886"/>
           </a:xfrm>
           <a:prstGeom prst="rect">
             <a:avLst/>
@@ -15516,26 +17130,46 @@
           <a:lstStyle/>
           <a:p>
             <a:r>
-              <a:rPr lang="ko-KR" altLang="en-US" sz="3600" smtClean="0">
+              <a:rPr lang="ko-KR" altLang="en-US" sz="4000">
                 <a:solidFill>
                   <a:srgbClr val="FF0000"/>
                 </a:solidFill>
                 <a:latin typeface="G마켓 산스 Medium" panose="02000000000000000000" pitchFamily="50" charset="-127"/>
                 <a:ea typeface="G마켓 산스 Medium" panose="02000000000000000000" pitchFamily="50" charset="-127"/>
               </a:rPr>
-              <a:t>디버그 모드 실행 </a:t>
-            </a:r>
-            <a:r>
-              <a:rPr lang="en-US" altLang="ko-KR" sz="3600" smtClean="0">
+              <a:t>최초 </a:t>
+            </a:r>
+            <a:r>
+              <a:rPr lang="en-US" altLang="ko-KR" sz="4000">
                 <a:solidFill>
                   <a:srgbClr val="FF0000"/>
                 </a:solidFill>
                 <a:latin typeface="G마켓 산스 Medium" panose="02000000000000000000" pitchFamily="50" charset="-127"/>
                 <a:ea typeface="G마켓 산스 Medium" panose="02000000000000000000" pitchFamily="50" charset="-127"/>
               </a:rPr>
-              <a:t>(F11)</a:t>
-            </a:r>
-            <a:endParaRPr lang="en-US" altLang="ko-KR" sz="3600" dirty="0">
+              <a:t>1</a:t>
+            </a:r>
+            <a:r>
+              <a:rPr lang="ko-KR" altLang="en-US" sz="4000">
+                <a:solidFill>
+                  <a:srgbClr val="FF0000"/>
+                </a:solidFill>
+                <a:latin typeface="G마켓 산스 Medium" panose="02000000000000000000" pitchFamily="50" charset="-127"/>
+                <a:ea typeface="G마켓 산스 Medium" panose="02000000000000000000" pitchFamily="50" charset="-127"/>
+              </a:rPr>
+              <a:t>번은 무조건 실행된다</a:t>
+            </a:r>
+            <a:r>
+              <a:rPr lang="en-US" altLang="ko-KR" sz="4000">
+                <a:solidFill>
+                  <a:srgbClr val="FF0000"/>
+                </a:solidFill>
+                <a:latin typeface="G마켓 산스 Medium" panose="02000000000000000000" pitchFamily="50" charset="-127"/>
+                <a:ea typeface="G마켓 산스 Medium" panose="02000000000000000000" pitchFamily="50" charset="-127"/>
+              </a:rPr>
+              <a:t>.</a:t>
+            </a:r>
+            <a:endParaRPr lang="en-US" altLang="ko-KR" sz="4000" dirty="0">
               <a:solidFill>
                 <a:srgbClr val="FF0000"/>
               </a:solidFill>
@@ -15545,53 +17179,12 @@
           </a:p>
         </p:txBody>
       </p:sp>
-      <p:cxnSp>
-        <p:nvCxnSpPr>
-          <p:cNvPr id="10" name="직선 화살표 연결선 9">
+      <p:sp>
+        <p:nvSpPr>
+          <p:cNvPr id="9" name="직사각형 8">
             <a:extLst>
               <a:ext uri="{FF2B5EF4-FFF2-40B4-BE49-F238E27FC236}">
-                <a16:creationId xmlns="" xmlns:a16="http://schemas.microsoft.com/office/drawing/2014/main" id="{299DF5EC-9DF4-5255-06AC-0A7CE4FF58C3}"/>
-              </a:ext>
-            </a:extLst>
-          </p:cNvPr>
-          <p:cNvCxnSpPr>
-            <a:cxnSpLocks/>
-          </p:cNvCxnSpPr>
-          <p:nvPr/>
-        </p:nvCxnSpPr>
-        <p:spPr>
-          <a:xfrm flipV="1">
-            <a:off x="7924801" y="4152900"/>
-            <a:ext cx="2913743" cy="1"/>
-          </a:xfrm>
-          <a:prstGeom prst="straightConnector1">
-            <a:avLst/>
-          </a:prstGeom>
-          <a:ln w="38100">
-            <a:tailEnd type="triangle"/>
-          </a:ln>
-        </p:spPr>
-        <p:style>
-          <a:lnRef idx="1">
-            <a:schemeClr val="accent2"/>
-          </a:lnRef>
-          <a:fillRef idx="0">
-            <a:schemeClr val="accent2"/>
-          </a:fillRef>
-          <a:effectRef idx="0">
-            <a:schemeClr val="accent2"/>
-          </a:effectRef>
-          <a:fontRef idx="minor">
-            <a:schemeClr val="tx1"/>
-          </a:fontRef>
-        </p:style>
-      </p:cxnSp>
-      <p:sp>
-        <p:nvSpPr>
-          <p:cNvPr id="11" name="직사각형 10">
-            <a:extLst>
-              <a:ext uri="{FF2B5EF4-FFF2-40B4-BE49-F238E27FC236}">
-                <a16:creationId xmlns="" xmlns:a16="http://schemas.microsoft.com/office/drawing/2014/main" id="{FFF506F9-840A-0508-4CAF-3AC711D8D5CE}"/>
+                <a16:creationId xmlns:a16="http://schemas.microsoft.com/office/drawing/2014/main" id="{FFF506F9-840A-0508-4CAF-3AC711D8D5CE}"/>
               </a:ext>
             </a:extLst>
           </p:cNvPr>
@@ -15600,8 +17193,8 @@
         </p:nvSpPr>
         <p:spPr>
           <a:xfrm>
-            <a:off x="7543801" y="4152900"/>
-            <a:ext cx="762000" cy="457200"/>
+            <a:off x="4191000" y="5511817"/>
+            <a:ext cx="417342" cy="546083"/>
           </a:xfrm>
           <a:prstGeom prst="rect">
             <a:avLst/>
@@ -15638,12 +17231,53 @@
           </a:p>
         </p:txBody>
       </p:sp>
+      <p:cxnSp>
+        <p:nvCxnSpPr>
+          <p:cNvPr id="10" name="직선 화살표 연결선 9">
+            <a:extLst>
+              <a:ext uri="{FF2B5EF4-FFF2-40B4-BE49-F238E27FC236}">
+                <a16:creationId xmlns:a16="http://schemas.microsoft.com/office/drawing/2014/main" id="{299DF5EC-9DF4-5255-06AC-0A7CE4FF58C3}"/>
+              </a:ext>
+            </a:extLst>
+          </p:cNvPr>
+          <p:cNvCxnSpPr>
+            <a:cxnSpLocks/>
+          </p:cNvCxnSpPr>
+          <p:nvPr/>
+        </p:nvCxnSpPr>
+        <p:spPr>
+          <a:xfrm>
+            <a:off x="4724400" y="5797272"/>
+            <a:ext cx="1219200" cy="0"/>
+          </a:xfrm>
+          <a:prstGeom prst="straightConnector1">
+            <a:avLst/>
+          </a:prstGeom>
+          <a:ln w="38100">
+            <a:tailEnd type="triangle"/>
+          </a:ln>
+        </p:spPr>
+        <p:style>
+          <a:lnRef idx="1">
+            <a:schemeClr val="accent2"/>
+          </a:lnRef>
+          <a:fillRef idx="0">
+            <a:schemeClr val="accent2"/>
+          </a:fillRef>
+          <a:effectRef idx="0">
+            <a:schemeClr val="accent2"/>
+          </a:effectRef>
+          <a:fontRef idx="minor">
+            <a:schemeClr val="tx1"/>
+          </a:fontRef>
+        </p:style>
+      </p:cxnSp>
       <p:sp>
         <p:nvSpPr>
-          <p:cNvPr id="12" name="TextBox 11">
+          <p:cNvPr id="11" name="TextBox 10">
             <a:extLst>
               <a:ext uri="{FF2B5EF4-FFF2-40B4-BE49-F238E27FC236}">
-                <a16:creationId xmlns="" xmlns:a16="http://schemas.microsoft.com/office/drawing/2014/main" id="{C6D113C6-EA5C-788F-0C77-E7CE6EBB865F}"/>
+                <a16:creationId xmlns:a16="http://schemas.microsoft.com/office/drawing/2014/main" id="{C6D113C6-EA5C-788F-0C77-E7CE6EBB865F}"/>
               </a:ext>
             </a:extLst>
           </p:cNvPr>
@@ -15652,8 +17286,8 @@
         </p:nvSpPr>
         <p:spPr>
           <a:xfrm>
-            <a:off x="10958287" y="3963769"/>
-            <a:ext cx="5119913" cy="646331"/>
+            <a:off x="5943600" y="5448300"/>
+            <a:ext cx="6400800" cy="707886"/>
           </a:xfrm>
           <a:prstGeom prst="rect">
             <a:avLst/>
@@ -15667,26 +17301,26 @@
           <a:lstStyle/>
           <a:p>
             <a:r>
-              <a:rPr lang="ko-KR" altLang="en-US" sz="3600" smtClean="0">
+              <a:rPr lang="ko-KR" altLang="en-US" sz="4000">
                 <a:solidFill>
                   <a:srgbClr val="FF0000"/>
                 </a:solidFill>
                 <a:latin typeface="G마켓 산스 Medium" panose="02000000000000000000" pitchFamily="50" charset="-127"/>
                 <a:ea typeface="G마켓 산스 Medium" panose="02000000000000000000" pitchFamily="50" charset="-127"/>
               </a:rPr>
-              <a:t>일반 실행</a:t>
-            </a:r>
-            <a:r>
-              <a:rPr lang="en-US" altLang="ko-KR" sz="3600" smtClean="0">
+              <a:t>세미콜론을 붙여 줘야 한다</a:t>
+            </a:r>
+            <a:r>
+              <a:rPr lang="en-US" altLang="ko-KR" sz="4000">
                 <a:solidFill>
                   <a:srgbClr val="FF0000"/>
                 </a:solidFill>
                 <a:latin typeface="G마켓 산스 Medium" panose="02000000000000000000" pitchFamily="50" charset="-127"/>
                 <a:ea typeface="G마켓 산스 Medium" panose="02000000000000000000" pitchFamily="50" charset="-127"/>
               </a:rPr>
-              <a:t>(ctrl + F11)</a:t>
-            </a:r>
-            <a:endParaRPr lang="en-US" altLang="ko-KR" sz="3600" dirty="0">
+              <a:t>.</a:t>
+            </a:r>
+            <a:endParaRPr lang="en-US" altLang="ko-KR" sz="4000" dirty="0">
               <a:solidFill>
                 <a:srgbClr val="FF0000"/>
               </a:solidFill>
@@ -15699,24 +17333,17 @@
     </p:spTree>
     <p:extLst>
       <p:ext uri="{BB962C8B-B14F-4D97-AF65-F5344CB8AC3E}">
-        <p14:creationId xmlns:p14="http://schemas.microsoft.com/office/powerpoint/2010/main" val="1899311001"/>
+        <p14:creationId xmlns:p14="http://schemas.microsoft.com/office/powerpoint/2010/main" val="841322943"/>
       </p:ext>
     </p:extLst>
   </p:cSld>
   <p:clrMapOvr>
     <a:masterClrMapping/>
   </p:clrMapOvr>
-  <p:timing>
-    <p:tnLst>
-      <p:par>
-        <p:cTn id="1" dur="indefinite" restart="never" nodeType="tmRoot"/>
-      </p:par>
-    </p:tnLst>
-  </p:timing>
 </p:sld>
 </file>
 
-<file path=ppt/slides/slide30.xml><?xml version="1.0" encoding="utf-8"?>
+<file path=ppt/slides/slide33.xml><?xml version="1.0" encoding="utf-8"?>
 <p:sld xmlns:a="http://schemas.openxmlformats.org/drawingml/2006/main" xmlns:r="http://schemas.openxmlformats.org/officeDocument/2006/relationships" xmlns:p="http://schemas.openxmlformats.org/presentationml/2006/main">
   <p:cSld>
     <p:spTree>
@@ -15738,7 +17365,7 @@
           <p:cNvPr id="4" name="TextBox 3">
             <a:extLst>
               <a:ext uri="{FF2B5EF4-FFF2-40B4-BE49-F238E27FC236}">
-                <a16:creationId xmlns="" xmlns:a16="http://schemas.microsoft.com/office/drawing/2014/main" id="{FC45ADBF-CAA8-348D-E57F-358AF9FAC5C1}"/>
+                <a16:creationId xmlns:a16="http://schemas.microsoft.com/office/drawing/2014/main" id="{FC45ADBF-CAA8-348D-E57F-358AF9FAC5C1}"/>
               </a:ext>
             </a:extLst>
           </p:cNvPr>
@@ -15747,8 +17374,8 @@
         </p:nvSpPr>
         <p:spPr>
           <a:xfrm>
-            <a:off x="457200" y="497131"/>
-            <a:ext cx="3810000" cy="830997"/>
+            <a:off x="914400" y="647700"/>
+            <a:ext cx="3124200" cy="830997"/>
           </a:xfrm>
           <a:prstGeom prst="rect">
             <a:avLst/>
@@ -15769,7 +17396,7 @@
                 <a:latin typeface="G마켓 산스 Medium" panose="02000000000000000000" pitchFamily="50" charset="-127"/>
                 <a:ea typeface="G마켓 산스 Medium" panose="02000000000000000000" pitchFamily="50" charset="-127"/>
               </a:rPr>
-              <a:t>do while</a:t>
+              <a:t>break</a:t>
             </a:r>
             <a:endParaRPr lang="en-US" altLang="ko-KR" sz="4800" dirty="0">
               <a:solidFill>
@@ -15797,8 +17424,8 @@
         </p:blipFill>
         <p:spPr>
           <a:xfrm>
-            <a:off x="1143000" y="1943100"/>
-            <a:ext cx="7530603" cy="4419600"/>
+            <a:off x="1828800" y="2019300"/>
+            <a:ext cx="5791200" cy="4007817"/>
           </a:xfrm>
           <a:prstGeom prst="rect">
             <a:avLst/>
@@ -15810,7 +17437,7 @@
           <p:cNvPr id="6" name="직선 화살표 연결선 5">
             <a:extLst>
               <a:ext uri="{FF2B5EF4-FFF2-40B4-BE49-F238E27FC236}">
-                <a16:creationId xmlns="" xmlns:a16="http://schemas.microsoft.com/office/drawing/2014/main" id="{299DF5EC-9DF4-5255-06AC-0A7CE4FF58C3}"/>
+                <a16:creationId xmlns:a16="http://schemas.microsoft.com/office/drawing/2014/main" id="{299DF5EC-9DF4-5255-06AC-0A7CE4FF58C3}"/>
               </a:ext>
             </a:extLst>
           </p:cNvPr>
@@ -15821,7 +17448,7 @@
         </p:nvCxnSpPr>
         <p:spPr>
           <a:xfrm>
-            <a:off x="7848600" y="4708386"/>
+            <a:off x="5105400" y="5165586"/>
             <a:ext cx="1219200" cy="0"/>
           </a:xfrm>
           <a:prstGeom prst="straightConnector1">
@@ -15851,7 +17478,7 @@
           <p:cNvPr id="7" name="직사각형 6">
             <a:extLst>
               <a:ext uri="{FF2B5EF4-FFF2-40B4-BE49-F238E27FC236}">
-                <a16:creationId xmlns="" xmlns:a16="http://schemas.microsoft.com/office/drawing/2014/main" id="{FFF506F9-840A-0508-4CAF-3AC711D8D5CE}"/>
+                <a16:creationId xmlns:a16="http://schemas.microsoft.com/office/drawing/2014/main" id="{FFF506F9-840A-0508-4CAF-3AC711D8D5CE}"/>
               </a:ext>
             </a:extLst>
           </p:cNvPr>
@@ -15860,8 +17487,8 @@
         </p:nvSpPr>
         <p:spPr>
           <a:xfrm>
-            <a:off x="2438400" y="4392289"/>
-            <a:ext cx="5410200" cy="522611"/>
+            <a:off x="2514600" y="4925689"/>
+            <a:ext cx="2590800" cy="457200"/>
           </a:xfrm>
           <a:prstGeom prst="rect">
             <a:avLst/>
@@ -15903,7 +17530,7 @@
           <p:cNvPr id="8" name="TextBox 7">
             <a:extLst>
               <a:ext uri="{FF2B5EF4-FFF2-40B4-BE49-F238E27FC236}">
-                <a16:creationId xmlns="" xmlns:a16="http://schemas.microsoft.com/office/drawing/2014/main" id="{C6D113C6-EA5C-788F-0C77-E7CE6EBB865F}"/>
+                <a16:creationId xmlns:a16="http://schemas.microsoft.com/office/drawing/2014/main" id="{C6D113C6-EA5C-788F-0C77-E7CE6EBB865F}"/>
               </a:ext>
             </a:extLst>
           </p:cNvPr>
@@ -15912,8 +17539,8 @@
         </p:nvSpPr>
         <p:spPr>
           <a:xfrm>
-            <a:off x="9067800" y="4359414"/>
-            <a:ext cx="6400800" cy="707886"/>
+            <a:off x="6248400" y="4838700"/>
+            <a:ext cx="9220200" cy="1323439"/>
           </a:xfrm>
           <a:prstGeom prst="rect">
             <a:avLst/>
@@ -15927,6 +17554,16 @@
           <a:lstStyle/>
           <a:p>
             <a:r>
+              <a:rPr lang="en-US" altLang="ko-KR" sz="4000">
+                <a:solidFill>
+                  <a:srgbClr val="FF0000"/>
+                </a:solidFill>
+                <a:latin typeface="G마켓 산스 Medium" panose="02000000000000000000" pitchFamily="50" charset="-127"/>
+                <a:ea typeface="G마켓 산스 Medium" panose="02000000000000000000" pitchFamily="50" charset="-127"/>
+              </a:rPr>
+              <a:t>Break</a:t>
+            </a:r>
+            <a:r>
               <a:rPr lang="ko-KR" altLang="en-US" sz="4000">
                 <a:solidFill>
                   <a:srgbClr val="FF0000"/>
@@ -15934,27 +17571,7 @@
                 <a:latin typeface="G마켓 산스 Medium" panose="02000000000000000000" pitchFamily="50" charset="-127"/>
                 <a:ea typeface="G마켓 산스 Medium" panose="02000000000000000000" pitchFamily="50" charset="-127"/>
               </a:rPr>
-              <a:t>최초 </a:t>
-            </a:r>
-            <a:r>
-              <a:rPr lang="en-US" altLang="ko-KR" sz="4000">
-                <a:solidFill>
-                  <a:srgbClr val="FF0000"/>
-                </a:solidFill>
-                <a:latin typeface="G마켓 산스 Medium" panose="02000000000000000000" pitchFamily="50" charset="-127"/>
-                <a:ea typeface="G마켓 산스 Medium" panose="02000000000000000000" pitchFamily="50" charset="-127"/>
-              </a:rPr>
-              <a:t>1</a:t>
-            </a:r>
-            <a:r>
-              <a:rPr lang="ko-KR" altLang="en-US" sz="4000">
-                <a:solidFill>
-                  <a:srgbClr val="FF0000"/>
-                </a:solidFill>
-                <a:latin typeface="G마켓 산스 Medium" panose="02000000000000000000" pitchFamily="50" charset="-127"/>
-                <a:ea typeface="G마켓 산스 Medium" panose="02000000000000000000" pitchFamily="50" charset="-127"/>
-              </a:rPr>
-              <a:t>번은 무조건 실행된다</a:t>
+              <a:t>문을 만나면 그 뒤는 더 이상 실행되지 않고 반복문이 종료된다</a:t>
             </a:r>
             <a:r>
               <a:rPr lang="en-US" altLang="ko-KR" sz="4000">
@@ -15976,433 +17593,12 @@
           </a:p>
         </p:txBody>
       </p:sp>
-      <p:sp>
-        <p:nvSpPr>
-          <p:cNvPr id="9" name="직사각형 8">
-            <a:extLst>
-              <a:ext uri="{FF2B5EF4-FFF2-40B4-BE49-F238E27FC236}">
-                <a16:creationId xmlns="" xmlns:a16="http://schemas.microsoft.com/office/drawing/2014/main" id="{FFF506F9-840A-0508-4CAF-3AC711D8D5CE}"/>
-              </a:ext>
-            </a:extLst>
-          </p:cNvPr>
-          <p:cNvSpPr/>
-          <p:nvPr/>
-        </p:nvSpPr>
-        <p:spPr>
-          <a:xfrm>
-            <a:off x="4191000" y="5511817"/>
-            <a:ext cx="417342" cy="546083"/>
-          </a:xfrm>
-          <a:prstGeom prst="rect">
-            <a:avLst/>
-          </a:prstGeom>
-          <a:noFill/>
-          <a:ln>
-            <a:solidFill>
-              <a:srgbClr val="FF0000"/>
-            </a:solidFill>
-          </a:ln>
-        </p:spPr>
-        <p:style>
-          <a:lnRef idx="2">
-            <a:schemeClr val="accent2">
-              <a:shade val="50000"/>
-            </a:schemeClr>
-          </a:lnRef>
-          <a:fillRef idx="1">
-            <a:schemeClr val="accent2"/>
-          </a:fillRef>
-          <a:effectRef idx="0">
-            <a:schemeClr val="accent2"/>
-          </a:effectRef>
-          <a:fontRef idx="minor">
-            <a:schemeClr val="lt1"/>
-          </a:fontRef>
-        </p:style>
-        <p:txBody>
-          <a:bodyPr rtlCol="0" anchor="ctr"/>
-          <a:lstStyle/>
-          <a:p>
-            <a:pPr algn="ctr"/>
-            <a:endParaRPr lang="ko-KR" altLang="en-US"/>
-          </a:p>
-        </p:txBody>
-      </p:sp>
-      <p:cxnSp>
-        <p:nvCxnSpPr>
-          <p:cNvPr id="10" name="직선 화살표 연결선 9">
-            <a:extLst>
-              <a:ext uri="{FF2B5EF4-FFF2-40B4-BE49-F238E27FC236}">
-                <a16:creationId xmlns="" xmlns:a16="http://schemas.microsoft.com/office/drawing/2014/main" id="{299DF5EC-9DF4-5255-06AC-0A7CE4FF58C3}"/>
-              </a:ext>
-            </a:extLst>
-          </p:cNvPr>
-          <p:cNvCxnSpPr>
-            <a:cxnSpLocks/>
-          </p:cNvCxnSpPr>
-          <p:nvPr/>
-        </p:nvCxnSpPr>
-        <p:spPr>
-          <a:xfrm>
-            <a:off x="4724400" y="5797272"/>
-            <a:ext cx="1219200" cy="0"/>
-          </a:xfrm>
-          <a:prstGeom prst="straightConnector1">
-            <a:avLst/>
-          </a:prstGeom>
-          <a:ln w="38100">
-            <a:tailEnd type="triangle"/>
-          </a:ln>
-        </p:spPr>
-        <p:style>
-          <a:lnRef idx="1">
-            <a:schemeClr val="accent2"/>
-          </a:lnRef>
-          <a:fillRef idx="0">
-            <a:schemeClr val="accent2"/>
-          </a:fillRef>
-          <a:effectRef idx="0">
-            <a:schemeClr val="accent2"/>
-          </a:effectRef>
-          <a:fontRef idx="minor">
-            <a:schemeClr val="tx1"/>
-          </a:fontRef>
-        </p:style>
-      </p:cxnSp>
-      <p:sp>
-        <p:nvSpPr>
-          <p:cNvPr id="11" name="TextBox 10">
-            <a:extLst>
-              <a:ext uri="{FF2B5EF4-FFF2-40B4-BE49-F238E27FC236}">
-                <a16:creationId xmlns="" xmlns:a16="http://schemas.microsoft.com/office/drawing/2014/main" id="{C6D113C6-EA5C-788F-0C77-E7CE6EBB865F}"/>
-              </a:ext>
-            </a:extLst>
-          </p:cNvPr>
-          <p:cNvSpPr txBox="1"/>
-          <p:nvPr/>
-        </p:nvSpPr>
-        <p:spPr>
-          <a:xfrm>
-            <a:off x="5943600" y="5448300"/>
-            <a:ext cx="6400800" cy="707886"/>
-          </a:xfrm>
-          <a:prstGeom prst="rect">
-            <a:avLst/>
-          </a:prstGeom>
-          <a:noFill/>
-        </p:spPr>
-        <p:txBody>
-          <a:bodyPr wrap="square" rtlCol="0">
-            <a:spAutoFit/>
-          </a:bodyPr>
-          <a:lstStyle/>
-          <a:p>
-            <a:r>
-              <a:rPr lang="ko-KR" altLang="en-US" sz="4000">
-                <a:solidFill>
-                  <a:srgbClr val="FF0000"/>
-                </a:solidFill>
-                <a:latin typeface="G마켓 산스 Medium" panose="02000000000000000000" pitchFamily="50" charset="-127"/>
-                <a:ea typeface="G마켓 산스 Medium" panose="02000000000000000000" pitchFamily="50" charset="-127"/>
-              </a:rPr>
-              <a:t>세미콜론을 붙여 줘야 한다</a:t>
-            </a:r>
-            <a:r>
-              <a:rPr lang="en-US" altLang="ko-KR" sz="4000">
-                <a:solidFill>
-                  <a:srgbClr val="FF0000"/>
-                </a:solidFill>
-                <a:latin typeface="G마켓 산스 Medium" panose="02000000000000000000" pitchFamily="50" charset="-127"/>
-                <a:ea typeface="G마켓 산스 Medium" panose="02000000000000000000" pitchFamily="50" charset="-127"/>
-              </a:rPr>
-              <a:t>.</a:t>
-            </a:r>
-            <a:endParaRPr lang="en-US" altLang="ko-KR" sz="4000" dirty="0">
-              <a:solidFill>
-                <a:srgbClr val="FF0000"/>
-              </a:solidFill>
-              <a:latin typeface="G마켓 산스 Medium" panose="02000000000000000000" pitchFamily="50" charset="-127"/>
-              <a:ea typeface="G마켓 산스 Medium" panose="02000000000000000000" pitchFamily="50" charset="-127"/>
-            </a:endParaRPr>
-          </a:p>
-        </p:txBody>
-      </p:sp>
-    </p:spTree>
-    <p:extLst>
-      <p:ext uri="{BB962C8B-B14F-4D97-AF65-F5344CB8AC3E}">
-        <p14:creationId xmlns:p14="http://schemas.microsoft.com/office/powerpoint/2010/main" val="841322943"/>
-      </p:ext>
-    </p:extLst>
-  </p:cSld>
-  <p:clrMapOvr>
-    <a:masterClrMapping/>
-  </p:clrMapOvr>
-  <p:timing>
-    <p:tnLst>
-      <p:par>
-        <p:cTn id="1" dur="indefinite" restart="never" nodeType="tmRoot"/>
-      </p:par>
-    </p:tnLst>
-  </p:timing>
-</p:sld>
-</file>
-
-<file path=ppt/slides/slide31.xml><?xml version="1.0" encoding="utf-8"?>
-<p:sld xmlns:a="http://schemas.openxmlformats.org/drawingml/2006/main" xmlns:r="http://schemas.openxmlformats.org/officeDocument/2006/relationships" xmlns:p="http://schemas.openxmlformats.org/presentationml/2006/main">
-  <p:cSld>
-    <p:spTree>
-      <p:nvGrpSpPr>
-        <p:cNvPr id="1" name=""/>
-        <p:cNvGrpSpPr/>
-        <p:nvPr/>
-      </p:nvGrpSpPr>
-      <p:grpSpPr>
-        <a:xfrm>
-          <a:off x="0" y="0"/>
-          <a:ext cx="0" cy="0"/>
-          <a:chOff x="0" y="0"/>
-          <a:chExt cx="0" cy="0"/>
-        </a:xfrm>
-      </p:grpSpPr>
-      <p:sp>
-        <p:nvSpPr>
-          <p:cNvPr id="4" name="TextBox 3">
-            <a:extLst>
-              <a:ext uri="{FF2B5EF4-FFF2-40B4-BE49-F238E27FC236}">
-                <a16:creationId xmlns="" xmlns:a16="http://schemas.microsoft.com/office/drawing/2014/main" id="{FC45ADBF-CAA8-348D-E57F-358AF9FAC5C1}"/>
-              </a:ext>
-            </a:extLst>
-          </p:cNvPr>
-          <p:cNvSpPr txBox="1"/>
-          <p:nvPr/>
-        </p:nvSpPr>
-        <p:spPr>
-          <a:xfrm>
-            <a:off x="914400" y="647700"/>
-            <a:ext cx="3124200" cy="830997"/>
-          </a:xfrm>
-          <a:prstGeom prst="rect">
-            <a:avLst/>
-          </a:prstGeom>
-          <a:noFill/>
-        </p:spPr>
-        <p:txBody>
-          <a:bodyPr wrap="square" rtlCol="0">
-            <a:spAutoFit/>
-          </a:bodyPr>
-          <a:lstStyle/>
-          <a:p>
-            <a:r>
-              <a:rPr lang="en-US" altLang="ko-KR" sz="4800">
-                <a:solidFill>
-                  <a:srgbClr val="4C50BC"/>
-                </a:solidFill>
-                <a:latin typeface="G마켓 산스 Medium" panose="02000000000000000000" pitchFamily="50" charset="-127"/>
-                <a:ea typeface="G마켓 산스 Medium" panose="02000000000000000000" pitchFamily="50" charset="-127"/>
-              </a:rPr>
-              <a:t>break</a:t>
-            </a:r>
-            <a:endParaRPr lang="en-US" altLang="ko-KR" sz="4800" dirty="0">
-              <a:solidFill>
-                <a:srgbClr val="4C50BC"/>
-              </a:solidFill>
-              <a:latin typeface="G마켓 산스 Medium" panose="02000000000000000000" pitchFamily="50" charset="-127"/>
-              <a:ea typeface="G마켓 산스 Medium" panose="02000000000000000000" pitchFamily="50" charset="-127"/>
-            </a:endParaRPr>
-          </a:p>
-        </p:txBody>
-      </p:sp>
-      <p:pic>
-        <p:nvPicPr>
-          <p:cNvPr id="5" name="그림 4"/>
-          <p:cNvPicPr>
-            <a:picLocks noChangeAspect="1"/>
-          </p:cNvPicPr>
-          <p:nvPr/>
-        </p:nvPicPr>
-        <p:blipFill>
-          <a:blip r:embed="rId2"/>
-          <a:stretch>
-            <a:fillRect/>
-          </a:stretch>
-        </p:blipFill>
-        <p:spPr>
-          <a:xfrm>
-            <a:off x="1828800" y="2019300"/>
-            <a:ext cx="5791200" cy="4007817"/>
-          </a:xfrm>
-          <a:prstGeom prst="rect">
-            <a:avLst/>
-          </a:prstGeom>
-        </p:spPr>
-      </p:pic>
-      <p:cxnSp>
-        <p:nvCxnSpPr>
-          <p:cNvPr id="6" name="직선 화살표 연결선 5">
-            <a:extLst>
-              <a:ext uri="{FF2B5EF4-FFF2-40B4-BE49-F238E27FC236}">
-                <a16:creationId xmlns="" xmlns:a16="http://schemas.microsoft.com/office/drawing/2014/main" id="{299DF5EC-9DF4-5255-06AC-0A7CE4FF58C3}"/>
-              </a:ext>
-            </a:extLst>
-          </p:cNvPr>
-          <p:cNvCxnSpPr>
-            <a:cxnSpLocks/>
-          </p:cNvCxnSpPr>
-          <p:nvPr/>
-        </p:nvCxnSpPr>
-        <p:spPr>
-          <a:xfrm>
-            <a:off x="5105400" y="5165586"/>
-            <a:ext cx="1219200" cy="0"/>
-          </a:xfrm>
-          <a:prstGeom prst="straightConnector1">
-            <a:avLst/>
-          </a:prstGeom>
-          <a:ln w="38100">
-            <a:tailEnd type="triangle"/>
-          </a:ln>
-        </p:spPr>
-        <p:style>
-          <a:lnRef idx="1">
-            <a:schemeClr val="accent2"/>
-          </a:lnRef>
-          <a:fillRef idx="0">
-            <a:schemeClr val="accent2"/>
-          </a:fillRef>
-          <a:effectRef idx="0">
-            <a:schemeClr val="accent2"/>
-          </a:effectRef>
-          <a:fontRef idx="minor">
-            <a:schemeClr val="tx1"/>
-          </a:fontRef>
-        </p:style>
-      </p:cxnSp>
-      <p:sp>
-        <p:nvSpPr>
-          <p:cNvPr id="7" name="직사각형 6">
-            <a:extLst>
-              <a:ext uri="{FF2B5EF4-FFF2-40B4-BE49-F238E27FC236}">
-                <a16:creationId xmlns="" xmlns:a16="http://schemas.microsoft.com/office/drawing/2014/main" id="{FFF506F9-840A-0508-4CAF-3AC711D8D5CE}"/>
-              </a:ext>
-            </a:extLst>
-          </p:cNvPr>
-          <p:cNvSpPr/>
-          <p:nvPr/>
-        </p:nvSpPr>
-        <p:spPr>
-          <a:xfrm>
-            <a:off x="2514600" y="4925689"/>
-            <a:ext cx="2590800" cy="457200"/>
-          </a:xfrm>
-          <a:prstGeom prst="rect">
-            <a:avLst/>
-          </a:prstGeom>
-          <a:noFill/>
-          <a:ln>
-            <a:solidFill>
-              <a:srgbClr val="FF0000"/>
-            </a:solidFill>
-          </a:ln>
-        </p:spPr>
-        <p:style>
-          <a:lnRef idx="2">
-            <a:schemeClr val="accent2">
-              <a:shade val="50000"/>
-            </a:schemeClr>
-          </a:lnRef>
-          <a:fillRef idx="1">
-            <a:schemeClr val="accent2"/>
-          </a:fillRef>
-          <a:effectRef idx="0">
-            <a:schemeClr val="accent2"/>
-          </a:effectRef>
-          <a:fontRef idx="minor">
-            <a:schemeClr val="lt1"/>
-          </a:fontRef>
-        </p:style>
-        <p:txBody>
-          <a:bodyPr rtlCol="0" anchor="ctr"/>
-          <a:lstStyle/>
-          <a:p>
-            <a:pPr algn="ctr"/>
-            <a:endParaRPr lang="ko-KR" altLang="en-US"/>
-          </a:p>
-        </p:txBody>
-      </p:sp>
-      <p:sp>
-        <p:nvSpPr>
-          <p:cNvPr id="8" name="TextBox 7">
-            <a:extLst>
-              <a:ext uri="{FF2B5EF4-FFF2-40B4-BE49-F238E27FC236}">
-                <a16:creationId xmlns="" xmlns:a16="http://schemas.microsoft.com/office/drawing/2014/main" id="{C6D113C6-EA5C-788F-0C77-E7CE6EBB865F}"/>
-              </a:ext>
-            </a:extLst>
-          </p:cNvPr>
-          <p:cNvSpPr txBox="1"/>
-          <p:nvPr/>
-        </p:nvSpPr>
-        <p:spPr>
-          <a:xfrm>
-            <a:off x="6248400" y="4838700"/>
-            <a:ext cx="9220200" cy="1323439"/>
-          </a:xfrm>
-          <a:prstGeom prst="rect">
-            <a:avLst/>
-          </a:prstGeom>
-          <a:noFill/>
-        </p:spPr>
-        <p:txBody>
-          <a:bodyPr wrap="square" rtlCol="0">
-            <a:spAutoFit/>
-          </a:bodyPr>
-          <a:lstStyle/>
-          <a:p>
-            <a:r>
-              <a:rPr lang="en-US" altLang="ko-KR" sz="4000">
-                <a:solidFill>
-                  <a:srgbClr val="FF0000"/>
-                </a:solidFill>
-                <a:latin typeface="G마켓 산스 Medium" panose="02000000000000000000" pitchFamily="50" charset="-127"/>
-                <a:ea typeface="G마켓 산스 Medium" panose="02000000000000000000" pitchFamily="50" charset="-127"/>
-              </a:rPr>
-              <a:t>Break</a:t>
-            </a:r>
-            <a:r>
-              <a:rPr lang="ko-KR" altLang="en-US" sz="4000">
-                <a:solidFill>
-                  <a:srgbClr val="FF0000"/>
-                </a:solidFill>
-                <a:latin typeface="G마켓 산스 Medium" panose="02000000000000000000" pitchFamily="50" charset="-127"/>
-                <a:ea typeface="G마켓 산스 Medium" panose="02000000000000000000" pitchFamily="50" charset="-127"/>
-              </a:rPr>
-              <a:t>문을 만나면 그 뒤는 더 이상 실행되지 않고 반복문이 종료된다</a:t>
-            </a:r>
-            <a:r>
-              <a:rPr lang="en-US" altLang="ko-KR" sz="4000">
-                <a:solidFill>
-                  <a:srgbClr val="FF0000"/>
-                </a:solidFill>
-                <a:latin typeface="G마켓 산스 Medium" panose="02000000000000000000" pitchFamily="50" charset="-127"/>
-                <a:ea typeface="G마켓 산스 Medium" panose="02000000000000000000" pitchFamily="50" charset="-127"/>
-              </a:rPr>
-              <a:t>.</a:t>
-            </a:r>
-            <a:endParaRPr lang="en-US" altLang="ko-KR" sz="4000" dirty="0">
-              <a:solidFill>
-                <a:srgbClr val="FF0000"/>
-              </a:solidFill>
-              <a:latin typeface="G마켓 산스 Medium" panose="02000000000000000000" pitchFamily="50" charset="-127"/>
-              <a:ea typeface="G마켓 산스 Medium" panose="02000000000000000000" pitchFamily="50" charset="-127"/>
-            </a:endParaRPr>
-          </a:p>
-        </p:txBody>
-      </p:sp>
       <p:cxnSp>
         <p:nvCxnSpPr>
           <p:cNvPr id="9" name="직선 화살표 연결선 8">
             <a:extLst>
               <a:ext uri="{FF2B5EF4-FFF2-40B4-BE49-F238E27FC236}">
-                <a16:creationId xmlns="" xmlns:a16="http://schemas.microsoft.com/office/drawing/2014/main" id="{299DF5EC-9DF4-5255-06AC-0A7CE4FF58C3}"/>
+                <a16:creationId xmlns:a16="http://schemas.microsoft.com/office/drawing/2014/main" id="{299DF5EC-9DF4-5255-06AC-0A7CE4FF58C3}"/>
               </a:ext>
             </a:extLst>
           </p:cNvPr>
@@ -16526,7 +17722,7 @@
 </p:sld>
 </file>
 
-<file path=ppt/slides/slide32.xml><?xml version="1.0" encoding="utf-8"?>
+<file path=ppt/slides/slide34.xml><?xml version="1.0" encoding="utf-8"?>
 <p:sld xmlns:a="http://schemas.openxmlformats.org/drawingml/2006/main" xmlns:r="http://schemas.openxmlformats.org/officeDocument/2006/relationships" xmlns:p="http://schemas.openxmlformats.org/presentationml/2006/main">
   <p:cSld>
     <p:spTree>
@@ -16548,7 +17744,7 @@
           <p:cNvPr id="4" name="TextBox 3">
             <a:extLst>
               <a:ext uri="{FF2B5EF4-FFF2-40B4-BE49-F238E27FC236}">
-                <a16:creationId xmlns="" xmlns:a16="http://schemas.microsoft.com/office/drawing/2014/main" id="{FC45ADBF-CAA8-348D-E57F-358AF9FAC5C1}"/>
+                <a16:creationId xmlns:a16="http://schemas.microsoft.com/office/drawing/2014/main" id="{FC45ADBF-CAA8-348D-E57F-358AF9FAC5C1}"/>
               </a:ext>
             </a:extLst>
           </p:cNvPr>
@@ -16620,7 +17816,7 @@
           <p:cNvPr id="6" name="직선 화살표 연결선 5">
             <a:extLst>
               <a:ext uri="{FF2B5EF4-FFF2-40B4-BE49-F238E27FC236}">
-                <a16:creationId xmlns="" xmlns:a16="http://schemas.microsoft.com/office/drawing/2014/main" id="{299DF5EC-9DF4-5255-06AC-0A7CE4FF58C3}"/>
+                <a16:creationId xmlns:a16="http://schemas.microsoft.com/office/drawing/2014/main" id="{299DF5EC-9DF4-5255-06AC-0A7CE4FF58C3}"/>
               </a:ext>
             </a:extLst>
           </p:cNvPr>
@@ -16661,7 +17857,7 @@
           <p:cNvPr id="7" name="직사각형 6">
             <a:extLst>
               <a:ext uri="{FF2B5EF4-FFF2-40B4-BE49-F238E27FC236}">
-                <a16:creationId xmlns="" xmlns:a16="http://schemas.microsoft.com/office/drawing/2014/main" id="{FFF506F9-840A-0508-4CAF-3AC711D8D5CE}"/>
+                <a16:creationId xmlns:a16="http://schemas.microsoft.com/office/drawing/2014/main" id="{FFF506F9-840A-0508-4CAF-3AC711D8D5CE}"/>
               </a:ext>
             </a:extLst>
           </p:cNvPr>
@@ -16737,7 +17933,7 @@
           <p:cNvPr id="14" name="TextBox 13">
             <a:extLst>
               <a:ext uri="{FF2B5EF4-FFF2-40B4-BE49-F238E27FC236}">
-                <a16:creationId xmlns="" xmlns:a16="http://schemas.microsoft.com/office/drawing/2014/main" id="{C6D113C6-EA5C-788F-0C77-E7CE6EBB865F}"/>
+                <a16:creationId xmlns:a16="http://schemas.microsoft.com/office/drawing/2014/main" id="{C6D113C6-EA5C-788F-0C77-E7CE6EBB865F}"/>
               </a:ext>
             </a:extLst>
           </p:cNvPr>
@@ -16810,17 +18006,10 @@
   <p:clrMapOvr>
     <a:masterClrMapping/>
   </p:clrMapOvr>
-  <p:timing>
-    <p:tnLst>
-      <p:par>
-        <p:cTn id="1" dur="indefinite" restart="never" nodeType="tmRoot"/>
-      </p:par>
-    </p:tnLst>
-  </p:timing>
 </p:sld>
 </file>
 
-<file path=ppt/slides/slide33.xml><?xml version="1.0" encoding="utf-8"?>
+<file path=ppt/slides/slide35.xml><?xml version="1.0" encoding="utf-8"?>
 <p:sld xmlns:a="http://schemas.openxmlformats.org/drawingml/2006/main" xmlns:r="http://schemas.openxmlformats.org/officeDocument/2006/relationships" xmlns:p="http://schemas.openxmlformats.org/presentationml/2006/main">
   <p:cSld>
     <p:spTree>
@@ -16842,7 +18031,7 @@
           <p:cNvPr id="4" name="TextBox 3">
             <a:extLst>
               <a:ext uri="{FF2B5EF4-FFF2-40B4-BE49-F238E27FC236}">
-                <a16:creationId xmlns="" xmlns:a16="http://schemas.microsoft.com/office/drawing/2014/main" id="{FC45ADBF-CAA8-348D-E57F-358AF9FAC5C1}"/>
+                <a16:creationId xmlns:a16="http://schemas.microsoft.com/office/drawing/2014/main" id="{FC45ADBF-CAA8-348D-E57F-358AF9FAC5C1}"/>
               </a:ext>
             </a:extLst>
           </p:cNvPr>
@@ -16900,7 +18089,7 @@
           <p:cNvPr id="6" name="TextBox 5">
             <a:extLst>
               <a:ext uri="{FF2B5EF4-FFF2-40B4-BE49-F238E27FC236}">
-                <a16:creationId xmlns="" xmlns:a16="http://schemas.microsoft.com/office/drawing/2014/main" id="{A56A5DDA-8708-D8BE-1148-536DAE867ED1}"/>
+                <a16:creationId xmlns:a16="http://schemas.microsoft.com/office/drawing/2014/main" id="{A56A5DDA-8708-D8BE-1148-536DAE867ED1}"/>
               </a:ext>
             </a:extLst>
           </p:cNvPr>
@@ -17145,7 +18334,7 @@
 </p:sld>
 </file>
 
-<file path=ppt/slides/slide34.xml><?xml version="1.0" encoding="utf-8"?>
+<file path=ppt/slides/slide36.xml><?xml version="1.0" encoding="utf-8"?>
 <p:sld xmlns:a="http://schemas.openxmlformats.org/drawingml/2006/main" xmlns:r="http://schemas.openxmlformats.org/officeDocument/2006/relationships" xmlns:p="http://schemas.openxmlformats.org/presentationml/2006/main">
   <p:cSld>
     <p:spTree>
@@ -17167,7 +18356,7 @@
           <p:cNvPr id="4" name="TextBox 3">
             <a:extLst>
               <a:ext uri="{FF2B5EF4-FFF2-40B4-BE49-F238E27FC236}">
-                <a16:creationId xmlns="" xmlns:a16="http://schemas.microsoft.com/office/drawing/2014/main" id="{A56A5DDA-8708-D8BE-1148-536DAE867ED1}"/>
+                <a16:creationId xmlns:a16="http://schemas.microsoft.com/office/drawing/2014/main" id="{A56A5DDA-8708-D8BE-1148-536DAE867ED1}"/>
               </a:ext>
             </a:extLst>
           </p:cNvPr>
@@ -17229,10 +18418,10 @@
                 <a:latin typeface="G마켓 산스 Medium" panose="02000000000000000000" pitchFamily="50" charset="-127"/>
                 <a:ea typeface="G마켓 산스 Medium" panose="02000000000000000000" pitchFamily="50" charset="-127"/>
               </a:rPr>
-              <a:t> </a:t>
-            </a:r>
-            <a:r>
-              <a:rPr lang="en-US" altLang="ko-KR" sz="3200" smtClean="0">
+              <a:t> - </a:t>
+            </a:r>
+            <a:r>
+              <a:rPr lang="ko-KR" altLang="en-US" sz="3200">
                 <a:solidFill>
                   <a:schemeClr val="bg1">
                     <a:lumMod val="50000"/>
@@ -17241,10 +18430,10 @@
                 <a:latin typeface="G마켓 산스 Medium" panose="02000000000000000000" pitchFamily="50" charset="-127"/>
                 <a:ea typeface="G마켓 산스 Medium" panose="02000000000000000000" pitchFamily="50" charset="-127"/>
               </a:rPr>
-              <a:t>- </a:t>
-            </a:r>
-            <a:r>
-              <a:rPr lang="ko-KR" altLang="en-US" sz="3200" smtClean="0">
+              <a:t>컴퓨터는 </a:t>
+            </a:r>
+            <a:r>
+              <a:rPr lang="en-US" altLang="ko-KR" sz="3200" dirty="0">
                 <a:solidFill>
                   <a:schemeClr val="bg1">
                     <a:lumMod val="50000"/>
@@ -17253,10 +18442,10 @@
                 <a:latin typeface="G마켓 산스 Medium" panose="02000000000000000000" pitchFamily="50" charset="-127"/>
                 <a:ea typeface="G마켓 산스 Medium" panose="02000000000000000000" pitchFamily="50" charset="-127"/>
               </a:rPr>
-              <a:t>컴퓨터는 </a:t>
-            </a:r>
-            <a:r>
-              <a:rPr lang="en-US" altLang="ko-KR" sz="3200" dirty="0">
+              <a:t>1~100</a:t>
+            </a:r>
+            <a:r>
+              <a:rPr lang="ko-KR" altLang="en-US" sz="3200" dirty="0">
                 <a:solidFill>
                   <a:schemeClr val="bg1">
                     <a:lumMod val="50000"/>
@@ -17265,10 +18454,10 @@
                 <a:latin typeface="G마켓 산스 Medium" panose="02000000000000000000" pitchFamily="50" charset="-127"/>
                 <a:ea typeface="G마켓 산스 Medium" panose="02000000000000000000" pitchFamily="50" charset="-127"/>
               </a:rPr>
-              <a:t>1~100</a:t>
-            </a:r>
-            <a:r>
-              <a:rPr lang="ko-KR" altLang="en-US" sz="3200" dirty="0">
+              <a:t>사이의 </a:t>
+            </a:r>
+            <a:r>
+              <a:rPr lang="ko-KR" altLang="en-US" sz="3200" dirty="0" err="1">
                 <a:solidFill>
                   <a:schemeClr val="bg1">
                     <a:lumMod val="50000"/>
@@ -17277,10 +18466,10 @@
                 <a:latin typeface="G마켓 산스 Medium" panose="02000000000000000000" pitchFamily="50" charset="-127"/>
                 <a:ea typeface="G마켓 산스 Medium" panose="02000000000000000000" pitchFamily="50" charset="-127"/>
               </a:rPr>
-              <a:t>사이의 </a:t>
-            </a:r>
-            <a:r>
-              <a:rPr lang="ko-KR" altLang="en-US" sz="3200" dirty="0" err="1">
+              <a:t>랜덤한</a:t>
+            </a:r>
+            <a:r>
+              <a:rPr lang="ko-KR" altLang="en-US" sz="3200" dirty="0">
                 <a:solidFill>
                   <a:schemeClr val="bg1">
                     <a:lumMod val="50000"/>
@@ -17289,10 +18478,10 @@
                 <a:latin typeface="G마켓 산스 Medium" panose="02000000000000000000" pitchFamily="50" charset="-127"/>
                 <a:ea typeface="G마켓 산스 Medium" panose="02000000000000000000" pitchFamily="50" charset="-127"/>
               </a:rPr>
-              <a:t>랜덤한</a:t>
-            </a:r>
-            <a:r>
-              <a:rPr lang="ko-KR" altLang="en-US" sz="3200" dirty="0">
+              <a:t> 숫자를 저장하고 유저는  숫자를 </a:t>
+            </a:r>
+            <a:r>
+              <a:rPr lang="ko-KR" altLang="en-US" sz="3200" dirty="0" err="1">
                 <a:solidFill>
                   <a:schemeClr val="bg1">
                     <a:lumMod val="50000"/>
@@ -17301,10 +18490,10 @@
                 <a:latin typeface="G마켓 산스 Medium" panose="02000000000000000000" pitchFamily="50" charset="-127"/>
                 <a:ea typeface="G마켓 산스 Medium" panose="02000000000000000000" pitchFamily="50" charset="-127"/>
               </a:rPr>
-              <a:t> 숫자를 저장하고 유저는  숫자를 </a:t>
-            </a:r>
-            <a:r>
-              <a:rPr lang="ko-KR" altLang="en-US" sz="3200" dirty="0" err="1">
+              <a:t>입력받아</a:t>
+            </a:r>
+            <a:r>
+              <a:rPr lang="ko-KR" altLang="en-US" sz="3200" dirty="0">
                 <a:solidFill>
                   <a:schemeClr val="bg1">
                     <a:lumMod val="50000"/>
@@ -17313,10 +18502,10 @@
                 <a:latin typeface="G마켓 산스 Medium" panose="02000000000000000000" pitchFamily="50" charset="-127"/>
                 <a:ea typeface="G마켓 산스 Medium" panose="02000000000000000000" pitchFamily="50" charset="-127"/>
               </a:rPr>
-              <a:t>입력받아</a:t>
-            </a:r>
-            <a:r>
-              <a:rPr lang="ko-KR" altLang="en-US" sz="3200" dirty="0">
+              <a:t> </a:t>
+            </a:r>
+            <a:r>
+              <a:rPr lang="ko-KR" altLang="en-US" sz="3200">
                 <a:solidFill>
                   <a:schemeClr val="bg1">
                     <a:lumMod val="50000"/>
@@ -17325,31 +18514,7 @@
                 <a:latin typeface="G마켓 산스 Medium" panose="02000000000000000000" pitchFamily="50" charset="-127"/>
                 <a:ea typeface="G마켓 산스 Medium" panose="02000000000000000000" pitchFamily="50" charset="-127"/>
               </a:rPr>
-              <a:t> </a:t>
-            </a:r>
-            <a:r>
-              <a:rPr lang="ko-KR" altLang="en-US" sz="3200">
-                <a:solidFill>
-                  <a:schemeClr val="bg1">
-                    <a:lumMod val="50000"/>
-                  </a:schemeClr>
-                </a:solidFill>
-                <a:latin typeface="G마켓 산스 Medium" panose="02000000000000000000" pitchFamily="50" charset="-127"/>
-                <a:ea typeface="G마켓 산스 Medium" panose="02000000000000000000" pitchFamily="50" charset="-127"/>
-              </a:rPr>
-              <a:t>값을 </a:t>
-            </a:r>
-            <a:r>
-              <a:rPr lang="ko-KR" altLang="en-US" sz="3200" smtClean="0">
-                <a:solidFill>
-                  <a:schemeClr val="bg1">
-                    <a:lumMod val="50000"/>
-                  </a:schemeClr>
-                </a:solidFill>
-                <a:latin typeface="G마켓 산스 Medium" panose="02000000000000000000" pitchFamily="50" charset="-127"/>
-                <a:ea typeface="G마켓 산스 Medium" panose="02000000000000000000" pitchFamily="50" charset="-127"/>
-              </a:rPr>
-              <a:t>맞추도록하자</a:t>
+              <a:t>값을 맞추도록하자</a:t>
             </a:r>
             <a:endParaRPr lang="en-US" altLang="ko-KR" sz="3200" dirty="0">
               <a:solidFill>
@@ -17363,7 +18528,7 @@
           </a:p>
           <a:p>
             <a:r>
-              <a:rPr lang="en-US" altLang="ko-KR" sz="3200" smtClean="0">
+              <a:rPr lang="en-US" altLang="ko-KR" sz="3200">
                 <a:solidFill>
                   <a:schemeClr val="bg1">
                     <a:lumMod val="50000"/>
@@ -17375,7 +18540,7 @@
               <a:t>- </a:t>
             </a:r>
             <a:r>
-              <a:rPr lang="ko-KR" altLang="en-US" sz="3200" smtClean="0">
+              <a:rPr lang="ko-KR" altLang="en-US" sz="3200">
                 <a:solidFill>
                   <a:schemeClr val="bg1">
                     <a:lumMod val="50000"/>
@@ -17432,19 +18597,7 @@
                 <a:latin typeface="G마켓 산스 Medium" panose="02000000000000000000" pitchFamily="50" charset="-127"/>
                 <a:ea typeface="G마켓 산스 Medium" panose="02000000000000000000" pitchFamily="50" charset="-127"/>
               </a:rPr>
-              <a:t> </a:t>
-            </a:r>
-            <a:r>
-              <a:rPr lang="ko-KR" altLang="en-US" sz="3200" smtClean="0">
-                <a:solidFill>
-                  <a:schemeClr val="bg1">
-                    <a:lumMod val="50000"/>
-                  </a:schemeClr>
-                </a:solidFill>
-                <a:latin typeface="G마켓 산스 Medium" panose="02000000000000000000" pitchFamily="50" charset="-127"/>
-                <a:ea typeface="G마켓 산스 Medium" panose="02000000000000000000" pitchFamily="50" charset="-127"/>
-              </a:rPr>
-              <a:t>성공한것인지도 출력해보자</a:t>
+              <a:t> 성공한것인지도 출력해보자</a:t>
             </a:r>
             <a:endParaRPr lang="en-US" altLang="ko-KR" sz="3200" dirty="0">
               <a:solidFill>
@@ -17630,7 +18783,7 @@
 </p:sld>
 </file>
 
-<file path=ppt/slides/slide35.xml><?xml version="1.0" encoding="utf-8"?>
+<file path=ppt/slides/slide37.xml><?xml version="1.0" encoding="utf-8"?>
 <p:sld xmlns:a="http://schemas.openxmlformats.org/drawingml/2006/main" xmlns:r="http://schemas.openxmlformats.org/officeDocument/2006/relationships" xmlns:p="http://schemas.openxmlformats.org/presentationml/2006/main">
   <p:cSld>
     <p:spTree>
@@ -17652,7 +18805,7 @@
           <p:cNvPr id="4" name="TextBox 3">
             <a:extLst>
               <a:ext uri="{FF2B5EF4-FFF2-40B4-BE49-F238E27FC236}">
-                <a16:creationId xmlns="" xmlns:a16="http://schemas.microsoft.com/office/drawing/2014/main" id="{FC45ADBF-CAA8-348D-E57F-358AF9FAC5C1}"/>
+                <a16:creationId xmlns:a16="http://schemas.microsoft.com/office/drawing/2014/main" id="{FC45ADBF-CAA8-348D-E57F-358AF9FAC5C1}"/>
               </a:ext>
             </a:extLst>
           </p:cNvPr>
@@ -17676,7 +18829,7 @@
           <a:lstStyle/>
           <a:p>
             <a:r>
-              <a:rPr lang="ko-KR" altLang="en-US" sz="4800" smtClean="0">
+              <a:rPr lang="ko-KR" altLang="en-US" sz="4800">
                 <a:solidFill>
                   <a:srgbClr val="4C50BC"/>
                 </a:solidFill>
@@ -17700,7 +18853,7 @@
           <p:cNvPr id="5" name="TextBox 4">
             <a:extLst>
               <a:ext uri="{FF2B5EF4-FFF2-40B4-BE49-F238E27FC236}">
-                <a16:creationId xmlns="" xmlns:a16="http://schemas.microsoft.com/office/drawing/2014/main" id="{A56A5DDA-8708-D8BE-1148-536DAE867ED1}"/>
+                <a16:creationId xmlns:a16="http://schemas.microsoft.com/office/drawing/2014/main" id="{A56A5DDA-8708-D8BE-1148-536DAE867ED1}"/>
               </a:ext>
             </a:extLst>
           </p:cNvPr>
@@ -17727,7 +18880,7 @@
               <a:buAutoNum type="arabicPeriod"/>
             </a:pPr>
             <a:r>
-              <a:rPr lang="ko-KR" altLang="en-US" sz="3200" smtClean="0">
+              <a:rPr lang="ko-KR" altLang="en-US" sz="3200">
                 <a:solidFill>
                   <a:schemeClr val="bg1">
                     <a:lumMod val="50000"/>
@@ -17739,7 +18892,7 @@
               <a:t>순차탐색 </a:t>
             </a:r>
             <a:r>
-              <a:rPr lang="en-US" altLang="ko-KR" sz="3200" smtClean="0">
+              <a:rPr lang="en-US" altLang="ko-KR" sz="3200">
                 <a:solidFill>
                   <a:schemeClr val="bg1">
                     <a:lumMod val="50000"/>
@@ -17751,7 +18904,7 @@
               <a:t>: </a:t>
             </a:r>
             <a:r>
-              <a:rPr lang="ko-KR" altLang="en-US" sz="3200" smtClean="0">
+              <a:rPr lang="ko-KR" altLang="en-US" sz="3200">
                 <a:solidFill>
                   <a:schemeClr val="bg1">
                     <a:lumMod val="50000"/>
@@ -17763,74 +18916,7 @@
               <a:t>모든 데이터를 전부 확인하면서 찾아낸다</a:t>
             </a:r>
             <a:r>
-              <a:rPr lang="en-US" altLang="ko-KR" sz="3200" smtClean="0">
-                <a:solidFill>
-                  <a:schemeClr val="bg1">
-                    <a:lumMod val="50000"/>
-                  </a:schemeClr>
-                </a:solidFill>
-                <a:latin typeface="G마켓 산스 Medium" panose="02000000000000000000" pitchFamily="50" charset="-127"/>
-                <a:ea typeface="G마켓 산스 Medium" panose="02000000000000000000" pitchFamily="50" charset="-127"/>
-              </a:rPr>
-              <a:t>.</a:t>
-            </a:r>
-          </a:p>
-          <a:p>
-            <a:pPr marL="514350" indent="-514350">
-              <a:buAutoNum type="arabicPeriod"/>
-            </a:pPr>
-            <a:endParaRPr lang="en-US" altLang="ko-KR" sz="3200" smtClean="0">
-              <a:solidFill>
-                <a:schemeClr val="bg1">
-                  <a:lumMod val="50000"/>
-                </a:schemeClr>
-              </a:solidFill>
-              <a:latin typeface="G마켓 산스 Medium" panose="02000000000000000000" pitchFamily="50" charset="-127"/>
-              <a:ea typeface="G마켓 산스 Medium" panose="02000000000000000000" pitchFamily="50" charset="-127"/>
-            </a:endParaRPr>
-          </a:p>
-          <a:p>
-            <a:pPr marL="514350" indent="-514350">
-              <a:buAutoNum type="arabicPeriod"/>
-            </a:pPr>
-            <a:r>
-              <a:rPr lang="ko-KR" altLang="en-US" sz="3200" smtClean="0">
-                <a:solidFill>
-                  <a:schemeClr val="bg1">
-                    <a:lumMod val="50000"/>
-                  </a:schemeClr>
-                </a:solidFill>
-                <a:latin typeface="G마켓 산스 Medium" panose="02000000000000000000" pitchFamily="50" charset="-127"/>
-                <a:ea typeface="G마켓 산스 Medium" panose="02000000000000000000" pitchFamily="50" charset="-127"/>
-              </a:rPr>
-              <a:t>이진탐색 </a:t>
-            </a:r>
-            <a:r>
-              <a:rPr lang="en-US" altLang="ko-KR" sz="3200" smtClean="0">
-                <a:solidFill>
-                  <a:schemeClr val="bg1">
-                    <a:lumMod val="50000"/>
-                  </a:schemeClr>
-                </a:solidFill>
-                <a:latin typeface="G마켓 산스 Medium" panose="02000000000000000000" pitchFamily="50" charset="-127"/>
-                <a:ea typeface="G마켓 산스 Medium" panose="02000000000000000000" pitchFamily="50" charset="-127"/>
-              </a:rPr>
-              <a:t>: </a:t>
-            </a:r>
-            <a:r>
-              <a:rPr lang="ko-KR" altLang="en-US" sz="3200" smtClean="0">
-                <a:solidFill>
-                  <a:schemeClr val="bg1">
-                    <a:lumMod val="50000"/>
-                  </a:schemeClr>
-                </a:solidFill>
-                <a:latin typeface="G마켓 산스 Medium" panose="02000000000000000000" pitchFamily="50" charset="-127"/>
-                <a:ea typeface="G마켓 산스 Medium" panose="02000000000000000000" pitchFamily="50" charset="-127"/>
-              </a:rPr>
-              <a:t>정렬된 데이터에서 절반씩 줄여나가면서 찾아낸다</a:t>
-            </a:r>
-            <a:r>
-              <a:rPr lang="en-US" altLang="ko-KR" sz="3200" smtClean="0">
+              <a:rPr lang="en-US" altLang="ko-KR" sz="3200">
                 <a:solidFill>
                   <a:schemeClr val="bg1">
                     <a:lumMod val="50000"/>
@@ -17857,8 +18943,11 @@
             </a:endParaRPr>
           </a:p>
           <a:p>
-            <a:r>
-              <a:rPr lang="en-US" altLang="ko-KR" sz="3200" smtClean="0">
+            <a:pPr marL="514350" indent="-514350">
+              <a:buAutoNum type="arabicPeriod"/>
+            </a:pPr>
+            <a:r>
+              <a:rPr lang="ko-KR" altLang="en-US" sz="3200">
                 <a:solidFill>
                   <a:schemeClr val="bg1">
                     <a:lumMod val="50000"/>
@@ -17867,10 +18956,10 @@
                 <a:latin typeface="G마켓 산스 Medium" panose="02000000000000000000" pitchFamily="50" charset="-127"/>
                 <a:ea typeface="G마켓 산스 Medium" panose="02000000000000000000" pitchFamily="50" charset="-127"/>
               </a:rPr>
-              <a:t>3. </a:t>
-            </a:r>
-            <a:r>
-              <a:rPr lang="ko-KR" altLang="en-US" sz="3200" smtClean="0">
+              <a:t>이진탐색 </a:t>
+            </a:r>
+            <a:r>
+              <a:rPr lang="en-US" altLang="ko-KR" sz="3200">
                 <a:solidFill>
                   <a:schemeClr val="bg1">
                     <a:lumMod val="50000"/>
@@ -17879,10 +18968,10 @@
                 <a:latin typeface="G마켓 산스 Medium" panose="02000000000000000000" pitchFamily="50" charset="-127"/>
                 <a:ea typeface="G마켓 산스 Medium" panose="02000000000000000000" pitchFamily="50" charset="-127"/>
               </a:rPr>
-              <a:t>해시 탐색 </a:t>
-            </a:r>
-            <a:r>
-              <a:rPr lang="en-US" altLang="ko-KR" sz="3200" smtClean="0">
+              <a:t>: </a:t>
+            </a:r>
+            <a:r>
+              <a:rPr lang="ko-KR" altLang="en-US" sz="3200">
                 <a:solidFill>
                   <a:schemeClr val="bg1">
                     <a:lumMod val="50000"/>
@@ -17891,10 +18980,74 @@
                 <a:latin typeface="G마켓 산스 Medium" panose="02000000000000000000" pitchFamily="50" charset="-127"/>
                 <a:ea typeface="G마켓 산스 Medium" panose="02000000000000000000" pitchFamily="50" charset="-127"/>
               </a:rPr>
+              <a:t>정렬된 데이터에서 절반씩 줄여나가면서 찾아낸다</a:t>
+            </a:r>
+            <a:r>
+              <a:rPr lang="en-US" altLang="ko-KR" sz="3200">
+                <a:solidFill>
+                  <a:schemeClr val="bg1">
+                    <a:lumMod val="50000"/>
+                  </a:schemeClr>
+                </a:solidFill>
+                <a:latin typeface="G마켓 산스 Medium" panose="02000000000000000000" pitchFamily="50" charset="-127"/>
+                <a:ea typeface="G마켓 산스 Medium" panose="02000000000000000000" pitchFamily="50" charset="-127"/>
+              </a:rPr>
+              <a:t>.</a:t>
+            </a:r>
+          </a:p>
+          <a:p>
+            <a:pPr marL="514350" indent="-514350">
+              <a:buAutoNum type="arabicPeriod"/>
+            </a:pPr>
+            <a:endParaRPr lang="en-US" altLang="ko-KR" sz="3200">
+              <a:solidFill>
+                <a:schemeClr val="bg1">
+                  <a:lumMod val="50000"/>
+                </a:schemeClr>
+              </a:solidFill>
+              <a:latin typeface="G마켓 산스 Medium" panose="02000000000000000000" pitchFamily="50" charset="-127"/>
+              <a:ea typeface="G마켓 산스 Medium" panose="02000000000000000000" pitchFamily="50" charset="-127"/>
+            </a:endParaRPr>
+          </a:p>
+          <a:p>
+            <a:r>
+              <a:rPr lang="en-US" altLang="ko-KR" sz="3200">
+                <a:solidFill>
+                  <a:schemeClr val="bg1">
+                    <a:lumMod val="50000"/>
+                  </a:schemeClr>
+                </a:solidFill>
+                <a:latin typeface="G마켓 산스 Medium" panose="02000000000000000000" pitchFamily="50" charset="-127"/>
+                <a:ea typeface="G마켓 산스 Medium" panose="02000000000000000000" pitchFamily="50" charset="-127"/>
+              </a:rPr>
+              <a:t>3. </a:t>
+            </a:r>
+            <a:r>
+              <a:rPr lang="ko-KR" altLang="en-US" sz="3200">
+                <a:solidFill>
+                  <a:schemeClr val="bg1">
+                    <a:lumMod val="50000"/>
+                  </a:schemeClr>
+                </a:solidFill>
+                <a:latin typeface="G마켓 산스 Medium" panose="02000000000000000000" pitchFamily="50" charset="-127"/>
+                <a:ea typeface="G마켓 산스 Medium" panose="02000000000000000000" pitchFamily="50" charset="-127"/>
+              </a:rPr>
+              <a:t>해시 탐색 </a:t>
+            </a:r>
+            <a:r>
+              <a:rPr lang="en-US" altLang="ko-KR" sz="3200">
+                <a:solidFill>
+                  <a:schemeClr val="bg1">
+                    <a:lumMod val="50000"/>
+                  </a:schemeClr>
+                </a:solidFill>
+                <a:latin typeface="G마켓 산스 Medium" panose="02000000000000000000" pitchFamily="50" charset="-127"/>
+                <a:ea typeface="G마켓 산스 Medium" panose="02000000000000000000" pitchFamily="50" charset="-127"/>
+              </a:rPr>
               <a:t>: </a:t>
             </a:r>
             <a:r>
-              <a:rPr lang="ko-KR" altLang="en-US" sz="3200" smtClean="0">
+              <a:rPr lang="ko-KR" altLang="en-US" sz="3200">
                 <a:solidFill>
                   <a:schemeClr val="bg1">
                     <a:lumMod val="50000"/>
@@ -17927,17 +19080,10 @@
   <p:clrMapOvr>
     <a:masterClrMapping/>
   </p:clrMapOvr>
-  <p:timing>
-    <p:tnLst>
-      <p:par>
-        <p:cTn id="1" dur="indefinite" restart="never" nodeType="tmRoot"/>
-      </p:par>
-    </p:tnLst>
-  </p:timing>
 </p:sld>
 </file>
 
-<file path=ppt/slides/slide36.xml><?xml version="1.0" encoding="utf-8"?>
+<file path=ppt/slides/slide38.xml><?xml version="1.0" encoding="utf-8"?>
 <p:sld xmlns:a="http://schemas.openxmlformats.org/drawingml/2006/main" xmlns:r="http://schemas.openxmlformats.org/officeDocument/2006/relationships" xmlns:p="http://schemas.openxmlformats.org/presentationml/2006/main">
   <p:cSld>
     <p:spTree>
@@ -17959,7 +19105,7 @@
           <p:cNvPr id="4" name="TextBox 3">
             <a:extLst>
               <a:ext uri="{FF2B5EF4-FFF2-40B4-BE49-F238E27FC236}">
-                <a16:creationId xmlns="" xmlns:a16="http://schemas.microsoft.com/office/drawing/2014/main" id="{FC45ADBF-CAA8-348D-E57F-358AF9FAC5C1}"/>
+                <a16:creationId xmlns:a16="http://schemas.microsoft.com/office/drawing/2014/main" id="{FC45ADBF-CAA8-348D-E57F-358AF9FAC5C1}"/>
               </a:ext>
             </a:extLst>
           </p:cNvPr>
@@ -17983,7 +19129,7 @@
           <a:lstStyle/>
           <a:p>
             <a:r>
-              <a:rPr lang="ko-KR" altLang="en-US" sz="4800" smtClean="0">
+              <a:rPr lang="ko-KR" altLang="en-US" sz="4800">
                 <a:solidFill>
                   <a:srgbClr val="4C50BC"/>
                 </a:solidFill>
@@ -18007,7 +19153,7 @@
           <p:cNvPr id="5" name="TextBox 4">
             <a:extLst>
               <a:ext uri="{FF2B5EF4-FFF2-40B4-BE49-F238E27FC236}">
-                <a16:creationId xmlns="" xmlns:a16="http://schemas.microsoft.com/office/drawing/2014/main" id="{A56A5DDA-8708-D8BE-1148-536DAE867ED1}"/>
+                <a16:creationId xmlns:a16="http://schemas.microsoft.com/office/drawing/2014/main" id="{A56A5DDA-8708-D8BE-1148-536DAE867ED1}"/>
               </a:ext>
             </a:extLst>
           </p:cNvPr>
@@ -18034,7 +19180,7 @@
               <a:buAutoNum type="arabicPeriod"/>
             </a:pPr>
             <a:r>
-              <a:rPr lang="ko-KR" altLang="en-US" sz="3200" smtClean="0">
+              <a:rPr lang="ko-KR" altLang="en-US" sz="3200">
                 <a:solidFill>
                   <a:schemeClr val="bg1">
                     <a:lumMod val="50000"/>
@@ -18046,7 +19192,7 @@
               <a:t>순차탐색 </a:t>
             </a:r>
             <a:r>
-              <a:rPr lang="en-US" altLang="ko-KR" sz="3200" smtClean="0">
+              <a:rPr lang="en-US" altLang="ko-KR" sz="3200">
                 <a:solidFill>
                   <a:schemeClr val="bg1">
                     <a:lumMod val="50000"/>
@@ -18058,7 +19204,7 @@
               <a:t>: </a:t>
             </a:r>
             <a:r>
-              <a:rPr lang="ko-KR" altLang="en-US" sz="3200" smtClean="0">
+              <a:rPr lang="ko-KR" altLang="en-US" sz="3200">
                 <a:solidFill>
                   <a:schemeClr val="bg1">
                     <a:lumMod val="50000"/>
@@ -18070,7 +19216,7 @@
               <a:t>데이터가 </a:t>
             </a:r>
             <a:r>
-              <a:rPr lang="en-US" altLang="ko-KR" sz="3200" smtClean="0">
+              <a:rPr lang="en-US" altLang="ko-KR" sz="3200">
                 <a:solidFill>
                   <a:schemeClr val="bg1">
                     <a:lumMod val="50000"/>
@@ -18082,7 +19228,7 @@
               <a:t>100</a:t>
             </a:r>
             <a:r>
-              <a:rPr lang="ko-KR" altLang="en-US" sz="3200" smtClean="0">
+              <a:rPr lang="ko-KR" altLang="en-US" sz="3200">
                 <a:solidFill>
                   <a:schemeClr val="bg1">
                     <a:lumMod val="50000"/>
@@ -18094,7 +19240,7 @@
               <a:t>개면 최악의 경우 </a:t>
             </a:r>
             <a:r>
-              <a:rPr lang="en-US" altLang="ko-KR" sz="3200" smtClean="0">
+              <a:rPr lang="en-US" altLang="ko-KR" sz="3200">
                 <a:solidFill>
                   <a:schemeClr val="bg1">
                     <a:lumMod val="50000"/>
@@ -18106,7 +19252,7 @@
               <a:t>100</a:t>
             </a:r>
             <a:r>
-              <a:rPr lang="ko-KR" altLang="en-US" sz="3200" smtClean="0">
+              <a:rPr lang="ko-KR" altLang="en-US" sz="3200">
                 <a:solidFill>
                   <a:schemeClr val="bg1">
                     <a:lumMod val="50000"/>
@@ -18118,122 +19264,7 @@
               <a:t>번만에 찾는다</a:t>
             </a:r>
             <a:r>
-              <a:rPr lang="en-US" altLang="ko-KR" sz="3200" smtClean="0">
-                <a:solidFill>
-                  <a:schemeClr val="bg1">
-                    <a:lumMod val="50000"/>
-                  </a:schemeClr>
-                </a:solidFill>
-                <a:latin typeface="G마켓 산스 Medium" panose="02000000000000000000" pitchFamily="50" charset="-127"/>
-                <a:ea typeface="G마켓 산스 Medium" panose="02000000000000000000" pitchFamily="50" charset="-127"/>
-              </a:rPr>
-              <a:t>.</a:t>
-            </a:r>
-          </a:p>
-          <a:p>
-            <a:pPr marL="514350" indent="-514350">
-              <a:buAutoNum type="arabicPeriod"/>
-            </a:pPr>
-            <a:endParaRPr lang="en-US" altLang="ko-KR" sz="3200" smtClean="0">
-              <a:solidFill>
-                <a:schemeClr val="bg1">
-                  <a:lumMod val="50000"/>
-                </a:schemeClr>
-              </a:solidFill>
-              <a:latin typeface="G마켓 산스 Medium" panose="02000000000000000000" pitchFamily="50" charset="-127"/>
-              <a:ea typeface="G마켓 산스 Medium" panose="02000000000000000000" pitchFamily="50" charset="-127"/>
-            </a:endParaRPr>
-          </a:p>
-          <a:p>
-            <a:pPr marL="514350" indent="-514350">
-              <a:buAutoNum type="arabicPeriod"/>
-            </a:pPr>
-            <a:r>
-              <a:rPr lang="ko-KR" altLang="en-US" sz="3200" smtClean="0">
-                <a:solidFill>
-                  <a:schemeClr val="bg1">
-                    <a:lumMod val="50000"/>
-                  </a:schemeClr>
-                </a:solidFill>
-                <a:latin typeface="G마켓 산스 Medium" panose="02000000000000000000" pitchFamily="50" charset="-127"/>
-                <a:ea typeface="G마켓 산스 Medium" panose="02000000000000000000" pitchFamily="50" charset="-127"/>
-              </a:rPr>
-              <a:t>이진탐색 </a:t>
-            </a:r>
-            <a:r>
-              <a:rPr lang="en-US" altLang="ko-KR" sz="3200" smtClean="0">
-                <a:solidFill>
-                  <a:schemeClr val="bg1">
-                    <a:lumMod val="50000"/>
-                  </a:schemeClr>
-                </a:solidFill>
-                <a:latin typeface="G마켓 산스 Medium" panose="02000000000000000000" pitchFamily="50" charset="-127"/>
-                <a:ea typeface="G마켓 산스 Medium" panose="02000000000000000000" pitchFamily="50" charset="-127"/>
-              </a:rPr>
-              <a:t>: </a:t>
-            </a:r>
-            <a:r>
-              <a:rPr lang="ko-KR" altLang="en-US" sz="3200" smtClean="0">
-                <a:solidFill>
-                  <a:schemeClr val="bg1">
-                    <a:lumMod val="50000"/>
-                  </a:schemeClr>
-                </a:solidFill>
-                <a:latin typeface="G마켓 산스 Medium" panose="02000000000000000000" pitchFamily="50" charset="-127"/>
-                <a:ea typeface="G마켓 산스 Medium" panose="02000000000000000000" pitchFamily="50" charset="-127"/>
-              </a:rPr>
-              <a:t>데이터가 </a:t>
-            </a:r>
-            <a:r>
-              <a:rPr lang="en-US" altLang="ko-KR" sz="3200" smtClean="0">
-                <a:solidFill>
-                  <a:schemeClr val="bg1">
-                    <a:lumMod val="50000"/>
-                  </a:schemeClr>
-                </a:solidFill>
-                <a:latin typeface="G마켓 산스 Medium" panose="02000000000000000000" pitchFamily="50" charset="-127"/>
-                <a:ea typeface="G마켓 산스 Medium" panose="02000000000000000000" pitchFamily="50" charset="-127"/>
-              </a:rPr>
-              <a:t>100</a:t>
-            </a:r>
-            <a:r>
-              <a:rPr lang="ko-KR" altLang="en-US" sz="3200" smtClean="0">
-                <a:solidFill>
-                  <a:schemeClr val="bg1">
-                    <a:lumMod val="50000"/>
-                  </a:schemeClr>
-                </a:solidFill>
-                <a:latin typeface="G마켓 산스 Medium" panose="02000000000000000000" pitchFamily="50" charset="-127"/>
-                <a:ea typeface="G마켓 산스 Medium" panose="02000000000000000000" pitchFamily="50" charset="-127"/>
-              </a:rPr>
-              <a:t>개면 최악의 경우 </a:t>
-            </a:r>
-            <a:r>
-              <a:rPr lang="en-US" altLang="ko-KR" sz="3200" smtClean="0">
-                <a:solidFill>
-                  <a:schemeClr val="bg1">
-                    <a:lumMod val="50000"/>
-                  </a:schemeClr>
-                </a:solidFill>
-                <a:latin typeface="G마켓 산스 Medium" panose="02000000000000000000" pitchFamily="50" charset="-127"/>
-                <a:ea typeface="G마켓 산스 Medium" panose="02000000000000000000" pitchFamily="50" charset="-127"/>
-              </a:rPr>
-              <a:t>7</a:t>
-            </a:r>
-            <a:r>
-              <a:rPr lang="ko-KR" altLang="en-US" sz="3200" smtClean="0">
-                <a:solidFill>
-                  <a:schemeClr val="bg1">
-                    <a:lumMod val="50000"/>
-                  </a:schemeClr>
-                </a:solidFill>
-                <a:latin typeface="G마켓 산스 Medium" panose="02000000000000000000" pitchFamily="50" charset="-127"/>
-                <a:ea typeface="G마켓 산스 Medium" panose="02000000000000000000" pitchFamily="50" charset="-127"/>
-              </a:rPr>
-              <a:t>번만에 찾는다</a:t>
-            </a:r>
-            <a:r>
-              <a:rPr lang="en-US" altLang="ko-KR" sz="3200" smtClean="0">
+              <a:rPr lang="en-US" altLang="ko-KR" sz="3200">
                 <a:solidFill>
                   <a:schemeClr val="bg1">
                     <a:lumMod val="50000"/>
@@ -18260,8 +19291,11 @@
             </a:endParaRPr>
           </a:p>
           <a:p>
-            <a:r>
-              <a:rPr lang="en-US" altLang="ko-KR" sz="3200" smtClean="0">
+            <a:pPr marL="514350" indent="-514350">
+              <a:buAutoNum type="arabicPeriod"/>
+            </a:pPr>
+            <a:r>
+              <a:rPr lang="ko-KR" altLang="en-US" sz="3200">
                 <a:solidFill>
                   <a:schemeClr val="bg1">
                     <a:lumMod val="50000"/>
@@ -18270,10 +19304,10 @@
                 <a:latin typeface="G마켓 산스 Medium" panose="02000000000000000000" pitchFamily="50" charset="-127"/>
                 <a:ea typeface="G마켓 산스 Medium" panose="02000000000000000000" pitchFamily="50" charset="-127"/>
               </a:rPr>
-              <a:t>3. </a:t>
-            </a:r>
-            <a:r>
-              <a:rPr lang="ko-KR" altLang="en-US" sz="3200" smtClean="0">
+              <a:t>이진탐색 </a:t>
+            </a:r>
+            <a:r>
+              <a:rPr lang="en-US" altLang="ko-KR" sz="3200">
                 <a:solidFill>
                   <a:schemeClr val="bg1">
                     <a:lumMod val="50000"/>
@@ -18282,10 +19316,10 @@
                 <a:latin typeface="G마켓 산스 Medium" panose="02000000000000000000" pitchFamily="50" charset="-127"/>
                 <a:ea typeface="G마켓 산스 Medium" panose="02000000000000000000" pitchFamily="50" charset="-127"/>
               </a:rPr>
-              <a:t>해시 탐색 </a:t>
-            </a:r>
-            <a:r>
-              <a:rPr lang="en-US" altLang="ko-KR" sz="3200" smtClean="0">
+              <a:t>: </a:t>
+            </a:r>
+            <a:r>
+              <a:rPr lang="ko-KR" altLang="en-US" sz="3200">
                 <a:solidFill>
                   <a:schemeClr val="bg1">
                     <a:lumMod val="50000"/>
@@ -18294,10 +19328,10 @@
                 <a:latin typeface="G마켓 산스 Medium" panose="02000000000000000000" pitchFamily="50" charset="-127"/>
                 <a:ea typeface="G마켓 산스 Medium" panose="02000000000000000000" pitchFamily="50" charset="-127"/>
               </a:rPr>
-              <a:t>: </a:t>
-            </a:r>
-            <a:r>
-              <a:rPr lang="ko-KR" altLang="en-US" sz="3200" smtClean="0">
+              <a:t>데이터가 </a:t>
+            </a:r>
+            <a:r>
+              <a:rPr lang="en-US" altLang="ko-KR" sz="3200">
                 <a:solidFill>
                   <a:schemeClr val="bg1">
                     <a:lumMod val="50000"/>
@@ -18306,10 +19340,10 @@
                 <a:latin typeface="G마켓 산스 Medium" panose="02000000000000000000" pitchFamily="50" charset="-127"/>
                 <a:ea typeface="G마켓 산스 Medium" panose="02000000000000000000" pitchFamily="50" charset="-127"/>
               </a:rPr>
-              <a:t>데이터가 </a:t>
-            </a:r>
-            <a:r>
-              <a:rPr lang="en-US" altLang="ko-KR" sz="3200" smtClean="0">
+              <a:t>100</a:t>
+            </a:r>
+            <a:r>
+              <a:rPr lang="ko-KR" altLang="en-US" sz="3200">
                 <a:solidFill>
                   <a:schemeClr val="bg1">
                     <a:lumMod val="50000"/>
@@ -18318,10 +19352,10 @@
                 <a:latin typeface="G마켓 산스 Medium" panose="02000000000000000000" pitchFamily="50" charset="-127"/>
                 <a:ea typeface="G마켓 산스 Medium" panose="02000000000000000000" pitchFamily="50" charset="-127"/>
               </a:rPr>
-              <a:t>100</a:t>
-            </a:r>
-            <a:r>
-              <a:rPr lang="ko-KR" altLang="en-US" sz="3200" smtClean="0">
+              <a:t>개면 최악의 경우 </a:t>
+            </a:r>
+            <a:r>
+              <a:rPr lang="en-US" altLang="ko-KR" sz="3200">
                 <a:solidFill>
                   <a:schemeClr val="bg1">
                     <a:lumMod val="50000"/>
@@ -18330,10 +19364,10 @@
                 <a:latin typeface="G마켓 산스 Medium" panose="02000000000000000000" pitchFamily="50" charset="-127"/>
                 <a:ea typeface="G마켓 산스 Medium" panose="02000000000000000000" pitchFamily="50" charset="-127"/>
               </a:rPr>
-              <a:t>개면 해시충돌이 없다면 </a:t>
-            </a:r>
-            <a:r>
-              <a:rPr lang="en-US" altLang="ko-KR" sz="3200" smtClean="0">
+              <a:t>7</a:t>
+            </a:r>
+            <a:r>
+              <a:rPr lang="ko-KR" altLang="en-US" sz="3200">
                 <a:solidFill>
                   <a:schemeClr val="bg1">
                     <a:lumMod val="50000"/>
@@ -18342,10 +19376,10 @@
                 <a:latin typeface="G마켓 산스 Medium" panose="02000000000000000000" pitchFamily="50" charset="-127"/>
                 <a:ea typeface="G마켓 산스 Medium" panose="02000000000000000000" pitchFamily="50" charset="-127"/>
               </a:rPr>
-              <a:t>1</a:t>
-            </a:r>
-            <a:r>
-              <a:rPr lang="ko-KR" altLang="en-US" sz="3200" smtClean="0">
+              <a:t>번만에 찾는다</a:t>
+            </a:r>
+            <a:r>
+              <a:rPr lang="en-US" altLang="ko-KR" sz="3200">
                 <a:solidFill>
                   <a:schemeClr val="bg1">
                     <a:lumMod val="50000"/>
@@ -18354,10 +19388,26 @@
                 <a:latin typeface="G마켓 산스 Medium" panose="02000000000000000000" pitchFamily="50" charset="-127"/>
                 <a:ea typeface="G마켓 산스 Medium" panose="02000000000000000000" pitchFamily="50" charset="-127"/>
               </a:rPr>
-              <a:t>번</a:t>
-            </a:r>
-            <a:r>
-              <a:rPr lang="en-US" altLang="ko-KR" sz="3200" smtClean="0">
+              <a:t>.</a:t>
+            </a:r>
+          </a:p>
+          <a:p>
+            <a:pPr marL="514350" indent="-514350">
+              <a:buAutoNum type="arabicPeriod"/>
+            </a:pPr>
+            <a:endParaRPr lang="en-US" altLang="ko-KR" sz="3200">
+              <a:solidFill>
+                <a:schemeClr val="bg1">
+                  <a:lumMod val="50000"/>
+                </a:schemeClr>
+              </a:solidFill>
+              <a:latin typeface="G마켓 산스 Medium" panose="02000000000000000000" pitchFamily="50" charset="-127"/>
+              <a:ea typeface="G마켓 산스 Medium" panose="02000000000000000000" pitchFamily="50" charset="-127"/>
+            </a:endParaRPr>
+          </a:p>
+          <a:p>
+            <a:r>
+              <a:rPr lang="en-US" altLang="ko-KR" sz="3200">
                 <a:solidFill>
                   <a:schemeClr val="bg1">
                     <a:lumMod val="50000"/>
@@ -18366,10 +19416,10 @@
                 <a:latin typeface="G마켓 산스 Medium" panose="02000000000000000000" pitchFamily="50" charset="-127"/>
                 <a:ea typeface="G마켓 산스 Medium" panose="02000000000000000000" pitchFamily="50" charset="-127"/>
               </a:rPr>
-              <a:t>, </a:t>
-            </a:r>
-            <a:r>
-              <a:rPr lang="ko-KR" altLang="en-US" sz="3200" smtClean="0">
+              <a:t>3. </a:t>
+            </a:r>
+            <a:r>
+              <a:rPr lang="ko-KR" altLang="en-US" sz="3200">
                 <a:solidFill>
                   <a:schemeClr val="bg1">
                     <a:lumMod val="50000"/>
@@ -18378,10 +19428,10 @@
                 <a:latin typeface="G마켓 산스 Medium" panose="02000000000000000000" pitchFamily="50" charset="-127"/>
                 <a:ea typeface="G마켓 산스 Medium" panose="02000000000000000000" pitchFamily="50" charset="-127"/>
               </a:rPr>
-              <a:t>충돌 한다면 최악의 경우 </a:t>
-            </a:r>
-            <a:r>
-              <a:rPr lang="en-US" altLang="ko-KR" sz="3200" smtClean="0">
+              <a:t>해시 탐색 </a:t>
+            </a:r>
+            <a:r>
+              <a:rPr lang="en-US" altLang="ko-KR" sz="3200">
                 <a:solidFill>
                   <a:schemeClr val="bg1">
                     <a:lumMod val="50000"/>
@@ -18390,10 +19440,10 @@
                 <a:latin typeface="G마켓 산스 Medium" panose="02000000000000000000" pitchFamily="50" charset="-127"/>
                 <a:ea typeface="G마켓 산스 Medium" panose="02000000000000000000" pitchFamily="50" charset="-127"/>
               </a:rPr>
-              <a:t>100</a:t>
-            </a:r>
-            <a:r>
-              <a:rPr lang="ko-KR" altLang="en-US" sz="3200" smtClean="0">
+              <a:t>: </a:t>
+            </a:r>
+            <a:r>
+              <a:rPr lang="ko-KR" altLang="en-US" sz="3200">
                 <a:solidFill>
                   <a:schemeClr val="bg1">
                     <a:lumMod val="50000"/>
@@ -18402,10 +19452,106 @@
                 <a:latin typeface="G마켓 산스 Medium" panose="02000000000000000000" pitchFamily="50" charset="-127"/>
                 <a:ea typeface="G마켓 산스 Medium" panose="02000000000000000000" pitchFamily="50" charset="-127"/>
               </a:rPr>
+              <a:t>데이터가 </a:t>
+            </a:r>
+            <a:r>
+              <a:rPr lang="en-US" altLang="ko-KR" sz="3200">
+                <a:solidFill>
+                  <a:schemeClr val="bg1">
+                    <a:lumMod val="50000"/>
+                  </a:schemeClr>
+                </a:solidFill>
+                <a:latin typeface="G마켓 산스 Medium" panose="02000000000000000000" pitchFamily="50" charset="-127"/>
+                <a:ea typeface="G마켓 산스 Medium" panose="02000000000000000000" pitchFamily="50" charset="-127"/>
+              </a:rPr>
+              <a:t>100</a:t>
+            </a:r>
+            <a:r>
+              <a:rPr lang="ko-KR" altLang="en-US" sz="3200">
+                <a:solidFill>
+                  <a:schemeClr val="bg1">
+                    <a:lumMod val="50000"/>
+                  </a:schemeClr>
+                </a:solidFill>
+                <a:latin typeface="G마켓 산스 Medium" panose="02000000000000000000" pitchFamily="50" charset="-127"/>
+                <a:ea typeface="G마켓 산스 Medium" panose="02000000000000000000" pitchFamily="50" charset="-127"/>
+              </a:rPr>
+              <a:t>개면 해시충돌이 없다면 </a:t>
+            </a:r>
+            <a:r>
+              <a:rPr lang="en-US" altLang="ko-KR" sz="3200">
+                <a:solidFill>
+                  <a:schemeClr val="bg1">
+                    <a:lumMod val="50000"/>
+                  </a:schemeClr>
+                </a:solidFill>
+                <a:latin typeface="G마켓 산스 Medium" panose="02000000000000000000" pitchFamily="50" charset="-127"/>
+                <a:ea typeface="G마켓 산스 Medium" panose="02000000000000000000" pitchFamily="50" charset="-127"/>
+              </a:rPr>
+              <a:t>1</a:t>
+            </a:r>
+            <a:r>
+              <a:rPr lang="ko-KR" altLang="en-US" sz="3200">
+                <a:solidFill>
+                  <a:schemeClr val="bg1">
+                    <a:lumMod val="50000"/>
+                  </a:schemeClr>
+                </a:solidFill>
+                <a:latin typeface="G마켓 산스 Medium" panose="02000000000000000000" pitchFamily="50" charset="-127"/>
+                <a:ea typeface="G마켓 산스 Medium" panose="02000000000000000000" pitchFamily="50" charset="-127"/>
+              </a:rPr>
+              <a:t>번</a:t>
+            </a:r>
+            <a:r>
+              <a:rPr lang="en-US" altLang="ko-KR" sz="3200">
+                <a:solidFill>
+                  <a:schemeClr val="bg1">
+                    <a:lumMod val="50000"/>
+                  </a:schemeClr>
+                </a:solidFill>
+                <a:latin typeface="G마켓 산스 Medium" panose="02000000000000000000" pitchFamily="50" charset="-127"/>
+                <a:ea typeface="G마켓 산스 Medium" panose="02000000000000000000" pitchFamily="50" charset="-127"/>
+              </a:rPr>
+              <a:t>, </a:t>
+            </a:r>
+            <a:r>
+              <a:rPr lang="ko-KR" altLang="en-US" sz="3200">
+                <a:solidFill>
+                  <a:schemeClr val="bg1">
+                    <a:lumMod val="50000"/>
+                  </a:schemeClr>
+                </a:solidFill>
+                <a:latin typeface="G마켓 산스 Medium" panose="02000000000000000000" pitchFamily="50" charset="-127"/>
+                <a:ea typeface="G마켓 산스 Medium" panose="02000000000000000000" pitchFamily="50" charset="-127"/>
+              </a:rPr>
+              <a:t>충돌 한다면 최악의 경우 </a:t>
+            </a:r>
+            <a:r>
+              <a:rPr lang="en-US" altLang="ko-KR" sz="3200">
+                <a:solidFill>
+                  <a:schemeClr val="bg1">
+                    <a:lumMod val="50000"/>
+                  </a:schemeClr>
+                </a:solidFill>
+                <a:latin typeface="G마켓 산스 Medium" panose="02000000000000000000" pitchFamily="50" charset="-127"/>
+                <a:ea typeface="G마켓 산스 Medium" panose="02000000000000000000" pitchFamily="50" charset="-127"/>
+              </a:rPr>
+              <a:t>100</a:t>
+            </a:r>
+            <a:r>
+              <a:rPr lang="ko-KR" altLang="en-US" sz="3200">
+                <a:solidFill>
+                  <a:schemeClr val="bg1">
+                    <a:lumMod val="50000"/>
+                  </a:schemeClr>
+                </a:solidFill>
+                <a:latin typeface="G마켓 산스 Medium" panose="02000000000000000000" pitchFamily="50" charset="-127"/>
+                <a:ea typeface="G마켓 산스 Medium" panose="02000000000000000000" pitchFamily="50" charset="-127"/>
+              </a:rPr>
               <a:t>번만에 찾는다</a:t>
             </a:r>
             <a:r>
-              <a:rPr lang="en-US" altLang="ko-KR" sz="3200" smtClean="0">
+              <a:rPr lang="en-US" altLang="ko-KR" sz="3200">
                 <a:solidFill>
                   <a:schemeClr val="bg1">
                     <a:lumMod val="50000"/>
@@ -18433,7 +19579,7 @@
           <p:cNvPr id="6" name="TextBox 5">
             <a:extLst>
               <a:ext uri="{FF2B5EF4-FFF2-40B4-BE49-F238E27FC236}">
-                <a16:creationId xmlns:a16="http://schemas.microsoft.com/office/drawing/2014/main" xmlns="" id="{C6D113C6-EA5C-788F-0C77-E7CE6EBB865F}"/>
+                <a16:creationId xmlns:a16="http://schemas.microsoft.com/office/drawing/2014/main" id="{C6D113C6-EA5C-788F-0C77-E7CE6EBB865F}"/>
               </a:ext>
             </a:extLst>
           </p:cNvPr>
@@ -18457,7 +19603,7 @@
           <a:lstStyle/>
           <a:p>
             <a:r>
-              <a:rPr lang="en-US" altLang="ko-KR" sz="3600" smtClean="0">
+              <a:rPr lang="en-US" altLang="ko-KR" sz="3600">
                 <a:solidFill>
                   <a:srgbClr val="FF0000"/>
                 </a:solidFill>
@@ -18481,7 +19627,7 @@
           <p:cNvPr id="7" name="TextBox 6">
             <a:extLst>
               <a:ext uri="{FF2B5EF4-FFF2-40B4-BE49-F238E27FC236}">
-                <a16:creationId xmlns:a16="http://schemas.microsoft.com/office/drawing/2014/main" xmlns="" id="{C6D113C6-EA5C-788F-0C77-E7CE6EBB865F}"/>
+                <a16:creationId xmlns:a16="http://schemas.microsoft.com/office/drawing/2014/main" id="{C6D113C6-EA5C-788F-0C77-E7CE6EBB865F}"/>
               </a:ext>
             </a:extLst>
           </p:cNvPr>
@@ -18505,7 +19651,7 @@
           <a:lstStyle/>
           <a:p>
             <a:r>
-              <a:rPr lang="en-US" altLang="ko-KR" sz="3600" smtClean="0">
+              <a:rPr lang="en-US" altLang="ko-KR" sz="3600">
                 <a:solidFill>
                   <a:srgbClr val="FF0000"/>
                 </a:solidFill>
@@ -18529,7 +19675,7 @@
           <p:cNvPr id="8" name="TextBox 7">
             <a:extLst>
               <a:ext uri="{FF2B5EF4-FFF2-40B4-BE49-F238E27FC236}">
-                <a16:creationId xmlns:a16="http://schemas.microsoft.com/office/drawing/2014/main" xmlns="" id="{C6D113C6-EA5C-788F-0C77-E7CE6EBB865F}"/>
+                <a16:creationId xmlns:a16="http://schemas.microsoft.com/office/drawing/2014/main" id="{C6D113C6-EA5C-788F-0C77-E7CE6EBB865F}"/>
               </a:ext>
             </a:extLst>
           </p:cNvPr>
@@ -18553,42 +19699,15 @@
           <a:lstStyle/>
           <a:p>
             <a:r>
-              <a:rPr lang="en-US" altLang="ko-KR" sz="3600" smtClean="0">
+              <a:rPr lang="en-US" altLang="ko-KR" sz="3600">
                 <a:solidFill>
                   <a:srgbClr val="FF0000"/>
                 </a:solidFill>
                 <a:latin typeface="G마켓 산스 Medium" panose="02000000000000000000" pitchFamily="50" charset="-127"/>
                 <a:ea typeface="G마켓 산스 Medium" panose="02000000000000000000" pitchFamily="50" charset="-127"/>
               </a:rPr>
-              <a:t>O(1),</a:t>
-            </a:r>
-            <a:r>
-              <a:rPr lang="en-US" altLang="ko-KR" sz="3600">
-                <a:solidFill>
-                  <a:srgbClr val="FF0000"/>
-                </a:solidFill>
-                <a:latin typeface="G마켓 산스 Medium" panose="02000000000000000000" pitchFamily="50" charset="-127"/>
-                <a:ea typeface="G마켓 산스 Medium" panose="02000000000000000000" pitchFamily="50" charset="-127"/>
-              </a:rPr>
-              <a:t> </a:t>
-            </a:r>
-            <a:r>
-              <a:rPr lang="en-US" altLang="ko-KR" sz="3600" smtClean="0">
-                <a:solidFill>
-                  <a:srgbClr val="FF0000"/>
-                </a:solidFill>
-                <a:latin typeface="G마켓 산스 Medium" panose="02000000000000000000" pitchFamily="50" charset="-127"/>
-                <a:ea typeface="G마켓 산스 Medium" panose="02000000000000000000" pitchFamily="50" charset="-127"/>
-              </a:rPr>
-              <a:t>O(n)</a:t>
-            </a:r>
-            <a:endParaRPr lang="en-US" altLang="ko-KR" sz="3600">
-              <a:solidFill>
-                <a:srgbClr val="FF0000"/>
-              </a:solidFill>
-              <a:latin typeface="G마켓 산스 Medium" panose="02000000000000000000" pitchFamily="50" charset="-127"/>
-              <a:ea typeface="G마켓 산스 Medium" panose="02000000000000000000" pitchFamily="50" charset="-127"/>
-            </a:endParaRPr>
+              <a:t>O(1), O(n)</a:t>
+            </a:r>
           </a:p>
         </p:txBody>
       </p:sp>
@@ -18602,17 +19721,10 @@
   <p:clrMapOvr>
     <a:masterClrMapping/>
   </p:clrMapOvr>
-  <p:timing>
-    <p:tnLst>
-      <p:par>
-        <p:cTn id="1" dur="indefinite" restart="never" nodeType="tmRoot"/>
-      </p:par>
-    </p:tnLst>
-  </p:timing>
 </p:sld>
 </file>
 
-<file path=ppt/slides/slide37.xml><?xml version="1.0" encoding="utf-8"?>
+<file path=ppt/slides/slide39.xml><?xml version="1.0" encoding="utf-8"?>
 <p:sld xmlns:a="http://schemas.openxmlformats.org/drawingml/2006/main" xmlns:r="http://schemas.openxmlformats.org/officeDocument/2006/relationships" xmlns:p="http://schemas.openxmlformats.org/presentationml/2006/main">
   <p:cSld>
     <p:bg>
@@ -18642,7 +19754,7 @@
           <p:cNvPr id="5" name="Object 2">
             <a:extLst>
               <a:ext uri="{FF2B5EF4-FFF2-40B4-BE49-F238E27FC236}">
-                <a16:creationId xmlns="" xmlns:a16="http://schemas.microsoft.com/office/drawing/2014/main" id="{EB9768FE-76B0-709F-3C4D-0ECBB41147CD}"/>
+                <a16:creationId xmlns:a16="http://schemas.microsoft.com/office/drawing/2014/main" id="{EB9768FE-76B0-709F-3C4D-0ECBB41147CD}"/>
               </a:ext>
             </a:extLst>
           </p:cNvPr>
@@ -18672,7 +19784,7 @@
           <p:cNvPr id="7" name="그룹 1001">
             <a:extLst>
               <a:ext uri="{FF2B5EF4-FFF2-40B4-BE49-F238E27FC236}">
-                <a16:creationId xmlns="" xmlns:a16="http://schemas.microsoft.com/office/drawing/2014/main" id="{0637F47C-891C-2B90-8647-32B84C264D42}"/>
+                <a16:creationId xmlns:a16="http://schemas.microsoft.com/office/drawing/2014/main" id="{0637F47C-891C-2B90-8647-32B84C264D42}"/>
               </a:ext>
             </a:extLst>
           </p:cNvPr>
@@ -18692,7 +19804,7 @@
             <p:cNvPr id="8" name="Object 5">
               <a:extLst>
                 <a:ext uri="{FF2B5EF4-FFF2-40B4-BE49-F238E27FC236}">
-                  <a16:creationId xmlns="" xmlns:a16="http://schemas.microsoft.com/office/drawing/2014/main" id="{710F969D-8259-9328-33C3-C6DB500C60D4}"/>
+                  <a16:creationId xmlns:a16="http://schemas.microsoft.com/office/drawing/2014/main" id="{710F969D-8259-9328-33C3-C6DB500C60D4}"/>
                 </a:ext>
               </a:extLst>
             </p:cNvPr>
@@ -18723,7 +19835,7 @@
           <p:cNvPr id="9" name="그룹 1002">
             <a:extLst>
               <a:ext uri="{FF2B5EF4-FFF2-40B4-BE49-F238E27FC236}">
-                <a16:creationId xmlns="" xmlns:a16="http://schemas.microsoft.com/office/drawing/2014/main" id="{A87796A8-251B-F38A-5AE9-11F8D847B25D}"/>
+                <a16:creationId xmlns:a16="http://schemas.microsoft.com/office/drawing/2014/main" id="{A87796A8-251B-F38A-5AE9-11F8D847B25D}"/>
               </a:ext>
             </a:extLst>
           </p:cNvPr>
@@ -18743,7 +19855,7 @@
             <p:cNvPr id="10" name="Object 8">
               <a:extLst>
                 <a:ext uri="{FF2B5EF4-FFF2-40B4-BE49-F238E27FC236}">
-                  <a16:creationId xmlns="" xmlns:a16="http://schemas.microsoft.com/office/drawing/2014/main" id="{9E806C19-D323-E705-F3B8-EEABB39F0993}"/>
+                  <a16:creationId xmlns:a16="http://schemas.microsoft.com/office/drawing/2014/main" id="{9E806C19-D323-E705-F3B8-EEABB39F0993}"/>
                 </a:ext>
               </a:extLst>
             </p:cNvPr>
@@ -18774,7 +19886,7 @@
           <p:cNvPr id="11" name="그룹 1003">
             <a:extLst>
               <a:ext uri="{FF2B5EF4-FFF2-40B4-BE49-F238E27FC236}">
-                <a16:creationId xmlns="" xmlns:a16="http://schemas.microsoft.com/office/drawing/2014/main" id="{701795E0-24B6-38E6-7308-FED7AD2B6900}"/>
+                <a16:creationId xmlns:a16="http://schemas.microsoft.com/office/drawing/2014/main" id="{701795E0-24B6-38E6-7308-FED7AD2B6900}"/>
               </a:ext>
             </a:extLst>
           </p:cNvPr>
@@ -18794,7 +19906,7 @@
             <p:cNvPr id="12" name="Object 11">
               <a:extLst>
                 <a:ext uri="{FF2B5EF4-FFF2-40B4-BE49-F238E27FC236}">
-                  <a16:creationId xmlns="" xmlns:a16="http://schemas.microsoft.com/office/drawing/2014/main" id="{D8C68167-7FB5-1F8E-D53C-DEA682F465F5}"/>
+                  <a16:creationId xmlns:a16="http://schemas.microsoft.com/office/drawing/2014/main" id="{D8C68167-7FB5-1F8E-D53C-DEA682F465F5}"/>
                 </a:ext>
               </a:extLst>
             </p:cNvPr>
@@ -18825,7 +19937,7 @@
           <p:cNvPr id="13" name="그룹 1004">
             <a:extLst>
               <a:ext uri="{FF2B5EF4-FFF2-40B4-BE49-F238E27FC236}">
-                <a16:creationId xmlns="" xmlns:a16="http://schemas.microsoft.com/office/drawing/2014/main" id="{03226A72-764D-99F3-A14F-47C351CB448B}"/>
+                <a16:creationId xmlns:a16="http://schemas.microsoft.com/office/drawing/2014/main" id="{03226A72-764D-99F3-A14F-47C351CB448B}"/>
               </a:ext>
             </a:extLst>
           </p:cNvPr>
@@ -18845,7 +19957,7 @@
             <p:cNvPr id="14" name="Object 14">
               <a:extLst>
                 <a:ext uri="{FF2B5EF4-FFF2-40B4-BE49-F238E27FC236}">
-                  <a16:creationId xmlns="" xmlns:a16="http://schemas.microsoft.com/office/drawing/2014/main" id="{77C5B9A8-AEBA-093B-4CD6-4F1ECF519068}"/>
+                  <a16:creationId xmlns:a16="http://schemas.microsoft.com/office/drawing/2014/main" id="{77C5B9A8-AEBA-093B-4CD6-4F1ECF519068}"/>
                 </a:ext>
               </a:extLst>
             </p:cNvPr>
@@ -18876,7 +19988,7 @@
           <p:cNvPr id="15" name="TextBox 14">
             <a:extLst>
               <a:ext uri="{FF2B5EF4-FFF2-40B4-BE49-F238E27FC236}">
-                <a16:creationId xmlns="" xmlns:a16="http://schemas.microsoft.com/office/drawing/2014/main" id="{E44AB10B-96D7-19D1-5C7A-D2761E62F16E}"/>
+                <a16:creationId xmlns:a16="http://schemas.microsoft.com/office/drawing/2014/main" id="{E44AB10B-96D7-19D1-5C7A-D2761E62F16E}"/>
               </a:ext>
             </a:extLst>
           </p:cNvPr>
@@ -18929,17 +20041,413 @@
   <p:clrMapOvr>
     <a:masterClrMapping/>
   </p:clrMapOvr>
-  <p:timing>
-    <p:tnLst>
-      <p:par>
-        <p:cTn id="1" dur="indefinite" restart="never" nodeType="tmRoot"/>
-      </p:par>
-    </p:tnLst>
-  </p:timing>
 </p:sld>
 </file>
 
-<file path=ppt/slides/slide38.xml><?xml version="1.0" encoding="utf-8"?>
+<file path=ppt/slides/slide4.xml><?xml version="1.0" encoding="utf-8"?>
+<p:sld xmlns:a="http://schemas.openxmlformats.org/drawingml/2006/main" xmlns:r="http://schemas.openxmlformats.org/officeDocument/2006/relationships" xmlns:p="http://schemas.openxmlformats.org/presentationml/2006/main">
+  <p:cSld>
+    <p:spTree>
+      <p:nvGrpSpPr>
+        <p:cNvPr id="1" name=""/>
+        <p:cNvGrpSpPr/>
+        <p:nvPr/>
+      </p:nvGrpSpPr>
+      <p:grpSpPr>
+        <a:xfrm>
+          <a:off x="0" y="0"/>
+          <a:ext cx="0" cy="0"/>
+          <a:chOff x="0" y="0"/>
+          <a:chExt cx="0" cy="0"/>
+        </a:xfrm>
+      </p:grpSpPr>
+      <p:sp>
+        <p:nvSpPr>
+          <p:cNvPr id="4" name="TextBox 3">
+            <a:extLst>
+              <a:ext uri="{FF2B5EF4-FFF2-40B4-BE49-F238E27FC236}">
+                <a16:creationId xmlns:a16="http://schemas.microsoft.com/office/drawing/2014/main" id="{958D5B4D-14A5-06B8-7F2D-D4FBEE3C8A10}"/>
+              </a:ext>
+            </a:extLst>
+          </p:cNvPr>
+          <p:cNvSpPr txBox="1"/>
+          <p:nvPr/>
+        </p:nvSpPr>
+        <p:spPr>
+          <a:xfrm>
+            <a:off x="762000" y="419100"/>
+            <a:ext cx="5181600" cy="830997"/>
+          </a:xfrm>
+          <a:prstGeom prst="rect">
+            <a:avLst/>
+          </a:prstGeom>
+          <a:noFill/>
+        </p:spPr>
+        <p:txBody>
+          <a:bodyPr wrap="square" rtlCol="0">
+            <a:spAutoFit/>
+          </a:bodyPr>
+          <a:lstStyle/>
+          <a:p>
+            <a:r>
+              <a:rPr lang="ko-KR" altLang="en-US" sz="4800" dirty="0">
+                <a:solidFill>
+                  <a:srgbClr val="4C50BC"/>
+                </a:solidFill>
+                <a:latin typeface="G마켓 산스 Medium" panose="02000000000000000000" pitchFamily="50" charset="-127"/>
+                <a:ea typeface="G마켓 산스 Medium" panose="02000000000000000000" pitchFamily="50" charset="-127"/>
+              </a:rPr>
+              <a:t>디버그 실행방법</a:t>
+            </a:r>
+            <a:endParaRPr lang="en-US" altLang="ko-KR" sz="4800" dirty="0">
+              <a:solidFill>
+                <a:srgbClr val="4C50BC"/>
+              </a:solidFill>
+              <a:latin typeface="G마켓 산스 Medium" panose="02000000000000000000" pitchFamily="50" charset="-127"/>
+              <a:ea typeface="G마켓 산스 Medium" panose="02000000000000000000" pitchFamily="50" charset="-127"/>
+            </a:endParaRPr>
+          </a:p>
+        </p:txBody>
+      </p:sp>
+      <p:pic>
+        <p:nvPicPr>
+          <p:cNvPr id="5" name="그림 4">
+            <a:extLst>
+              <a:ext uri="{FF2B5EF4-FFF2-40B4-BE49-F238E27FC236}">
+                <a16:creationId xmlns:a16="http://schemas.microsoft.com/office/drawing/2014/main" id="{4EF898BB-391B-4B27-2869-CDC94BDD9BE2}"/>
+              </a:ext>
+            </a:extLst>
+          </p:cNvPr>
+          <p:cNvPicPr>
+            <a:picLocks noChangeAspect="1"/>
+          </p:cNvPicPr>
+          <p:nvPr/>
+        </p:nvPicPr>
+        <p:blipFill>
+          <a:blip r:embed="rId2"/>
+          <a:stretch>
+            <a:fillRect/>
+          </a:stretch>
+        </p:blipFill>
+        <p:spPr>
+          <a:xfrm>
+            <a:off x="4800601" y="4076700"/>
+            <a:ext cx="6019800" cy="3352800"/>
+          </a:xfrm>
+          <a:prstGeom prst="rect">
+            <a:avLst/>
+          </a:prstGeom>
+        </p:spPr>
+      </p:pic>
+      <p:cxnSp>
+        <p:nvCxnSpPr>
+          <p:cNvPr id="6" name="직선 화살표 연결선 5">
+            <a:extLst>
+              <a:ext uri="{FF2B5EF4-FFF2-40B4-BE49-F238E27FC236}">
+                <a16:creationId xmlns:a16="http://schemas.microsoft.com/office/drawing/2014/main" id="{DCD2EAAF-8377-7849-3CF6-324C67BD2906}"/>
+              </a:ext>
+            </a:extLst>
+          </p:cNvPr>
+          <p:cNvCxnSpPr>
+            <a:cxnSpLocks/>
+          </p:cNvCxnSpPr>
+          <p:nvPr/>
+        </p:nvCxnSpPr>
+        <p:spPr>
+          <a:xfrm flipV="1">
+            <a:off x="6858001" y="3695700"/>
+            <a:ext cx="1676399" cy="1588903"/>
+          </a:xfrm>
+          <a:prstGeom prst="straightConnector1">
+            <a:avLst/>
+          </a:prstGeom>
+          <a:ln w="38100">
+            <a:tailEnd type="triangle"/>
+          </a:ln>
+        </p:spPr>
+        <p:style>
+          <a:lnRef idx="1">
+            <a:schemeClr val="accent2"/>
+          </a:lnRef>
+          <a:fillRef idx="0">
+            <a:schemeClr val="accent2"/>
+          </a:fillRef>
+          <a:effectRef idx="0">
+            <a:schemeClr val="accent2"/>
+          </a:effectRef>
+          <a:fontRef idx="minor">
+            <a:schemeClr val="tx1"/>
+          </a:fontRef>
+        </p:style>
+      </p:cxnSp>
+      <p:sp>
+        <p:nvSpPr>
+          <p:cNvPr id="7" name="직사각형 6">
+            <a:extLst>
+              <a:ext uri="{FF2B5EF4-FFF2-40B4-BE49-F238E27FC236}">
+                <a16:creationId xmlns:a16="http://schemas.microsoft.com/office/drawing/2014/main" id="{A5D06EFD-9C03-303B-8025-1250359439AA}"/>
+              </a:ext>
+            </a:extLst>
+          </p:cNvPr>
+          <p:cNvSpPr/>
+          <p:nvPr/>
+        </p:nvSpPr>
+        <p:spPr>
+          <a:xfrm>
+            <a:off x="6477001" y="5284603"/>
+            <a:ext cx="762000" cy="457200"/>
+          </a:xfrm>
+          <a:prstGeom prst="rect">
+            <a:avLst/>
+          </a:prstGeom>
+          <a:noFill/>
+          <a:ln>
+            <a:solidFill>
+              <a:srgbClr val="FF0000"/>
+            </a:solidFill>
+          </a:ln>
+        </p:spPr>
+        <p:style>
+          <a:lnRef idx="2">
+            <a:schemeClr val="accent2">
+              <a:shade val="50000"/>
+            </a:schemeClr>
+          </a:lnRef>
+          <a:fillRef idx="1">
+            <a:schemeClr val="accent2"/>
+          </a:fillRef>
+          <a:effectRef idx="0">
+            <a:schemeClr val="accent2"/>
+          </a:effectRef>
+          <a:fontRef idx="minor">
+            <a:schemeClr val="lt1"/>
+          </a:fontRef>
+        </p:style>
+        <p:txBody>
+          <a:bodyPr rtlCol="0" anchor="ctr"/>
+          <a:lstStyle/>
+          <a:p>
+            <a:pPr algn="ctr"/>
+            <a:endParaRPr lang="ko-KR" altLang="en-US"/>
+          </a:p>
+        </p:txBody>
+      </p:sp>
+      <p:sp>
+        <p:nvSpPr>
+          <p:cNvPr id="8" name="TextBox 7">
+            <a:extLst>
+              <a:ext uri="{FF2B5EF4-FFF2-40B4-BE49-F238E27FC236}">
+                <a16:creationId xmlns:a16="http://schemas.microsoft.com/office/drawing/2014/main" id="{F20330CF-C17E-9D19-AFE9-CC5661C7B43D}"/>
+              </a:ext>
+            </a:extLst>
+          </p:cNvPr>
+          <p:cNvSpPr txBox="1"/>
+          <p:nvPr/>
+        </p:nvSpPr>
+        <p:spPr>
+          <a:xfrm>
+            <a:off x="8534400" y="3239869"/>
+            <a:ext cx="6382657" cy="646331"/>
+          </a:xfrm>
+          <a:prstGeom prst="rect">
+            <a:avLst/>
+          </a:prstGeom>
+          <a:noFill/>
+        </p:spPr>
+        <p:txBody>
+          <a:bodyPr wrap="square" rtlCol="0">
+            <a:spAutoFit/>
+          </a:bodyPr>
+          <a:lstStyle/>
+          <a:p>
+            <a:r>
+              <a:rPr lang="ko-KR" altLang="en-US" sz="3600" dirty="0">
+                <a:solidFill>
+                  <a:srgbClr val="FF0000"/>
+                </a:solidFill>
+                <a:latin typeface="G마켓 산스 Medium" panose="02000000000000000000" pitchFamily="50" charset="-127"/>
+                <a:ea typeface="G마켓 산스 Medium" panose="02000000000000000000" pitchFamily="50" charset="-127"/>
+              </a:rPr>
+              <a:t>디버그 모드 실행 </a:t>
+            </a:r>
+            <a:r>
+              <a:rPr lang="en-US" altLang="ko-KR" sz="3600" dirty="0">
+                <a:solidFill>
+                  <a:srgbClr val="FF0000"/>
+                </a:solidFill>
+                <a:latin typeface="G마켓 산스 Medium" panose="02000000000000000000" pitchFamily="50" charset="-127"/>
+                <a:ea typeface="G마켓 산스 Medium" panose="02000000000000000000" pitchFamily="50" charset="-127"/>
+              </a:rPr>
+              <a:t>(F11)</a:t>
+            </a:r>
+          </a:p>
+        </p:txBody>
+      </p:sp>
+      <p:cxnSp>
+        <p:nvCxnSpPr>
+          <p:cNvPr id="9" name="직선 화살표 연결선 8">
+            <a:extLst>
+              <a:ext uri="{FF2B5EF4-FFF2-40B4-BE49-F238E27FC236}">
+                <a16:creationId xmlns:a16="http://schemas.microsoft.com/office/drawing/2014/main" id="{238311D0-FB96-FABC-BF9C-3B3119EA7FBF}"/>
+              </a:ext>
+            </a:extLst>
+          </p:cNvPr>
+          <p:cNvCxnSpPr>
+            <a:cxnSpLocks/>
+          </p:cNvCxnSpPr>
+          <p:nvPr/>
+        </p:nvCxnSpPr>
+        <p:spPr>
+          <a:xfrm flipV="1">
+            <a:off x="7924801" y="5295900"/>
+            <a:ext cx="2913743" cy="1"/>
+          </a:xfrm>
+          <a:prstGeom prst="straightConnector1">
+            <a:avLst/>
+          </a:prstGeom>
+          <a:ln w="38100">
+            <a:tailEnd type="triangle"/>
+          </a:ln>
+        </p:spPr>
+        <p:style>
+          <a:lnRef idx="1">
+            <a:schemeClr val="accent2"/>
+          </a:lnRef>
+          <a:fillRef idx="0">
+            <a:schemeClr val="accent2"/>
+          </a:fillRef>
+          <a:effectRef idx="0">
+            <a:schemeClr val="accent2"/>
+          </a:effectRef>
+          <a:fontRef idx="minor">
+            <a:schemeClr val="tx1"/>
+          </a:fontRef>
+        </p:style>
+      </p:cxnSp>
+      <p:sp>
+        <p:nvSpPr>
+          <p:cNvPr id="10" name="직사각형 9">
+            <a:extLst>
+              <a:ext uri="{FF2B5EF4-FFF2-40B4-BE49-F238E27FC236}">
+                <a16:creationId xmlns:a16="http://schemas.microsoft.com/office/drawing/2014/main" id="{8FC64D51-ED61-F819-3342-EB733511E75C}"/>
+              </a:ext>
+            </a:extLst>
+          </p:cNvPr>
+          <p:cNvSpPr/>
+          <p:nvPr/>
+        </p:nvSpPr>
+        <p:spPr>
+          <a:xfrm>
+            <a:off x="7543801" y="5295900"/>
+            <a:ext cx="762000" cy="457200"/>
+          </a:xfrm>
+          <a:prstGeom prst="rect">
+            <a:avLst/>
+          </a:prstGeom>
+          <a:noFill/>
+          <a:ln>
+            <a:solidFill>
+              <a:srgbClr val="FF0000"/>
+            </a:solidFill>
+          </a:ln>
+        </p:spPr>
+        <p:style>
+          <a:lnRef idx="2">
+            <a:schemeClr val="accent2">
+              <a:shade val="50000"/>
+            </a:schemeClr>
+          </a:lnRef>
+          <a:fillRef idx="1">
+            <a:schemeClr val="accent2"/>
+          </a:fillRef>
+          <a:effectRef idx="0">
+            <a:schemeClr val="accent2"/>
+          </a:effectRef>
+          <a:fontRef idx="minor">
+            <a:schemeClr val="lt1"/>
+          </a:fontRef>
+        </p:style>
+        <p:txBody>
+          <a:bodyPr rtlCol="0" anchor="ctr"/>
+          <a:lstStyle/>
+          <a:p>
+            <a:pPr algn="ctr"/>
+            <a:endParaRPr lang="ko-KR" altLang="en-US"/>
+          </a:p>
+        </p:txBody>
+      </p:sp>
+      <p:sp>
+        <p:nvSpPr>
+          <p:cNvPr id="11" name="TextBox 10">
+            <a:extLst>
+              <a:ext uri="{FF2B5EF4-FFF2-40B4-BE49-F238E27FC236}">
+                <a16:creationId xmlns:a16="http://schemas.microsoft.com/office/drawing/2014/main" id="{6B3F74AA-110D-5786-CBC6-5C765A9BC846}"/>
+              </a:ext>
+            </a:extLst>
+          </p:cNvPr>
+          <p:cNvSpPr txBox="1"/>
+          <p:nvPr/>
+        </p:nvSpPr>
+        <p:spPr>
+          <a:xfrm>
+            <a:off x="10958287" y="5106769"/>
+            <a:ext cx="5119913" cy="646331"/>
+          </a:xfrm>
+          <a:prstGeom prst="rect">
+            <a:avLst/>
+          </a:prstGeom>
+          <a:noFill/>
+        </p:spPr>
+        <p:txBody>
+          <a:bodyPr wrap="square" rtlCol="0">
+            <a:spAutoFit/>
+          </a:bodyPr>
+          <a:lstStyle/>
+          <a:p>
+            <a:r>
+              <a:rPr lang="ko-KR" altLang="en-US" sz="3600">
+                <a:solidFill>
+                  <a:srgbClr val="FF0000"/>
+                </a:solidFill>
+                <a:latin typeface="G마켓 산스 Medium" panose="02000000000000000000" pitchFamily="50" charset="-127"/>
+                <a:ea typeface="G마켓 산스 Medium" panose="02000000000000000000" pitchFamily="50" charset="-127"/>
+              </a:rPr>
+              <a:t>일반 실행</a:t>
+            </a:r>
+            <a:r>
+              <a:rPr lang="en-US" altLang="ko-KR" sz="3600">
+                <a:solidFill>
+                  <a:srgbClr val="FF0000"/>
+                </a:solidFill>
+                <a:latin typeface="G마켓 산스 Medium" panose="02000000000000000000" pitchFamily="50" charset="-127"/>
+                <a:ea typeface="G마켓 산스 Medium" panose="02000000000000000000" pitchFamily="50" charset="-127"/>
+              </a:rPr>
+              <a:t>(ctrl + F11)</a:t>
+            </a:r>
+            <a:endParaRPr lang="en-US" altLang="ko-KR" sz="3600" dirty="0">
+              <a:solidFill>
+                <a:srgbClr val="FF0000"/>
+              </a:solidFill>
+              <a:latin typeface="G마켓 산스 Medium" panose="02000000000000000000" pitchFamily="50" charset="-127"/>
+              <a:ea typeface="G마켓 산스 Medium" panose="02000000000000000000" pitchFamily="50" charset="-127"/>
+            </a:endParaRPr>
+          </a:p>
+        </p:txBody>
+      </p:sp>
+    </p:spTree>
+    <p:extLst>
+      <p:ext uri="{BB962C8B-B14F-4D97-AF65-F5344CB8AC3E}">
+        <p14:creationId xmlns:p14="http://schemas.microsoft.com/office/powerpoint/2010/main" val="3664252349"/>
+      </p:ext>
+    </p:extLst>
+  </p:cSld>
+  <p:clrMapOvr>
+    <a:masterClrMapping/>
+  </p:clrMapOvr>
+</p:sld>
+</file>
+
+<file path=ppt/slides/slide40.xml><?xml version="1.0" encoding="utf-8"?>
 <p:sld xmlns:a="http://schemas.openxmlformats.org/drawingml/2006/main" xmlns:r="http://schemas.openxmlformats.org/officeDocument/2006/relationships" xmlns:p="http://schemas.openxmlformats.org/presentationml/2006/main">
   <p:cSld>
     <p:spTree>
@@ -18985,7 +20493,7 @@
           <p:cNvPr id="12" name="TextBox 11">
             <a:extLst>
               <a:ext uri="{FF2B5EF4-FFF2-40B4-BE49-F238E27FC236}">
-                <a16:creationId xmlns="" xmlns:a16="http://schemas.microsoft.com/office/drawing/2014/main" id="{FC45ADBF-CAA8-348D-E57F-358AF9FAC5C1}"/>
+                <a16:creationId xmlns:a16="http://schemas.microsoft.com/office/drawing/2014/main" id="{FC45ADBF-CAA8-348D-E57F-358AF9FAC5C1}"/>
               </a:ext>
             </a:extLst>
           </p:cNvPr>
@@ -19009,7 +20517,7 @@
           <a:lstStyle/>
           <a:p>
             <a:r>
-              <a:rPr lang="ko-KR" altLang="en-US" sz="4800" smtClean="0">
+              <a:rPr lang="ko-KR" altLang="en-US" sz="4800">
                 <a:solidFill>
                   <a:srgbClr val="4C50BC"/>
                 </a:solidFill>
@@ -19043,7 +20551,7 @@
           <p:cNvPr id="14" name="TextBox 13">
             <a:extLst>
               <a:ext uri="{FF2B5EF4-FFF2-40B4-BE49-F238E27FC236}">
-                <a16:creationId xmlns="" xmlns:a16="http://schemas.microsoft.com/office/drawing/2014/main" id="{4EDAA912-8FA0-0F11-119B-EA9F8B36A489}"/>
+                <a16:creationId xmlns:a16="http://schemas.microsoft.com/office/drawing/2014/main" id="{4EDAA912-8FA0-0F11-119B-EA9F8B36A489}"/>
               </a:ext>
             </a:extLst>
           </p:cNvPr>
@@ -19067,7 +20575,7 @@
           <a:lstStyle/>
           <a:p>
             <a:r>
-              <a:rPr lang="en-US" altLang="ko-KR" sz="3200" smtClean="0">
+              <a:rPr lang="en-US" altLang="ko-KR" sz="3200">
                 <a:solidFill>
                   <a:schemeClr val="bg1">
                     <a:lumMod val="50000"/>
@@ -19321,7 +20829,7 @@
 </p:sld>
 </file>
 
-<file path=ppt/slides/slide39.xml><?xml version="1.0" encoding="utf-8"?>
+<file path=ppt/slides/slide41.xml><?xml version="1.0" encoding="utf-8"?>
 <p:sld xmlns:a="http://schemas.openxmlformats.org/drawingml/2006/main" xmlns:r="http://schemas.openxmlformats.org/officeDocument/2006/relationships" xmlns:p="http://schemas.openxmlformats.org/presentationml/2006/main">
   <p:cSld>
     <p:spTree>
@@ -19343,7 +20851,7 @@
           <p:cNvPr id="8" name="TextBox 7">
             <a:extLst>
               <a:ext uri="{FF2B5EF4-FFF2-40B4-BE49-F238E27FC236}">
-                <a16:creationId xmlns="" xmlns:a16="http://schemas.microsoft.com/office/drawing/2014/main" id="{4EDAA912-8FA0-0F11-119B-EA9F8B36A489}"/>
+                <a16:creationId xmlns:a16="http://schemas.microsoft.com/office/drawing/2014/main" id="{4EDAA912-8FA0-0F11-119B-EA9F8B36A489}"/>
               </a:ext>
             </a:extLst>
           </p:cNvPr>
@@ -19376,10 +20884,10 @@
                 <a:latin typeface="G마켓 산스 Medium" panose="02000000000000000000" pitchFamily="50" charset="-127"/>
                 <a:ea typeface="G마켓 산스 Medium" panose="02000000000000000000" pitchFamily="50" charset="-127"/>
               </a:rPr>
-              <a:t>2</a:t>
-            </a:r>
-            <a:r>
-              <a:rPr lang="en-US" altLang="ko-KR" sz="3200" smtClean="0">
+              <a:t>2. </a:t>
+            </a:r>
+            <a:r>
+              <a:rPr lang="ko-KR" altLang="en-US" sz="3200">
                 <a:solidFill>
                   <a:schemeClr val="bg1">
                     <a:lumMod val="50000"/>
@@ -19388,10 +20896,10 @@
                 <a:latin typeface="G마켓 산스 Medium" panose="02000000000000000000" pitchFamily="50" charset="-127"/>
                 <a:ea typeface="G마켓 산스 Medium" panose="02000000000000000000" pitchFamily="50" charset="-127"/>
               </a:rPr>
-              <a:t>. </a:t>
-            </a:r>
-            <a:r>
-              <a:rPr lang="ko-KR" altLang="en-US" sz="3200" smtClean="0">
+              <a:t>아래의 그림과 </a:t>
+            </a:r>
+            <a:r>
+              <a:rPr lang="ko-KR" altLang="en-US" sz="3200" dirty="0">
                 <a:solidFill>
                   <a:schemeClr val="bg1">
                     <a:lumMod val="50000"/>
@@ -19400,10 +20908,10 @@
                 <a:latin typeface="G마켓 산스 Medium" panose="02000000000000000000" pitchFamily="50" charset="-127"/>
                 <a:ea typeface="G마켓 산스 Medium" panose="02000000000000000000" pitchFamily="50" charset="-127"/>
               </a:rPr>
-              <a:t>아래의 그림과 </a:t>
-            </a:r>
-            <a:r>
-              <a:rPr lang="ko-KR" altLang="en-US" sz="3200" dirty="0">
+              <a:t>같이 </a:t>
+            </a:r>
+            <a:r>
+              <a:rPr lang="ko-KR" altLang="en-US" sz="3200">
                 <a:solidFill>
                   <a:schemeClr val="bg1">
                     <a:lumMod val="50000"/>
@@ -19412,33 +20920,9 @@
                 <a:latin typeface="G마켓 산스 Medium" panose="02000000000000000000" pitchFamily="50" charset="-127"/>
                 <a:ea typeface="G마켓 산스 Medium" panose="02000000000000000000" pitchFamily="50" charset="-127"/>
               </a:rPr>
-              <a:t>같이 </a:t>
-            </a:r>
-            <a:r>
-              <a:rPr lang="ko-KR" altLang="en-US" sz="3200">
-                <a:solidFill>
-                  <a:schemeClr val="bg1">
-                    <a:lumMod val="50000"/>
-                  </a:schemeClr>
-                </a:solidFill>
-                <a:latin typeface="G마켓 산스 Medium" panose="02000000000000000000" pitchFamily="50" charset="-127"/>
-                <a:ea typeface="G마켓 산스 Medium" panose="02000000000000000000" pitchFamily="50" charset="-127"/>
-              </a:rPr>
-              <a:t>구구단을 </a:t>
-            </a:r>
-            <a:r>
-              <a:rPr lang="ko-KR" altLang="en-US" sz="3200" smtClean="0">
-                <a:solidFill>
-                  <a:schemeClr val="bg1">
-                    <a:lumMod val="50000"/>
-                  </a:schemeClr>
-                </a:solidFill>
-                <a:latin typeface="G마켓 산스 Medium" panose="02000000000000000000" pitchFamily="50" charset="-127"/>
-                <a:ea typeface="G마켓 산스 Medium" panose="02000000000000000000" pitchFamily="50" charset="-127"/>
-              </a:rPr>
-              <a:t>출력하시오</a:t>
-            </a:r>
-            <a:endParaRPr lang="en-US" altLang="ko-KR" sz="3200" smtClean="0">
+              <a:t>구구단을 출력하시오</a:t>
+            </a:r>
+            <a:endParaRPr lang="en-US" altLang="ko-KR" sz="3200">
               <a:solidFill>
                 <a:schemeClr val="bg1">
                   <a:lumMod val="50000"/>
@@ -19454,7 +20938,7 @@
               <a:buChar char="-"/>
             </a:pPr>
             <a:r>
-              <a:rPr lang="ko-KR" altLang="en-US" sz="3200" smtClean="0">
+              <a:rPr lang="ko-KR" altLang="en-US" sz="3200">
                 <a:solidFill>
                   <a:schemeClr val="bg1">
                     <a:lumMod val="50000"/>
@@ -19466,7 +20950,7 @@
               <a:t>일정한 간격만큼 띄우고 싶으면 </a:t>
             </a:r>
             <a:r>
-              <a:rPr lang="en-US" altLang="ko-KR" sz="3200" smtClean="0">
+              <a:rPr lang="en-US" altLang="ko-KR" sz="3200">
                 <a:solidFill>
                   <a:schemeClr val="bg1">
                     <a:lumMod val="50000"/>
@@ -19478,7 +20962,7 @@
               <a:t>\t </a:t>
             </a:r>
             <a:r>
-              <a:rPr lang="ko-KR" altLang="en-US" sz="3200" smtClean="0">
+              <a:rPr lang="ko-KR" altLang="en-US" sz="3200">
                 <a:solidFill>
                   <a:schemeClr val="bg1">
                     <a:lumMod val="50000"/>
@@ -19490,7 +20974,7 @@
               <a:t>를 문자열에 포함시키면 된다</a:t>
             </a:r>
             <a:r>
-              <a:rPr lang="en-US" altLang="ko-KR" sz="3200" smtClean="0">
+              <a:rPr lang="en-US" altLang="ko-KR" sz="3200">
                 <a:solidFill>
                   <a:schemeClr val="bg1">
                     <a:lumMod val="50000"/>
@@ -19504,7 +20988,7 @@
           </a:p>
           <a:p>
             <a:r>
-              <a:rPr lang="en-US" altLang="ko-KR" sz="3200" smtClean="0">
+              <a:rPr lang="en-US" altLang="ko-KR" sz="3200">
                 <a:solidFill>
                   <a:schemeClr val="bg1">
                     <a:lumMod val="50000"/>
@@ -19516,7 +21000,7 @@
               <a:t>    </a:t>
             </a:r>
             <a:r>
-              <a:rPr lang="en-US" altLang="ko-KR" sz="3200" smtClean="0">
+              <a:rPr lang="en-US" altLang="ko-KR" sz="3200">
                 <a:solidFill>
                   <a:srgbClr val="FF0000"/>
                 </a:solidFill>
@@ -19526,7 +21010,7 @@
               <a:t>ex) “2*1=2 \t 3*1=3”</a:t>
             </a:r>
             <a:r>
-              <a:rPr lang="ko-KR" altLang="en-US" sz="3200" smtClean="0">
+              <a:rPr lang="ko-KR" altLang="en-US" sz="3200">
                 <a:solidFill>
                   <a:srgbClr val="FF0000"/>
                 </a:solidFill>
@@ -19717,263 +21201,7 @@
 </p:sld>
 </file>
 
-<file path=ppt/slides/slide4.xml><?xml version="1.0" encoding="utf-8"?>
-<p:sld xmlns:a="http://schemas.openxmlformats.org/drawingml/2006/main" xmlns:r="http://schemas.openxmlformats.org/officeDocument/2006/relationships" xmlns:p="http://schemas.openxmlformats.org/presentationml/2006/main">
-  <p:cSld>
-    <p:spTree>
-      <p:nvGrpSpPr>
-        <p:cNvPr id="1" name=""/>
-        <p:cNvGrpSpPr/>
-        <p:nvPr/>
-      </p:nvGrpSpPr>
-      <p:grpSpPr>
-        <a:xfrm>
-          <a:off x="0" y="0"/>
-          <a:ext cx="0" cy="0"/>
-          <a:chOff x="0" y="0"/>
-          <a:chExt cx="0" cy="0"/>
-        </a:xfrm>
-      </p:grpSpPr>
-      <p:pic>
-        <p:nvPicPr>
-          <p:cNvPr id="4" name="그림 3"/>
-          <p:cNvPicPr>
-            <a:picLocks noChangeAspect="1"/>
-          </p:cNvPicPr>
-          <p:nvPr/>
-        </p:nvPicPr>
-        <p:blipFill>
-          <a:blip r:embed="rId2"/>
-          <a:stretch>
-            <a:fillRect/>
-          </a:stretch>
-        </p:blipFill>
-        <p:spPr>
-          <a:xfrm>
-            <a:off x="2966581" y="266700"/>
-            <a:ext cx="11968619" cy="4114800"/>
-          </a:xfrm>
-          <a:prstGeom prst="rect">
-            <a:avLst/>
-          </a:prstGeom>
-        </p:spPr>
-      </p:pic>
-      <p:cxnSp>
-        <p:nvCxnSpPr>
-          <p:cNvPr id="5" name="직선 화살표 연결선 4">
-            <a:extLst>
-              <a:ext uri="{FF2B5EF4-FFF2-40B4-BE49-F238E27FC236}">
-                <a16:creationId xmlns="" xmlns:a16="http://schemas.microsoft.com/office/drawing/2014/main" id="{299DF5EC-9DF4-5255-06AC-0A7CE4FF58C3}"/>
-              </a:ext>
-            </a:extLst>
-          </p:cNvPr>
-          <p:cNvCxnSpPr>
-            <a:cxnSpLocks/>
-          </p:cNvCxnSpPr>
-          <p:nvPr/>
-        </p:nvCxnSpPr>
-        <p:spPr>
-          <a:xfrm>
-            <a:off x="3271381" y="3074803"/>
-            <a:ext cx="508000" cy="691209"/>
-          </a:xfrm>
-          <a:prstGeom prst="straightConnector1">
-            <a:avLst/>
-          </a:prstGeom>
-          <a:ln w="38100">
-            <a:tailEnd type="triangle"/>
-          </a:ln>
-        </p:spPr>
-        <p:style>
-          <a:lnRef idx="1">
-            <a:schemeClr val="accent2"/>
-          </a:lnRef>
-          <a:fillRef idx="0">
-            <a:schemeClr val="accent2"/>
-          </a:fillRef>
-          <a:effectRef idx="0">
-            <a:schemeClr val="accent2"/>
-          </a:effectRef>
-          <a:fontRef idx="minor">
-            <a:schemeClr val="tx1"/>
-          </a:fontRef>
-        </p:style>
-      </p:cxnSp>
-      <p:sp>
-        <p:nvSpPr>
-          <p:cNvPr id="6" name="직사각형 5">
-            <a:extLst>
-              <a:ext uri="{FF2B5EF4-FFF2-40B4-BE49-F238E27FC236}">
-                <a16:creationId xmlns="" xmlns:a16="http://schemas.microsoft.com/office/drawing/2014/main" id="{FFF506F9-840A-0508-4CAF-3AC711D8D5CE}"/>
-              </a:ext>
-            </a:extLst>
-          </p:cNvPr>
-          <p:cNvSpPr/>
-          <p:nvPr/>
-        </p:nvSpPr>
-        <p:spPr>
-          <a:xfrm>
-            <a:off x="2981095" y="2617603"/>
-            <a:ext cx="518886" cy="457200"/>
-          </a:xfrm>
-          <a:prstGeom prst="rect">
-            <a:avLst/>
-          </a:prstGeom>
-          <a:noFill/>
-          <a:ln>
-            <a:solidFill>
-              <a:srgbClr val="FF0000"/>
-            </a:solidFill>
-          </a:ln>
-        </p:spPr>
-        <p:style>
-          <a:lnRef idx="2">
-            <a:schemeClr val="accent2">
-              <a:shade val="50000"/>
-            </a:schemeClr>
-          </a:lnRef>
-          <a:fillRef idx="1">
-            <a:schemeClr val="accent2"/>
-          </a:fillRef>
-          <a:effectRef idx="0">
-            <a:schemeClr val="accent2"/>
-          </a:effectRef>
-          <a:fontRef idx="minor">
-            <a:schemeClr val="lt1"/>
-          </a:fontRef>
-        </p:style>
-        <p:txBody>
-          <a:bodyPr rtlCol="0" anchor="ctr"/>
-          <a:lstStyle/>
-          <a:p>
-            <a:pPr algn="ctr"/>
-            <a:endParaRPr lang="ko-KR" altLang="en-US"/>
-          </a:p>
-        </p:txBody>
-      </p:sp>
-      <p:sp>
-        <p:nvSpPr>
-          <p:cNvPr id="7" name="TextBox 6">
-            <a:extLst>
-              <a:ext uri="{FF2B5EF4-FFF2-40B4-BE49-F238E27FC236}">
-                <a16:creationId xmlns="" xmlns:a16="http://schemas.microsoft.com/office/drawing/2014/main" id="{C6D113C6-EA5C-788F-0C77-E7CE6EBB865F}"/>
-              </a:ext>
-            </a:extLst>
-          </p:cNvPr>
-          <p:cNvSpPr txBox="1"/>
-          <p:nvPr/>
-        </p:nvSpPr>
-        <p:spPr>
-          <a:xfrm>
-            <a:off x="3779381" y="3766012"/>
-            <a:ext cx="10756676" cy="646331"/>
-          </a:xfrm>
-          <a:prstGeom prst="rect">
-            <a:avLst/>
-          </a:prstGeom>
-          <a:noFill/>
-        </p:spPr>
-        <p:txBody>
-          <a:bodyPr wrap="square" rtlCol="0">
-            <a:spAutoFit/>
-          </a:bodyPr>
-          <a:lstStyle/>
-          <a:p>
-            <a:r>
-              <a:rPr lang="ko-KR" altLang="en-US" sz="3600" smtClean="0">
-                <a:solidFill>
-                  <a:srgbClr val="FF0000"/>
-                </a:solidFill>
-                <a:latin typeface="G마켓 산스 Medium" panose="02000000000000000000" pitchFamily="50" charset="-127"/>
-                <a:ea typeface="G마켓 산스 Medium" panose="02000000000000000000" pitchFamily="50" charset="-127"/>
-              </a:rPr>
-              <a:t>브레이크 포인트</a:t>
-            </a:r>
-            <a:r>
-              <a:rPr lang="en-US" altLang="ko-KR" sz="3600" smtClean="0">
-                <a:solidFill>
-                  <a:srgbClr val="FF0000"/>
-                </a:solidFill>
-                <a:latin typeface="G마켓 산스 Medium" panose="02000000000000000000" pitchFamily="50" charset="-127"/>
-                <a:ea typeface="G마켓 산스 Medium" panose="02000000000000000000" pitchFamily="50" charset="-127"/>
-              </a:rPr>
-              <a:t>( </a:t>
-            </a:r>
-            <a:r>
-              <a:rPr lang="ko-KR" altLang="en-US" sz="3600" smtClean="0">
-                <a:solidFill>
-                  <a:srgbClr val="FF0000"/>
-                </a:solidFill>
-                <a:latin typeface="G마켓 산스 Medium" panose="02000000000000000000" pitchFamily="50" charset="-127"/>
-                <a:ea typeface="G마켓 산스 Medium" panose="02000000000000000000" pitchFamily="50" charset="-127"/>
-              </a:rPr>
-              <a:t>더블클릭 </a:t>
-            </a:r>
-            <a:r>
-              <a:rPr lang="en-US" altLang="ko-KR" sz="3600" smtClean="0">
-                <a:solidFill>
-                  <a:srgbClr val="FF0000"/>
-                </a:solidFill>
-                <a:latin typeface="G마켓 산스 Medium" panose="02000000000000000000" pitchFamily="50" charset="-127"/>
-                <a:ea typeface="G마켓 산스 Medium" panose="02000000000000000000" pitchFamily="50" charset="-127"/>
-              </a:rPr>
-              <a:t>or ctrl+shift+b)</a:t>
-            </a:r>
-            <a:endParaRPr lang="en-US" altLang="ko-KR" sz="3600" dirty="0">
-              <a:solidFill>
-                <a:srgbClr val="FF0000"/>
-              </a:solidFill>
-              <a:latin typeface="G마켓 산스 Medium" panose="02000000000000000000" pitchFamily="50" charset="-127"/>
-              <a:ea typeface="G마켓 산스 Medium" panose="02000000000000000000" pitchFamily="50" charset="-127"/>
-            </a:endParaRPr>
-          </a:p>
-        </p:txBody>
-      </p:sp>
-      <p:pic>
-        <p:nvPicPr>
-          <p:cNvPr id="10" name="그림 9"/>
-          <p:cNvPicPr>
-            <a:picLocks noChangeAspect="1"/>
-          </p:cNvPicPr>
-          <p:nvPr/>
-        </p:nvPicPr>
-        <p:blipFill>
-          <a:blip r:embed="rId3"/>
-          <a:stretch>
-            <a:fillRect/>
-          </a:stretch>
-        </p:blipFill>
-        <p:spPr>
-          <a:xfrm>
-            <a:off x="2966581" y="4766137"/>
-            <a:ext cx="11935317" cy="5101763"/>
-          </a:xfrm>
-          <a:prstGeom prst="rect">
-            <a:avLst/>
-          </a:prstGeom>
-        </p:spPr>
-      </p:pic>
-    </p:spTree>
-    <p:extLst>
-      <p:ext uri="{BB962C8B-B14F-4D97-AF65-F5344CB8AC3E}">
-        <p14:creationId xmlns:p14="http://schemas.microsoft.com/office/powerpoint/2010/main" val="2012974225"/>
-      </p:ext>
-    </p:extLst>
-  </p:cSld>
-  <p:clrMapOvr>
-    <a:masterClrMapping/>
-  </p:clrMapOvr>
-  <p:timing>
-    <p:tnLst>
-      <p:par>
-        <p:cTn id="1" dur="indefinite" restart="never" nodeType="tmRoot"/>
-      </p:par>
-    </p:tnLst>
-  </p:timing>
-</p:sld>
-</file>
-
-<file path=ppt/slides/slide40.xml><?xml version="1.0" encoding="utf-8"?>
+<file path=ppt/slides/slide42.xml><?xml version="1.0" encoding="utf-8"?>
 <p:sld xmlns:a="http://schemas.openxmlformats.org/drawingml/2006/main" xmlns:r="http://schemas.openxmlformats.org/officeDocument/2006/relationships" xmlns:p="http://schemas.openxmlformats.org/presentationml/2006/main">
   <p:cSld>
     <p:spTree>
@@ -19995,7 +21223,7 @@
           <p:cNvPr id="4" name="TextBox 3">
             <a:extLst>
               <a:ext uri="{FF2B5EF4-FFF2-40B4-BE49-F238E27FC236}">
-                <a16:creationId xmlns="" xmlns:a16="http://schemas.microsoft.com/office/drawing/2014/main" id="{4EDAA912-8FA0-0F11-119B-EA9F8B36A489}"/>
+                <a16:creationId xmlns:a16="http://schemas.microsoft.com/office/drawing/2014/main" id="{4EDAA912-8FA0-0F11-119B-EA9F8B36A489}"/>
               </a:ext>
             </a:extLst>
           </p:cNvPr>
@@ -20019,7 +21247,7 @@
           <a:lstStyle/>
           <a:p>
             <a:r>
-              <a:rPr lang="en-US" altLang="ko-KR" sz="3200" smtClean="0">
+              <a:rPr lang="en-US" altLang="ko-KR" sz="3200">
                 <a:solidFill>
                   <a:schemeClr val="bg1">
                     <a:lumMod val="50000"/>
@@ -20336,7 +21564,7 @@
 </p:sld>
 </file>
 
-<file path=ppt/slides/slide41.xml><?xml version="1.0" encoding="utf-8"?>
+<file path=ppt/slides/slide43.xml><?xml version="1.0" encoding="utf-8"?>
 <p:sld xmlns:a="http://schemas.openxmlformats.org/drawingml/2006/main" xmlns:r="http://schemas.openxmlformats.org/officeDocument/2006/relationships" xmlns:p="http://schemas.openxmlformats.org/presentationml/2006/main">
   <p:cSld name="Slide 20">
     <p:bg>
@@ -20624,7 +21852,7 @@
           <p:cNvPr id="2" name="TextBox 1">
             <a:extLst>
               <a:ext uri="{FF2B5EF4-FFF2-40B4-BE49-F238E27FC236}">
-                <a16:creationId xmlns="" xmlns:a16="http://schemas.microsoft.com/office/drawing/2014/main" id="{715D88A2-BD52-978B-A00A-540446126E3D}"/>
+                <a16:creationId xmlns:a16="http://schemas.microsoft.com/office/drawing/2014/main" id="{715D88A2-BD52-978B-A00A-540446126E3D}"/>
               </a:ext>
             </a:extLst>
           </p:cNvPr>
@@ -20672,13 +21900,6 @@
   <p:clrMapOvr>
     <a:masterClrMapping/>
   </p:clrMapOvr>
-  <p:timing>
-    <p:tnLst>
-      <p:par>
-        <p:cTn id="1" dur="indefinite" restart="never" nodeType="tmRoot"/>
-      </p:par>
-    </p:tnLst>
-  </p:timing>
 </p:sld>
 </file>
 
@@ -20715,55 +21936,243 @@
         </p:blipFill>
         <p:spPr>
           <a:xfrm>
-            <a:off x="2590800" y="114300"/>
-            <a:ext cx="10286390" cy="3962400"/>
+            <a:off x="3352800" y="2781300"/>
+            <a:ext cx="11968619" cy="4114800"/>
           </a:xfrm>
           <a:prstGeom prst="rect">
             <a:avLst/>
           </a:prstGeom>
         </p:spPr>
       </p:pic>
-      <p:pic>
-        <p:nvPicPr>
-          <p:cNvPr id="5" name="그림 4"/>
-          <p:cNvPicPr>
-            <a:picLocks noChangeAspect="1"/>
-          </p:cNvPicPr>
-          <p:nvPr/>
-        </p:nvPicPr>
-        <p:blipFill>
-          <a:blip r:embed="rId3"/>
-          <a:stretch>
-            <a:fillRect/>
-          </a:stretch>
-        </p:blipFill>
-        <p:spPr>
-          <a:xfrm>
-            <a:off x="1371600" y="4381500"/>
-            <a:ext cx="15662391" cy="5257800"/>
-          </a:xfrm>
-          <a:prstGeom prst="rect">
-            <a:avLst/>
-          </a:prstGeom>
-        </p:spPr>
-      </p:pic>
+      <p:cxnSp>
+        <p:nvCxnSpPr>
+          <p:cNvPr id="5" name="직선 화살표 연결선 4">
+            <a:extLst>
+              <a:ext uri="{FF2B5EF4-FFF2-40B4-BE49-F238E27FC236}">
+                <a16:creationId xmlns:a16="http://schemas.microsoft.com/office/drawing/2014/main" id="{299DF5EC-9DF4-5255-06AC-0A7CE4FF58C3}"/>
+              </a:ext>
+            </a:extLst>
+          </p:cNvPr>
+          <p:cNvCxnSpPr>
+            <a:cxnSpLocks/>
+          </p:cNvCxnSpPr>
+          <p:nvPr/>
+        </p:nvCxnSpPr>
+        <p:spPr>
+          <a:xfrm>
+            <a:off x="3657600" y="5589403"/>
+            <a:ext cx="508000" cy="691209"/>
+          </a:xfrm>
+          <a:prstGeom prst="straightConnector1">
+            <a:avLst/>
+          </a:prstGeom>
+          <a:ln w="38100">
+            <a:tailEnd type="triangle"/>
+          </a:ln>
+        </p:spPr>
+        <p:style>
+          <a:lnRef idx="1">
+            <a:schemeClr val="accent2"/>
+          </a:lnRef>
+          <a:fillRef idx="0">
+            <a:schemeClr val="accent2"/>
+          </a:fillRef>
+          <a:effectRef idx="0">
+            <a:schemeClr val="accent2"/>
+          </a:effectRef>
+          <a:fontRef idx="minor">
+            <a:schemeClr val="tx1"/>
+          </a:fontRef>
+        </p:style>
+      </p:cxnSp>
+      <p:sp>
+        <p:nvSpPr>
+          <p:cNvPr id="6" name="직사각형 5">
+            <a:extLst>
+              <a:ext uri="{FF2B5EF4-FFF2-40B4-BE49-F238E27FC236}">
+                <a16:creationId xmlns:a16="http://schemas.microsoft.com/office/drawing/2014/main" id="{FFF506F9-840A-0508-4CAF-3AC711D8D5CE}"/>
+              </a:ext>
+            </a:extLst>
+          </p:cNvPr>
+          <p:cNvSpPr/>
+          <p:nvPr/>
+        </p:nvSpPr>
+        <p:spPr>
+          <a:xfrm>
+            <a:off x="3367314" y="5132203"/>
+            <a:ext cx="518886" cy="457200"/>
+          </a:xfrm>
+          <a:prstGeom prst="rect">
+            <a:avLst/>
+          </a:prstGeom>
+          <a:noFill/>
+          <a:ln>
+            <a:solidFill>
+              <a:srgbClr val="FF0000"/>
+            </a:solidFill>
+          </a:ln>
+        </p:spPr>
+        <p:style>
+          <a:lnRef idx="2">
+            <a:schemeClr val="accent2">
+              <a:shade val="50000"/>
+            </a:schemeClr>
+          </a:lnRef>
+          <a:fillRef idx="1">
+            <a:schemeClr val="accent2"/>
+          </a:fillRef>
+          <a:effectRef idx="0">
+            <a:schemeClr val="accent2"/>
+          </a:effectRef>
+          <a:fontRef idx="minor">
+            <a:schemeClr val="lt1"/>
+          </a:fontRef>
+        </p:style>
+        <p:txBody>
+          <a:bodyPr rtlCol="0" anchor="ctr"/>
+          <a:lstStyle/>
+          <a:p>
+            <a:pPr algn="ctr"/>
+            <a:endParaRPr lang="ko-KR" altLang="en-US"/>
+          </a:p>
+        </p:txBody>
+      </p:sp>
+      <p:sp>
+        <p:nvSpPr>
+          <p:cNvPr id="7" name="TextBox 6">
+            <a:extLst>
+              <a:ext uri="{FF2B5EF4-FFF2-40B4-BE49-F238E27FC236}">
+                <a16:creationId xmlns:a16="http://schemas.microsoft.com/office/drawing/2014/main" id="{C6D113C6-EA5C-788F-0C77-E7CE6EBB865F}"/>
+              </a:ext>
+            </a:extLst>
+          </p:cNvPr>
+          <p:cNvSpPr txBox="1"/>
+          <p:nvPr/>
+        </p:nvSpPr>
+        <p:spPr>
+          <a:xfrm>
+            <a:off x="4165600" y="6280612"/>
+            <a:ext cx="10756676" cy="646331"/>
+          </a:xfrm>
+          <a:prstGeom prst="rect">
+            <a:avLst/>
+          </a:prstGeom>
+          <a:noFill/>
+        </p:spPr>
+        <p:txBody>
+          <a:bodyPr wrap="square" rtlCol="0">
+            <a:spAutoFit/>
+          </a:bodyPr>
+          <a:lstStyle/>
+          <a:p>
+            <a:r>
+              <a:rPr lang="ko-KR" altLang="en-US" sz="3600">
+                <a:solidFill>
+                  <a:srgbClr val="FF0000"/>
+                </a:solidFill>
+                <a:latin typeface="G마켓 산스 Medium" panose="02000000000000000000" pitchFamily="50" charset="-127"/>
+                <a:ea typeface="G마켓 산스 Medium" panose="02000000000000000000" pitchFamily="50" charset="-127"/>
+              </a:rPr>
+              <a:t>브레이크 포인트</a:t>
+            </a:r>
+            <a:r>
+              <a:rPr lang="en-US" altLang="ko-KR" sz="3600">
+                <a:solidFill>
+                  <a:srgbClr val="FF0000"/>
+                </a:solidFill>
+                <a:latin typeface="G마켓 산스 Medium" panose="02000000000000000000" pitchFamily="50" charset="-127"/>
+                <a:ea typeface="G마켓 산스 Medium" panose="02000000000000000000" pitchFamily="50" charset="-127"/>
+              </a:rPr>
+              <a:t>( </a:t>
+            </a:r>
+            <a:r>
+              <a:rPr lang="ko-KR" altLang="en-US" sz="3600">
+                <a:solidFill>
+                  <a:srgbClr val="FF0000"/>
+                </a:solidFill>
+                <a:latin typeface="G마켓 산스 Medium" panose="02000000000000000000" pitchFamily="50" charset="-127"/>
+                <a:ea typeface="G마켓 산스 Medium" panose="02000000000000000000" pitchFamily="50" charset="-127"/>
+              </a:rPr>
+              <a:t>더블클릭 </a:t>
+            </a:r>
+            <a:r>
+              <a:rPr lang="en-US" altLang="ko-KR" sz="3600">
+                <a:solidFill>
+                  <a:srgbClr val="FF0000"/>
+                </a:solidFill>
+                <a:latin typeface="G마켓 산스 Medium" panose="02000000000000000000" pitchFamily="50" charset="-127"/>
+                <a:ea typeface="G마켓 산스 Medium" panose="02000000000000000000" pitchFamily="50" charset="-127"/>
+              </a:rPr>
+              <a:t>or ctrl+shift+b)</a:t>
+            </a:r>
+            <a:endParaRPr lang="en-US" altLang="ko-KR" sz="3600" dirty="0">
+              <a:solidFill>
+                <a:srgbClr val="FF0000"/>
+              </a:solidFill>
+              <a:latin typeface="G마켓 산스 Medium" panose="02000000000000000000" pitchFamily="50" charset="-127"/>
+              <a:ea typeface="G마켓 산스 Medium" panose="02000000000000000000" pitchFamily="50" charset="-127"/>
+            </a:endParaRPr>
+          </a:p>
+        </p:txBody>
+      </p:sp>
+      <p:sp>
+        <p:nvSpPr>
+          <p:cNvPr id="2" name="TextBox 1">
+            <a:extLst>
+              <a:ext uri="{FF2B5EF4-FFF2-40B4-BE49-F238E27FC236}">
+                <a16:creationId xmlns:a16="http://schemas.microsoft.com/office/drawing/2014/main" id="{7CE777E8-3F46-D32B-BC93-833988D7FF36}"/>
+              </a:ext>
+            </a:extLst>
+          </p:cNvPr>
+          <p:cNvSpPr txBox="1"/>
+          <p:nvPr/>
+        </p:nvSpPr>
+        <p:spPr>
+          <a:xfrm>
+            <a:off x="762000" y="419100"/>
+            <a:ext cx="5943600" cy="830997"/>
+          </a:xfrm>
+          <a:prstGeom prst="rect">
+            <a:avLst/>
+          </a:prstGeom>
+          <a:noFill/>
+        </p:spPr>
+        <p:txBody>
+          <a:bodyPr wrap="square" rtlCol="0">
+            <a:spAutoFit/>
+          </a:bodyPr>
+          <a:lstStyle/>
+          <a:p>
+            <a:r>
+              <a:rPr lang="ko-KR" altLang="en-US" sz="4800" dirty="0">
+                <a:solidFill>
+                  <a:srgbClr val="4C50BC"/>
+                </a:solidFill>
+                <a:latin typeface="G마켓 산스 Medium" panose="02000000000000000000" pitchFamily="50" charset="-127"/>
+                <a:ea typeface="G마켓 산스 Medium" panose="02000000000000000000" pitchFamily="50" charset="-127"/>
+              </a:rPr>
+              <a:t>브레이크 포인트</a:t>
+            </a:r>
+            <a:endParaRPr lang="en-US" altLang="ko-KR" sz="4800" dirty="0">
+              <a:solidFill>
+                <a:srgbClr val="4C50BC"/>
+              </a:solidFill>
+              <a:latin typeface="G마켓 산스 Medium" panose="02000000000000000000" pitchFamily="50" charset="-127"/>
+              <a:ea typeface="G마켓 산스 Medium" panose="02000000000000000000" pitchFamily="50" charset="-127"/>
+            </a:endParaRPr>
+          </a:p>
+        </p:txBody>
+      </p:sp>
     </p:spTree>
     <p:extLst>
       <p:ext uri="{BB962C8B-B14F-4D97-AF65-F5344CB8AC3E}">
-        <p14:creationId xmlns:p14="http://schemas.microsoft.com/office/powerpoint/2010/main" val="1232261720"/>
+        <p14:creationId xmlns:p14="http://schemas.microsoft.com/office/powerpoint/2010/main" val="2012974225"/>
       </p:ext>
     </p:extLst>
   </p:cSld>
   <p:clrMapOvr>
     <a:masterClrMapping/>
   </p:clrMapOvr>
-  <p:timing>
-    <p:tnLst>
-      <p:par>
-        <p:cTn id="1" dur="indefinite" restart="never" nodeType="tmRoot"/>
-      </p:par>
-    </p:tnLst>
-  </p:timing>
 </p:sld>
 </file>
 
@@ -20786,7 +22195,13 @@
       </p:grpSpPr>
       <p:pic>
         <p:nvPicPr>
-          <p:cNvPr id="4" name="그림 3"/>
+          <p:cNvPr id="4" name="그림 3">
+            <a:extLst>
+              <a:ext uri="{FF2B5EF4-FFF2-40B4-BE49-F238E27FC236}">
+                <a16:creationId xmlns:a16="http://schemas.microsoft.com/office/drawing/2014/main" id="{B651905E-6AE8-6145-A45B-BD4D916B1816}"/>
+              </a:ext>
+            </a:extLst>
+          </p:cNvPr>
           <p:cNvPicPr>
             <a:picLocks noChangeAspect="1"/>
           </p:cNvPicPr>
@@ -20800,6 +22215,172 @@
         </p:blipFill>
         <p:spPr>
           <a:xfrm>
+            <a:off x="2971800" y="1714500"/>
+            <a:ext cx="11935317" cy="5101763"/>
+          </a:xfrm>
+          <a:prstGeom prst="rect">
+            <a:avLst/>
+          </a:prstGeom>
+        </p:spPr>
+      </p:pic>
+      <p:sp>
+        <p:nvSpPr>
+          <p:cNvPr id="5" name="TextBox 4">
+            <a:extLst>
+              <a:ext uri="{FF2B5EF4-FFF2-40B4-BE49-F238E27FC236}">
+                <a16:creationId xmlns:a16="http://schemas.microsoft.com/office/drawing/2014/main" id="{5505A30E-0476-4B28-5094-0F62BCF4C989}"/>
+              </a:ext>
+            </a:extLst>
+          </p:cNvPr>
+          <p:cNvSpPr txBox="1"/>
+          <p:nvPr/>
+        </p:nvSpPr>
+        <p:spPr>
+          <a:xfrm>
+            <a:off x="762000" y="419100"/>
+            <a:ext cx="6553200" cy="830997"/>
+          </a:xfrm>
+          <a:prstGeom prst="rect">
+            <a:avLst/>
+          </a:prstGeom>
+          <a:noFill/>
+        </p:spPr>
+        <p:txBody>
+          <a:bodyPr wrap="square" rtlCol="0">
+            <a:spAutoFit/>
+          </a:bodyPr>
+          <a:lstStyle/>
+          <a:p>
+            <a:r>
+              <a:rPr lang="ko-KR" altLang="en-US" sz="4800" dirty="0">
+                <a:solidFill>
+                  <a:srgbClr val="4C50BC"/>
+                </a:solidFill>
+                <a:latin typeface="G마켓 산스 Medium" panose="02000000000000000000" pitchFamily="50" charset="-127"/>
+                <a:ea typeface="G마켓 산스 Medium" panose="02000000000000000000" pitchFamily="50" charset="-127"/>
+              </a:rPr>
+              <a:t>이클립스 </a:t>
+            </a:r>
+            <a:r>
+              <a:rPr lang="ko-KR" altLang="en-US" sz="4800" dirty="0" err="1">
+                <a:solidFill>
+                  <a:srgbClr val="4C50BC"/>
+                </a:solidFill>
+                <a:latin typeface="G마켓 산스 Medium" panose="02000000000000000000" pitchFamily="50" charset="-127"/>
+                <a:ea typeface="G마켓 산스 Medium" panose="02000000000000000000" pitchFamily="50" charset="-127"/>
+              </a:rPr>
+              <a:t>퍼스펙티브</a:t>
+            </a:r>
+            <a:endParaRPr lang="en-US" altLang="ko-KR" sz="4800" dirty="0">
+              <a:solidFill>
+                <a:srgbClr val="4C50BC"/>
+              </a:solidFill>
+              <a:latin typeface="G마켓 산스 Medium" panose="02000000000000000000" pitchFamily="50" charset="-127"/>
+              <a:ea typeface="G마켓 산스 Medium" panose="02000000000000000000" pitchFamily="50" charset="-127"/>
+            </a:endParaRPr>
+          </a:p>
+        </p:txBody>
+      </p:sp>
+    </p:spTree>
+    <p:extLst>
+      <p:ext uri="{BB962C8B-B14F-4D97-AF65-F5344CB8AC3E}">
+        <p14:creationId xmlns:p14="http://schemas.microsoft.com/office/powerpoint/2010/main" val="1398200900"/>
+      </p:ext>
+    </p:extLst>
+  </p:cSld>
+  <p:clrMapOvr>
+    <a:masterClrMapping/>
+  </p:clrMapOvr>
+</p:sld>
+</file>
+
+<file path=ppt/slides/slide7.xml><?xml version="1.0" encoding="utf-8"?>
+<p:sld xmlns:a="http://schemas.openxmlformats.org/drawingml/2006/main" xmlns:r="http://schemas.openxmlformats.org/officeDocument/2006/relationships" xmlns:p="http://schemas.openxmlformats.org/presentationml/2006/main">
+  <p:cSld>
+    <p:spTree>
+      <p:nvGrpSpPr>
+        <p:cNvPr id="1" name=""/>
+        <p:cNvGrpSpPr/>
+        <p:nvPr/>
+      </p:nvGrpSpPr>
+      <p:grpSpPr>
+        <a:xfrm>
+          <a:off x="0" y="0"/>
+          <a:ext cx="0" cy="0"/>
+          <a:chOff x="0" y="0"/>
+          <a:chExt cx="0" cy="0"/>
+        </a:xfrm>
+      </p:grpSpPr>
+      <p:pic>
+        <p:nvPicPr>
+          <p:cNvPr id="4" name="그림 3"/>
+          <p:cNvPicPr>
+            <a:picLocks noChangeAspect="1"/>
+          </p:cNvPicPr>
+          <p:nvPr/>
+        </p:nvPicPr>
+        <p:blipFill>
+          <a:blip r:embed="rId2"/>
+          <a:stretch>
+            <a:fillRect/>
+          </a:stretch>
+        </p:blipFill>
+        <p:spPr>
+          <a:xfrm>
+            <a:off x="2590800" y="114300"/>
+            <a:ext cx="10286390" cy="3962400"/>
+          </a:xfrm>
+          <a:prstGeom prst="rect">
+            <a:avLst/>
+          </a:prstGeom>
+        </p:spPr>
+      </p:pic>
+    </p:spTree>
+    <p:extLst>
+      <p:ext uri="{BB962C8B-B14F-4D97-AF65-F5344CB8AC3E}">
+        <p14:creationId xmlns:p14="http://schemas.microsoft.com/office/powerpoint/2010/main" val="1232261720"/>
+      </p:ext>
+    </p:extLst>
+  </p:cSld>
+  <p:clrMapOvr>
+    <a:masterClrMapping/>
+  </p:clrMapOvr>
+</p:sld>
+</file>
+
+<file path=ppt/slides/slide8.xml><?xml version="1.0" encoding="utf-8"?>
+<p:sld xmlns:a="http://schemas.openxmlformats.org/drawingml/2006/main" xmlns:r="http://schemas.openxmlformats.org/officeDocument/2006/relationships" xmlns:p="http://schemas.openxmlformats.org/presentationml/2006/main">
+  <p:cSld>
+    <p:spTree>
+      <p:nvGrpSpPr>
+        <p:cNvPr id="1" name=""/>
+        <p:cNvGrpSpPr/>
+        <p:nvPr/>
+      </p:nvGrpSpPr>
+      <p:grpSpPr>
+        <a:xfrm>
+          <a:off x="0" y="0"/>
+          <a:ext cx="0" cy="0"/>
+          <a:chOff x="0" y="0"/>
+          <a:chExt cx="0" cy="0"/>
+        </a:xfrm>
+      </p:grpSpPr>
+      <p:pic>
+        <p:nvPicPr>
+          <p:cNvPr id="4" name="그림 3"/>
+          <p:cNvPicPr>
+            <a:picLocks noChangeAspect="1"/>
+          </p:cNvPicPr>
+          <p:nvPr/>
+        </p:nvPicPr>
+        <p:blipFill>
+          <a:blip r:embed="rId2"/>
+          <a:stretch>
+            <a:fillRect/>
+          </a:stretch>
+        </p:blipFill>
+        <p:spPr>
+          <a:xfrm>
             <a:off x="457200" y="647700"/>
             <a:ext cx="17353071" cy="8077200"/>
           </a:xfrm>
@@ -20813,7 +22394,7 @@
           <p:cNvPr id="5" name="직선 화살표 연결선 4">
             <a:extLst>
               <a:ext uri="{FF2B5EF4-FFF2-40B4-BE49-F238E27FC236}">
-                <a16:creationId xmlns="" xmlns:a16="http://schemas.microsoft.com/office/drawing/2014/main" id="{299DF5EC-9DF4-5255-06AC-0A7CE4FF58C3}"/>
+                <a16:creationId xmlns:a16="http://schemas.microsoft.com/office/drawing/2014/main" id="{299DF5EC-9DF4-5255-06AC-0A7CE4FF58C3}"/>
               </a:ext>
             </a:extLst>
           </p:cNvPr>
@@ -20854,7 +22435,7 @@
           <p:cNvPr id="7" name="TextBox 6">
             <a:extLst>
               <a:ext uri="{FF2B5EF4-FFF2-40B4-BE49-F238E27FC236}">
-                <a16:creationId xmlns="" xmlns:a16="http://schemas.microsoft.com/office/drawing/2014/main" id="{C6D113C6-EA5C-788F-0C77-E7CE6EBB865F}"/>
+                <a16:creationId xmlns:a16="http://schemas.microsoft.com/office/drawing/2014/main" id="{C6D113C6-EA5C-788F-0C77-E7CE6EBB865F}"/>
               </a:ext>
             </a:extLst>
           </p:cNvPr>
@@ -20878,7 +22459,7 @@
           <a:lstStyle/>
           <a:p>
             <a:r>
-              <a:rPr lang="ko-KR" altLang="en-US" sz="3600" smtClean="0">
+              <a:rPr lang="ko-KR" altLang="en-US" sz="3600">
                 <a:solidFill>
                   <a:srgbClr val="FF0000"/>
                 </a:solidFill>
@@ -20888,7 +22469,7 @@
               <a:t>다음 브레이크포인트까지 진행</a:t>
             </a:r>
             <a:r>
-              <a:rPr lang="en-US" altLang="ko-KR" sz="3600" smtClean="0">
+              <a:rPr lang="en-US" altLang="ko-KR" sz="3600">
                 <a:solidFill>
                   <a:srgbClr val="FF0000"/>
                 </a:solidFill>
@@ -20905,7 +22486,7 @@
           <p:cNvPr id="10" name="직선 화살표 연결선 9">
             <a:extLst>
               <a:ext uri="{FF2B5EF4-FFF2-40B4-BE49-F238E27FC236}">
-                <a16:creationId xmlns="" xmlns:a16="http://schemas.microsoft.com/office/drawing/2014/main" id="{299DF5EC-9DF4-5255-06AC-0A7CE4FF58C3}"/>
+                <a16:creationId xmlns:a16="http://schemas.microsoft.com/office/drawing/2014/main" id="{299DF5EC-9DF4-5255-06AC-0A7CE4FF58C3}"/>
               </a:ext>
             </a:extLst>
           </p:cNvPr>
@@ -20946,7 +22527,7 @@
           <p:cNvPr id="12" name="TextBox 11">
             <a:extLst>
               <a:ext uri="{FF2B5EF4-FFF2-40B4-BE49-F238E27FC236}">
-                <a16:creationId xmlns="" xmlns:a16="http://schemas.microsoft.com/office/drawing/2014/main" id="{C6D113C6-EA5C-788F-0C77-E7CE6EBB865F}"/>
+                <a16:creationId xmlns:a16="http://schemas.microsoft.com/office/drawing/2014/main" id="{C6D113C6-EA5C-788F-0C77-E7CE6EBB865F}"/>
               </a:ext>
             </a:extLst>
           </p:cNvPr>
@@ -20970,7 +22551,7 @@
           <a:lstStyle/>
           <a:p>
             <a:r>
-              <a:rPr lang="ko-KR" altLang="en-US" sz="3600" smtClean="0">
+              <a:rPr lang="ko-KR" altLang="en-US" sz="3600">
                 <a:solidFill>
                   <a:srgbClr val="FF0000"/>
                 </a:solidFill>
@@ -20980,7 +22561,7 @@
               <a:t>디버그 종료</a:t>
             </a:r>
             <a:r>
-              <a:rPr lang="en-US" altLang="ko-KR" sz="3600" smtClean="0">
+              <a:rPr lang="en-US" altLang="ko-KR" sz="3600">
                 <a:solidFill>
                   <a:srgbClr val="FF0000"/>
                 </a:solidFill>
@@ -20997,7 +22578,7 @@
           <p:cNvPr id="13" name="직선 화살표 연결선 12">
             <a:extLst>
               <a:ext uri="{FF2B5EF4-FFF2-40B4-BE49-F238E27FC236}">
-                <a16:creationId xmlns="" xmlns:a16="http://schemas.microsoft.com/office/drawing/2014/main" id="{299DF5EC-9DF4-5255-06AC-0A7CE4FF58C3}"/>
+                <a16:creationId xmlns:a16="http://schemas.microsoft.com/office/drawing/2014/main" id="{299DF5EC-9DF4-5255-06AC-0A7CE4FF58C3}"/>
               </a:ext>
             </a:extLst>
           </p:cNvPr>
@@ -21038,7 +22619,7 @@
           <p:cNvPr id="15" name="TextBox 14">
             <a:extLst>
               <a:ext uri="{FF2B5EF4-FFF2-40B4-BE49-F238E27FC236}">
-                <a16:creationId xmlns="" xmlns:a16="http://schemas.microsoft.com/office/drawing/2014/main" id="{C6D113C6-EA5C-788F-0C77-E7CE6EBB865F}"/>
+                <a16:creationId xmlns:a16="http://schemas.microsoft.com/office/drawing/2014/main" id="{C6D113C6-EA5C-788F-0C77-E7CE6EBB865F}"/>
               </a:ext>
             </a:extLst>
           </p:cNvPr>
@@ -21062,7 +22643,7 @@
           <a:lstStyle/>
           <a:p>
             <a:r>
-              <a:rPr lang="ko-KR" altLang="en-US" sz="3600" smtClean="0">
+              <a:rPr lang="ko-KR" altLang="en-US" sz="3600">
                 <a:solidFill>
                   <a:srgbClr val="FF0000"/>
                 </a:solidFill>
@@ -21072,7 +22653,7 @@
               <a:t>메서드 내부로 진입</a:t>
             </a:r>
             <a:r>
-              <a:rPr lang="en-US" altLang="ko-KR" sz="3600" smtClean="0">
+              <a:rPr lang="en-US" altLang="ko-KR" sz="3600">
                 <a:solidFill>
                   <a:srgbClr val="FF0000"/>
                 </a:solidFill>
@@ -21089,7 +22670,7 @@
           <p:cNvPr id="16" name="직선 화살표 연결선 15">
             <a:extLst>
               <a:ext uri="{FF2B5EF4-FFF2-40B4-BE49-F238E27FC236}">
-                <a16:creationId xmlns="" xmlns:a16="http://schemas.microsoft.com/office/drawing/2014/main" id="{299DF5EC-9DF4-5255-06AC-0A7CE4FF58C3}"/>
+                <a16:creationId xmlns:a16="http://schemas.microsoft.com/office/drawing/2014/main" id="{299DF5EC-9DF4-5255-06AC-0A7CE4FF58C3}"/>
               </a:ext>
             </a:extLst>
           </p:cNvPr>
@@ -21130,7 +22711,7 @@
           <p:cNvPr id="18" name="TextBox 17">
             <a:extLst>
               <a:ext uri="{FF2B5EF4-FFF2-40B4-BE49-F238E27FC236}">
-                <a16:creationId xmlns="" xmlns:a16="http://schemas.microsoft.com/office/drawing/2014/main" id="{C6D113C6-EA5C-788F-0C77-E7CE6EBB865F}"/>
+                <a16:creationId xmlns:a16="http://schemas.microsoft.com/office/drawing/2014/main" id="{C6D113C6-EA5C-788F-0C77-E7CE6EBB865F}"/>
               </a:ext>
             </a:extLst>
           </p:cNvPr>
@@ -21154,7 +22735,7 @@
           <a:lstStyle/>
           <a:p>
             <a:r>
-              <a:rPr lang="ko-KR" altLang="en-US" sz="3600" smtClean="0">
+              <a:rPr lang="ko-KR" altLang="en-US" sz="3600">
                 <a:solidFill>
                   <a:srgbClr val="FF0000"/>
                 </a:solidFill>
@@ -21164,7 +22745,7 @@
               <a:t>다음줄로 한칸 진행</a:t>
             </a:r>
             <a:r>
-              <a:rPr lang="en-US" altLang="ko-KR" sz="3600" smtClean="0">
+              <a:rPr lang="en-US" altLang="ko-KR" sz="3600">
                 <a:solidFill>
                   <a:srgbClr val="FF0000"/>
                 </a:solidFill>
@@ -21186,17 +22767,10 @@
   <p:clrMapOvr>
     <a:masterClrMapping/>
   </p:clrMapOvr>
-  <p:timing>
-    <p:tnLst>
-      <p:par>
-        <p:cTn id="1" dur="indefinite" restart="never" nodeType="tmRoot"/>
-      </p:par>
-    </p:tnLst>
-  </p:timing>
 </p:sld>
 </file>
 
-<file path=ppt/slides/slide7.xml><?xml version="1.0" encoding="utf-8"?>
+<file path=ppt/slides/slide9.xml><?xml version="1.0" encoding="utf-8"?>
 <p:sld xmlns:a="http://schemas.openxmlformats.org/drawingml/2006/main" xmlns:r="http://schemas.openxmlformats.org/officeDocument/2006/relationships" xmlns:p="http://schemas.openxmlformats.org/presentationml/2006/main">
   <p:cSld name="Slide 4">
     <p:bg>
@@ -21406,7 +22980,7 @@
           <p:cNvPr id="2" name="TextBox 1">
             <a:extLst>
               <a:ext uri="{FF2B5EF4-FFF2-40B4-BE49-F238E27FC236}">
-                <a16:creationId xmlns="" xmlns:a16="http://schemas.microsoft.com/office/drawing/2014/main" id="{8D19D88B-9541-32D7-90F1-0C45C993E21C}"/>
+                <a16:creationId xmlns:a16="http://schemas.microsoft.com/office/drawing/2014/main" id="{8D19D88B-9541-32D7-90F1-0C45C993E21C}"/>
               </a:ext>
             </a:extLst>
           </p:cNvPr>
@@ -21447,1567 +23021,6 @@
   <p:clrMapOvr>
     <a:masterClrMapping/>
   </p:clrMapOvr>
-  <p:timing>
-    <p:tnLst>
-      <p:par>
-        <p:cTn id="1" dur="indefinite" restart="never" nodeType="tmRoot"/>
-      </p:par>
-    </p:tnLst>
-  </p:timing>
-</p:sld>
-</file>
-
-<file path=ppt/slides/slide8.xml><?xml version="1.0" encoding="utf-8"?>
-<p:sld xmlns:a="http://schemas.openxmlformats.org/drawingml/2006/main" xmlns:r="http://schemas.openxmlformats.org/officeDocument/2006/relationships" xmlns:p="http://schemas.openxmlformats.org/presentationml/2006/main">
-  <p:cSld>
-    <p:spTree>
-      <p:nvGrpSpPr>
-        <p:cNvPr id="1" name=""/>
-        <p:cNvGrpSpPr/>
-        <p:nvPr/>
-      </p:nvGrpSpPr>
-      <p:grpSpPr>
-        <a:xfrm>
-          <a:off x="0" y="0"/>
-          <a:ext cx="0" cy="0"/>
-          <a:chOff x="0" y="0"/>
-          <a:chExt cx="0" cy="0"/>
-        </a:xfrm>
-      </p:grpSpPr>
-      <p:sp>
-        <p:nvSpPr>
-          <p:cNvPr id="15" name="다이아몬드 14"/>
-          <p:cNvSpPr/>
-          <p:nvPr/>
-        </p:nvSpPr>
-        <p:spPr>
-          <a:xfrm>
-            <a:off x="8513989" y="1943100"/>
-            <a:ext cx="1828800" cy="2057400"/>
-          </a:xfrm>
-          <a:prstGeom prst="diamond">
-            <a:avLst/>
-          </a:prstGeom>
-          <a:noFill/>
-          <a:ln>
-            <a:solidFill>
-              <a:srgbClr val="4C50BC"/>
-            </a:solidFill>
-          </a:ln>
-        </p:spPr>
-        <p:style>
-          <a:lnRef idx="2">
-            <a:schemeClr val="accent1">
-              <a:shade val="50000"/>
-            </a:schemeClr>
-          </a:lnRef>
-          <a:fillRef idx="1">
-            <a:schemeClr val="accent1"/>
-          </a:fillRef>
-          <a:effectRef idx="0">
-            <a:schemeClr val="accent1"/>
-          </a:effectRef>
-          <a:fontRef idx="minor">
-            <a:schemeClr val="lt1"/>
-          </a:fontRef>
-        </p:style>
-        <p:txBody>
-          <a:bodyPr rtlCol="0" anchor="ctr"/>
-          <a:lstStyle/>
-          <a:p>
-            <a:pPr algn="ctr"/>
-            <a:endParaRPr lang="ko-KR" altLang="en-US"/>
-          </a:p>
-        </p:txBody>
-      </p:sp>
-      <p:cxnSp>
-        <p:nvCxnSpPr>
-          <p:cNvPr id="18" name="꺾인 연결선 17"/>
-          <p:cNvCxnSpPr/>
-          <p:nvPr/>
-        </p:nvCxnSpPr>
-        <p:spPr>
-          <a:xfrm rot="5400000">
-            <a:off x="5567393" y="4194518"/>
-            <a:ext cx="4124180" cy="1736188"/>
-          </a:xfrm>
-          <a:prstGeom prst="bentConnector3">
-            <a:avLst>
-              <a:gd name="adj1" fmla="val -824"/>
-            </a:avLst>
-          </a:prstGeom>
-          <a:ln>
-            <a:tailEnd type="triangle"/>
-          </a:ln>
-        </p:spPr>
-        <p:style>
-          <a:lnRef idx="3">
-            <a:schemeClr val="accent4"/>
-          </a:lnRef>
-          <a:fillRef idx="0">
-            <a:schemeClr val="accent4"/>
-          </a:fillRef>
-          <a:effectRef idx="2">
-            <a:schemeClr val="accent4"/>
-          </a:effectRef>
-          <a:fontRef idx="minor">
-            <a:schemeClr val="tx1"/>
-          </a:fontRef>
-        </p:style>
-      </p:cxnSp>
-      <p:grpSp>
-        <p:nvGrpSpPr>
-          <p:cNvPr id="21" name="그룹 1021">
-            <a:extLst>
-              <a:ext uri="{FF2B5EF4-FFF2-40B4-BE49-F238E27FC236}">
-                <a16:creationId xmlns="" xmlns:a16="http://schemas.microsoft.com/office/drawing/2014/main" id="{DAE466EB-8914-A47B-444E-4C193B0D877A}"/>
-              </a:ext>
-            </a:extLst>
-          </p:cNvPr>
-          <p:cNvGrpSpPr/>
-          <p:nvPr/>
-        </p:nvGrpSpPr>
-        <p:grpSpPr>
-          <a:xfrm>
-            <a:off x="5161189" y="7277100"/>
-            <a:ext cx="3393622" cy="1114286"/>
-            <a:chOff x="7446046" y="4828571"/>
-            <a:chExt cx="3393622" cy="1114286"/>
-          </a:xfrm>
-        </p:grpSpPr>
-        <p:pic>
-          <p:nvPicPr>
-            <p:cNvPr id="23" name="Object 71">
-              <a:extLst>
-                <a:ext uri="{FF2B5EF4-FFF2-40B4-BE49-F238E27FC236}">
-                  <a16:creationId xmlns="" xmlns:a16="http://schemas.microsoft.com/office/drawing/2014/main" id="{44802802-8C0A-9B02-4940-D16EEB7C206A}"/>
-                </a:ext>
-              </a:extLst>
-            </p:cNvPr>
-            <p:cNvPicPr>
-              <a:picLocks noChangeAspect="1"/>
-            </p:cNvPicPr>
-            <p:nvPr/>
-          </p:nvPicPr>
-          <p:blipFill>
-            <a:blip r:embed="rId2" cstate="print"/>
-            <a:stretch>
-              <a:fillRect/>
-            </a:stretch>
-          </p:blipFill>
-          <p:spPr>
-            <a:xfrm>
-              <a:off x="7446046" y="4828571"/>
-              <a:ext cx="3393622" cy="1114286"/>
-            </a:xfrm>
-            <a:prstGeom prst="rect">
-              <a:avLst/>
-            </a:prstGeom>
-          </p:spPr>
-        </p:pic>
-      </p:grpSp>
-      <p:grpSp>
-        <p:nvGrpSpPr>
-          <p:cNvPr id="24" name="그룹 1021">
-            <a:extLst>
-              <a:ext uri="{FF2B5EF4-FFF2-40B4-BE49-F238E27FC236}">
-                <a16:creationId xmlns="" xmlns:a16="http://schemas.microsoft.com/office/drawing/2014/main" id="{DAE466EB-8914-A47B-444E-4C193B0D877A}"/>
-              </a:ext>
-            </a:extLst>
-          </p:cNvPr>
-          <p:cNvGrpSpPr/>
-          <p:nvPr/>
-        </p:nvGrpSpPr>
-        <p:grpSpPr>
-          <a:xfrm>
-            <a:off x="7731578" y="5052647"/>
-            <a:ext cx="3393622" cy="1114286"/>
-            <a:chOff x="7446046" y="4828571"/>
-            <a:chExt cx="3393622" cy="1114286"/>
-          </a:xfrm>
-        </p:grpSpPr>
-        <p:pic>
-          <p:nvPicPr>
-            <p:cNvPr id="25" name="Object 71">
-              <a:extLst>
-                <a:ext uri="{FF2B5EF4-FFF2-40B4-BE49-F238E27FC236}">
-                  <a16:creationId xmlns="" xmlns:a16="http://schemas.microsoft.com/office/drawing/2014/main" id="{44802802-8C0A-9B02-4940-D16EEB7C206A}"/>
-                </a:ext>
-              </a:extLst>
-            </p:cNvPr>
-            <p:cNvPicPr>
-              <a:picLocks noChangeAspect="1"/>
-            </p:cNvPicPr>
-            <p:nvPr/>
-          </p:nvPicPr>
-          <p:blipFill>
-            <a:blip r:embed="rId2" cstate="print"/>
-            <a:stretch>
-              <a:fillRect/>
-            </a:stretch>
-          </p:blipFill>
-          <p:spPr>
-            <a:xfrm>
-              <a:off x="7446046" y="4828571"/>
-              <a:ext cx="3393622" cy="1114286"/>
-            </a:xfrm>
-            <a:prstGeom prst="rect">
-              <a:avLst/>
-            </a:prstGeom>
-          </p:spPr>
-        </p:pic>
-      </p:grpSp>
-      <p:cxnSp>
-        <p:nvCxnSpPr>
-          <p:cNvPr id="26" name="직선 화살표 연결선 25">
-            <a:extLst>
-              <a:ext uri="{FF2B5EF4-FFF2-40B4-BE49-F238E27FC236}">
-                <a16:creationId xmlns="" xmlns:a16="http://schemas.microsoft.com/office/drawing/2014/main" id="{0628D70E-4BD6-EF88-6059-DB86364B2320}"/>
-              </a:ext>
-            </a:extLst>
-          </p:cNvPr>
-          <p:cNvCxnSpPr>
-            <a:cxnSpLocks/>
-            <a:endCxn id="25" idx="0"/>
-          </p:cNvCxnSpPr>
-          <p:nvPr/>
-        </p:nvCxnSpPr>
-        <p:spPr>
-          <a:xfrm>
-            <a:off x="9399875" y="4045047"/>
-            <a:ext cx="28514" cy="1007600"/>
-          </a:xfrm>
-          <a:prstGeom prst="straightConnector1">
-            <a:avLst/>
-          </a:prstGeom>
-          <a:ln w="38100">
-            <a:tailEnd type="triangle"/>
-          </a:ln>
-        </p:spPr>
-        <p:style>
-          <a:lnRef idx="1">
-            <a:schemeClr val="accent2"/>
-          </a:lnRef>
-          <a:fillRef idx="0">
-            <a:schemeClr val="accent2"/>
-          </a:fillRef>
-          <a:effectRef idx="0">
-            <a:schemeClr val="accent2"/>
-          </a:effectRef>
-          <a:fontRef idx="minor">
-            <a:schemeClr val="tx1"/>
-          </a:fontRef>
-        </p:style>
-      </p:cxnSp>
-      <p:sp>
-        <p:nvSpPr>
-          <p:cNvPr id="27" name="TextBox 26">
-            <a:extLst>
-              <a:ext uri="{FF2B5EF4-FFF2-40B4-BE49-F238E27FC236}">
-                <a16:creationId xmlns="" xmlns:a16="http://schemas.microsoft.com/office/drawing/2014/main" id="{72769C28-9BB6-DE9C-7B6F-264B77B8DD0E}"/>
-              </a:ext>
-            </a:extLst>
-          </p:cNvPr>
-          <p:cNvSpPr txBox="1"/>
-          <p:nvPr/>
-        </p:nvSpPr>
-        <p:spPr>
-          <a:xfrm>
-            <a:off x="8742945" y="2769689"/>
-            <a:ext cx="1415772" cy="461665"/>
-          </a:xfrm>
-          <a:prstGeom prst="rect">
-            <a:avLst/>
-          </a:prstGeom>
-          <a:noFill/>
-        </p:spPr>
-        <p:txBody>
-          <a:bodyPr wrap="none" rtlCol="0">
-            <a:spAutoFit/>
-          </a:bodyPr>
-          <a:lstStyle/>
-          <a:p>
-            <a:r>
-              <a:rPr lang="ko-KR" altLang="en-US" sz="2400" dirty="0">
-                <a:solidFill>
-                  <a:srgbClr val="4D4848"/>
-                </a:solidFill>
-                <a:latin typeface="G마켓 산스 Medium" panose="02000000000000000000" pitchFamily="50" charset="-127"/>
-                <a:ea typeface="G마켓 산스 Medium" panose="02000000000000000000" pitchFamily="50" charset="-127"/>
-              </a:rPr>
-              <a:t>배고프다</a:t>
-            </a:r>
-          </a:p>
-        </p:txBody>
-      </p:sp>
-      <p:sp>
-        <p:nvSpPr>
-          <p:cNvPr id="28" name="TextBox 27">
-            <a:extLst>
-              <a:ext uri="{FF2B5EF4-FFF2-40B4-BE49-F238E27FC236}">
-                <a16:creationId xmlns="" xmlns:a16="http://schemas.microsoft.com/office/drawing/2014/main" id="{270932A0-5477-2529-2641-C73A825AFD61}"/>
-              </a:ext>
-            </a:extLst>
-          </p:cNvPr>
-          <p:cNvSpPr txBox="1"/>
-          <p:nvPr/>
-        </p:nvSpPr>
-        <p:spPr>
-          <a:xfrm>
-            <a:off x="4627789" y="4283206"/>
-            <a:ext cx="2040988" cy="769441"/>
-          </a:xfrm>
-          <a:prstGeom prst="rect">
-            <a:avLst/>
-          </a:prstGeom>
-          <a:noFill/>
-        </p:spPr>
-        <p:txBody>
-          <a:bodyPr wrap="square" rtlCol="0">
-            <a:spAutoFit/>
-          </a:bodyPr>
-          <a:lstStyle/>
-          <a:p>
-            <a:r>
-              <a:rPr lang="ko-KR" altLang="en-US" sz="4400" dirty="0" err="1">
-                <a:solidFill>
-                  <a:srgbClr val="4C50BC"/>
-                </a:solidFill>
-                <a:latin typeface="G마켓 산스 Medium" panose="02000000000000000000" pitchFamily="50" charset="-127"/>
-                <a:ea typeface="G마켓 산스 Medium" panose="02000000000000000000" pitchFamily="50" charset="-127"/>
-              </a:rPr>
-              <a:t>아니오</a:t>
-            </a:r>
-            <a:endParaRPr lang="en-US" altLang="ko-KR" sz="4400" dirty="0">
-              <a:solidFill>
-                <a:srgbClr val="4C50BC"/>
-              </a:solidFill>
-              <a:latin typeface="G마켓 산스 Medium" panose="02000000000000000000" pitchFamily="50" charset="-127"/>
-              <a:ea typeface="G마켓 산스 Medium" panose="02000000000000000000" pitchFamily="50" charset="-127"/>
-            </a:endParaRPr>
-          </a:p>
-        </p:txBody>
-      </p:sp>
-      <p:sp>
-        <p:nvSpPr>
-          <p:cNvPr id="29" name="TextBox 28">
-            <a:extLst>
-              <a:ext uri="{FF2B5EF4-FFF2-40B4-BE49-F238E27FC236}">
-                <a16:creationId xmlns="" xmlns:a16="http://schemas.microsoft.com/office/drawing/2014/main" id="{270932A0-5477-2529-2641-C73A825AFD61}"/>
-              </a:ext>
-            </a:extLst>
-          </p:cNvPr>
-          <p:cNvSpPr txBox="1"/>
-          <p:nvPr/>
-        </p:nvSpPr>
-        <p:spPr>
-          <a:xfrm>
-            <a:off x="9809389" y="4190504"/>
-            <a:ext cx="1066800" cy="769441"/>
-          </a:xfrm>
-          <a:prstGeom prst="rect">
-            <a:avLst/>
-          </a:prstGeom>
-          <a:noFill/>
-        </p:spPr>
-        <p:txBody>
-          <a:bodyPr wrap="square" rtlCol="0">
-            <a:spAutoFit/>
-          </a:bodyPr>
-          <a:lstStyle/>
-          <a:p>
-            <a:r>
-              <a:rPr lang="ko-KR" altLang="en-US" sz="4400">
-                <a:solidFill>
-                  <a:srgbClr val="4C50BC"/>
-                </a:solidFill>
-                <a:latin typeface="G마켓 산스 Medium" panose="02000000000000000000" pitchFamily="50" charset="-127"/>
-                <a:ea typeface="G마켓 산스 Medium" panose="02000000000000000000" pitchFamily="50" charset="-127"/>
-              </a:rPr>
-              <a:t>예</a:t>
-            </a:r>
-            <a:endParaRPr lang="en-US" altLang="ko-KR" sz="4400" dirty="0">
-              <a:solidFill>
-                <a:srgbClr val="4C50BC"/>
-              </a:solidFill>
-              <a:latin typeface="G마켓 산스 Medium" panose="02000000000000000000" pitchFamily="50" charset="-127"/>
-              <a:ea typeface="G마켓 산스 Medium" panose="02000000000000000000" pitchFamily="50" charset="-127"/>
-            </a:endParaRPr>
-          </a:p>
-        </p:txBody>
-      </p:sp>
-      <p:sp>
-        <p:nvSpPr>
-          <p:cNvPr id="30" name="TextBox 29">
-            <a:extLst>
-              <a:ext uri="{FF2B5EF4-FFF2-40B4-BE49-F238E27FC236}">
-                <a16:creationId xmlns="" xmlns:a16="http://schemas.microsoft.com/office/drawing/2014/main" id="{72769C28-9BB6-DE9C-7B6F-264B77B8DD0E}"/>
-              </a:ext>
-            </a:extLst>
-          </p:cNvPr>
-          <p:cNvSpPr txBox="1"/>
-          <p:nvPr/>
-        </p:nvSpPr>
-        <p:spPr>
-          <a:xfrm>
-            <a:off x="8590189" y="5378957"/>
-            <a:ext cx="1899879" cy="461665"/>
-          </a:xfrm>
-          <a:prstGeom prst="rect">
-            <a:avLst/>
-          </a:prstGeom>
-          <a:noFill/>
-        </p:spPr>
-        <p:txBody>
-          <a:bodyPr wrap="none" rtlCol="0">
-            <a:spAutoFit/>
-          </a:bodyPr>
-          <a:lstStyle/>
-          <a:p>
-            <a:r>
-              <a:rPr lang="ko-KR" altLang="en-US" sz="2400" dirty="0">
-                <a:solidFill>
-                  <a:srgbClr val="4D4848"/>
-                </a:solidFill>
-                <a:latin typeface="G마켓 산스 Medium" panose="02000000000000000000" pitchFamily="50" charset="-127"/>
-                <a:ea typeface="G마켓 산스 Medium" panose="02000000000000000000" pitchFamily="50" charset="-127"/>
-              </a:rPr>
-              <a:t>밥을 먹는다</a:t>
-            </a:r>
-            <a:r>
-              <a:rPr lang="en-US" altLang="ko-KR" sz="2400" dirty="0">
-                <a:solidFill>
-                  <a:srgbClr val="4D4848"/>
-                </a:solidFill>
-                <a:latin typeface="G마켓 산스 Medium" panose="02000000000000000000" pitchFamily="50" charset="-127"/>
-                <a:ea typeface="G마켓 산스 Medium" panose="02000000000000000000" pitchFamily="50" charset="-127"/>
-              </a:rPr>
-              <a:t>.</a:t>
-            </a:r>
-            <a:endParaRPr lang="ko-KR" altLang="en-US" sz="2400" dirty="0">
-              <a:solidFill>
-                <a:srgbClr val="4D4848"/>
-              </a:solidFill>
-              <a:latin typeface="G마켓 산스 Medium" panose="02000000000000000000" pitchFamily="50" charset="-127"/>
-              <a:ea typeface="G마켓 산스 Medium" panose="02000000000000000000" pitchFamily="50" charset="-127"/>
-            </a:endParaRPr>
-          </a:p>
-        </p:txBody>
-      </p:sp>
-      <p:sp>
-        <p:nvSpPr>
-          <p:cNvPr id="31" name="TextBox 30">
-            <a:extLst>
-              <a:ext uri="{FF2B5EF4-FFF2-40B4-BE49-F238E27FC236}">
-                <a16:creationId xmlns="" xmlns:a16="http://schemas.microsoft.com/office/drawing/2014/main" id="{72769C28-9BB6-DE9C-7B6F-264B77B8DD0E}"/>
-              </a:ext>
-            </a:extLst>
-          </p:cNvPr>
-          <p:cNvSpPr txBox="1"/>
-          <p:nvPr/>
-        </p:nvSpPr>
-        <p:spPr>
-          <a:xfrm>
-            <a:off x="5887811" y="7603410"/>
-            <a:ext cx="1899879" cy="461665"/>
-          </a:xfrm>
-          <a:prstGeom prst="rect">
-            <a:avLst/>
-          </a:prstGeom>
-          <a:noFill/>
-        </p:spPr>
-        <p:txBody>
-          <a:bodyPr wrap="none" rtlCol="0">
-            <a:spAutoFit/>
-          </a:bodyPr>
-          <a:lstStyle/>
-          <a:p>
-            <a:r>
-              <a:rPr lang="ko-KR" altLang="en-US" sz="2400" dirty="0">
-                <a:solidFill>
-                  <a:srgbClr val="4D4848"/>
-                </a:solidFill>
-                <a:latin typeface="G마켓 산스 Medium" panose="02000000000000000000" pitchFamily="50" charset="-127"/>
-                <a:ea typeface="G마켓 산스 Medium" panose="02000000000000000000" pitchFamily="50" charset="-127"/>
-              </a:rPr>
-              <a:t>그만 먹는다</a:t>
-            </a:r>
-            <a:r>
-              <a:rPr lang="en-US" altLang="ko-KR" sz="2400" dirty="0">
-                <a:solidFill>
-                  <a:srgbClr val="4D4848"/>
-                </a:solidFill>
-                <a:latin typeface="G마켓 산스 Medium" panose="02000000000000000000" pitchFamily="50" charset="-127"/>
-                <a:ea typeface="G마켓 산스 Medium" panose="02000000000000000000" pitchFamily="50" charset="-127"/>
-              </a:rPr>
-              <a:t>.</a:t>
-            </a:r>
-            <a:endParaRPr lang="ko-KR" altLang="en-US" sz="2400" dirty="0">
-              <a:solidFill>
-                <a:srgbClr val="4D4848"/>
-              </a:solidFill>
-              <a:latin typeface="G마켓 산스 Medium" panose="02000000000000000000" pitchFamily="50" charset="-127"/>
-              <a:ea typeface="G마켓 산스 Medium" panose="02000000000000000000" pitchFamily="50" charset="-127"/>
-            </a:endParaRPr>
-          </a:p>
-        </p:txBody>
-      </p:sp>
-      <p:sp>
-        <p:nvSpPr>
-          <p:cNvPr id="32" name="TextBox 31">
-            <a:extLst>
-              <a:ext uri="{FF2B5EF4-FFF2-40B4-BE49-F238E27FC236}">
-                <a16:creationId xmlns="" xmlns:a16="http://schemas.microsoft.com/office/drawing/2014/main" id="{5ADC00B6-990A-40DC-3CEA-505258F5E8DA}"/>
-              </a:ext>
-            </a:extLst>
-          </p:cNvPr>
-          <p:cNvSpPr txBox="1"/>
-          <p:nvPr/>
-        </p:nvSpPr>
-        <p:spPr>
-          <a:xfrm>
-            <a:off x="1371600" y="497131"/>
-            <a:ext cx="14020800" cy="830997"/>
-          </a:xfrm>
-          <a:prstGeom prst="rect">
-            <a:avLst/>
-          </a:prstGeom>
-          <a:noFill/>
-        </p:spPr>
-        <p:txBody>
-          <a:bodyPr wrap="square" rtlCol="0">
-            <a:spAutoFit/>
-          </a:bodyPr>
-          <a:lstStyle/>
-          <a:p>
-            <a:r>
-              <a:rPr lang="ko-KR" altLang="en-US" sz="4800" dirty="0">
-                <a:solidFill>
-                  <a:srgbClr val="4C50BC"/>
-                </a:solidFill>
-                <a:latin typeface="G마켓 산스 Medium" panose="02000000000000000000" pitchFamily="50" charset="-127"/>
-                <a:ea typeface="G마켓 산스 Medium" panose="02000000000000000000" pitchFamily="50" charset="-127"/>
-              </a:rPr>
-              <a:t>조건식이 참</a:t>
-            </a:r>
-            <a:r>
-              <a:rPr lang="en-US" altLang="ko-KR" sz="4800" dirty="0">
-                <a:solidFill>
-                  <a:srgbClr val="4C50BC"/>
-                </a:solidFill>
-                <a:latin typeface="G마켓 산스 Medium" panose="02000000000000000000" pitchFamily="50" charset="-127"/>
-                <a:ea typeface="G마켓 산스 Medium" panose="02000000000000000000" pitchFamily="50" charset="-127"/>
-              </a:rPr>
-              <a:t>(true)</a:t>
-            </a:r>
-            <a:r>
-              <a:rPr lang="ko-KR" altLang="en-US" sz="4800" dirty="0">
-                <a:solidFill>
-                  <a:srgbClr val="4C50BC"/>
-                </a:solidFill>
-                <a:latin typeface="G마켓 산스 Medium" panose="02000000000000000000" pitchFamily="50" charset="-127"/>
-                <a:ea typeface="G마켓 산스 Medium" panose="02000000000000000000" pitchFamily="50" charset="-127"/>
-              </a:rPr>
-              <a:t>이면 계속 반복하여 실행한다</a:t>
-            </a:r>
-            <a:endParaRPr lang="en-US" altLang="ko-KR" sz="4800" dirty="0">
-              <a:solidFill>
-                <a:srgbClr val="4C50BC"/>
-              </a:solidFill>
-              <a:latin typeface="G마켓 산스 Medium" panose="02000000000000000000" pitchFamily="50" charset="-127"/>
-              <a:ea typeface="G마켓 산스 Medium" panose="02000000000000000000" pitchFamily="50" charset="-127"/>
-            </a:endParaRPr>
-          </a:p>
-        </p:txBody>
-      </p:sp>
-      <p:cxnSp>
-        <p:nvCxnSpPr>
-          <p:cNvPr id="2" name="직선 화살표 연결선 1">
-            <a:extLst>
-              <a:ext uri="{FF2B5EF4-FFF2-40B4-BE49-F238E27FC236}">
-                <a16:creationId xmlns="" xmlns:a16="http://schemas.microsoft.com/office/drawing/2014/main" id="{0C773C2D-7952-42B1-1C14-32B6F531BA11}"/>
-              </a:ext>
-            </a:extLst>
-          </p:cNvPr>
-          <p:cNvCxnSpPr>
-            <a:cxnSpLocks/>
-          </p:cNvCxnSpPr>
-          <p:nvPr/>
-        </p:nvCxnSpPr>
-        <p:spPr>
-          <a:xfrm>
-            <a:off x="11161486" y="5589832"/>
-            <a:ext cx="1563914" cy="19957"/>
-          </a:xfrm>
-          <a:prstGeom prst="straightConnector1">
-            <a:avLst/>
-          </a:prstGeom>
-          <a:ln w="38100">
-            <a:tailEnd type="triangle"/>
-          </a:ln>
-        </p:spPr>
-        <p:style>
-          <a:lnRef idx="1">
-            <a:schemeClr val="accent2"/>
-          </a:lnRef>
-          <a:fillRef idx="0">
-            <a:schemeClr val="accent2"/>
-          </a:fillRef>
-          <a:effectRef idx="0">
-            <a:schemeClr val="accent2"/>
-          </a:effectRef>
-          <a:fontRef idx="minor">
-            <a:schemeClr val="tx1"/>
-          </a:fontRef>
-        </p:style>
-      </p:cxnSp>
-      <p:grpSp>
-        <p:nvGrpSpPr>
-          <p:cNvPr id="4" name="그룹 1021">
-            <a:extLst>
-              <a:ext uri="{FF2B5EF4-FFF2-40B4-BE49-F238E27FC236}">
-                <a16:creationId xmlns="" xmlns:a16="http://schemas.microsoft.com/office/drawing/2014/main" id="{00BB86B9-E92A-B85A-95D5-5FC9D2623525}"/>
-              </a:ext>
-            </a:extLst>
-          </p:cNvPr>
-          <p:cNvGrpSpPr/>
-          <p:nvPr/>
-        </p:nvGrpSpPr>
-        <p:grpSpPr>
-          <a:xfrm>
-            <a:off x="12776201" y="5054285"/>
-            <a:ext cx="3393622" cy="1114286"/>
-            <a:chOff x="7446046" y="4828571"/>
-            <a:chExt cx="3393622" cy="1114286"/>
-          </a:xfrm>
-        </p:grpSpPr>
-        <p:pic>
-          <p:nvPicPr>
-            <p:cNvPr id="5" name="Object 71">
-              <a:extLst>
-                <a:ext uri="{FF2B5EF4-FFF2-40B4-BE49-F238E27FC236}">
-                  <a16:creationId xmlns="" xmlns:a16="http://schemas.microsoft.com/office/drawing/2014/main" id="{4D9C2CFC-171E-587A-9A19-D40FBD4D4638}"/>
-                </a:ext>
-              </a:extLst>
-            </p:cNvPr>
-            <p:cNvPicPr>
-              <a:picLocks noChangeAspect="1"/>
-            </p:cNvPicPr>
-            <p:nvPr/>
-          </p:nvPicPr>
-          <p:blipFill>
-            <a:blip r:embed="rId2" cstate="print"/>
-            <a:stretch>
-              <a:fillRect/>
-            </a:stretch>
-          </p:blipFill>
-          <p:spPr>
-            <a:xfrm>
-              <a:off x="7446046" y="4828571"/>
-              <a:ext cx="3393622" cy="1114286"/>
-            </a:xfrm>
-            <a:prstGeom prst="rect">
-              <a:avLst/>
-            </a:prstGeom>
-          </p:spPr>
-        </p:pic>
-      </p:grpSp>
-      <p:sp>
-        <p:nvSpPr>
-          <p:cNvPr id="6" name="TextBox 5">
-            <a:extLst>
-              <a:ext uri="{FF2B5EF4-FFF2-40B4-BE49-F238E27FC236}">
-                <a16:creationId xmlns="" xmlns:a16="http://schemas.microsoft.com/office/drawing/2014/main" id="{60BB95F0-D042-F4F0-93C1-BBBDEDE0CCEB}"/>
-              </a:ext>
-            </a:extLst>
-          </p:cNvPr>
-          <p:cNvSpPr txBox="1"/>
-          <p:nvPr/>
-        </p:nvSpPr>
-        <p:spPr>
-          <a:xfrm>
-            <a:off x="13634812" y="5380595"/>
-            <a:ext cx="1832553" cy="461665"/>
-          </a:xfrm>
-          <a:prstGeom prst="rect">
-            <a:avLst/>
-          </a:prstGeom>
-          <a:noFill/>
-        </p:spPr>
-        <p:txBody>
-          <a:bodyPr wrap="none" rtlCol="0">
-            <a:spAutoFit/>
-          </a:bodyPr>
-          <a:lstStyle/>
-          <a:p>
-            <a:r>
-              <a:rPr lang="ko-KR" altLang="en-US" sz="2400" dirty="0">
-                <a:solidFill>
-                  <a:srgbClr val="4D4848"/>
-                </a:solidFill>
-                <a:latin typeface="G마켓 산스 Medium" panose="02000000000000000000" pitchFamily="50" charset="-127"/>
-                <a:ea typeface="G마켓 산스 Medium" panose="02000000000000000000" pitchFamily="50" charset="-127"/>
-              </a:rPr>
-              <a:t>포만감 증가</a:t>
-            </a:r>
-          </a:p>
-        </p:txBody>
-      </p:sp>
-      <p:cxnSp>
-        <p:nvCxnSpPr>
-          <p:cNvPr id="7" name="직선 화살표 연결선 6">
-            <a:extLst>
-              <a:ext uri="{FF2B5EF4-FFF2-40B4-BE49-F238E27FC236}">
-                <a16:creationId xmlns="" xmlns:a16="http://schemas.microsoft.com/office/drawing/2014/main" id="{B4C4A633-0DE2-72B6-C4B7-AAAB1DCA58F4}"/>
-              </a:ext>
-            </a:extLst>
-          </p:cNvPr>
-          <p:cNvCxnSpPr>
-            <a:cxnSpLocks/>
-            <a:endCxn id="15" idx="3"/>
-          </p:cNvCxnSpPr>
-          <p:nvPr/>
-        </p:nvCxnSpPr>
-        <p:spPr>
-          <a:xfrm flipH="1" flipV="1">
-            <a:off x="10342789" y="2971800"/>
-            <a:ext cx="3906611" cy="2037567"/>
-          </a:xfrm>
-          <a:prstGeom prst="straightConnector1">
-            <a:avLst/>
-          </a:prstGeom>
-          <a:ln w="38100">
-            <a:tailEnd type="triangle"/>
-          </a:ln>
-        </p:spPr>
-        <p:style>
-          <a:lnRef idx="1">
-            <a:schemeClr val="accent2"/>
-          </a:lnRef>
-          <a:fillRef idx="0">
-            <a:schemeClr val="accent2"/>
-          </a:fillRef>
-          <a:effectRef idx="0">
-            <a:schemeClr val="accent2"/>
-          </a:effectRef>
-          <a:fontRef idx="minor">
-            <a:schemeClr val="tx1"/>
-          </a:fontRef>
-        </p:style>
-      </p:cxnSp>
-    </p:spTree>
-    <p:extLst>
-      <p:ext uri="{BB962C8B-B14F-4D97-AF65-F5344CB8AC3E}">
-        <p14:creationId xmlns:p14="http://schemas.microsoft.com/office/powerpoint/2010/main" val="1470857155"/>
-      </p:ext>
-    </p:extLst>
-  </p:cSld>
-  <p:clrMapOvr>
-    <a:masterClrMapping/>
-  </p:clrMapOvr>
-  <p:timing>
-    <p:tnLst>
-      <p:par>
-        <p:cTn id="1" dur="indefinite" restart="never" nodeType="tmRoot"/>
-      </p:par>
-    </p:tnLst>
-  </p:timing>
-</p:sld>
-</file>
-
-<file path=ppt/slides/slide9.xml><?xml version="1.0" encoding="utf-8"?>
-<p:sld xmlns:a="http://schemas.openxmlformats.org/drawingml/2006/main" xmlns:r="http://schemas.openxmlformats.org/officeDocument/2006/relationships" xmlns:p="http://schemas.openxmlformats.org/presentationml/2006/main">
-  <p:cSld>
-    <p:spTree>
-      <p:nvGrpSpPr>
-        <p:cNvPr id="1" name=""/>
-        <p:cNvGrpSpPr/>
-        <p:nvPr/>
-      </p:nvGrpSpPr>
-      <p:grpSpPr>
-        <a:xfrm>
-          <a:off x="0" y="0"/>
-          <a:ext cx="0" cy="0"/>
-          <a:chOff x="0" y="0"/>
-          <a:chExt cx="0" cy="0"/>
-        </a:xfrm>
-      </p:grpSpPr>
-      <p:sp>
-        <p:nvSpPr>
-          <p:cNvPr id="6" name="TextBox 5">
-            <a:extLst>
-              <a:ext uri="{FF2B5EF4-FFF2-40B4-BE49-F238E27FC236}">
-                <a16:creationId xmlns="" xmlns:a16="http://schemas.microsoft.com/office/drawing/2014/main" id="{5ADC00B6-990A-40DC-3CEA-505258F5E8DA}"/>
-              </a:ext>
-            </a:extLst>
-          </p:cNvPr>
-          <p:cNvSpPr txBox="1"/>
-          <p:nvPr/>
-        </p:nvSpPr>
-        <p:spPr>
-          <a:xfrm>
-            <a:off x="1371600" y="497131"/>
-            <a:ext cx="1752600" cy="830997"/>
-          </a:xfrm>
-          <a:prstGeom prst="rect">
-            <a:avLst/>
-          </a:prstGeom>
-          <a:noFill/>
-        </p:spPr>
-        <p:txBody>
-          <a:bodyPr wrap="square" rtlCol="0">
-            <a:spAutoFit/>
-          </a:bodyPr>
-          <a:lstStyle/>
-          <a:p>
-            <a:r>
-              <a:rPr lang="en-US" altLang="ko-KR" sz="4800" dirty="0">
-                <a:solidFill>
-                  <a:srgbClr val="4C50BC"/>
-                </a:solidFill>
-                <a:latin typeface="G마켓 산스 Medium" panose="02000000000000000000" pitchFamily="50" charset="-127"/>
-                <a:ea typeface="G마켓 산스 Medium" panose="02000000000000000000" pitchFamily="50" charset="-127"/>
-              </a:rPr>
-              <a:t>for</a:t>
-            </a:r>
-            <a:r>
-              <a:rPr lang="ko-KR" altLang="en-US" sz="4800" dirty="0">
-                <a:solidFill>
-                  <a:srgbClr val="4C50BC"/>
-                </a:solidFill>
-                <a:latin typeface="G마켓 산스 Medium" panose="02000000000000000000" pitchFamily="50" charset="-127"/>
-                <a:ea typeface="G마켓 산스 Medium" panose="02000000000000000000" pitchFamily="50" charset="-127"/>
-              </a:rPr>
-              <a:t>문</a:t>
-            </a:r>
-            <a:endParaRPr lang="en-US" altLang="ko-KR" sz="4800" dirty="0">
-              <a:solidFill>
-                <a:srgbClr val="4C50BC"/>
-              </a:solidFill>
-              <a:latin typeface="G마켓 산스 Medium" panose="02000000000000000000" pitchFamily="50" charset="-127"/>
-              <a:ea typeface="G마켓 산스 Medium" panose="02000000000000000000" pitchFamily="50" charset="-127"/>
-            </a:endParaRPr>
-          </a:p>
-        </p:txBody>
-      </p:sp>
-      <p:sp>
-        <p:nvSpPr>
-          <p:cNvPr id="8" name="TextBox 7">
-            <a:extLst>
-              <a:ext uri="{FF2B5EF4-FFF2-40B4-BE49-F238E27FC236}">
-                <a16:creationId xmlns="" xmlns:a16="http://schemas.microsoft.com/office/drawing/2014/main" id="{5ADC00B6-990A-40DC-3CEA-505258F5E8DA}"/>
-              </a:ext>
-            </a:extLst>
-          </p:cNvPr>
-          <p:cNvSpPr txBox="1"/>
-          <p:nvPr/>
-        </p:nvSpPr>
-        <p:spPr>
-          <a:xfrm>
-            <a:off x="2781300" y="8115300"/>
-            <a:ext cx="12233728" cy="830997"/>
-          </a:xfrm>
-          <a:prstGeom prst="rect">
-            <a:avLst/>
-          </a:prstGeom>
-          <a:noFill/>
-        </p:spPr>
-        <p:txBody>
-          <a:bodyPr wrap="square" rtlCol="0">
-            <a:spAutoFit/>
-          </a:bodyPr>
-          <a:lstStyle/>
-          <a:p>
-            <a:r>
-              <a:rPr lang="ko-KR" altLang="en-US" sz="4800" dirty="0">
-                <a:solidFill>
-                  <a:srgbClr val="4C50BC"/>
-                </a:solidFill>
-                <a:latin typeface="G마켓 산스 Medium" panose="02000000000000000000" pitchFamily="50" charset="-127"/>
-                <a:ea typeface="G마켓 산스 Medium" panose="02000000000000000000" pitchFamily="50" charset="-127"/>
-              </a:rPr>
-              <a:t>초기화 </a:t>
-            </a:r>
-            <a:r>
-              <a:rPr lang="en-US" altLang="ko-KR" sz="4800" dirty="0">
-                <a:solidFill>
-                  <a:srgbClr val="4C50BC"/>
-                </a:solidFill>
-                <a:latin typeface="G마켓 산스 Medium" panose="02000000000000000000" pitchFamily="50" charset="-127"/>
-                <a:ea typeface="G마켓 산스 Medium" panose="02000000000000000000" pitchFamily="50" charset="-127"/>
-              </a:rPr>
-              <a:t>-&gt; </a:t>
-            </a:r>
-            <a:r>
-              <a:rPr lang="ko-KR" altLang="en-US" sz="4800" dirty="0">
-                <a:solidFill>
-                  <a:srgbClr val="4C50BC"/>
-                </a:solidFill>
-                <a:latin typeface="G마켓 산스 Medium" panose="02000000000000000000" pitchFamily="50" charset="-127"/>
-                <a:ea typeface="G마켓 산스 Medium" panose="02000000000000000000" pitchFamily="50" charset="-127"/>
-              </a:rPr>
-              <a:t>조건식 </a:t>
-            </a:r>
-            <a:r>
-              <a:rPr lang="en-US" altLang="ko-KR" sz="4800" dirty="0">
-                <a:solidFill>
-                  <a:srgbClr val="4C50BC"/>
-                </a:solidFill>
-                <a:latin typeface="G마켓 산스 Medium" panose="02000000000000000000" pitchFamily="50" charset="-127"/>
-                <a:ea typeface="G마켓 산스 Medium" panose="02000000000000000000" pitchFamily="50" charset="-127"/>
-              </a:rPr>
-              <a:t>-&gt; for</a:t>
-            </a:r>
-            <a:r>
-              <a:rPr lang="ko-KR" altLang="en-US" sz="4800" dirty="0">
-                <a:solidFill>
-                  <a:srgbClr val="4C50BC"/>
-                </a:solidFill>
-                <a:latin typeface="G마켓 산스 Medium" panose="02000000000000000000" pitchFamily="50" charset="-127"/>
-                <a:ea typeface="G마켓 산스 Medium" panose="02000000000000000000" pitchFamily="50" charset="-127"/>
-              </a:rPr>
-              <a:t>문 실행 </a:t>
-            </a:r>
-            <a:r>
-              <a:rPr lang="en-US" altLang="ko-KR" sz="4800" dirty="0">
-                <a:solidFill>
-                  <a:srgbClr val="4C50BC"/>
-                </a:solidFill>
-                <a:latin typeface="G마켓 산스 Medium" panose="02000000000000000000" pitchFamily="50" charset="-127"/>
-                <a:ea typeface="G마켓 산스 Medium" panose="02000000000000000000" pitchFamily="50" charset="-127"/>
-              </a:rPr>
-              <a:t>-&gt; </a:t>
-            </a:r>
-            <a:r>
-              <a:rPr lang="ko-KR" altLang="en-US" sz="4800" dirty="0" err="1">
-                <a:solidFill>
-                  <a:srgbClr val="4C50BC"/>
-                </a:solidFill>
-                <a:latin typeface="G마켓 산스 Medium" panose="02000000000000000000" pitchFamily="50" charset="-127"/>
-                <a:ea typeface="G마켓 산스 Medium" panose="02000000000000000000" pitchFamily="50" charset="-127"/>
-              </a:rPr>
-              <a:t>증감식</a:t>
-            </a:r>
-            <a:endParaRPr lang="en-US" altLang="ko-KR" sz="4800" dirty="0">
-              <a:solidFill>
-                <a:srgbClr val="4C50BC"/>
-              </a:solidFill>
-              <a:latin typeface="G마켓 산스 Medium" panose="02000000000000000000" pitchFamily="50" charset="-127"/>
-              <a:ea typeface="G마켓 산스 Medium" panose="02000000000000000000" pitchFamily="50" charset="-127"/>
-            </a:endParaRPr>
-          </a:p>
-        </p:txBody>
-      </p:sp>
-      <p:pic>
-        <p:nvPicPr>
-          <p:cNvPr id="3" name="그림 2">
-            <a:extLst>
-              <a:ext uri="{FF2B5EF4-FFF2-40B4-BE49-F238E27FC236}">
-                <a16:creationId xmlns="" xmlns:a16="http://schemas.microsoft.com/office/drawing/2014/main" id="{F5B18E58-C822-3D4A-DC6C-337B77A00346}"/>
-              </a:ext>
-            </a:extLst>
-          </p:cNvPr>
-          <p:cNvPicPr>
-            <a:picLocks noChangeAspect="1"/>
-          </p:cNvPicPr>
-          <p:nvPr/>
-        </p:nvPicPr>
-        <p:blipFill>
-          <a:blip r:embed="rId2"/>
-          <a:stretch>
-            <a:fillRect/>
-          </a:stretch>
-        </p:blipFill>
-        <p:spPr>
-          <a:xfrm>
-            <a:off x="1600200" y="2448205"/>
-            <a:ext cx="10840917" cy="2743200"/>
-          </a:xfrm>
-          <a:prstGeom prst="rect">
-            <a:avLst/>
-          </a:prstGeom>
-        </p:spPr>
-      </p:pic>
-      <p:cxnSp>
-        <p:nvCxnSpPr>
-          <p:cNvPr id="5" name="직선 화살표 연결선 4">
-            <a:extLst>
-              <a:ext uri="{FF2B5EF4-FFF2-40B4-BE49-F238E27FC236}">
-                <a16:creationId xmlns="" xmlns:a16="http://schemas.microsoft.com/office/drawing/2014/main" id="{1531DCE9-8979-540C-770F-532EA63DD581}"/>
-              </a:ext>
-            </a:extLst>
-          </p:cNvPr>
-          <p:cNvCxnSpPr>
-            <a:cxnSpLocks/>
-          </p:cNvCxnSpPr>
-          <p:nvPr/>
-        </p:nvCxnSpPr>
-        <p:spPr>
-          <a:xfrm flipH="1">
-            <a:off x="1905000" y="3445328"/>
-            <a:ext cx="1752600" cy="2185162"/>
-          </a:xfrm>
-          <a:prstGeom prst="straightConnector1">
-            <a:avLst/>
-          </a:prstGeom>
-          <a:ln w="38100">
-            <a:tailEnd type="triangle"/>
-          </a:ln>
-        </p:spPr>
-        <p:style>
-          <a:lnRef idx="1">
-            <a:schemeClr val="accent2"/>
-          </a:lnRef>
-          <a:fillRef idx="0">
-            <a:schemeClr val="accent2"/>
-          </a:fillRef>
-          <a:effectRef idx="0">
-            <a:schemeClr val="accent2"/>
-          </a:effectRef>
-          <a:fontRef idx="minor">
-            <a:schemeClr val="tx1"/>
-          </a:fontRef>
-        </p:style>
-      </p:cxnSp>
-      <p:sp>
-        <p:nvSpPr>
-          <p:cNvPr id="11" name="TextBox 10">
-            <a:extLst>
-              <a:ext uri="{FF2B5EF4-FFF2-40B4-BE49-F238E27FC236}">
-                <a16:creationId xmlns="" xmlns:a16="http://schemas.microsoft.com/office/drawing/2014/main" id="{270C665C-AE90-6805-E0D6-1535A7AD09AB}"/>
-              </a:ext>
-            </a:extLst>
-          </p:cNvPr>
-          <p:cNvSpPr txBox="1"/>
-          <p:nvPr/>
-        </p:nvSpPr>
-        <p:spPr>
-          <a:xfrm>
-            <a:off x="228601" y="5788262"/>
-            <a:ext cx="3429000" cy="954107"/>
-          </a:xfrm>
-          <a:prstGeom prst="rect">
-            <a:avLst/>
-          </a:prstGeom>
-          <a:noFill/>
-        </p:spPr>
-        <p:txBody>
-          <a:bodyPr wrap="square" rtlCol="0">
-            <a:spAutoFit/>
-          </a:bodyPr>
-          <a:lstStyle/>
-          <a:p>
-            <a:r>
-              <a:rPr lang="ko-KR" altLang="en-US" sz="2800" dirty="0">
-                <a:solidFill>
-                  <a:srgbClr val="FF0000"/>
-                </a:solidFill>
-                <a:latin typeface="G마켓 산스 Medium" panose="02000000000000000000" pitchFamily="50" charset="-127"/>
-                <a:ea typeface="G마켓 산스 Medium" panose="02000000000000000000" pitchFamily="50" charset="-127"/>
-              </a:rPr>
-              <a:t>변수 선언 및 초기화</a:t>
-            </a:r>
-            <a:endParaRPr lang="en-US" altLang="ko-KR" sz="2800" dirty="0">
-              <a:solidFill>
-                <a:srgbClr val="FF0000"/>
-              </a:solidFill>
-              <a:latin typeface="G마켓 산스 Medium" panose="02000000000000000000" pitchFamily="50" charset="-127"/>
-              <a:ea typeface="G마켓 산스 Medium" panose="02000000000000000000" pitchFamily="50" charset="-127"/>
-            </a:endParaRPr>
-          </a:p>
-          <a:p>
-            <a:r>
-              <a:rPr lang="en-US" altLang="ko-KR" sz="2800" dirty="0">
-                <a:solidFill>
-                  <a:srgbClr val="FF0000"/>
-                </a:solidFill>
-                <a:latin typeface="G마켓 산스 Medium" panose="02000000000000000000" pitchFamily="50" charset="-127"/>
-                <a:ea typeface="G마켓 산스 Medium" panose="02000000000000000000" pitchFamily="50" charset="-127"/>
-              </a:rPr>
-              <a:t>(</a:t>
-            </a:r>
-            <a:r>
-              <a:rPr lang="ko-KR" altLang="en-US" sz="2800" dirty="0">
-                <a:solidFill>
-                  <a:srgbClr val="FF0000"/>
-                </a:solidFill>
-                <a:latin typeface="G마켓 산스 Medium" panose="02000000000000000000" pitchFamily="50" charset="-127"/>
-                <a:ea typeface="G마켓 산스 Medium" panose="02000000000000000000" pitchFamily="50" charset="-127"/>
-              </a:rPr>
-              <a:t>최초 한번 실행</a:t>
-            </a:r>
-            <a:r>
-              <a:rPr lang="en-US" altLang="ko-KR" sz="2800" dirty="0">
-                <a:solidFill>
-                  <a:srgbClr val="FF0000"/>
-                </a:solidFill>
-                <a:latin typeface="G마켓 산스 Medium" panose="02000000000000000000" pitchFamily="50" charset="-127"/>
-                <a:ea typeface="G마켓 산스 Medium" panose="02000000000000000000" pitchFamily="50" charset="-127"/>
-              </a:rPr>
-              <a:t>)</a:t>
-            </a:r>
-          </a:p>
-        </p:txBody>
-      </p:sp>
-      <p:cxnSp>
-        <p:nvCxnSpPr>
-          <p:cNvPr id="15" name="직선 연결선 14">
-            <a:extLst>
-              <a:ext uri="{FF2B5EF4-FFF2-40B4-BE49-F238E27FC236}">
-                <a16:creationId xmlns="" xmlns:a16="http://schemas.microsoft.com/office/drawing/2014/main" id="{E40D645D-B358-1557-2F13-A243670FCA7A}"/>
-              </a:ext>
-            </a:extLst>
-          </p:cNvPr>
-          <p:cNvCxnSpPr/>
-          <p:nvPr/>
-        </p:nvCxnSpPr>
-        <p:spPr>
-          <a:xfrm>
-            <a:off x="3124200" y="3425371"/>
-            <a:ext cx="1981200" cy="0"/>
-          </a:xfrm>
-          <a:prstGeom prst="line">
-            <a:avLst/>
-          </a:prstGeom>
-          <a:ln>
-            <a:solidFill>
-              <a:srgbClr val="FF0000"/>
-            </a:solidFill>
-          </a:ln>
-        </p:spPr>
-        <p:style>
-          <a:lnRef idx="3">
-            <a:schemeClr val="accent2"/>
-          </a:lnRef>
-          <a:fillRef idx="0">
-            <a:schemeClr val="accent2"/>
-          </a:fillRef>
-          <a:effectRef idx="2">
-            <a:schemeClr val="accent2"/>
-          </a:effectRef>
-          <a:fontRef idx="minor">
-            <a:schemeClr val="tx1"/>
-          </a:fontRef>
-        </p:style>
-      </p:cxnSp>
-      <p:cxnSp>
-        <p:nvCxnSpPr>
-          <p:cNvPr id="16" name="직선 연결선 15">
-            <a:extLst>
-              <a:ext uri="{FF2B5EF4-FFF2-40B4-BE49-F238E27FC236}">
-                <a16:creationId xmlns="" xmlns:a16="http://schemas.microsoft.com/office/drawing/2014/main" id="{EBB73448-1B66-9555-EE66-45A1A58DB64F}"/>
-              </a:ext>
-            </a:extLst>
-          </p:cNvPr>
-          <p:cNvCxnSpPr>
-            <a:cxnSpLocks/>
-          </p:cNvCxnSpPr>
-          <p:nvPr/>
-        </p:nvCxnSpPr>
-        <p:spPr>
-          <a:xfrm>
-            <a:off x="5791200" y="3425371"/>
-            <a:ext cx="1066800" cy="0"/>
-          </a:xfrm>
-          <a:prstGeom prst="line">
-            <a:avLst/>
-          </a:prstGeom>
-          <a:ln>
-            <a:solidFill>
-              <a:srgbClr val="FF0000"/>
-            </a:solidFill>
-          </a:ln>
-        </p:spPr>
-        <p:style>
-          <a:lnRef idx="3">
-            <a:schemeClr val="accent2"/>
-          </a:lnRef>
-          <a:fillRef idx="0">
-            <a:schemeClr val="accent2"/>
-          </a:fillRef>
-          <a:effectRef idx="2">
-            <a:schemeClr val="accent2"/>
-          </a:effectRef>
-          <a:fontRef idx="minor">
-            <a:schemeClr val="tx1"/>
-          </a:fontRef>
-        </p:style>
-      </p:cxnSp>
-      <p:cxnSp>
-        <p:nvCxnSpPr>
-          <p:cNvPr id="18" name="직선 연결선 17">
-            <a:extLst>
-              <a:ext uri="{FF2B5EF4-FFF2-40B4-BE49-F238E27FC236}">
-                <a16:creationId xmlns="" xmlns:a16="http://schemas.microsoft.com/office/drawing/2014/main" id="{35AAEC27-482D-AAA0-269F-59162F0A70BA}"/>
-              </a:ext>
-            </a:extLst>
-          </p:cNvPr>
-          <p:cNvCxnSpPr>
-            <a:cxnSpLocks/>
-          </p:cNvCxnSpPr>
-          <p:nvPr/>
-        </p:nvCxnSpPr>
-        <p:spPr>
-          <a:xfrm>
-            <a:off x="7131397" y="3425371"/>
-            <a:ext cx="717203" cy="0"/>
-          </a:xfrm>
-          <a:prstGeom prst="line">
-            <a:avLst/>
-          </a:prstGeom>
-          <a:ln>
-            <a:solidFill>
-              <a:srgbClr val="FF0000"/>
-            </a:solidFill>
-          </a:ln>
-        </p:spPr>
-        <p:style>
-          <a:lnRef idx="3">
-            <a:schemeClr val="accent2"/>
-          </a:lnRef>
-          <a:fillRef idx="0">
-            <a:schemeClr val="accent2"/>
-          </a:fillRef>
-          <a:effectRef idx="2">
-            <a:schemeClr val="accent2"/>
-          </a:effectRef>
-          <a:fontRef idx="minor">
-            <a:schemeClr val="tx1"/>
-          </a:fontRef>
-        </p:style>
-      </p:cxnSp>
-      <p:cxnSp>
-        <p:nvCxnSpPr>
-          <p:cNvPr id="22" name="직선 화살표 연결선 21">
-            <a:extLst>
-              <a:ext uri="{FF2B5EF4-FFF2-40B4-BE49-F238E27FC236}">
-                <a16:creationId xmlns="" xmlns:a16="http://schemas.microsoft.com/office/drawing/2014/main" id="{88D55703-962D-4B5F-B944-2FA5E6FFAAA6}"/>
-              </a:ext>
-            </a:extLst>
-          </p:cNvPr>
-          <p:cNvCxnSpPr>
-            <a:cxnSpLocks/>
-          </p:cNvCxnSpPr>
-          <p:nvPr/>
-        </p:nvCxnSpPr>
-        <p:spPr>
-          <a:xfrm flipH="1">
-            <a:off x="6172200" y="3624774"/>
-            <a:ext cx="152400" cy="1985270"/>
-          </a:xfrm>
-          <a:prstGeom prst="straightConnector1">
-            <a:avLst/>
-          </a:prstGeom>
-          <a:ln w="38100">
-            <a:tailEnd type="triangle"/>
-          </a:ln>
-        </p:spPr>
-        <p:style>
-          <a:lnRef idx="1">
-            <a:schemeClr val="accent2"/>
-          </a:lnRef>
-          <a:fillRef idx="0">
-            <a:schemeClr val="accent2"/>
-          </a:fillRef>
-          <a:effectRef idx="0">
-            <a:schemeClr val="accent2"/>
-          </a:effectRef>
-          <a:fontRef idx="minor">
-            <a:schemeClr val="tx1"/>
-          </a:fontRef>
-        </p:style>
-      </p:cxnSp>
-      <p:sp>
-        <p:nvSpPr>
-          <p:cNvPr id="23" name="TextBox 22">
-            <a:extLst>
-              <a:ext uri="{FF2B5EF4-FFF2-40B4-BE49-F238E27FC236}">
-                <a16:creationId xmlns="" xmlns:a16="http://schemas.microsoft.com/office/drawing/2014/main" id="{B01C68AF-C22F-AE31-1BE0-52007B872250}"/>
-              </a:ext>
-            </a:extLst>
-          </p:cNvPr>
-          <p:cNvSpPr txBox="1"/>
-          <p:nvPr/>
-        </p:nvSpPr>
-        <p:spPr>
-          <a:xfrm>
-            <a:off x="4610100" y="5809446"/>
-            <a:ext cx="2857500" cy="954107"/>
-          </a:xfrm>
-          <a:prstGeom prst="rect">
-            <a:avLst/>
-          </a:prstGeom>
-          <a:noFill/>
-        </p:spPr>
-        <p:txBody>
-          <a:bodyPr wrap="square" rtlCol="0">
-            <a:spAutoFit/>
-          </a:bodyPr>
-          <a:lstStyle/>
-          <a:p>
-            <a:r>
-              <a:rPr lang="ko-KR" altLang="en-US" sz="2800" dirty="0">
-                <a:solidFill>
-                  <a:srgbClr val="FF0000"/>
-                </a:solidFill>
-                <a:latin typeface="G마켓 산스 Medium" panose="02000000000000000000" pitchFamily="50" charset="-127"/>
-                <a:ea typeface="G마켓 산스 Medium" panose="02000000000000000000" pitchFamily="50" charset="-127"/>
-              </a:rPr>
-              <a:t>조건식</a:t>
-            </a:r>
-            <a:r>
-              <a:rPr lang="en-US" altLang="ko-KR" sz="2800" dirty="0">
-                <a:solidFill>
-                  <a:srgbClr val="FF0000"/>
-                </a:solidFill>
-                <a:latin typeface="G마켓 산스 Medium" panose="02000000000000000000" pitchFamily="50" charset="-127"/>
-                <a:ea typeface="G마켓 산스 Medium" panose="02000000000000000000" pitchFamily="50" charset="-127"/>
-              </a:rPr>
-              <a:t>(true</a:t>
-            </a:r>
-            <a:r>
-              <a:rPr lang="ko-KR" altLang="en-US" sz="2800" dirty="0">
-                <a:solidFill>
-                  <a:srgbClr val="FF0000"/>
-                </a:solidFill>
-                <a:latin typeface="G마켓 산스 Medium" panose="02000000000000000000" pitchFamily="50" charset="-127"/>
-                <a:ea typeface="G마켓 산스 Medium" panose="02000000000000000000" pitchFamily="50" charset="-127"/>
-              </a:rPr>
-              <a:t>이면 실행한다</a:t>
-            </a:r>
-            <a:r>
-              <a:rPr lang="en-US" altLang="ko-KR" sz="2800" dirty="0">
-                <a:solidFill>
-                  <a:srgbClr val="FF0000"/>
-                </a:solidFill>
-                <a:latin typeface="G마켓 산스 Medium" panose="02000000000000000000" pitchFamily="50" charset="-127"/>
-                <a:ea typeface="G마켓 산스 Medium" panose="02000000000000000000" pitchFamily="50" charset="-127"/>
-              </a:rPr>
-              <a:t>.)</a:t>
-            </a:r>
-          </a:p>
-        </p:txBody>
-      </p:sp>
-      <p:cxnSp>
-        <p:nvCxnSpPr>
-          <p:cNvPr id="26" name="직선 화살표 연결선 25">
-            <a:extLst>
-              <a:ext uri="{FF2B5EF4-FFF2-40B4-BE49-F238E27FC236}">
-                <a16:creationId xmlns="" xmlns:a16="http://schemas.microsoft.com/office/drawing/2014/main" id="{E3E3BE3C-1B41-2CD2-E50A-5C5AD79D9AAF}"/>
-              </a:ext>
-            </a:extLst>
-          </p:cNvPr>
-          <p:cNvCxnSpPr>
-            <a:cxnSpLocks/>
-          </p:cNvCxnSpPr>
-          <p:nvPr/>
-        </p:nvCxnSpPr>
-        <p:spPr>
-          <a:xfrm>
-            <a:off x="7566198" y="3468881"/>
-            <a:ext cx="1120602" cy="2161609"/>
-          </a:xfrm>
-          <a:prstGeom prst="straightConnector1">
-            <a:avLst/>
-          </a:prstGeom>
-          <a:ln w="38100">
-            <a:tailEnd type="triangle"/>
-          </a:ln>
-        </p:spPr>
-        <p:style>
-          <a:lnRef idx="1">
-            <a:schemeClr val="accent2"/>
-          </a:lnRef>
-          <a:fillRef idx="0">
-            <a:schemeClr val="accent2"/>
-          </a:fillRef>
-          <a:effectRef idx="0">
-            <a:schemeClr val="accent2"/>
-          </a:effectRef>
-          <a:fontRef idx="minor">
-            <a:schemeClr val="tx1"/>
-          </a:fontRef>
-        </p:style>
-      </p:cxnSp>
-      <p:sp>
-        <p:nvSpPr>
-          <p:cNvPr id="28" name="TextBox 27">
-            <a:extLst>
-              <a:ext uri="{FF2B5EF4-FFF2-40B4-BE49-F238E27FC236}">
-                <a16:creationId xmlns="" xmlns:a16="http://schemas.microsoft.com/office/drawing/2014/main" id="{0AED7062-9061-7061-FAA1-5143175174F0}"/>
-              </a:ext>
-            </a:extLst>
-          </p:cNvPr>
-          <p:cNvSpPr txBox="1"/>
-          <p:nvPr/>
-        </p:nvSpPr>
-        <p:spPr>
-          <a:xfrm>
-            <a:off x="8153400" y="5788261"/>
-            <a:ext cx="8305800" cy="523220"/>
-          </a:xfrm>
-          <a:prstGeom prst="rect">
-            <a:avLst/>
-          </a:prstGeom>
-          <a:noFill/>
-        </p:spPr>
-        <p:txBody>
-          <a:bodyPr wrap="square" rtlCol="0">
-            <a:spAutoFit/>
-          </a:bodyPr>
-          <a:lstStyle/>
-          <a:p>
-            <a:r>
-              <a:rPr lang="en-US" altLang="ko-KR" sz="2800" dirty="0">
-                <a:solidFill>
-                  <a:srgbClr val="FF0000"/>
-                </a:solidFill>
-                <a:latin typeface="G마켓 산스 Medium" panose="02000000000000000000" pitchFamily="50" charset="-127"/>
-                <a:ea typeface="G마켓 산스 Medium" panose="02000000000000000000" pitchFamily="50" charset="-127"/>
-              </a:rPr>
-              <a:t>For</a:t>
-            </a:r>
-            <a:r>
-              <a:rPr lang="ko-KR" altLang="en-US" sz="2800" dirty="0">
-                <a:solidFill>
-                  <a:srgbClr val="FF0000"/>
-                </a:solidFill>
-                <a:latin typeface="G마켓 산스 Medium" panose="02000000000000000000" pitchFamily="50" charset="-127"/>
-                <a:ea typeface="G마켓 산스 Medium" panose="02000000000000000000" pitchFamily="50" charset="-127"/>
-              </a:rPr>
-              <a:t>문의 코드를 모두 실행하면 마지막에 실행된다</a:t>
-            </a:r>
-            <a:r>
-              <a:rPr lang="en-US" altLang="ko-KR" sz="2800" dirty="0">
-                <a:solidFill>
-                  <a:srgbClr val="FF0000"/>
-                </a:solidFill>
-                <a:latin typeface="G마켓 산스 Medium" panose="02000000000000000000" pitchFamily="50" charset="-127"/>
-                <a:ea typeface="G마켓 산스 Medium" panose="02000000000000000000" pitchFamily="50" charset="-127"/>
-              </a:rPr>
-              <a:t>.</a:t>
-            </a:r>
-          </a:p>
-        </p:txBody>
-      </p:sp>
-      <p:sp>
-        <p:nvSpPr>
-          <p:cNvPr id="30" name="TextBox 29">
-            <a:extLst>
-              <a:ext uri="{FF2B5EF4-FFF2-40B4-BE49-F238E27FC236}">
-                <a16:creationId xmlns="" xmlns:a16="http://schemas.microsoft.com/office/drawing/2014/main" id="{642BD45E-F7C7-02E1-DAD2-9488C8690BE0}"/>
-              </a:ext>
-            </a:extLst>
-          </p:cNvPr>
-          <p:cNvSpPr txBox="1"/>
-          <p:nvPr/>
-        </p:nvSpPr>
-        <p:spPr>
-          <a:xfrm>
-            <a:off x="1966686" y="1601569"/>
-            <a:ext cx="6186714" cy="646331"/>
-          </a:xfrm>
-          <a:prstGeom prst="rect">
-            <a:avLst/>
-          </a:prstGeom>
-          <a:noFill/>
-        </p:spPr>
-        <p:txBody>
-          <a:bodyPr wrap="square" rtlCol="0">
-            <a:spAutoFit/>
-          </a:bodyPr>
-          <a:lstStyle/>
-          <a:p>
-            <a:r>
-              <a:rPr lang="en-US" altLang="ko-KR" sz="3600" dirty="0">
-                <a:solidFill>
-                  <a:srgbClr val="4C50BC"/>
-                </a:solidFill>
-                <a:latin typeface="G마켓 산스 Medium" panose="02000000000000000000" pitchFamily="50" charset="-127"/>
-                <a:ea typeface="G마켓 산스 Medium" panose="02000000000000000000" pitchFamily="50" charset="-127"/>
-              </a:rPr>
-              <a:t>For(</a:t>
-            </a:r>
-            <a:r>
-              <a:rPr lang="ko-KR" altLang="en-US" sz="3600" dirty="0">
-                <a:solidFill>
-                  <a:srgbClr val="4C50BC"/>
-                </a:solidFill>
-                <a:latin typeface="G마켓 산스 Medium" panose="02000000000000000000" pitchFamily="50" charset="-127"/>
-                <a:ea typeface="G마켓 산스 Medium" panose="02000000000000000000" pitchFamily="50" charset="-127"/>
-              </a:rPr>
-              <a:t>초기화 </a:t>
-            </a:r>
-            <a:r>
-              <a:rPr lang="en-US" altLang="ko-KR" sz="3600" dirty="0">
-                <a:solidFill>
-                  <a:srgbClr val="4C50BC"/>
-                </a:solidFill>
-                <a:latin typeface="G마켓 산스 Medium" panose="02000000000000000000" pitchFamily="50" charset="-127"/>
-                <a:ea typeface="G마켓 산스 Medium" panose="02000000000000000000" pitchFamily="50" charset="-127"/>
-              </a:rPr>
-              <a:t>; </a:t>
-            </a:r>
-            <a:r>
-              <a:rPr lang="ko-KR" altLang="en-US" sz="3600" dirty="0">
-                <a:solidFill>
-                  <a:srgbClr val="4C50BC"/>
-                </a:solidFill>
-                <a:latin typeface="G마켓 산스 Medium" panose="02000000000000000000" pitchFamily="50" charset="-127"/>
-                <a:ea typeface="G마켓 산스 Medium" panose="02000000000000000000" pitchFamily="50" charset="-127"/>
-              </a:rPr>
-              <a:t>조건식</a:t>
-            </a:r>
-            <a:r>
-              <a:rPr lang="en-US" altLang="ko-KR" sz="3600" dirty="0">
-                <a:solidFill>
-                  <a:srgbClr val="4C50BC"/>
-                </a:solidFill>
-                <a:latin typeface="G마켓 산스 Medium" panose="02000000000000000000" pitchFamily="50" charset="-127"/>
-                <a:ea typeface="G마켓 산스 Medium" panose="02000000000000000000" pitchFamily="50" charset="-127"/>
-              </a:rPr>
-              <a:t>;</a:t>
-            </a:r>
-            <a:r>
-              <a:rPr lang="ko-KR" altLang="en-US" sz="3600" dirty="0" err="1">
-                <a:solidFill>
-                  <a:srgbClr val="4C50BC"/>
-                </a:solidFill>
-                <a:latin typeface="G마켓 산스 Medium" panose="02000000000000000000" pitchFamily="50" charset="-127"/>
-                <a:ea typeface="G마켓 산스 Medium" panose="02000000000000000000" pitchFamily="50" charset="-127"/>
-              </a:rPr>
-              <a:t>증감식</a:t>
-            </a:r>
-            <a:r>
-              <a:rPr lang="en-US" altLang="ko-KR" sz="3600" dirty="0">
-                <a:solidFill>
-                  <a:srgbClr val="4C50BC"/>
-                </a:solidFill>
-                <a:latin typeface="G마켓 산스 Medium" panose="02000000000000000000" pitchFamily="50" charset="-127"/>
-                <a:ea typeface="G마켓 산스 Medium" panose="02000000000000000000" pitchFamily="50" charset="-127"/>
-              </a:rPr>
-              <a:t>)</a:t>
-            </a:r>
-          </a:p>
-        </p:txBody>
-      </p:sp>
-    </p:spTree>
-    <p:extLst>
-      <p:ext uri="{BB962C8B-B14F-4D97-AF65-F5344CB8AC3E}">
-        <p14:creationId xmlns:p14="http://schemas.microsoft.com/office/powerpoint/2010/main" val="3609099598"/>
-      </p:ext>
-    </p:extLst>
-  </p:cSld>
-  <p:clrMapOvr>
-    <a:masterClrMapping/>
-  </p:clrMapOvr>
-  <p:timing>
-    <p:tnLst>
-      <p:par>
-        <p:cTn id="1" dur="indefinite" restart="never" nodeType="tmRoot"/>
-      </p:par>
-    </p:tnLst>
-  </p:timing>
 </p:sld>
 </file>
 
